--- a/App/app_documentacion/1er_trimestre/1_proyecto/1_1_1_presentacion_proyecto.pptx
+++ b/App/app_documentacion/1er_trimestre/1_proyecto/1_1_1_presentacion_proyecto.pptx
@@ -6,19 +6,21 @@
   </p:sldMasterIdLst>
   <p:sldIdLst>
     <p:sldId id="256" r:id="rId2"/>
-    <p:sldId id="257" r:id="rId3"/>
-    <p:sldId id="258" r:id="rId4"/>
-    <p:sldId id="259" r:id="rId5"/>
-    <p:sldId id="260" r:id="rId6"/>
-    <p:sldId id="269" r:id="rId7"/>
-    <p:sldId id="261" r:id="rId8"/>
-    <p:sldId id="262" r:id="rId9"/>
-    <p:sldId id="263" r:id="rId10"/>
-    <p:sldId id="264" r:id="rId11"/>
-    <p:sldId id="265" r:id="rId12"/>
-    <p:sldId id="266" r:id="rId13"/>
-    <p:sldId id="267" r:id="rId14"/>
-    <p:sldId id="268" r:id="rId15"/>
+    <p:sldId id="270" r:id="rId3"/>
+    <p:sldId id="257" r:id="rId4"/>
+    <p:sldId id="258" r:id="rId5"/>
+    <p:sldId id="259" r:id="rId6"/>
+    <p:sldId id="260" r:id="rId7"/>
+    <p:sldId id="271" r:id="rId8"/>
+    <p:sldId id="269" r:id="rId9"/>
+    <p:sldId id="261" r:id="rId10"/>
+    <p:sldId id="262" r:id="rId11"/>
+    <p:sldId id="263" r:id="rId12"/>
+    <p:sldId id="264" r:id="rId13"/>
+    <p:sldId id="265" r:id="rId14"/>
+    <p:sldId id="266" r:id="rId15"/>
+    <p:sldId id="267" r:id="rId16"/>
+    <p:sldId id="268" r:id="rId17"/>
   </p:sldIdLst>
   <p:sldSz cx="9144000" cy="5143500" type="screen16x9"/>
   <p:notesSz cx="9144000" cy="5143500"/>
@@ -275,7 +277,7 @@
           <a:p>
             <a:fld id="{1D8BD707-D9CF-40AE-B4C6-C98DA3205C09}" type="datetimeFigureOut">
               <a:rPr lang="en-US"/>
-              <a:t>11/16/2021</a:t>
+              <a:t>11/29/2021</a:t>
             </a:fld>
             <a:endParaRPr lang="en-US"/>
           </a:p>
@@ -489,7 +491,7 @@
           <a:p>
             <a:fld id="{1D8BD707-D9CF-40AE-B4C6-C98DA3205C09}" type="datetimeFigureOut">
               <a:rPr lang="en-US"/>
-              <a:t>11/16/2021</a:t>
+              <a:t>11/29/2021</a:t>
             </a:fld>
             <a:endParaRPr lang="en-US"/>
           </a:p>
@@ -792,7 +794,7 @@
           <a:p>
             <a:fld id="{1D8BD707-D9CF-40AE-B4C6-C98DA3205C09}" type="datetimeFigureOut">
               <a:rPr lang="en-US"/>
-              <a:t>11/16/2021</a:t>
+              <a:t>11/29/2021</a:t>
             </a:fld>
             <a:endParaRPr lang="en-US"/>
           </a:p>
@@ -940,7 +942,7 @@
           <a:p>
             <a:fld id="{1D8BD707-D9CF-40AE-B4C6-C98DA3205C09}" type="datetimeFigureOut">
               <a:rPr lang="en-US"/>
-              <a:t>11/16/2021</a:t>
+              <a:t>11/29/2021</a:t>
             </a:fld>
             <a:endParaRPr lang="en-US"/>
           </a:p>
@@ -1059,7 +1061,7 @@
           <a:p>
             <a:fld id="{1D8BD707-D9CF-40AE-B4C6-C98DA3205C09}" type="datetimeFigureOut">
               <a:rPr lang="en-US"/>
-              <a:t>11/16/2021</a:t>
+              <a:t>11/29/2021</a:t>
             </a:fld>
             <a:endParaRPr lang="en-US"/>
           </a:p>
@@ -1284,7 +1286,7 @@
           <a:p>
             <a:fld id="{1D8BD707-D9CF-40AE-B4C6-C98DA3205C09}" type="datetimeFigureOut">
               <a:rPr lang="en-US"/>
-              <a:t>11/16/2021</a:t>
+              <a:t>11/29/2021</a:t>
             </a:fld>
             <a:endParaRPr lang="en-US"/>
           </a:p>
@@ -1511,7 +1513,7 @@
         </p:nvSpPr>
         <p:spPr>
           <a:xfrm>
-            <a:off x="-24161" y="36706"/>
+            <a:off x="-33953" y="0"/>
             <a:ext cx="9144000" cy="5143500"/>
           </a:xfrm>
           <a:prstGeom prst="rect">
@@ -1586,8 +1588,8 @@
         </p:nvSpPr>
         <p:spPr>
           <a:xfrm>
-            <a:off x="1465580" y="2284298"/>
-            <a:ext cx="6178550" cy="1640064"/>
+            <a:off x="1284273" y="2444962"/>
+            <a:ext cx="6840220" cy="1830309"/>
           </a:xfrm>
           <a:prstGeom prst="rect">
             <a:avLst/>
@@ -1608,7 +1610,7 @@
               </a:spcBef>
             </a:pPr>
             <a:r>
-              <a:rPr lang="es-CO" sz="1200" b="1" spc="-5" dirty="0">
+              <a:rPr lang="es-CO" sz="1600" b="1" spc="-5" dirty="0">
                 <a:solidFill>
                   <a:srgbClr val="404040"/>
                 </a:solidFill>
@@ -1628,7 +1630,7 @@
               </a:spcBef>
             </a:pPr>
             <a:r>
-              <a:rPr lang="es-CO" sz="1200" b="1" spc="-5" dirty="0">
+              <a:rPr lang="es-CO" sz="1600" b="1" spc="-5" dirty="0">
                 <a:solidFill>
                   <a:srgbClr val="404040"/>
                 </a:solidFill>
@@ -1648,7 +1650,7 @@
               </a:spcBef>
             </a:pPr>
             <a:r>
-              <a:rPr lang="es-CO" sz="1200" b="1" spc="-5" dirty="0">
+              <a:rPr lang="es-CO" sz="1600" b="1" spc="-5" dirty="0">
                 <a:solidFill>
                   <a:srgbClr val="404040"/>
                 </a:solidFill>
@@ -1657,7 +1659,7 @@
               </a:rPr>
               <a:t>Morcillo Katherine</a:t>
             </a:r>
-            <a:endParaRPr sz="1150" dirty="0">
+            <a:endParaRPr sz="1600" dirty="0">
               <a:latin typeface="Carlito"/>
               <a:cs typeface="Carlito"/>
             </a:endParaRPr>
@@ -2145,7 +2147,7 @@
         <p:spPr>
           <a:xfrm>
             <a:off x="461873" y="255473"/>
-            <a:ext cx="2344420" cy="574675"/>
+            <a:ext cx="1838960" cy="574675"/>
           </a:xfrm>
           <a:prstGeom prst="rect">
             <a:avLst/>
@@ -2166,12 +2168,68 @@
               </a:spcBef>
             </a:pPr>
             <a:r>
-              <a:rPr sz="3600" spc="-5" dirty="0">
+              <a:rPr sz="3600" spc="5" dirty="0">
                 <a:solidFill>
                   <a:srgbClr val="FFFFFF"/>
                 </a:solidFill>
               </a:rPr>
-              <a:t>Justificación</a:t>
+              <a:t>O</a:t>
+            </a:r>
+            <a:r>
+              <a:rPr sz="3600" dirty="0">
+                <a:solidFill>
+                  <a:srgbClr val="FFFFFF"/>
+                </a:solidFill>
+              </a:rPr>
+              <a:t>b</a:t>
+            </a:r>
+            <a:r>
+              <a:rPr sz="3600" spc="20" dirty="0">
+                <a:solidFill>
+                  <a:srgbClr val="FFFFFF"/>
+                </a:solidFill>
+              </a:rPr>
+              <a:t>j</a:t>
+            </a:r>
+            <a:r>
+              <a:rPr sz="3600" spc="-50" dirty="0">
+                <a:solidFill>
+                  <a:srgbClr val="FFFFFF"/>
+                </a:solidFill>
+              </a:rPr>
+              <a:t>e</a:t>
+            </a:r>
+            <a:r>
+              <a:rPr sz="3600" dirty="0">
+                <a:solidFill>
+                  <a:srgbClr val="FFFFFF"/>
+                </a:solidFill>
+              </a:rPr>
+              <a:t>t</a:t>
+            </a:r>
+            <a:r>
+              <a:rPr sz="3600" spc="20" dirty="0">
+                <a:solidFill>
+                  <a:srgbClr val="FFFFFF"/>
+                </a:solidFill>
+              </a:rPr>
+              <a:t>i</a:t>
+            </a:r>
+            <a:r>
+              <a:rPr sz="3600" spc="-50" dirty="0">
+                <a:solidFill>
+                  <a:srgbClr val="FFFFFF"/>
+                </a:solidFill>
+              </a:rPr>
+              <a:t>v</a:t>
+            </a:r>
+            <a:r>
+              <a:rPr sz="3600" dirty="0">
+                <a:solidFill>
+                  <a:srgbClr val="FFFFFF"/>
+                </a:solidFill>
+              </a:rPr>
+              <a:t>os</a:t>
             </a:r>
             <a:endParaRPr sz="3600"/>
           </a:p>
@@ -2262,17 +2320,13 @@
       <p:sp>
         <p:nvSpPr>
           <p:cNvPr id="5" name="object 5"/>
-          <p:cNvSpPr txBox="1">
-            <a:spLocks noGrp="1"/>
-          </p:cNvSpPr>
-          <p:nvPr>
-            <p:ph type="body" idx="1"/>
-          </p:nvPr>
+          <p:cNvSpPr txBox="1"/>
+          <p:nvPr/>
         </p:nvSpPr>
         <p:spPr>
           <a:xfrm>
             <a:off x="461873" y="1258316"/>
-            <a:ext cx="8154670" cy="2487989"/>
+            <a:ext cx="8189595" cy="3091872"/>
           </a:xfrm>
           <a:prstGeom prst="rect">
             <a:avLst/>
@@ -2284,389 +2338,15 @@
           </a:bodyPr>
           <a:lstStyle/>
           <a:p>
-            <a:pPr marL="12065" marR="8255" algn="just">
+            <a:pPr marL="12700">
               <a:lnSpc>
-                <a:spcPct val="103600"/>
-              </a:lnSpc>
-              <a:tabLst>
-                <a:tab pos="300990" algn="l"/>
-              </a:tabLst>
-            </a:pPr>
-            <a:r>
-              <a:rPr spc="10" dirty="0"/>
-              <a:t>Se propone el </a:t>
-            </a:r>
-            <a:r>
-              <a:rPr spc="15" dirty="0"/>
-              <a:t>desarrollo </a:t>
-            </a:r>
-            <a:r>
-              <a:rPr spc="10" dirty="0"/>
-              <a:t>de un Sistema de </a:t>
-            </a:r>
-            <a:r>
-              <a:rPr spc="15" dirty="0"/>
-              <a:t>Información </a:t>
-            </a:r>
-            <a:r>
-              <a:rPr spc="-5" dirty="0"/>
-              <a:t>Web </a:t>
-            </a:r>
-            <a:r>
-              <a:rPr spc="20" dirty="0" err="1"/>
-              <a:t>denominado</a:t>
-            </a:r>
-            <a:r>
-              <a:rPr lang="es-CO" spc="20" dirty="0"/>
-              <a:t> </a:t>
-            </a:r>
-            <a:r>
-              <a:rPr lang="es-CO" spc="20" dirty="0" err="1"/>
-              <a:t>Sistematic</a:t>
-            </a:r>
-            <a:r>
-              <a:rPr lang="es-CO" spc="20" dirty="0"/>
-              <a:t> </a:t>
-            </a:r>
-            <a:r>
-              <a:rPr lang="es-CO" spc="20" dirty="0" err="1"/>
-              <a:t>Cutex</a:t>
-            </a:r>
-            <a:r>
-              <a:rPr spc="15" dirty="0"/>
-              <a:t> </a:t>
-            </a:r>
-            <a:r>
-              <a:rPr spc="10" dirty="0"/>
-              <a:t>que sirva </a:t>
-            </a:r>
-            <a:r>
-              <a:rPr spc="25" dirty="0"/>
-              <a:t>como </a:t>
-            </a:r>
-            <a:r>
-              <a:rPr spc="10" dirty="0"/>
-              <a:t>herramienta software de apoyo </a:t>
-            </a:r>
-            <a:r>
-              <a:rPr spc="5" dirty="0"/>
-              <a:t>al </a:t>
-            </a:r>
-            <a:r>
-              <a:rPr spc="15" dirty="0" err="1"/>
-              <a:t>seguimiento</a:t>
-            </a:r>
-            <a:r>
-              <a:rPr spc="15" dirty="0"/>
-              <a:t> de</a:t>
-            </a:r>
-            <a:r>
-              <a:rPr lang="es-CO" spc="15" dirty="0"/>
-              <a:t>  inventariado, facturación y marketing </a:t>
-            </a:r>
-            <a:r>
-              <a:rPr spc="10" dirty="0"/>
-              <a:t>de la </a:t>
-            </a:r>
-            <a:r>
-              <a:rPr dirty="0" err="1"/>
-              <a:t>Empresa</a:t>
-            </a:r>
-            <a:r>
-              <a:rPr dirty="0"/>
-              <a:t> </a:t>
-            </a:r>
-            <a:r>
-              <a:rPr lang="es-CO" spc="5" dirty="0" err="1"/>
-              <a:t>Peleteria</a:t>
-            </a:r>
-            <a:r>
-              <a:rPr lang="es-CO" spc="5" dirty="0"/>
-              <a:t> cueros y color. El cual p</a:t>
-            </a:r>
-            <a:r>
-              <a:rPr spc="5" dirty="0" err="1"/>
-              <a:t>ermitirá</a:t>
-            </a:r>
-            <a:r>
-              <a:rPr spc="5" dirty="0"/>
-              <a:t> </a:t>
-            </a:r>
-            <a:r>
-              <a:rPr spc="10" dirty="0"/>
-              <a:t>la </a:t>
-            </a:r>
-            <a:r>
-              <a:rPr spc="10" dirty="0" err="1"/>
-              <a:t>gestión</a:t>
-            </a:r>
-            <a:r>
-              <a:rPr spc="10" dirty="0"/>
-              <a:t> de</a:t>
-            </a:r>
-            <a:r>
-              <a:rPr lang="es-CO" spc="10" dirty="0"/>
-              <a:t> los clientes </a:t>
-            </a:r>
-            <a:r>
-              <a:rPr spc="15" dirty="0" err="1"/>
-              <a:t>como</a:t>
-            </a:r>
-            <a:r>
-              <a:rPr spc="15" dirty="0"/>
-              <a:t> </a:t>
-            </a:r>
-            <a:r>
-              <a:rPr spc="20" dirty="0"/>
-              <a:t>usuarios </a:t>
-            </a:r>
-            <a:r>
-              <a:rPr spc="10" dirty="0"/>
-              <a:t>de</a:t>
-            </a:r>
-            <a:r>
-              <a:rPr spc="135" dirty="0"/>
-              <a:t> </a:t>
-            </a:r>
-            <a:r>
-              <a:rPr spc="5" dirty="0"/>
-              <a:t>la</a:t>
-            </a:r>
-            <a:r>
-              <a:rPr lang="es-CO" spc="5" dirty="0"/>
-              <a:t> </a:t>
-            </a:r>
-            <a:r>
-              <a:rPr spc="15" dirty="0" err="1"/>
-              <a:t>Empresa</a:t>
-            </a:r>
-            <a:r>
-              <a:rPr spc="15" dirty="0"/>
-              <a:t>. </a:t>
-            </a:r>
-            <a:endParaRPr lang="es-CO" spc="15" dirty="0"/>
-          </a:p>
-          <a:p>
-            <a:pPr marL="12065" marR="8255" algn="just">
-              <a:lnSpc>
-                <a:spcPct val="103600"/>
-              </a:lnSpc>
-              <a:tabLst>
-                <a:tab pos="300990" algn="l"/>
-              </a:tabLst>
-            </a:pPr>
-            <a:endParaRPr lang="es-CO" spc="15" dirty="0"/>
-          </a:p>
-          <a:p>
-            <a:pPr marL="12065" marR="8255" algn="just">
-              <a:lnSpc>
-                <a:spcPct val="103600"/>
-              </a:lnSpc>
-              <a:tabLst>
-                <a:tab pos="300990" algn="l"/>
-              </a:tabLst>
-            </a:pPr>
-            <a:r>
-              <a:rPr spc="5" dirty="0" err="1"/>
-              <a:t>En</a:t>
-            </a:r>
-            <a:r>
-              <a:rPr spc="5" dirty="0"/>
-              <a:t>  </a:t>
-            </a:r>
-            <a:r>
-              <a:rPr spc="15" dirty="0"/>
-              <a:t>[ModProceso1] </a:t>
-            </a:r>
-            <a:r>
-              <a:rPr spc="5" dirty="0"/>
-              <a:t>los </a:t>
-            </a:r>
-            <a:r>
-              <a:rPr spc="10" dirty="0"/>
-              <a:t>[Perfiles </a:t>
-            </a:r>
-            <a:r>
-              <a:rPr spc="15" dirty="0"/>
-              <a:t>Usuario]  </a:t>
-            </a:r>
-            <a:r>
-              <a:rPr spc="10" dirty="0"/>
-              <a:t>podrán </a:t>
-            </a:r>
-            <a:r>
-              <a:rPr spc="20" dirty="0"/>
-              <a:t>[acciones </a:t>
-            </a:r>
-            <a:r>
-              <a:rPr spc="10" dirty="0"/>
-              <a:t>del Sistema </a:t>
-            </a:r>
-            <a:r>
-              <a:rPr spc="15" dirty="0"/>
-              <a:t>(beneficios comparados con </a:t>
-            </a:r>
-            <a:r>
-              <a:rPr spc="5" dirty="0"/>
-              <a:t>las </a:t>
-            </a:r>
-            <a:r>
-              <a:rPr spc="15" dirty="0"/>
-              <a:t>necesidades </a:t>
-            </a:r>
-            <a:r>
-              <a:rPr spc="10" dirty="0"/>
-              <a:t>encontradas)]. </a:t>
-            </a:r>
-            <a:r>
-              <a:rPr spc="-5" dirty="0"/>
-              <a:t>En  </a:t>
-            </a:r>
-            <a:r>
-              <a:rPr spc="15" dirty="0"/>
-              <a:t>[ModProceso2] </a:t>
-            </a:r>
-            <a:r>
-              <a:rPr spc="10" dirty="0"/>
-              <a:t>los [Perfiles </a:t>
-            </a:r>
-            <a:r>
-              <a:rPr spc="15" dirty="0"/>
-              <a:t>Usuario] podrán [acciones </a:t>
-            </a:r>
-            <a:r>
-              <a:rPr spc="20" dirty="0"/>
-              <a:t>del </a:t>
-            </a:r>
-            <a:r>
-              <a:rPr spc="10" dirty="0"/>
-              <a:t>Sistema </a:t>
-            </a:r>
-            <a:r>
-              <a:rPr spc="15" dirty="0"/>
-              <a:t>(beneficios comparados con  </a:t>
-            </a:r>
-            <a:r>
-              <a:rPr spc="10" dirty="0"/>
-              <a:t>las </a:t>
-            </a:r>
-            <a:r>
-              <a:rPr spc="15" dirty="0"/>
-              <a:t>necesidades encontradas)]. Finalmente, </a:t>
-            </a:r>
-            <a:r>
-              <a:rPr dirty="0"/>
-              <a:t>facilitará </a:t>
-            </a:r>
-            <a:r>
-              <a:rPr spc="10" dirty="0"/>
-              <a:t>la gestión de </a:t>
-            </a:r>
-            <a:r>
-              <a:rPr spc="15" dirty="0"/>
-              <a:t>reportes </a:t>
-            </a:r>
-            <a:r>
-              <a:rPr spc="10" dirty="0"/>
-              <a:t>gráficos </a:t>
-            </a:r>
-            <a:r>
-              <a:rPr spc="15" dirty="0"/>
-              <a:t>e impresos,  necesarios </a:t>
-            </a:r>
-            <a:r>
-              <a:rPr spc="5" dirty="0"/>
-              <a:t>para </a:t>
-            </a:r>
-            <a:r>
-              <a:rPr spc="25" dirty="0"/>
-              <a:t>la </a:t>
-            </a:r>
-            <a:r>
-              <a:rPr spc="10" dirty="0"/>
-              <a:t>toma de </a:t>
-            </a:r>
-            <a:r>
-              <a:rPr spc="15" dirty="0"/>
-              <a:t>decisiones </a:t>
-            </a:r>
-            <a:r>
-              <a:rPr spc="10" dirty="0"/>
-              <a:t>del </a:t>
-            </a:r>
-            <a:r>
-              <a:rPr spc="15" dirty="0"/>
-              <a:t>personal </a:t>
-            </a:r>
-            <a:r>
-              <a:rPr spc="10" dirty="0"/>
-              <a:t>administrativo de </a:t>
-            </a:r>
-            <a:r>
-              <a:rPr spc="5" dirty="0"/>
-              <a:t>la </a:t>
-            </a:r>
-            <a:r>
-              <a:rPr spc="15" dirty="0"/>
-              <a:t>Empresa </a:t>
-            </a:r>
-            <a:r>
-              <a:rPr spc="20" dirty="0"/>
-              <a:t>[Nombre  </a:t>
-            </a:r>
-            <a:r>
-              <a:rPr spc="5" dirty="0"/>
-              <a:t>Empresa].</a:t>
-            </a:r>
-          </a:p>
-        </p:txBody>
-      </p:sp>
-      <p:sp>
-        <p:nvSpPr>
-          <p:cNvPr id="6" name="object 6"/>
-          <p:cNvSpPr txBox="1"/>
-          <p:nvPr/>
-        </p:nvSpPr>
-        <p:spPr>
-          <a:xfrm>
-            <a:off x="461873" y="4186529"/>
-            <a:ext cx="6673215" cy="752475"/>
-          </a:xfrm>
-          <a:prstGeom prst="rect">
-            <a:avLst/>
-          </a:prstGeom>
-        </p:spPr>
-        <p:txBody>
-          <a:bodyPr vert="horz" wrap="square" lIns="0" tIns="10795" rIns="0" bIns="0" rtlCol="0">
-            <a:spAutoFit/>
-          </a:bodyPr>
-          <a:lstStyle/>
-          <a:p>
-            <a:pPr marL="281940" marR="5080" indent="-269875">
-              <a:lnSpc>
-                <a:spcPct val="102699"/>
+                <a:spcPct val="100000"/>
               </a:lnSpc>
               <a:spcBef>
-                <a:spcPts val="85"/>
+                <a:spcPts val="130"/>
               </a:spcBef>
-              <a:buFont typeface="Arial"/>
-              <a:buChar char="•"/>
-              <a:tabLst>
-                <a:tab pos="300355" algn="l"/>
-                <a:tab pos="300990" algn="l"/>
-              </a:tabLst>
             </a:pPr>
             <a:r>
-              <a:rPr sz="1550" b="1" spc="15" dirty="0">
-                <a:solidFill>
-                  <a:srgbClr val="404040"/>
-                </a:solidFill>
-                <a:latin typeface="Carlito"/>
-                <a:cs typeface="Carlito"/>
-              </a:rPr>
-              <a:t>Aporte al </a:t>
-            </a:r>
-            <a:r>
               <a:rPr sz="1550" b="1" spc="10" dirty="0">
                 <a:solidFill>
                   <a:srgbClr val="404040"/>
@@ -2674,110 +2354,10 @@
                 <a:latin typeface="Carlito"/>
                 <a:cs typeface="Carlito"/>
               </a:rPr>
-              <a:t>Sector: </a:t>
-            </a:r>
-            <a:r>
-              <a:rPr sz="1550" dirty="0">
-                <a:solidFill>
-                  <a:srgbClr val="404040"/>
-                </a:solidFill>
-                <a:latin typeface="Carlito"/>
-                <a:cs typeface="Carlito"/>
-              </a:rPr>
-              <a:t>El </a:t>
-            </a:r>
-            <a:r>
-              <a:rPr sz="1550" spc="10" dirty="0">
-                <a:solidFill>
-                  <a:srgbClr val="404040"/>
-                </a:solidFill>
-                <a:latin typeface="Carlito"/>
-                <a:cs typeface="Carlito"/>
-              </a:rPr>
-              <a:t>Sistema </a:t>
-            </a:r>
-            <a:r>
-              <a:rPr sz="1550" spc="5" dirty="0">
-                <a:solidFill>
-                  <a:srgbClr val="404040"/>
-                </a:solidFill>
-                <a:latin typeface="Carlito"/>
-                <a:cs typeface="Carlito"/>
-              </a:rPr>
-              <a:t>[Nombre Empresa] </a:t>
-            </a:r>
-            <a:r>
-              <a:rPr sz="1550" dirty="0">
-                <a:solidFill>
-                  <a:srgbClr val="404040"/>
-                </a:solidFill>
-                <a:latin typeface="Carlito"/>
-                <a:cs typeface="Carlito"/>
-              </a:rPr>
-              <a:t>servirá </a:t>
-            </a:r>
-            <a:r>
-              <a:rPr sz="1550" spc="15" dirty="0">
-                <a:solidFill>
-                  <a:srgbClr val="404040"/>
-                </a:solidFill>
-                <a:latin typeface="Carlito"/>
-                <a:cs typeface="Carlito"/>
-              </a:rPr>
-              <a:t>como </a:t>
-            </a:r>
-            <a:r>
-              <a:rPr sz="1550" spc="10" dirty="0">
-                <a:solidFill>
-                  <a:srgbClr val="404040"/>
-                </a:solidFill>
-                <a:latin typeface="Carlito"/>
-                <a:cs typeface="Carlito"/>
-              </a:rPr>
-              <a:t>aporte al sector  </a:t>
-            </a:r>
-            <a:r>
-              <a:rPr sz="1550" spc="15" dirty="0">
-                <a:solidFill>
-                  <a:srgbClr val="404040"/>
-                </a:solidFill>
-                <a:latin typeface="Carlito"/>
-                <a:cs typeface="Carlito"/>
-              </a:rPr>
-              <a:t>[Sector], como </a:t>
-            </a:r>
-            <a:r>
-              <a:rPr sz="1550" spc="10" dirty="0">
-                <a:solidFill>
-                  <a:srgbClr val="404040"/>
-                </a:solidFill>
-                <a:latin typeface="Carlito"/>
-                <a:cs typeface="Carlito"/>
-              </a:rPr>
-              <a:t>[importancia </a:t>
-            </a:r>
-            <a:r>
-              <a:rPr sz="1550" dirty="0">
-                <a:solidFill>
-                  <a:srgbClr val="404040"/>
-                </a:solidFill>
-                <a:latin typeface="Carlito"/>
-                <a:cs typeface="Carlito"/>
-              </a:rPr>
-              <a:t>para </a:t>
-            </a:r>
-            <a:r>
-              <a:rPr sz="1550" spc="10" dirty="0">
-                <a:solidFill>
-                  <a:srgbClr val="404040"/>
-                </a:solidFill>
-                <a:latin typeface="Carlito"/>
-                <a:cs typeface="Carlito"/>
-              </a:rPr>
-              <a:t>el</a:t>
-            </a:r>
-            <a:r>
-              <a:rPr sz="1550" spc="215" dirty="0">
+              <a:t>OBJETIVO</a:t>
+            </a:r>
+            <a:r>
+              <a:rPr sz="1550" b="1" spc="45" dirty="0">
                 <a:solidFill>
                   <a:srgbClr val="404040"/>
                 </a:solidFill>
@@ -2787,22 +2367,227 @@
               <a:t> </a:t>
             </a:r>
             <a:r>
-              <a:rPr sz="1550" spc="10" dirty="0">
-                <a:solidFill>
-                  <a:srgbClr val="404040"/>
-                </a:solidFill>
-                <a:latin typeface="Carlito"/>
-                <a:cs typeface="Carlito"/>
-              </a:rPr>
-              <a:t>Sector].</a:t>
-            </a:r>
-            <a:endParaRPr sz="1550">
+              <a:rPr sz="1550" b="1" spc="10" dirty="0">
+                <a:solidFill>
+                  <a:srgbClr val="404040"/>
+                </a:solidFill>
+                <a:latin typeface="Carlito"/>
+                <a:cs typeface="Carlito"/>
+              </a:rPr>
+              <a:t>GENERAL</a:t>
+            </a:r>
+            <a:endParaRPr sz="1550" dirty="0">
               <a:latin typeface="Carlito"/>
               <a:cs typeface="Carlito"/>
             </a:endParaRPr>
           </a:p>
           <a:p>
-            <a:pPr marL="281940">
+            <a:pPr>
+              <a:lnSpc>
+                <a:spcPct val="100000"/>
+              </a:lnSpc>
+              <a:spcBef>
+                <a:spcPts val="5"/>
+              </a:spcBef>
+            </a:pPr>
+            <a:endParaRPr sz="1600" dirty="0">
+              <a:latin typeface="Carlito"/>
+              <a:cs typeface="Carlito"/>
+            </a:endParaRPr>
+          </a:p>
+          <a:p>
+            <a:pPr marL="469900">
+              <a:lnSpc>
+                <a:spcPct val="100000"/>
+              </a:lnSpc>
+            </a:pPr>
+            <a:r>
+              <a:rPr sz="1550" spc="10" dirty="0">
+                <a:solidFill>
+                  <a:srgbClr val="404040"/>
+                </a:solidFill>
+                <a:latin typeface="Carlito"/>
+                <a:cs typeface="Carlito"/>
+              </a:rPr>
+              <a:t>Desarrollar un Sistema de </a:t>
+            </a:r>
+            <a:r>
+              <a:rPr sz="1550" spc="15" dirty="0">
+                <a:solidFill>
+                  <a:srgbClr val="404040"/>
+                </a:solidFill>
+                <a:latin typeface="Carlito"/>
+                <a:cs typeface="Carlito"/>
+              </a:rPr>
+              <a:t>Información </a:t>
+            </a:r>
+            <a:r>
+              <a:rPr sz="1550" spc="-5" dirty="0">
+                <a:solidFill>
+                  <a:srgbClr val="404040"/>
+                </a:solidFill>
+                <a:latin typeface="Carlito"/>
+                <a:cs typeface="Carlito"/>
+              </a:rPr>
+              <a:t>Web </a:t>
+            </a:r>
+            <a:r>
+              <a:rPr lang="es-CO" sz="1550" spc="20" dirty="0">
+                <a:solidFill>
+                  <a:srgbClr val="404040"/>
+                </a:solidFill>
+                <a:latin typeface="Carlito"/>
+                <a:cs typeface="Carlito"/>
+              </a:rPr>
+              <a:t>Sistematic </a:t>
+            </a:r>
+            <a:r>
+              <a:rPr lang="es-CO" sz="1550" spc="20" dirty="0" err="1">
+                <a:solidFill>
+                  <a:srgbClr val="404040"/>
+                </a:solidFill>
+                <a:latin typeface="Carlito"/>
+                <a:cs typeface="Carlito"/>
+              </a:rPr>
+              <a:t>cutex</a:t>
+            </a:r>
+            <a:r>
+              <a:rPr lang="es-CO" sz="1550" spc="20" dirty="0">
+                <a:solidFill>
+                  <a:srgbClr val="404040"/>
+                </a:solidFill>
+                <a:latin typeface="Carlito"/>
+                <a:cs typeface="Carlito"/>
+              </a:rPr>
+              <a:t> </a:t>
+            </a:r>
+            <a:r>
+              <a:rPr sz="1550" spc="5" dirty="0">
+                <a:solidFill>
+                  <a:srgbClr val="404040"/>
+                </a:solidFill>
+                <a:latin typeface="Carlito"/>
+                <a:cs typeface="Carlito"/>
+              </a:rPr>
+              <a:t>para </a:t>
+            </a:r>
+            <a:r>
+              <a:rPr sz="1550" spc="10" dirty="0" err="1">
+                <a:solidFill>
+                  <a:srgbClr val="404040"/>
+                </a:solidFill>
+                <a:latin typeface="Carlito"/>
+                <a:cs typeface="Carlito"/>
+              </a:rPr>
+              <a:t>el</a:t>
+            </a:r>
+            <a:r>
+              <a:rPr lang="es-CO" sz="1550" spc="225" dirty="0">
+                <a:solidFill>
+                  <a:srgbClr val="404040"/>
+                </a:solidFill>
+                <a:latin typeface="Carlito"/>
+                <a:cs typeface="Carlito"/>
+              </a:rPr>
+              <a:t> apoyo </a:t>
+            </a:r>
+            <a:r>
+              <a:rPr sz="1550" spc="15" dirty="0">
+                <a:solidFill>
+                  <a:srgbClr val="404040"/>
+                </a:solidFill>
+                <a:latin typeface="Carlito"/>
+                <a:cs typeface="Carlito"/>
+              </a:rPr>
+              <a:t>a</a:t>
+            </a:r>
+            <a:r>
+              <a:rPr lang="es-CO" sz="1550" spc="15" dirty="0">
+                <a:solidFill>
+                  <a:srgbClr val="404040"/>
+                </a:solidFill>
+                <a:latin typeface="Carlito"/>
+                <a:cs typeface="Carlito"/>
+              </a:rPr>
+              <a:t>l inventariado, facturación y marketing </a:t>
+            </a:r>
+            <a:r>
+              <a:rPr sz="1550" spc="10" dirty="0">
+                <a:solidFill>
+                  <a:srgbClr val="404040"/>
+                </a:solidFill>
+                <a:latin typeface="Carlito"/>
+                <a:cs typeface="Carlito"/>
+              </a:rPr>
+              <a:t>de </a:t>
+            </a:r>
+            <a:r>
+              <a:rPr sz="1550" spc="5" dirty="0">
+                <a:solidFill>
+                  <a:srgbClr val="404040"/>
+                </a:solidFill>
+                <a:latin typeface="Carlito"/>
+                <a:cs typeface="Carlito"/>
+              </a:rPr>
+              <a:t>la </a:t>
+            </a:r>
+            <a:r>
+              <a:rPr sz="1550" dirty="0" err="1">
+                <a:solidFill>
+                  <a:srgbClr val="404040"/>
+                </a:solidFill>
+                <a:latin typeface="Carlito"/>
+                <a:cs typeface="Carlito"/>
+              </a:rPr>
+              <a:t>Empresa</a:t>
+            </a:r>
+            <a:r>
+              <a:rPr lang="es-CO" sz="1550" dirty="0">
+                <a:solidFill>
+                  <a:srgbClr val="404040"/>
+                </a:solidFill>
+                <a:latin typeface="Carlito"/>
+                <a:cs typeface="Carlito"/>
+              </a:rPr>
+              <a:t> </a:t>
+            </a:r>
+            <a:r>
+              <a:rPr lang="es-CO" sz="1550" dirty="0" err="1">
+                <a:solidFill>
+                  <a:srgbClr val="404040"/>
+                </a:solidFill>
+                <a:latin typeface="Carlito"/>
+                <a:cs typeface="Carlito"/>
+              </a:rPr>
+              <a:t>Peleteria</a:t>
+            </a:r>
+            <a:r>
+              <a:rPr lang="es-CO" sz="1550" dirty="0">
+                <a:solidFill>
+                  <a:srgbClr val="404040"/>
+                </a:solidFill>
+                <a:latin typeface="Carlito"/>
+                <a:cs typeface="Carlito"/>
+              </a:rPr>
+              <a:t> cueros y color</a:t>
+            </a:r>
+            <a:r>
+              <a:rPr sz="1550" spc="5" dirty="0">
+                <a:solidFill>
+                  <a:srgbClr val="404040"/>
+                </a:solidFill>
+                <a:latin typeface="Carlito"/>
+                <a:cs typeface="Carlito"/>
+              </a:rPr>
+              <a:t>.</a:t>
+            </a:r>
+            <a:endParaRPr sz="1550" dirty="0">
+              <a:latin typeface="Carlito"/>
+              <a:cs typeface="Carlito"/>
+            </a:endParaRPr>
+          </a:p>
+          <a:p>
+            <a:pPr>
               <a:lnSpc>
                 <a:spcPct val="100000"/>
               </a:lnSpc>
@@ -2810,78 +2595,29 @@
                 <a:spcPts val="50"/>
               </a:spcBef>
             </a:pPr>
-            <a:r>
-              <a:rPr sz="1550" spc="-50" dirty="0">
-                <a:solidFill>
-                  <a:srgbClr val="404040"/>
-                </a:solidFill>
-                <a:latin typeface="Arial"/>
-                <a:cs typeface="Arial"/>
-              </a:rPr>
-              <a:t>“Pueden </a:t>
-            </a:r>
-            <a:r>
-              <a:rPr sz="1550" dirty="0">
-                <a:solidFill>
-                  <a:srgbClr val="404040"/>
-                </a:solidFill>
-                <a:latin typeface="Carlito"/>
-                <a:cs typeface="Carlito"/>
-              </a:rPr>
-              <a:t>utilizar </a:t>
-            </a:r>
-            <a:r>
-              <a:rPr sz="1550" spc="15" dirty="0">
-                <a:solidFill>
-                  <a:srgbClr val="404040"/>
-                </a:solidFill>
-                <a:latin typeface="Carlito"/>
-                <a:cs typeface="Carlito"/>
-              </a:rPr>
-              <a:t>imágenes </a:t>
-            </a:r>
-            <a:r>
-              <a:rPr sz="1550" spc="10" dirty="0">
-                <a:solidFill>
-                  <a:srgbClr val="404040"/>
-                </a:solidFill>
-                <a:latin typeface="Carlito"/>
-                <a:cs typeface="Carlito"/>
-              </a:rPr>
-              <a:t>de </a:t>
-            </a:r>
-            <a:r>
-              <a:rPr sz="1550" dirty="0">
-                <a:solidFill>
-                  <a:srgbClr val="404040"/>
-                </a:solidFill>
-                <a:latin typeface="Carlito"/>
-                <a:cs typeface="Carlito"/>
-              </a:rPr>
-              <a:t>Apoyo </a:t>
-            </a:r>
-            <a:r>
-              <a:rPr sz="1550" spc="15" dirty="0">
-                <a:solidFill>
-                  <a:srgbClr val="404040"/>
-                </a:solidFill>
-                <a:latin typeface="Carlito"/>
-                <a:cs typeface="Carlito"/>
-              </a:rPr>
-              <a:t>o más </a:t>
-            </a:r>
-            <a:r>
-              <a:rPr sz="1550" spc="5" dirty="0">
-                <a:solidFill>
-                  <a:srgbClr val="404040"/>
-                </a:solidFill>
-                <a:latin typeface="Carlito"/>
-                <a:cs typeface="Carlito"/>
-              </a:rPr>
-              <a:t>diapositivas</a:t>
-            </a:r>
-            <a:r>
-              <a:rPr sz="1550" spc="110" dirty="0">
+            <a:endParaRPr sz="1200" dirty="0">
+              <a:latin typeface="Carlito"/>
+              <a:cs typeface="Carlito"/>
+            </a:endParaRPr>
+          </a:p>
+          <a:p>
+            <a:pPr marL="12700">
+              <a:lnSpc>
+                <a:spcPct val="100000"/>
+              </a:lnSpc>
+            </a:pPr>
+            <a:r>
+              <a:rPr sz="1550" b="1" spc="15" dirty="0">
+                <a:solidFill>
+                  <a:srgbClr val="404040"/>
+                </a:solidFill>
+                <a:latin typeface="Carlito"/>
+                <a:cs typeface="Carlito"/>
+              </a:rPr>
+              <a:t>OBJETIVOS</a:t>
+            </a:r>
+            <a:r>
+              <a:rPr sz="1550" b="1" spc="40" dirty="0">
                 <a:solidFill>
                   <a:srgbClr val="404040"/>
                 </a:solidFill>
@@ -2891,39 +2627,230 @@
               <a:t> </a:t>
             </a:r>
             <a:r>
-              <a:rPr sz="1550" spc="5" dirty="0">
-                <a:solidFill>
-                  <a:srgbClr val="404040"/>
-                </a:solidFill>
-                <a:latin typeface="Carlito"/>
-                <a:cs typeface="Carlito"/>
-              </a:rPr>
-              <a:t>si </a:t>
-            </a:r>
-            <a:r>
-              <a:rPr sz="1550" spc="10" dirty="0">
-                <a:solidFill>
-                  <a:srgbClr val="404040"/>
-                </a:solidFill>
-                <a:latin typeface="Carlito"/>
-                <a:cs typeface="Carlito"/>
-              </a:rPr>
-              <a:t>lo </a:t>
-            </a:r>
-            <a:r>
-              <a:rPr sz="1550" spc="-20" dirty="0">
-                <a:solidFill>
-                  <a:srgbClr val="404040"/>
-                </a:solidFill>
-                <a:latin typeface="Arial"/>
-                <a:cs typeface="Arial"/>
-              </a:rPr>
-              <a:t>requieren”</a:t>
-            </a:r>
-            <a:endParaRPr sz="1550">
-              <a:latin typeface="Arial"/>
-              <a:cs typeface="Arial"/>
+              <a:rPr sz="1550" b="1" spc="5" dirty="0">
+                <a:solidFill>
+                  <a:srgbClr val="404040"/>
+                </a:solidFill>
+                <a:latin typeface="Carlito"/>
+                <a:cs typeface="Carlito"/>
+              </a:rPr>
+              <a:t>ESPECÍFICOS</a:t>
+            </a:r>
+            <a:endParaRPr lang="es-CO" sz="1550" b="1" spc="5" dirty="0">
+              <a:solidFill>
+                <a:srgbClr val="404040"/>
+              </a:solidFill>
+              <a:latin typeface="Carlito"/>
+              <a:cs typeface="Carlito"/>
             </a:endParaRPr>
+          </a:p>
+          <a:p>
+            <a:pPr marL="12700">
+              <a:lnSpc>
+                <a:spcPct val="100000"/>
+              </a:lnSpc>
+            </a:pPr>
+            <a:endParaRPr lang="es-CO" sz="1550" b="1" spc="5" dirty="0">
+              <a:solidFill>
+                <a:srgbClr val="404040"/>
+              </a:solidFill>
+              <a:latin typeface="Carlito"/>
+              <a:cs typeface="Carlito"/>
+            </a:endParaRPr>
+          </a:p>
+          <a:p>
+            <a:pPr marL="298450" indent="-285750">
+              <a:lnSpc>
+                <a:spcPct val="100000"/>
+              </a:lnSpc>
+              <a:buFont typeface="Arial" panose="020B0604020202020204" pitchFamily="34" charset="0"/>
+              <a:buChar char="•"/>
+            </a:pPr>
+            <a:r>
+              <a:rPr lang="es-CO" sz="1550" b="1" spc="5" dirty="0">
+                <a:solidFill>
+                  <a:srgbClr val="404040"/>
+                </a:solidFill>
+                <a:latin typeface="Carlito"/>
+                <a:cs typeface="Carlito"/>
+              </a:rPr>
+              <a:t>Recolectar y analizar la información a través de entrevista con preguntas abiertas y lista de chequeo.</a:t>
+            </a:r>
+          </a:p>
+          <a:p>
+            <a:pPr marL="298450" indent="-285750">
+              <a:lnSpc>
+                <a:spcPct val="100000"/>
+              </a:lnSpc>
+              <a:buFont typeface="Arial" panose="020B0604020202020204" pitchFamily="34" charset="0"/>
+              <a:buChar char="•"/>
+            </a:pPr>
+            <a:r>
+              <a:rPr lang="es-CO" sz="1550" b="1" spc="5" dirty="0">
+                <a:solidFill>
+                  <a:srgbClr val="404040"/>
+                </a:solidFill>
+                <a:latin typeface="Carlito"/>
+                <a:cs typeface="Carlito"/>
+              </a:rPr>
+              <a:t>Generar factura en línea con el valor a pagar por la venta.</a:t>
+            </a:r>
+          </a:p>
+          <a:p>
+            <a:pPr marL="298450" indent="-285750">
+              <a:lnSpc>
+                <a:spcPct val="100000"/>
+              </a:lnSpc>
+              <a:buFont typeface="Arial" panose="020B0604020202020204" pitchFamily="34" charset="0"/>
+              <a:buChar char="•"/>
+            </a:pPr>
+            <a:r>
+              <a:rPr lang="es-CO" sz="1550" b="1" spc="5" dirty="0">
+                <a:solidFill>
+                  <a:srgbClr val="404040"/>
+                </a:solidFill>
+                <a:latin typeface="Carlito"/>
+                <a:cs typeface="Carlito"/>
+              </a:rPr>
+              <a:t>Ordenar y controlar el inventario de la empresa a través del sistema de información</a:t>
+            </a:r>
+          </a:p>
+          <a:p>
+            <a:pPr marL="298450" indent="-285750">
+              <a:lnSpc>
+                <a:spcPct val="100000"/>
+              </a:lnSpc>
+              <a:buFont typeface="Arial" panose="020B0604020202020204" pitchFamily="34" charset="0"/>
+              <a:buChar char="•"/>
+            </a:pPr>
+            <a:r>
+              <a:rPr lang="es-CO" sz="1550" b="1" spc="5" dirty="0">
+                <a:solidFill>
+                  <a:srgbClr val="404040"/>
+                </a:solidFill>
+                <a:latin typeface="Carlito"/>
+                <a:cs typeface="Carlito"/>
+              </a:rPr>
+              <a:t>Administrar adecuadamente el marketing de la empresa</a:t>
+            </a:r>
+            <a:endParaRPr sz="1550" dirty="0">
+              <a:latin typeface="Carlito"/>
+              <a:cs typeface="Carlito"/>
+            </a:endParaRPr>
+          </a:p>
+          <a:p>
+            <a:pPr>
+              <a:lnSpc>
+                <a:spcPct val="100000"/>
+              </a:lnSpc>
+              <a:spcBef>
+                <a:spcPts val="5"/>
+              </a:spcBef>
+            </a:pPr>
+            <a:endParaRPr sz="1600" dirty="0">
+              <a:latin typeface="Carlito"/>
+              <a:cs typeface="Carlito"/>
+            </a:endParaRPr>
+          </a:p>
+        </p:txBody>
+      </p:sp>
+      <p:sp>
+        <p:nvSpPr>
+          <p:cNvPr id="6" name="object 6"/>
+          <p:cNvSpPr/>
+          <p:nvPr/>
+        </p:nvSpPr>
+        <p:spPr>
+          <a:xfrm>
+            <a:off x="466344" y="1531619"/>
+            <a:ext cx="718185" cy="45720"/>
+          </a:xfrm>
+          <a:custGeom>
+            <a:avLst/>
+            <a:gdLst/>
+            <a:ahLst/>
+            <a:cxnLst/>
+            <a:rect l="l" t="t" r="r" b="b"/>
+            <a:pathLst>
+              <a:path w="718185" h="45719">
+                <a:moveTo>
+                  <a:pt x="717804" y="0"/>
+                </a:moveTo>
+                <a:lnTo>
+                  <a:pt x="0" y="0"/>
+                </a:lnTo>
+                <a:lnTo>
+                  <a:pt x="0" y="45720"/>
+                </a:lnTo>
+                <a:lnTo>
+                  <a:pt x="717804" y="45720"/>
+                </a:lnTo>
+                <a:lnTo>
+                  <a:pt x="717804" y="0"/>
+                </a:lnTo>
+                <a:close/>
+              </a:path>
+            </a:pathLst>
+          </a:custGeom>
+          <a:solidFill>
+            <a:srgbClr val="FF6600"/>
+          </a:solidFill>
+        </p:spPr>
+        <p:txBody>
+          <a:bodyPr wrap="square" lIns="0" tIns="0" rIns="0" bIns="0" rtlCol="0"/>
+          <a:lstStyle/>
+          <a:p>
+            <a:endParaRPr/>
+          </a:p>
+        </p:txBody>
+      </p:sp>
+      <p:sp>
+        <p:nvSpPr>
+          <p:cNvPr id="7" name="object 7"/>
+          <p:cNvSpPr/>
+          <p:nvPr/>
+        </p:nvSpPr>
+        <p:spPr>
+          <a:xfrm>
+            <a:off x="466344" y="2734055"/>
+            <a:ext cx="718185" cy="45720"/>
+          </a:xfrm>
+          <a:custGeom>
+            <a:avLst/>
+            <a:gdLst/>
+            <a:ahLst/>
+            <a:cxnLst/>
+            <a:rect l="l" t="t" r="r" b="b"/>
+            <a:pathLst>
+              <a:path w="718185" h="45719">
+                <a:moveTo>
+                  <a:pt x="717804" y="0"/>
+                </a:moveTo>
+                <a:lnTo>
+                  <a:pt x="0" y="0"/>
+                </a:lnTo>
+                <a:lnTo>
+                  <a:pt x="0" y="45719"/>
+                </a:lnTo>
+                <a:lnTo>
+                  <a:pt x="717804" y="45719"/>
+                </a:lnTo>
+                <a:lnTo>
+                  <a:pt x="717804" y="0"/>
+                </a:lnTo>
+                <a:close/>
+              </a:path>
+            </a:pathLst>
+          </a:custGeom>
+          <a:solidFill>
+            <a:srgbClr val="FF6600"/>
+          </a:solidFill>
+        </p:spPr>
+        <p:txBody>
+          <a:bodyPr wrap="square" lIns="0" tIns="0" rIns="0" bIns="0" rtlCol="0"/>
+          <a:lstStyle/>
+          <a:p>
+            <a:endParaRPr/>
           </a:p>
         </p:txBody>
       </p:sp>
@@ -2963,6 +2890,10 @@
           </p:nvPr>
         </p:nvSpPr>
         <p:spPr>
+          <a:xfrm>
+            <a:off x="3573271" y="1627403"/>
+            <a:ext cx="3497579" cy="849630"/>
+          </a:xfrm>
           <a:prstGeom prst="rect">
             <a:avLst/>
           </a:prstGeom>
@@ -2973,7 +2904,7 @@
           </a:bodyPr>
           <a:lstStyle/>
           <a:p>
-            <a:pPr marL="184785">
+            <a:pPr marL="12700">
               <a:lnSpc>
                 <a:spcPct val="100000"/>
               </a:lnSpc>
@@ -2982,24 +2913,8 @@
               </a:spcBef>
             </a:pPr>
             <a:r>
-              <a:rPr dirty="0"/>
-              <a:t>Al</a:t>
-            </a:r>
-            <a:r>
-              <a:rPr spc="-25" dirty="0"/>
-              <a:t>c</a:t>
-            </a:r>
-            <a:r>
-              <a:rPr dirty="0"/>
-              <a:t>an</a:t>
-            </a:r>
-            <a:r>
-              <a:rPr spc="10" dirty="0"/>
-              <a:t>c</a:t>
-            </a:r>
-            <a:r>
-              <a:rPr dirty="0"/>
-              <a:t>e</a:t>
+              <a:rPr spc="-10" dirty="0"/>
+              <a:t>Justificación</a:t>
             </a:r>
           </a:p>
         </p:txBody>
@@ -3303,7 +3218,7 @@
         <p:spPr>
           <a:xfrm>
             <a:off x="461873" y="255473"/>
-            <a:ext cx="1499235" cy="574675"/>
+            <a:ext cx="2344420" cy="574675"/>
           </a:xfrm>
           <a:prstGeom prst="rect">
             <a:avLst/>
@@ -3329,7 +3244,7 @@
                   <a:srgbClr val="FFFFFF"/>
                 </a:solidFill>
               </a:rPr>
-              <a:t>Alcance</a:t>
+              <a:t>Justificación</a:t>
             </a:r>
             <a:endParaRPr sz="3600"/>
           </a:p>
@@ -3420,6 +3335,1152 @@
       <p:sp>
         <p:nvSpPr>
           <p:cNvPr id="5" name="object 5"/>
+          <p:cNvSpPr txBox="1">
+            <a:spLocks noGrp="1"/>
+          </p:cNvSpPr>
+          <p:nvPr>
+            <p:ph type="body" idx="1"/>
+          </p:nvPr>
+        </p:nvSpPr>
+        <p:spPr>
+          <a:xfrm>
+            <a:off x="461873" y="1258316"/>
+            <a:ext cx="8154670" cy="2487989"/>
+          </a:xfrm>
+          <a:prstGeom prst="rect">
+            <a:avLst/>
+          </a:prstGeom>
+        </p:spPr>
+        <p:txBody>
+          <a:bodyPr vert="horz" wrap="square" lIns="0" tIns="16510" rIns="0" bIns="0" rtlCol="0">
+            <a:spAutoFit/>
+          </a:bodyPr>
+          <a:lstStyle/>
+          <a:p>
+            <a:pPr marL="12065" marR="8255" algn="just">
+              <a:lnSpc>
+                <a:spcPct val="103600"/>
+              </a:lnSpc>
+              <a:tabLst>
+                <a:tab pos="300990" algn="l"/>
+              </a:tabLst>
+            </a:pPr>
+            <a:r>
+              <a:rPr spc="10" dirty="0"/>
+              <a:t>Se propone el </a:t>
+            </a:r>
+            <a:r>
+              <a:rPr spc="15" dirty="0"/>
+              <a:t>desarrollo </a:t>
+            </a:r>
+            <a:r>
+              <a:rPr spc="10" dirty="0"/>
+              <a:t>de un Sistema de </a:t>
+            </a:r>
+            <a:r>
+              <a:rPr spc="15" dirty="0"/>
+              <a:t>Información </a:t>
+            </a:r>
+            <a:r>
+              <a:rPr spc="-5" dirty="0"/>
+              <a:t>Web </a:t>
+            </a:r>
+            <a:r>
+              <a:rPr spc="20" dirty="0" err="1"/>
+              <a:t>denominado</a:t>
+            </a:r>
+            <a:r>
+              <a:rPr lang="es-CO" spc="20" dirty="0"/>
+              <a:t> Sistematic Cutex</a:t>
+            </a:r>
+            <a:r>
+              <a:rPr spc="15" dirty="0"/>
+              <a:t> </a:t>
+            </a:r>
+            <a:r>
+              <a:rPr spc="10" dirty="0"/>
+              <a:t>que sirva </a:t>
+            </a:r>
+            <a:r>
+              <a:rPr spc="25" dirty="0"/>
+              <a:t>como </a:t>
+            </a:r>
+            <a:r>
+              <a:rPr spc="10" dirty="0"/>
+              <a:t>herramienta software de apoyo </a:t>
+            </a:r>
+            <a:r>
+              <a:rPr spc="5" dirty="0"/>
+              <a:t>al </a:t>
+            </a:r>
+            <a:r>
+              <a:rPr spc="15" dirty="0" err="1"/>
+              <a:t>seguimiento</a:t>
+            </a:r>
+            <a:r>
+              <a:rPr spc="15" dirty="0"/>
+              <a:t> de</a:t>
+            </a:r>
+            <a:r>
+              <a:rPr lang="es-CO" spc="15" dirty="0"/>
+              <a:t>  inventariado, facturación y marketing </a:t>
+            </a:r>
+            <a:r>
+              <a:rPr spc="10" dirty="0"/>
+              <a:t>de la </a:t>
+            </a:r>
+            <a:r>
+              <a:rPr dirty="0" err="1"/>
+              <a:t>Empresa</a:t>
+            </a:r>
+            <a:r>
+              <a:rPr dirty="0"/>
+              <a:t> </a:t>
+            </a:r>
+            <a:r>
+              <a:rPr lang="es-CO" spc="5" dirty="0" err="1"/>
+              <a:t>Peleteria</a:t>
+            </a:r>
+            <a:r>
+              <a:rPr lang="es-CO" spc="5" dirty="0"/>
+              <a:t> cueros y color. El cual p</a:t>
+            </a:r>
+            <a:r>
+              <a:rPr spc="5" dirty="0" err="1"/>
+              <a:t>ermitirá</a:t>
+            </a:r>
+            <a:r>
+              <a:rPr spc="5" dirty="0"/>
+              <a:t> </a:t>
+            </a:r>
+            <a:r>
+              <a:rPr spc="10" dirty="0"/>
+              <a:t>la </a:t>
+            </a:r>
+            <a:r>
+              <a:rPr spc="10" dirty="0" err="1"/>
+              <a:t>gestión</a:t>
+            </a:r>
+            <a:r>
+              <a:rPr spc="10" dirty="0"/>
+              <a:t> de</a:t>
+            </a:r>
+            <a:r>
+              <a:rPr lang="es-CO" spc="10" dirty="0"/>
+              <a:t> los clientes </a:t>
+            </a:r>
+            <a:r>
+              <a:rPr spc="15" dirty="0" err="1"/>
+              <a:t>como</a:t>
+            </a:r>
+            <a:r>
+              <a:rPr spc="15" dirty="0"/>
+              <a:t> </a:t>
+            </a:r>
+            <a:r>
+              <a:rPr spc="20" dirty="0"/>
+              <a:t>usuarios </a:t>
+            </a:r>
+            <a:r>
+              <a:rPr spc="10" dirty="0"/>
+              <a:t>de</a:t>
+            </a:r>
+            <a:r>
+              <a:rPr spc="135" dirty="0"/>
+              <a:t> </a:t>
+            </a:r>
+            <a:r>
+              <a:rPr spc="5" dirty="0"/>
+              <a:t>la</a:t>
+            </a:r>
+            <a:r>
+              <a:rPr lang="es-CO" spc="5" dirty="0"/>
+              <a:t> </a:t>
+            </a:r>
+            <a:r>
+              <a:rPr spc="15" dirty="0" err="1"/>
+              <a:t>Empresa</a:t>
+            </a:r>
+            <a:r>
+              <a:rPr spc="15" dirty="0"/>
+              <a:t>. </a:t>
+            </a:r>
+            <a:endParaRPr lang="es-CO" spc="15" dirty="0"/>
+          </a:p>
+          <a:p>
+            <a:pPr marL="12065" marR="8255" algn="just">
+              <a:lnSpc>
+                <a:spcPct val="103600"/>
+              </a:lnSpc>
+              <a:tabLst>
+                <a:tab pos="300990" algn="l"/>
+              </a:tabLst>
+            </a:pPr>
+            <a:endParaRPr lang="es-CO" spc="15" dirty="0"/>
+          </a:p>
+          <a:p>
+            <a:pPr marL="12065" marR="8255" algn="just">
+              <a:lnSpc>
+                <a:spcPct val="103600"/>
+              </a:lnSpc>
+              <a:tabLst>
+                <a:tab pos="300990" algn="l"/>
+              </a:tabLst>
+            </a:pPr>
+            <a:r>
+              <a:rPr spc="5" dirty="0" err="1"/>
+              <a:t>En</a:t>
+            </a:r>
+            <a:r>
+              <a:rPr spc="5" dirty="0"/>
+              <a:t>  </a:t>
+            </a:r>
+            <a:r>
+              <a:rPr spc="15" dirty="0"/>
+              <a:t>[ModProceso1] </a:t>
+            </a:r>
+            <a:r>
+              <a:rPr spc="5" dirty="0"/>
+              <a:t>los </a:t>
+            </a:r>
+            <a:r>
+              <a:rPr spc="10" dirty="0"/>
+              <a:t>[Perfiles </a:t>
+            </a:r>
+            <a:r>
+              <a:rPr spc="15" dirty="0"/>
+              <a:t>Usuario]  </a:t>
+            </a:r>
+            <a:r>
+              <a:rPr spc="10" dirty="0"/>
+              <a:t>podrán </a:t>
+            </a:r>
+            <a:r>
+              <a:rPr spc="20" dirty="0"/>
+              <a:t>[acciones </a:t>
+            </a:r>
+            <a:r>
+              <a:rPr spc="10" dirty="0"/>
+              <a:t>del Sistema </a:t>
+            </a:r>
+            <a:r>
+              <a:rPr spc="15" dirty="0"/>
+              <a:t>(beneficios comparados con </a:t>
+            </a:r>
+            <a:r>
+              <a:rPr spc="5" dirty="0"/>
+              <a:t>las </a:t>
+            </a:r>
+            <a:r>
+              <a:rPr spc="15" dirty="0"/>
+              <a:t>necesidades </a:t>
+            </a:r>
+            <a:r>
+              <a:rPr spc="10" dirty="0"/>
+              <a:t>encontradas)]. </a:t>
+            </a:r>
+            <a:r>
+              <a:rPr spc="-5" dirty="0"/>
+              <a:t>En  </a:t>
+            </a:r>
+            <a:r>
+              <a:rPr spc="15" dirty="0"/>
+              <a:t>[ModProceso2] </a:t>
+            </a:r>
+            <a:r>
+              <a:rPr spc="10" dirty="0"/>
+              <a:t>los [Perfiles </a:t>
+            </a:r>
+            <a:r>
+              <a:rPr spc="15" dirty="0"/>
+              <a:t>Usuario] podrán [acciones </a:t>
+            </a:r>
+            <a:r>
+              <a:rPr spc="20" dirty="0"/>
+              <a:t>del </a:t>
+            </a:r>
+            <a:r>
+              <a:rPr spc="10" dirty="0"/>
+              <a:t>Sistema </a:t>
+            </a:r>
+            <a:r>
+              <a:rPr spc="15" dirty="0"/>
+              <a:t>(beneficios comparados con  </a:t>
+            </a:r>
+            <a:r>
+              <a:rPr spc="10" dirty="0"/>
+              <a:t>las </a:t>
+            </a:r>
+            <a:r>
+              <a:rPr spc="15" dirty="0"/>
+              <a:t>necesidades encontradas)]. Finalmente, </a:t>
+            </a:r>
+            <a:r>
+              <a:rPr dirty="0"/>
+              <a:t>facilitará </a:t>
+            </a:r>
+            <a:r>
+              <a:rPr spc="10" dirty="0"/>
+              <a:t>la gestión de </a:t>
+            </a:r>
+            <a:r>
+              <a:rPr spc="15" dirty="0"/>
+              <a:t>reportes </a:t>
+            </a:r>
+            <a:r>
+              <a:rPr spc="10" dirty="0"/>
+              <a:t>gráficos </a:t>
+            </a:r>
+            <a:r>
+              <a:rPr spc="15" dirty="0"/>
+              <a:t>e impresos,  necesarios </a:t>
+            </a:r>
+            <a:r>
+              <a:rPr spc="5" dirty="0"/>
+              <a:t>para </a:t>
+            </a:r>
+            <a:r>
+              <a:rPr spc="25" dirty="0"/>
+              <a:t>la </a:t>
+            </a:r>
+            <a:r>
+              <a:rPr spc="10" dirty="0"/>
+              <a:t>toma de </a:t>
+            </a:r>
+            <a:r>
+              <a:rPr spc="15" dirty="0"/>
+              <a:t>decisiones </a:t>
+            </a:r>
+            <a:r>
+              <a:rPr spc="10" dirty="0"/>
+              <a:t>del </a:t>
+            </a:r>
+            <a:r>
+              <a:rPr spc="15" dirty="0"/>
+              <a:t>personal </a:t>
+            </a:r>
+            <a:r>
+              <a:rPr spc="10" dirty="0"/>
+              <a:t>administrativo de </a:t>
+            </a:r>
+            <a:r>
+              <a:rPr spc="5" dirty="0"/>
+              <a:t>la </a:t>
+            </a:r>
+            <a:r>
+              <a:rPr spc="15" dirty="0"/>
+              <a:t>Empresa </a:t>
+            </a:r>
+            <a:r>
+              <a:rPr spc="20" dirty="0"/>
+              <a:t>[Nombre  </a:t>
+            </a:r>
+            <a:r>
+              <a:rPr spc="5" dirty="0"/>
+              <a:t>Empresa].</a:t>
+            </a:r>
+          </a:p>
+        </p:txBody>
+      </p:sp>
+      <p:sp>
+        <p:nvSpPr>
+          <p:cNvPr id="6" name="object 6"/>
+          <p:cNvSpPr txBox="1"/>
+          <p:nvPr/>
+        </p:nvSpPr>
+        <p:spPr>
+          <a:xfrm>
+            <a:off x="461873" y="4186529"/>
+            <a:ext cx="6673215" cy="752475"/>
+          </a:xfrm>
+          <a:prstGeom prst="rect">
+            <a:avLst/>
+          </a:prstGeom>
+        </p:spPr>
+        <p:txBody>
+          <a:bodyPr vert="horz" wrap="square" lIns="0" tIns="10795" rIns="0" bIns="0" rtlCol="0">
+            <a:spAutoFit/>
+          </a:bodyPr>
+          <a:lstStyle/>
+          <a:p>
+            <a:pPr marL="281940" marR="5080" indent="-269875">
+              <a:lnSpc>
+                <a:spcPct val="102699"/>
+              </a:lnSpc>
+              <a:spcBef>
+                <a:spcPts val="85"/>
+              </a:spcBef>
+              <a:buFont typeface="Arial"/>
+              <a:buChar char="•"/>
+              <a:tabLst>
+                <a:tab pos="300355" algn="l"/>
+                <a:tab pos="300990" algn="l"/>
+              </a:tabLst>
+            </a:pPr>
+            <a:r>
+              <a:rPr sz="1550" b="1" spc="15" dirty="0">
+                <a:solidFill>
+                  <a:srgbClr val="404040"/>
+                </a:solidFill>
+                <a:latin typeface="Carlito"/>
+                <a:cs typeface="Carlito"/>
+              </a:rPr>
+              <a:t>Aporte al </a:t>
+            </a:r>
+            <a:r>
+              <a:rPr sz="1550" b="1" spc="10" dirty="0">
+                <a:solidFill>
+                  <a:srgbClr val="404040"/>
+                </a:solidFill>
+                <a:latin typeface="Carlito"/>
+                <a:cs typeface="Carlito"/>
+              </a:rPr>
+              <a:t>Sector: </a:t>
+            </a:r>
+            <a:r>
+              <a:rPr sz="1550" dirty="0">
+                <a:solidFill>
+                  <a:srgbClr val="404040"/>
+                </a:solidFill>
+                <a:latin typeface="Carlito"/>
+                <a:cs typeface="Carlito"/>
+              </a:rPr>
+              <a:t>El </a:t>
+            </a:r>
+            <a:r>
+              <a:rPr sz="1550" spc="10" dirty="0">
+                <a:solidFill>
+                  <a:srgbClr val="404040"/>
+                </a:solidFill>
+                <a:latin typeface="Carlito"/>
+                <a:cs typeface="Carlito"/>
+              </a:rPr>
+              <a:t>Sistema </a:t>
+            </a:r>
+            <a:r>
+              <a:rPr sz="1550" spc="5" dirty="0">
+                <a:solidFill>
+                  <a:srgbClr val="404040"/>
+                </a:solidFill>
+                <a:latin typeface="Carlito"/>
+                <a:cs typeface="Carlito"/>
+              </a:rPr>
+              <a:t>[Nombre Empresa] </a:t>
+            </a:r>
+            <a:r>
+              <a:rPr sz="1550" dirty="0">
+                <a:solidFill>
+                  <a:srgbClr val="404040"/>
+                </a:solidFill>
+                <a:latin typeface="Carlito"/>
+                <a:cs typeface="Carlito"/>
+              </a:rPr>
+              <a:t>servirá </a:t>
+            </a:r>
+            <a:r>
+              <a:rPr sz="1550" spc="15" dirty="0">
+                <a:solidFill>
+                  <a:srgbClr val="404040"/>
+                </a:solidFill>
+                <a:latin typeface="Carlito"/>
+                <a:cs typeface="Carlito"/>
+              </a:rPr>
+              <a:t>como </a:t>
+            </a:r>
+            <a:r>
+              <a:rPr sz="1550" spc="10" dirty="0">
+                <a:solidFill>
+                  <a:srgbClr val="404040"/>
+                </a:solidFill>
+                <a:latin typeface="Carlito"/>
+                <a:cs typeface="Carlito"/>
+              </a:rPr>
+              <a:t>aporte al sector  </a:t>
+            </a:r>
+            <a:r>
+              <a:rPr sz="1550" spc="15" dirty="0">
+                <a:solidFill>
+                  <a:srgbClr val="404040"/>
+                </a:solidFill>
+                <a:latin typeface="Carlito"/>
+                <a:cs typeface="Carlito"/>
+              </a:rPr>
+              <a:t>[Sector], como </a:t>
+            </a:r>
+            <a:r>
+              <a:rPr sz="1550" spc="10" dirty="0">
+                <a:solidFill>
+                  <a:srgbClr val="404040"/>
+                </a:solidFill>
+                <a:latin typeface="Carlito"/>
+                <a:cs typeface="Carlito"/>
+              </a:rPr>
+              <a:t>[importancia </a:t>
+            </a:r>
+            <a:r>
+              <a:rPr sz="1550" dirty="0">
+                <a:solidFill>
+                  <a:srgbClr val="404040"/>
+                </a:solidFill>
+                <a:latin typeface="Carlito"/>
+                <a:cs typeface="Carlito"/>
+              </a:rPr>
+              <a:t>para </a:t>
+            </a:r>
+            <a:r>
+              <a:rPr sz="1550" spc="10" dirty="0">
+                <a:solidFill>
+                  <a:srgbClr val="404040"/>
+                </a:solidFill>
+                <a:latin typeface="Carlito"/>
+                <a:cs typeface="Carlito"/>
+              </a:rPr>
+              <a:t>el</a:t>
+            </a:r>
+            <a:r>
+              <a:rPr sz="1550" spc="215" dirty="0">
+                <a:solidFill>
+                  <a:srgbClr val="404040"/>
+                </a:solidFill>
+                <a:latin typeface="Carlito"/>
+                <a:cs typeface="Carlito"/>
+              </a:rPr>
+              <a:t> </a:t>
+            </a:r>
+            <a:r>
+              <a:rPr sz="1550" spc="10" dirty="0">
+                <a:solidFill>
+                  <a:srgbClr val="404040"/>
+                </a:solidFill>
+                <a:latin typeface="Carlito"/>
+                <a:cs typeface="Carlito"/>
+              </a:rPr>
+              <a:t>Sector].</a:t>
+            </a:r>
+            <a:endParaRPr sz="1550" dirty="0">
+              <a:latin typeface="Carlito"/>
+              <a:cs typeface="Carlito"/>
+            </a:endParaRPr>
+          </a:p>
+          <a:p>
+            <a:pPr marL="281940">
+              <a:lnSpc>
+                <a:spcPct val="100000"/>
+              </a:lnSpc>
+              <a:spcBef>
+                <a:spcPts val="50"/>
+              </a:spcBef>
+            </a:pPr>
+            <a:r>
+              <a:rPr sz="1550" spc="-50" dirty="0">
+                <a:solidFill>
+                  <a:srgbClr val="404040"/>
+                </a:solidFill>
+                <a:latin typeface="Arial"/>
+                <a:cs typeface="Arial"/>
+              </a:rPr>
+              <a:t>“Pueden </a:t>
+            </a:r>
+            <a:r>
+              <a:rPr sz="1550" dirty="0">
+                <a:solidFill>
+                  <a:srgbClr val="404040"/>
+                </a:solidFill>
+                <a:latin typeface="Carlito"/>
+                <a:cs typeface="Carlito"/>
+              </a:rPr>
+              <a:t>utilizar </a:t>
+            </a:r>
+            <a:r>
+              <a:rPr sz="1550" spc="15" dirty="0">
+                <a:solidFill>
+                  <a:srgbClr val="404040"/>
+                </a:solidFill>
+                <a:latin typeface="Carlito"/>
+                <a:cs typeface="Carlito"/>
+              </a:rPr>
+              <a:t>imágenes </a:t>
+            </a:r>
+            <a:r>
+              <a:rPr sz="1550" spc="10" dirty="0">
+                <a:solidFill>
+                  <a:srgbClr val="404040"/>
+                </a:solidFill>
+                <a:latin typeface="Carlito"/>
+                <a:cs typeface="Carlito"/>
+              </a:rPr>
+              <a:t>de </a:t>
+            </a:r>
+            <a:r>
+              <a:rPr sz="1550" dirty="0">
+                <a:solidFill>
+                  <a:srgbClr val="404040"/>
+                </a:solidFill>
+                <a:latin typeface="Carlito"/>
+                <a:cs typeface="Carlito"/>
+              </a:rPr>
+              <a:t>Apoyo </a:t>
+            </a:r>
+            <a:r>
+              <a:rPr sz="1550" spc="15" dirty="0">
+                <a:solidFill>
+                  <a:srgbClr val="404040"/>
+                </a:solidFill>
+                <a:latin typeface="Carlito"/>
+                <a:cs typeface="Carlito"/>
+              </a:rPr>
+              <a:t>o más </a:t>
+            </a:r>
+            <a:r>
+              <a:rPr sz="1550" spc="5" dirty="0">
+                <a:solidFill>
+                  <a:srgbClr val="404040"/>
+                </a:solidFill>
+                <a:latin typeface="Carlito"/>
+                <a:cs typeface="Carlito"/>
+              </a:rPr>
+              <a:t>diapositivas</a:t>
+            </a:r>
+            <a:r>
+              <a:rPr sz="1550" spc="110" dirty="0">
+                <a:solidFill>
+                  <a:srgbClr val="404040"/>
+                </a:solidFill>
+                <a:latin typeface="Carlito"/>
+                <a:cs typeface="Carlito"/>
+              </a:rPr>
+              <a:t> </a:t>
+            </a:r>
+            <a:r>
+              <a:rPr sz="1550" spc="5" dirty="0">
+                <a:solidFill>
+                  <a:srgbClr val="404040"/>
+                </a:solidFill>
+                <a:latin typeface="Carlito"/>
+                <a:cs typeface="Carlito"/>
+              </a:rPr>
+              <a:t>si </a:t>
+            </a:r>
+            <a:r>
+              <a:rPr sz="1550" spc="10" dirty="0">
+                <a:solidFill>
+                  <a:srgbClr val="404040"/>
+                </a:solidFill>
+                <a:latin typeface="Carlito"/>
+                <a:cs typeface="Carlito"/>
+              </a:rPr>
+              <a:t>lo </a:t>
+            </a:r>
+            <a:r>
+              <a:rPr sz="1550" spc="-20" dirty="0">
+                <a:solidFill>
+                  <a:srgbClr val="404040"/>
+                </a:solidFill>
+                <a:latin typeface="Arial"/>
+                <a:cs typeface="Arial"/>
+              </a:rPr>
+              <a:t>requieren”</a:t>
+            </a:r>
+            <a:endParaRPr sz="1550" dirty="0">
+              <a:latin typeface="Arial"/>
+              <a:cs typeface="Arial"/>
+            </a:endParaRPr>
+          </a:p>
+        </p:txBody>
+      </p:sp>
+    </p:spTree>
+  </p:cSld>
+  <p:clrMapOvr>
+    <a:masterClrMapping/>
+  </p:clrMapOvr>
+</p:sld>
+</file>
+
+<file path=ppt/slides/slide13.xml><?xml version="1.0" encoding="utf-8"?>
+<p:sld xmlns:a="http://schemas.openxmlformats.org/drawingml/2006/main" xmlns:r="http://schemas.openxmlformats.org/officeDocument/2006/relationships" xmlns:p="http://schemas.openxmlformats.org/presentationml/2006/main">
+  <p:cSld>
+    <p:spTree>
+      <p:nvGrpSpPr>
+        <p:cNvPr id="1" name=""/>
+        <p:cNvGrpSpPr/>
+        <p:nvPr/>
+      </p:nvGrpSpPr>
+      <p:grpSpPr>
+        <a:xfrm>
+          <a:off x="0" y="0"/>
+          <a:ext cx="0" cy="0"/>
+          <a:chOff x="0" y="0"/>
+          <a:chExt cx="0" cy="0"/>
+        </a:xfrm>
+      </p:grpSpPr>
+      <p:sp>
+        <p:nvSpPr>
+          <p:cNvPr id="2" name="object 2"/>
+          <p:cNvSpPr txBox="1">
+            <a:spLocks noGrp="1"/>
+          </p:cNvSpPr>
+          <p:nvPr>
+            <p:ph type="title"/>
+          </p:nvPr>
+        </p:nvSpPr>
+        <p:spPr>
+          <a:prstGeom prst="rect">
+            <a:avLst/>
+          </a:prstGeom>
+        </p:spPr>
+        <p:txBody>
+          <a:bodyPr vert="horz" wrap="square" lIns="0" tIns="13335" rIns="0" bIns="0" rtlCol="0">
+            <a:spAutoFit/>
+          </a:bodyPr>
+          <a:lstStyle/>
+          <a:p>
+            <a:pPr marL="184785">
+              <a:lnSpc>
+                <a:spcPct val="100000"/>
+              </a:lnSpc>
+              <a:spcBef>
+                <a:spcPts val="105"/>
+              </a:spcBef>
+            </a:pPr>
+            <a:r>
+              <a:rPr dirty="0"/>
+              <a:t>Al</a:t>
+            </a:r>
+            <a:r>
+              <a:rPr spc="-25" dirty="0"/>
+              <a:t>c</a:t>
+            </a:r>
+            <a:r>
+              <a:rPr dirty="0"/>
+              <a:t>an</a:t>
+            </a:r>
+            <a:r>
+              <a:rPr spc="10" dirty="0"/>
+              <a:t>c</a:t>
+            </a:r>
+            <a:r>
+              <a:rPr dirty="0"/>
+              <a:t>e</a:t>
+            </a:r>
+          </a:p>
+        </p:txBody>
+      </p:sp>
+      <p:sp>
+        <p:nvSpPr>
+          <p:cNvPr id="3" name="object 3"/>
+          <p:cNvSpPr txBox="1"/>
+          <p:nvPr/>
+        </p:nvSpPr>
+        <p:spPr>
+          <a:xfrm>
+            <a:off x="3573271" y="2713685"/>
+            <a:ext cx="2133600" cy="575310"/>
+          </a:xfrm>
+          <a:prstGeom prst="rect">
+            <a:avLst/>
+          </a:prstGeom>
+        </p:spPr>
+        <p:txBody>
+          <a:bodyPr vert="horz" wrap="square" lIns="0" tIns="12700" rIns="0" bIns="0" rtlCol="0">
+            <a:spAutoFit/>
+          </a:bodyPr>
+          <a:lstStyle/>
+          <a:p>
+            <a:pPr marL="12700">
+              <a:lnSpc>
+                <a:spcPct val="100000"/>
+              </a:lnSpc>
+              <a:spcBef>
+                <a:spcPts val="100"/>
+              </a:spcBef>
+            </a:pPr>
+            <a:r>
+              <a:rPr sz="1800" spc="-40" dirty="0">
+                <a:solidFill>
+                  <a:srgbClr val="404040"/>
+                </a:solidFill>
+                <a:latin typeface="Carlito"/>
+                <a:cs typeface="Carlito"/>
+              </a:rPr>
+              <a:t>Texto </a:t>
+            </a:r>
+            <a:r>
+              <a:rPr sz="1800" spc="-10" dirty="0">
+                <a:solidFill>
+                  <a:srgbClr val="404040"/>
+                </a:solidFill>
+                <a:latin typeface="Carlito"/>
+                <a:cs typeface="Carlito"/>
+              </a:rPr>
+              <a:t>corto</a:t>
+            </a:r>
+            <a:r>
+              <a:rPr sz="1800" spc="-35" dirty="0">
+                <a:solidFill>
+                  <a:srgbClr val="404040"/>
+                </a:solidFill>
+                <a:latin typeface="Carlito"/>
+                <a:cs typeface="Carlito"/>
+              </a:rPr>
+              <a:t> </a:t>
+            </a:r>
+            <a:r>
+              <a:rPr sz="1800" spc="-10" dirty="0">
+                <a:solidFill>
+                  <a:srgbClr val="404040"/>
+                </a:solidFill>
+                <a:latin typeface="Carlito"/>
+                <a:cs typeface="Carlito"/>
+              </a:rPr>
+              <a:t>descriptivo</a:t>
+            </a:r>
+            <a:endParaRPr sz="1800">
+              <a:latin typeface="Carlito"/>
+              <a:cs typeface="Carlito"/>
+            </a:endParaRPr>
+          </a:p>
+          <a:p>
+            <a:pPr marL="12700">
+              <a:lnSpc>
+                <a:spcPct val="100000"/>
+              </a:lnSpc>
+              <a:spcBef>
+                <a:spcPts val="5"/>
+              </a:spcBef>
+            </a:pPr>
+            <a:r>
+              <a:rPr sz="1800" dirty="0">
+                <a:solidFill>
+                  <a:srgbClr val="404040"/>
+                </a:solidFill>
+                <a:latin typeface="Carlito"/>
+                <a:cs typeface="Carlito"/>
+              </a:rPr>
+              <a:t>a 2 o 3 </a:t>
+            </a:r>
+            <a:r>
+              <a:rPr sz="1800" spc="-10" dirty="0">
+                <a:solidFill>
+                  <a:srgbClr val="404040"/>
+                </a:solidFill>
+                <a:latin typeface="Carlito"/>
+                <a:cs typeface="Carlito"/>
+              </a:rPr>
+              <a:t>líneas</a:t>
+            </a:r>
+            <a:endParaRPr sz="1800">
+              <a:latin typeface="Carlito"/>
+              <a:cs typeface="Carlito"/>
+            </a:endParaRPr>
+          </a:p>
+        </p:txBody>
+      </p:sp>
+      <p:sp>
+        <p:nvSpPr>
+          <p:cNvPr id="4" name="object 4"/>
+          <p:cNvSpPr/>
+          <p:nvPr/>
+        </p:nvSpPr>
+        <p:spPr>
+          <a:xfrm>
+            <a:off x="3579876" y="2542032"/>
+            <a:ext cx="718185" cy="45720"/>
+          </a:xfrm>
+          <a:custGeom>
+            <a:avLst/>
+            <a:gdLst/>
+            <a:ahLst/>
+            <a:cxnLst/>
+            <a:rect l="l" t="t" r="r" b="b"/>
+            <a:pathLst>
+              <a:path w="718185" h="45719">
+                <a:moveTo>
+                  <a:pt x="717803" y="0"/>
+                </a:moveTo>
+                <a:lnTo>
+                  <a:pt x="0" y="0"/>
+                </a:lnTo>
+                <a:lnTo>
+                  <a:pt x="0" y="45719"/>
+                </a:lnTo>
+                <a:lnTo>
+                  <a:pt x="717803" y="45719"/>
+                </a:lnTo>
+                <a:lnTo>
+                  <a:pt x="717803" y="0"/>
+                </a:lnTo>
+                <a:close/>
+              </a:path>
+            </a:pathLst>
+          </a:custGeom>
+          <a:solidFill>
+            <a:srgbClr val="FF6600"/>
+          </a:solidFill>
+        </p:spPr>
+        <p:txBody>
+          <a:bodyPr wrap="square" lIns="0" tIns="0" rIns="0" bIns="0" rtlCol="0"/>
+          <a:lstStyle/>
+          <a:p>
+            <a:endParaRPr/>
+          </a:p>
+        </p:txBody>
+      </p:sp>
+      <p:sp>
+        <p:nvSpPr>
+          <p:cNvPr id="5" name="object 5"/>
+          <p:cNvSpPr txBox="1"/>
+          <p:nvPr/>
+        </p:nvSpPr>
+        <p:spPr>
+          <a:xfrm>
+            <a:off x="7562088" y="4302252"/>
+            <a:ext cx="1316990" cy="567055"/>
+          </a:xfrm>
+          <a:prstGeom prst="rect">
+            <a:avLst/>
+          </a:prstGeom>
+          <a:ln w="9144">
+            <a:solidFill>
+              <a:srgbClr val="404040"/>
+            </a:solidFill>
+          </a:ln>
+        </p:spPr>
+        <p:txBody>
+          <a:bodyPr vert="horz" wrap="square" lIns="0" tIns="635" rIns="0" bIns="0" rtlCol="0">
+            <a:spAutoFit/>
+          </a:bodyPr>
+          <a:lstStyle/>
+          <a:p>
+            <a:pPr>
+              <a:lnSpc>
+                <a:spcPct val="100000"/>
+              </a:lnSpc>
+              <a:spcBef>
+                <a:spcPts val="5"/>
+              </a:spcBef>
+            </a:pPr>
+            <a:endParaRPr sz="1250">
+              <a:latin typeface="Times New Roman"/>
+              <a:cs typeface="Times New Roman"/>
+            </a:endParaRPr>
+          </a:p>
+          <a:p>
+            <a:pPr marL="245110">
+              <a:lnSpc>
+                <a:spcPct val="100000"/>
+              </a:lnSpc>
+            </a:pPr>
+            <a:r>
+              <a:rPr sz="1150" b="1" spc="20" dirty="0">
+                <a:solidFill>
+                  <a:srgbClr val="404040"/>
+                </a:solidFill>
+                <a:latin typeface="Carlito"/>
+                <a:cs typeface="Carlito"/>
+              </a:rPr>
+              <a:t>Logo</a:t>
+            </a:r>
+            <a:r>
+              <a:rPr sz="1150" b="1" spc="15" dirty="0">
+                <a:solidFill>
+                  <a:srgbClr val="404040"/>
+                </a:solidFill>
+                <a:latin typeface="Carlito"/>
+                <a:cs typeface="Carlito"/>
+              </a:rPr>
+              <a:t> Sistema</a:t>
+            </a:r>
+            <a:endParaRPr sz="1150">
+              <a:latin typeface="Carlito"/>
+              <a:cs typeface="Carlito"/>
+            </a:endParaRPr>
+          </a:p>
+        </p:txBody>
+      </p:sp>
+    </p:spTree>
+  </p:cSld>
+  <p:clrMapOvr>
+    <a:masterClrMapping/>
+  </p:clrMapOvr>
+</p:sld>
+</file>
+
+<file path=ppt/slides/slide14.xml><?xml version="1.0" encoding="utf-8"?>
+<p:sld xmlns:a="http://schemas.openxmlformats.org/drawingml/2006/main" xmlns:r="http://schemas.openxmlformats.org/officeDocument/2006/relationships" xmlns:p="http://schemas.openxmlformats.org/presentationml/2006/main" showMasterSp="0">
+  <p:cSld>
+    <p:spTree>
+      <p:nvGrpSpPr>
+        <p:cNvPr id="1" name=""/>
+        <p:cNvGrpSpPr/>
+        <p:nvPr/>
+      </p:nvGrpSpPr>
+      <p:grpSpPr>
+        <a:xfrm>
+          <a:off x="0" y="0"/>
+          <a:ext cx="0" cy="0"/>
+          <a:chOff x="0" y="0"/>
+          <a:chExt cx="0" cy="0"/>
+        </a:xfrm>
+      </p:grpSpPr>
+      <p:sp>
+        <p:nvSpPr>
+          <p:cNvPr id="2" name="object 2"/>
+          <p:cNvSpPr/>
+          <p:nvPr/>
+        </p:nvSpPr>
+        <p:spPr>
+          <a:xfrm>
+            <a:off x="0" y="0"/>
+            <a:ext cx="9144000" cy="1066800"/>
+          </a:xfrm>
+          <a:prstGeom prst="rect">
+            <a:avLst/>
+          </a:prstGeom>
+          <a:blipFill>
+            <a:blip r:embed="rId2" cstate="print"/>
+            <a:stretch>
+              <a:fillRect/>
+            </a:stretch>
+          </a:blipFill>
+        </p:spPr>
+        <p:txBody>
+          <a:bodyPr wrap="square" lIns="0" tIns="0" rIns="0" bIns="0" rtlCol="0"/>
+          <a:lstStyle/>
+          <a:p>
+            <a:endParaRPr/>
+          </a:p>
+        </p:txBody>
+      </p:sp>
+      <p:sp>
+        <p:nvSpPr>
+          <p:cNvPr id="3" name="object 3"/>
+          <p:cNvSpPr txBox="1">
+            <a:spLocks noGrp="1"/>
+          </p:cNvSpPr>
+          <p:nvPr>
+            <p:ph type="title"/>
+          </p:nvPr>
+        </p:nvSpPr>
+        <p:spPr>
+          <a:xfrm>
+            <a:off x="461873" y="255473"/>
+            <a:ext cx="1499235" cy="574675"/>
+          </a:xfrm>
+          <a:prstGeom prst="rect">
+            <a:avLst/>
+          </a:prstGeom>
+        </p:spPr>
+        <p:txBody>
+          <a:bodyPr vert="horz" wrap="square" lIns="0" tIns="12700" rIns="0" bIns="0" rtlCol="0">
+            <a:spAutoFit/>
+          </a:bodyPr>
+          <a:lstStyle/>
+          <a:p>
+            <a:pPr marL="12700">
+              <a:lnSpc>
+                <a:spcPct val="100000"/>
+              </a:lnSpc>
+              <a:spcBef>
+                <a:spcPts val="100"/>
+              </a:spcBef>
+            </a:pPr>
+            <a:r>
+              <a:rPr sz="3600" spc="-5" dirty="0">
+                <a:solidFill>
+                  <a:srgbClr val="FFFFFF"/>
+                </a:solidFill>
+              </a:rPr>
+              <a:t>Alcance</a:t>
+            </a:r>
+            <a:endParaRPr sz="3600"/>
+          </a:p>
+        </p:txBody>
+      </p:sp>
+      <p:sp>
+        <p:nvSpPr>
+          <p:cNvPr id="4" name="object 4"/>
+          <p:cNvSpPr txBox="1"/>
+          <p:nvPr/>
+        </p:nvSpPr>
+        <p:spPr>
+          <a:xfrm>
+            <a:off x="7562088" y="4302252"/>
+            <a:ext cx="1316990" cy="567055"/>
+          </a:xfrm>
+          <a:prstGeom prst="rect">
+            <a:avLst/>
+          </a:prstGeom>
+          <a:ln w="9144">
+            <a:solidFill>
+              <a:srgbClr val="404040"/>
+            </a:solidFill>
+          </a:ln>
+        </p:spPr>
+        <p:txBody>
+          <a:bodyPr vert="horz" wrap="square" lIns="0" tIns="635" rIns="0" bIns="0" rtlCol="0">
+            <a:spAutoFit/>
+          </a:bodyPr>
+          <a:lstStyle/>
+          <a:p>
+            <a:pPr>
+              <a:lnSpc>
+                <a:spcPct val="100000"/>
+              </a:lnSpc>
+              <a:spcBef>
+                <a:spcPts val="5"/>
+              </a:spcBef>
+            </a:pPr>
+            <a:endParaRPr sz="1250">
+              <a:latin typeface="Times New Roman"/>
+              <a:cs typeface="Times New Roman"/>
+            </a:endParaRPr>
+          </a:p>
+          <a:p>
+            <a:pPr marL="203835">
+              <a:lnSpc>
+                <a:spcPct val="100000"/>
+              </a:lnSpc>
+            </a:pPr>
+            <a:r>
+              <a:rPr sz="1150" b="1" spc="15" dirty="0">
+                <a:solidFill>
+                  <a:srgbClr val="404040"/>
+                </a:solidFill>
+                <a:latin typeface="Carlito"/>
+                <a:cs typeface="Carlito"/>
+              </a:rPr>
+              <a:t>Marca</a:t>
+            </a:r>
+            <a:r>
+              <a:rPr sz="1150" b="1" spc="-30" dirty="0">
+                <a:solidFill>
+                  <a:srgbClr val="404040"/>
+                </a:solidFill>
+                <a:latin typeface="Carlito"/>
+                <a:cs typeface="Carlito"/>
+              </a:rPr>
+              <a:t> </a:t>
+            </a:r>
+            <a:r>
+              <a:rPr sz="1150" b="1" spc="10" dirty="0">
+                <a:solidFill>
+                  <a:srgbClr val="404040"/>
+                </a:solidFill>
+                <a:latin typeface="Carlito"/>
+                <a:cs typeface="Carlito"/>
+              </a:rPr>
+              <a:t>externa</a:t>
+            </a:r>
+            <a:endParaRPr sz="1150">
+              <a:latin typeface="Carlito"/>
+              <a:cs typeface="Carlito"/>
+            </a:endParaRPr>
+          </a:p>
+        </p:txBody>
+      </p:sp>
+      <p:sp>
+        <p:nvSpPr>
+          <p:cNvPr id="5" name="object 5"/>
           <p:cNvSpPr txBox="1"/>
           <p:nvPr/>
         </p:nvSpPr>
@@ -4121,7 +5182,7 @@
 </p:sld>
 </file>
 
-<file path=ppt/slides/slide13.xml><?xml version="1.0" encoding="utf-8"?>
+<file path=ppt/slides/slide15.xml><?xml version="1.0" encoding="utf-8"?>
 <p:sld xmlns:a="http://schemas.openxmlformats.org/drawingml/2006/main" xmlns:r="http://schemas.openxmlformats.org/officeDocument/2006/relationships" xmlns:p="http://schemas.openxmlformats.org/presentationml/2006/main" showMasterSp="0">
   <p:cSld>
     <p:spTree>
@@ -4314,7 +5375,7 @@
               </a:rPr>
               <a:t>Proyecto</a:t>
             </a:r>
-            <a:endParaRPr sz="1000">
+            <a:endParaRPr sz="1000" dirty="0">
               <a:latin typeface="Carlito"/>
               <a:cs typeface="Carlito"/>
             </a:endParaRPr>
@@ -4371,7 +5432,7 @@
               </a:rPr>
               <a:t>Información</a:t>
             </a:r>
-            <a:endParaRPr sz="1000">
+            <a:endParaRPr sz="1000" dirty="0">
               <a:latin typeface="Carlito"/>
               <a:cs typeface="Carlito"/>
             </a:endParaRPr>
@@ -4431,7 +5492,7 @@
               </a:rPr>
               <a:t>Procesos</a:t>
             </a:r>
-            <a:endParaRPr sz="1000">
+            <a:endParaRPr sz="1000" dirty="0">
               <a:latin typeface="Carlito"/>
               <a:cs typeface="Carlito"/>
             </a:endParaRPr>
@@ -4478,7 +5539,7 @@
               </a:rPr>
               <a:t>Inventario</a:t>
             </a:r>
-            <a:endParaRPr sz="1000">
+            <a:endParaRPr sz="1000" dirty="0">
               <a:latin typeface="Carlito"/>
               <a:cs typeface="Carlito"/>
             </a:endParaRPr>
@@ -4535,7 +5596,7 @@
               </a:rPr>
               <a:t>Proyecto</a:t>
             </a:r>
-            <a:endParaRPr sz="1000">
+            <a:endParaRPr sz="1000" dirty="0">
               <a:latin typeface="Carlito"/>
               <a:cs typeface="Carlito"/>
             </a:endParaRPr>
@@ -4565,7 +5626,7 @@
               </a:rPr>
               <a:t>IEEE-830</a:t>
             </a:r>
-            <a:endParaRPr sz="1000">
+            <a:endParaRPr sz="1000" dirty="0">
               <a:latin typeface="Carlito"/>
               <a:cs typeface="Carlito"/>
             </a:endParaRPr>
@@ -4633,7 +5694,7 @@
               </a:rPr>
               <a:t>Trim</a:t>
             </a:r>
-            <a:endParaRPr sz="1000">
+            <a:endParaRPr sz="1000" dirty="0">
               <a:latin typeface="Carlito"/>
               <a:cs typeface="Carlito"/>
             </a:endParaRPr>
@@ -5572,7 +6633,7 @@
               <a:rPr sz="1800" spc="-5" dirty="0"/>
               <a:t>Formativo</a:t>
             </a:r>
-            <a:endParaRPr sz="1800"/>
+            <a:endParaRPr sz="1800" dirty="0"/>
           </a:p>
           <a:p>
             <a:pPr marL="12700">
@@ -5595,7 +6656,7 @@
               <a:rPr sz="1800" spc="-25" dirty="0"/>
               <a:t>Trimestre</a:t>
             </a:r>
-            <a:endParaRPr sz="1800"/>
+            <a:endParaRPr sz="1800" dirty="0"/>
           </a:p>
         </p:txBody>
       </p:sp>
@@ -7990,7 +9051,7 @@
 </p:sld>
 </file>
 
-<file path=ppt/slides/slide14.xml><?xml version="1.0" encoding="utf-8"?>
+<file path=ppt/slides/slide16.xml><?xml version="1.0" encoding="utf-8"?>
 <p:sld xmlns:a="http://schemas.openxmlformats.org/drawingml/2006/main" xmlns:r="http://schemas.openxmlformats.org/officeDocument/2006/relationships" xmlns:p="http://schemas.openxmlformats.org/presentationml/2006/main" showMasterSp="0">
   <p:cSld>
     <p:spTree>
@@ -8047,6 +9108,3800 @@
 <file path=ppt/slides/slide2.xml><?xml version="1.0" encoding="utf-8"?>
 <p:sld xmlns:a="http://schemas.openxmlformats.org/drawingml/2006/main" xmlns:r="http://schemas.openxmlformats.org/officeDocument/2006/relationships" xmlns:p="http://schemas.openxmlformats.org/presentationml/2006/main">
   <p:cSld>
+    <p:bg>
+      <p:bgPr>
+        <a:solidFill>
+          <a:schemeClr val="bg1"/>
+        </a:solidFill>
+        <a:effectLst/>
+      </p:bgPr>
+    </p:bg>
+    <p:spTree>
+      <p:nvGrpSpPr>
+        <p:cNvPr id="1" name=""/>
+        <p:cNvGrpSpPr/>
+        <p:nvPr/>
+      </p:nvGrpSpPr>
+      <p:grpSpPr>
+        <a:xfrm>
+          <a:off x="0" y="0"/>
+          <a:ext cx="0" cy="0"/>
+          <a:chOff x="0" y="0"/>
+          <a:chExt cx="0" cy="0"/>
+        </a:xfrm>
+      </p:grpSpPr>
+      <p:sp useBgFill="1">
+        <p:nvSpPr>
+          <p:cNvPr id="27" name="Rectangle 26">
+            <a:extLst>
+              <a:ext uri="{FF2B5EF4-FFF2-40B4-BE49-F238E27FC236}">
+                <a16:creationId xmlns:a16="http://schemas.microsoft.com/office/drawing/2014/main" id="{65219498-D544-41AC-98FE-8F956EF66A62}"/>
+              </a:ext>
+              <a:ext uri="{C183D7F6-B498-43B3-948B-1728B52AA6E4}">
+                <adec:decorative xmlns:adec="http://schemas.microsoft.com/office/drawing/2017/decorative" val="1"/>
+              </a:ext>
+            </a:extLst>
+          </p:cNvPr>
+          <p:cNvSpPr>
+            <a:spLocks noGrp="1" noRot="1" noChangeAspect="1" noMove="1" noResize="1" noEditPoints="1" noAdjustHandles="1" noChangeArrowheads="1" noChangeShapeType="1" noTextEdit="1"/>
+          </p:cNvSpPr>
+          <p:nvPr>
+            <p:extLst>
+              <p:ext uri="{386F3935-93C4-4BCD-93E2-E3B085C9AB24}">
+                <p16:designElem xmlns:p16="http://schemas.microsoft.com/office/powerpoint/2015/main" val="1"/>
+              </p:ext>
+            </p:extLst>
+          </p:nvPr>
+        </p:nvSpPr>
+        <p:spPr>
+          <a:xfrm>
+            <a:off x="0" y="0"/>
+            <a:ext cx="9143771" cy="5143500"/>
+          </a:xfrm>
+          <a:prstGeom prst="rect">
+            <a:avLst/>
+          </a:prstGeom>
+          <a:ln>
+            <a:noFill/>
+          </a:ln>
+        </p:spPr>
+        <p:style>
+          <a:lnRef idx="2">
+            <a:schemeClr val="accent1">
+              <a:shade val="50000"/>
+            </a:schemeClr>
+          </a:lnRef>
+          <a:fillRef idx="1">
+            <a:schemeClr val="accent1"/>
+          </a:fillRef>
+          <a:effectRef idx="0">
+            <a:schemeClr val="accent1"/>
+          </a:effectRef>
+          <a:fontRef idx="minor">
+            <a:schemeClr val="lt1"/>
+          </a:fontRef>
+        </p:style>
+        <p:txBody>
+          <a:bodyPr rtlCol="0" anchor="ctr"/>
+          <a:lstStyle/>
+          <a:p>
+            <a:pPr algn="ctr"/>
+            <a:endParaRPr lang="en-US"/>
+          </a:p>
+        </p:txBody>
+      </p:sp>
+      <p:sp>
+        <p:nvSpPr>
+          <p:cNvPr id="29" name="Rectangle 28">
+            <a:extLst>
+              <a:ext uri="{FF2B5EF4-FFF2-40B4-BE49-F238E27FC236}">
+                <a16:creationId xmlns:a16="http://schemas.microsoft.com/office/drawing/2014/main" id="{F500DBFC-17A9-4E0A-AEE2-A49F9AEEF0FD}"/>
+              </a:ext>
+              <a:ext uri="{C183D7F6-B498-43B3-948B-1728B52AA6E4}">
+                <adec:decorative xmlns:adec="http://schemas.microsoft.com/office/drawing/2017/decorative" val="1"/>
+              </a:ext>
+            </a:extLst>
+          </p:cNvPr>
+          <p:cNvSpPr>
+            <a:spLocks noGrp="1" noRot="1" noChangeAspect="1" noMove="1" noResize="1" noEditPoints="1" noAdjustHandles="1" noChangeArrowheads="1" noChangeShapeType="1" noTextEdit="1"/>
+          </p:cNvSpPr>
+          <p:nvPr>
+            <p:extLst>
+              <p:ext uri="{386F3935-93C4-4BCD-93E2-E3B085C9AB24}">
+                <p16:designElem xmlns:p16="http://schemas.microsoft.com/office/powerpoint/2015/main" val="1"/>
+              </p:ext>
+            </p:extLst>
+          </p:nvPr>
+        </p:nvSpPr>
+        <p:spPr>
+          <a:xfrm>
+            <a:off x="228" y="0"/>
+            <a:ext cx="9143772" cy="5143500"/>
+          </a:xfrm>
+          <a:prstGeom prst="rect">
+            <a:avLst/>
+          </a:prstGeom>
+          <a:solidFill>
+            <a:schemeClr val="bg1"/>
+          </a:solidFill>
+          <a:ln>
+            <a:noFill/>
+          </a:ln>
+        </p:spPr>
+        <p:style>
+          <a:lnRef idx="2">
+            <a:schemeClr val="accent1">
+              <a:shade val="50000"/>
+            </a:schemeClr>
+          </a:lnRef>
+          <a:fillRef idx="1">
+            <a:schemeClr val="accent1"/>
+          </a:fillRef>
+          <a:effectRef idx="0">
+            <a:schemeClr val="accent1"/>
+          </a:effectRef>
+          <a:fontRef idx="minor">
+            <a:schemeClr val="lt1"/>
+          </a:fontRef>
+        </p:style>
+        <p:txBody>
+          <a:bodyPr rtlCol="0" anchor="ctr"/>
+          <a:lstStyle/>
+          <a:p>
+            <a:pPr algn="ctr"/>
+            <a:endParaRPr lang="en-US"/>
+          </a:p>
+        </p:txBody>
+      </p:sp>
+      <p:sp>
+        <p:nvSpPr>
+          <p:cNvPr id="2" name="CuadroTexto 1">
+            <a:extLst>
+              <a:ext uri="{FF2B5EF4-FFF2-40B4-BE49-F238E27FC236}">
+                <a16:creationId xmlns:a16="http://schemas.microsoft.com/office/drawing/2014/main" id="{FA63B8EF-E927-4DDD-BE21-F8CF90CFBEEB}"/>
+              </a:ext>
+            </a:extLst>
+          </p:cNvPr>
+          <p:cNvSpPr txBox="1"/>
+          <p:nvPr/>
+        </p:nvSpPr>
+        <p:spPr>
+          <a:xfrm>
+            <a:off x="467356" y="438150"/>
+            <a:ext cx="3604497" cy="533400"/>
+          </a:xfrm>
+          <a:prstGeom prst="rect">
+            <a:avLst/>
+          </a:prstGeom>
+          <a:gradFill flip="none" rotWithShape="1">
+            <a:gsLst>
+              <a:gs pos="0">
+                <a:schemeClr val="accent1">
+                  <a:tint val="66000"/>
+                  <a:satMod val="160000"/>
+                </a:schemeClr>
+              </a:gs>
+              <a:gs pos="50000">
+                <a:schemeClr val="accent1">
+                  <a:tint val="44500"/>
+                  <a:satMod val="160000"/>
+                </a:schemeClr>
+              </a:gs>
+              <a:gs pos="100000">
+                <a:schemeClr val="accent1">
+                  <a:tint val="23500"/>
+                  <a:satMod val="160000"/>
+                </a:schemeClr>
+              </a:gs>
+            </a:gsLst>
+            <a:lin ang="2700000" scaled="1"/>
+            <a:tileRect/>
+          </a:gradFill>
+        </p:spPr>
+        <p:txBody>
+          <a:bodyPr vert="horz" lIns="91440" tIns="45720" rIns="91440" bIns="45720" rtlCol="0" anchor="t">
+            <a:normAutofit/>
+          </a:bodyPr>
+          <a:lstStyle/>
+          <a:p>
+            <a:pPr>
+              <a:lnSpc>
+                <a:spcPct val="90000"/>
+              </a:lnSpc>
+              <a:spcBef>
+                <a:spcPct val="0"/>
+              </a:spcBef>
+              <a:spcAft>
+                <a:spcPts val="600"/>
+              </a:spcAft>
+            </a:pPr>
+            <a:r>
+              <a:rPr lang="en-US" sz="3000" b="1" kern="1200" dirty="0">
+                <a:solidFill>
+                  <a:schemeClr val="accent6">
+                    <a:lumMod val="75000"/>
+                  </a:schemeClr>
+                </a:solidFill>
+                <a:latin typeface="+mj-lt"/>
+                <a:ea typeface="+mj-ea"/>
+                <a:cs typeface="+mj-cs"/>
+              </a:rPr>
+              <a:t>Nombre del proyecto</a:t>
+            </a:r>
+          </a:p>
+        </p:txBody>
+      </p:sp>
+      <p:grpSp>
+        <p:nvGrpSpPr>
+          <p:cNvPr id="31" name="Group 30">
+            <a:extLst>
+              <a:ext uri="{FF2B5EF4-FFF2-40B4-BE49-F238E27FC236}">
+                <a16:creationId xmlns:a16="http://schemas.microsoft.com/office/drawing/2014/main" id="{D74613BB-817C-4C4F-8A24-4936F2F064C0}"/>
+              </a:ext>
+              <a:ext uri="{C183D7F6-B498-43B3-948B-1728B52AA6E4}">
+                <adec:decorative xmlns:adec="http://schemas.microsoft.com/office/drawing/2017/decorative" val="1"/>
+              </a:ext>
+            </a:extLst>
+          </p:cNvPr>
+          <p:cNvGrpSpPr>
+            <a:grpSpLocks noGrp="1" noUngrp="1" noRot="1" noChangeAspect="1" noMove="1" noResize="1"/>
+          </p:cNvGrpSpPr>
+          <p:nvPr>
+            <p:extLst>
+              <p:ext uri="{386F3935-93C4-4BCD-93E2-E3B085C9AB24}">
+                <p16:designElem xmlns:p16="http://schemas.microsoft.com/office/powerpoint/2015/main" val="1"/>
+              </p:ext>
+            </p:extLst>
+          </p:nvPr>
+        </p:nvGrpSpPr>
+        <p:grpSpPr>
+          <a:xfrm>
+            <a:off x="4575767" y="39747"/>
+            <a:ext cx="4570022" cy="5103753"/>
+            <a:chOff x="6101023" y="52996"/>
+            <a:chExt cx="6093363" cy="6805005"/>
+          </a:xfrm>
+        </p:grpSpPr>
+        <p:sp>
+          <p:nvSpPr>
+            <p:cNvPr id="32" name="Freeform: Shape 31">
+              <a:extLst>
+                <a:ext uri="{FF2B5EF4-FFF2-40B4-BE49-F238E27FC236}">
+                  <a16:creationId xmlns:a16="http://schemas.microsoft.com/office/drawing/2014/main" id="{926C820D-9A01-44F0-AE18-C2DAB089B8C3}"/>
+                </a:ext>
+                <a:ext uri="{C183D7F6-B498-43B3-948B-1728B52AA6E4}">
+                  <adec:decorative xmlns:adec="http://schemas.microsoft.com/office/drawing/2017/decorative" val="1"/>
+                </a:ext>
+              </a:extLst>
+            </p:cNvPr>
+            <p:cNvSpPr/>
+            <p:nvPr>
+              <p:extLst>
+                <p:ext uri="{386F3935-93C4-4BCD-93E2-E3B085C9AB24}">
+                  <p16:designElem xmlns:p16="http://schemas.microsoft.com/office/powerpoint/2015/main" val="1"/>
+                </p:ext>
+              </p:extLst>
+            </p:nvPr>
+          </p:nvSpPr>
+          <p:spPr>
+            <a:xfrm>
+              <a:off x="6101024" y="52997"/>
+              <a:ext cx="6093362" cy="6805004"/>
+            </a:xfrm>
+            <a:custGeom>
+              <a:avLst/>
+              <a:gdLst>
+                <a:gd name="connsiteX0" fmla="*/ 3517682 w 5890490"/>
+                <a:gd name="connsiteY0" fmla="*/ 0 h 6578439"/>
+                <a:gd name="connsiteX1" fmla="*/ 5849513 w 5890490"/>
+                <a:gd name="connsiteY1" fmla="*/ 841730 h 6578439"/>
+                <a:gd name="connsiteX2" fmla="*/ 5890490 w 5890490"/>
+                <a:gd name="connsiteY2" fmla="*/ 879060 h 6578439"/>
+                <a:gd name="connsiteX3" fmla="*/ 5890490 w 5890490"/>
+                <a:gd name="connsiteY3" fmla="*/ 1816052 h 6578439"/>
+                <a:gd name="connsiteX4" fmla="*/ 5856961 w 5890490"/>
+                <a:gd name="connsiteY4" fmla="*/ 1771023 h 6578439"/>
+                <a:gd name="connsiteX5" fmla="*/ 5655397 w 5890490"/>
+                <a:gd name="connsiteY5" fmla="*/ 1548813 h 6578439"/>
+                <a:gd name="connsiteX6" fmla="*/ 3517682 w 5890490"/>
+                <a:gd name="connsiteY6" fmla="*/ 658717 h 6578439"/>
+                <a:gd name="connsiteX7" fmla="*/ 2395696 w 5890490"/>
+                <a:gd name="connsiteY7" fmla="*/ 850721 h 6578439"/>
+                <a:gd name="connsiteX8" fmla="*/ 1519955 w 5890490"/>
+                <a:gd name="connsiteY8" fmla="*/ 1450441 h 6578439"/>
+                <a:gd name="connsiteX9" fmla="*/ 1223630 w 5890490"/>
+                <a:gd name="connsiteY9" fmla="*/ 1841430 h 6578439"/>
+                <a:gd name="connsiteX10" fmla="*/ 1075857 w 5890490"/>
+                <a:gd name="connsiteY10" fmla="*/ 2329343 h 6578439"/>
+                <a:gd name="connsiteX11" fmla="*/ 731010 w 5890490"/>
+                <a:gd name="connsiteY11" fmla="*/ 3483744 h 6578439"/>
+                <a:gd name="connsiteX12" fmla="*/ 741000 w 5890490"/>
+                <a:gd name="connsiteY12" fmla="*/ 4479719 h 6578439"/>
+                <a:gd name="connsiteX13" fmla="*/ 1315615 w 5890490"/>
+                <a:gd name="connsiteY13" fmla="*/ 5443827 h 6578439"/>
+                <a:gd name="connsiteX14" fmla="*/ 2277503 w 5890490"/>
+                <a:gd name="connsiteY14" fmla="*/ 6259386 h 6578439"/>
+                <a:gd name="connsiteX15" fmla="*/ 3439448 w 5890490"/>
+                <a:gd name="connsiteY15" fmla="*/ 6551739 h 6578439"/>
+                <a:gd name="connsiteX16" fmla="*/ 4408732 w 5890490"/>
+                <a:gd name="connsiteY16" fmla="*/ 6255172 h 6578439"/>
+                <a:gd name="connsiteX17" fmla="*/ 5343243 w 5890490"/>
+                <a:gd name="connsiteY17" fmla="*/ 5442509 h 6578439"/>
+                <a:gd name="connsiteX18" fmla="*/ 5745566 w 5890490"/>
+                <a:gd name="connsiteY18" fmla="*/ 5056656 h 6578439"/>
+                <a:gd name="connsiteX19" fmla="*/ 5890490 w 5890490"/>
+                <a:gd name="connsiteY19" fmla="*/ 4920880 h 6578439"/>
+                <a:gd name="connsiteX20" fmla="*/ 5890490 w 5890490"/>
+                <a:gd name="connsiteY20" fmla="*/ 5821966 h 6578439"/>
+                <a:gd name="connsiteX21" fmla="*/ 5802002 w 5890490"/>
+                <a:gd name="connsiteY21" fmla="*/ 5907904 h 6578439"/>
+                <a:gd name="connsiteX22" fmla="*/ 5294358 w 5890490"/>
+                <a:gd name="connsiteY22" fmla="*/ 6397505 h 6578439"/>
+                <a:gd name="connsiteX23" fmla="*/ 5077178 w 5890490"/>
+                <a:gd name="connsiteY23" fmla="*/ 6578439 h 6578439"/>
+                <a:gd name="connsiteX24" fmla="*/ 1567290 w 5890490"/>
+                <a:gd name="connsiteY24" fmla="*/ 6578439 h 6578439"/>
+                <a:gd name="connsiteX25" fmla="*/ 1508588 w 5890490"/>
+                <a:gd name="connsiteY25" fmla="*/ 6535186 h 6578439"/>
+                <a:gd name="connsiteX26" fmla="*/ 826498 w 5890490"/>
+                <a:gd name="connsiteY26" fmla="*/ 5876034 h 6578439"/>
+                <a:gd name="connsiteX27" fmla="*/ 122403 w 5890490"/>
+                <a:gd name="connsiteY27" fmla="*/ 3255655 h 6578439"/>
+                <a:gd name="connsiteX28" fmla="*/ 1061197 w 5890490"/>
+                <a:gd name="connsiteY28" fmla="*/ 984650 h 6578439"/>
+                <a:gd name="connsiteX29" fmla="*/ 3517682 w 5890490"/>
+                <a:gd name="connsiteY29" fmla="*/ 0 h 6578439"/>
+              </a:gdLst>
+              <a:ahLst/>
+              <a:cxnLst>
+                <a:cxn ang="0">
+                  <a:pos x="connsiteX0" y="connsiteY0"/>
+                </a:cxn>
+                <a:cxn ang="0">
+                  <a:pos x="connsiteX1" y="connsiteY1"/>
+                </a:cxn>
+                <a:cxn ang="0">
+                  <a:pos x="connsiteX2" y="connsiteY2"/>
+                </a:cxn>
+                <a:cxn ang="0">
+                  <a:pos x="connsiteX3" y="connsiteY3"/>
+                </a:cxn>
+                <a:cxn ang="0">
+                  <a:pos x="connsiteX4" y="connsiteY4"/>
+                </a:cxn>
+                <a:cxn ang="0">
+                  <a:pos x="connsiteX5" y="connsiteY5"/>
+                </a:cxn>
+                <a:cxn ang="0">
+                  <a:pos x="connsiteX6" y="connsiteY6"/>
+                </a:cxn>
+                <a:cxn ang="0">
+                  <a:pos x="connsiteX7" y="connsiteY7"/>
+                </a:cxn>
+                <a:cxn ang="0">
+                  <a:pos x="connsiteX8" y="connsiteY8"/>
+                </a:cxn>
+                <a:cxn ang="0">
+                  <a:pos x="connsiteX9" y="connsiteY9"/>
+                </a:cxn>
+                <a:cxn ang="0">
+                  <a:pos x="connsiteX10" y="connsiteY10"/>
+                </a:cxn>
+                <a:cxn ang="0">
+                  <a:pos x="connsiteX11" y="connsiteY11"/>
+                </a:cxn>
+                <a:cxn ang="0">
+                  <a:pos x="connsiteX12" y="connsiteY12"/>
+                </a:cxn>
+                <a:cxn ang="0">
+                  <a:pos x="connsiteX13" y="connsiteY13"/>
+                </a:cxn>
+                <a:cxn ang="0">
+                  <a:pos x="connsiteX14" y="connsiteY14"/>
+                </a:cxn>
+                <a:cxn ang="0">
+                  <a:pos x="connsiteX15" y="connsiteY15"/>
+                </a:cxn>
+                <a:cxn ang="0">
+                  <a:pos x="connsiteX16" y="connsiteY16"/>
+                </a:cxn>
+                <a:cxn ang="0">
+                  <a:pos x="connsiteX17" y="connsiteY17"/>
+                </a:cxn>
+                <a:cxn ang="0">
+                  <a:pos x="connsiteX18" y="connsiteY18"/>
+                </a:cxn>
+                <a:cxn ang="0">
+                  <a:pos x="connsiteX19" y="connsiteY19"/>
+                </a:cxn>
+                <a:cxn ang="0">
+                  <a:pos x="connsiteX20" y="connsiteY20"/>
+                </a:cxn>
+                <a:cxn ang="0">
+                  <a:pos x="connsiteX21" y="connsiteY21"/>
+                </a:cxn>
+                <a:cxn ang="0">
+                  <a:pos x="connsiteX22" y="connsiteY22"/>
+                </a:cxn>
+                <a:cxn ang="0">
+                  <a:pos x="connsiteX23" y="connsiteY23"/>
+                </a:cxn>
+                <a:cxn ang="0">
+                  <a:pos x="connsiteX24" y="connsiteY24"/>
+                </a:cxn>
+                <a:cxn ang="0">
+                  <a:pos x="connsiteX25" y="connsiteY25"/>
+                </a:cxn>
+                <a:cxn ang="0">
+                  <a:pos x="connsiteX26" y="connsiteY26"/>
+                </a:cxn>
+                <a:cxn ang="0">
+                  <a:pos x="connsiteX27" y="connsiteY27"/>
+                </a:cxn>
+                <a:cxn ang="0">
+                  <a:pos x="connsiteX28" y="connsiteY28"/>
+                </a:cxn>
+                <a:cxn ang="0">
+                  <a:pos x="connsiteX29" y="connsiteY29"/>
+                </a:cxn>
+              </a:cxnLst>
+              <a:rect l="l" t="t" r="r" b="b"/>
+              <a:pathLst>
+                <a:path w="5890490" h="6578439">
+                  <a:moveTo>
+                    <a:pt x="3517682" y="0"/>
+                  </a:moveTo>
+                  <a:cubicBezTo>
+                    <a:pt x="4402016" y="0"/>
+                    <a:pt x="5213741" y="315483"/>
+                    <a:pt x="5849513" y="841730"/>
+                  </a:cubicBezTo>
+                  <a:lnTo>
+                    <a:pt x="5890490" y="879060"/>
+                  </a:lnTo>
+                  <a:lnTo>
+                    <a:pt x="5890490" y="1816052"/>
+                  </a:lnTo>
+                  <a:lnTo>
+                    <a:pt x="5856961" y="1771023"/>
+                  </a:lnTo>
+                  <a:cubicBezTo>
+                    <a:pt x="5793650" y="1694076"/>
+                    <a:pt x="5726429" y="1619959"/>
+                    <a:pt x="5655397" y="1548813"/>
+                  </a:cubicBezTo>
+                  <a:cubicBezTo>
+                    <a:pt x="5082208" y="974906"/>
+                    <a:pt x="4322973" y="658717"/>
+                    <a:pt x="3517682" y="658717"/>
+                  </a:cubicBezTo>
+                  <a:cubicBezTo>
+                    <a:pt x="3085520" y="658717"/>
+                    <a:pt x="2718488" y="721533"/>
+                    <a:pt x="2395696" y="850721"/>
+                  </a:cubicBezTo>
+                  <a:cubicBezTo>
+                    <a:pt x="2079132" y="977407"/>
+                    <a:pt x="1792668" y="1173626"/>
+                    <a:pt x="1519955" y="1450441"/>
+                  </a:cubicBezTo>
+                  <a:cubicBezTo>
+                    <a:pt x="1330275" y="1642840"/>
+                    <a:pt x="1263719" y="1756094"/>
+                    <a:pt x="1223630" y="1841430"/>
+                  </a:cubicBezTo>
+                  <a:cubicBezTo>
+                    <a:pt x="1166545" y="1962981"/>
+                    <a:pt x="1128532" y="2116663"/>
+                    <a:pt x="1075857" y="2329343"/>
+                  </a:cubicBezTo>
+                  <a:cubicBezTo>
+                    <a:pt x="1008652" y="2601153"/>
+                    <a:pt x="916537" y="2973574"/>
+                    <a:pt x="731010" y="3483744"/>
+                  </a:cubicBezTo>
+                  <a:cubicBezTo>
+                    <a:pt x="617488" y="3795981"/>
+                    <a:pt x="620731" y="4121653"/>
+                    <a:pt x="741000" y="4479719"/>
+                  </a:cubicBezTo>
+                  <a:cubicBezTo>
+                    <a:pt x="847257" y="4796172"/>
+                    <a:pt x="1045888" y="5129481"/>
+                    <a:pt x="1315615" y="5443827"/>
+                  </a:cubicBezTo>
+                  <a:cubicBezTo>
+                    <a:pt x="1630753" y="5810980"/>
+                    <a:pt x="1945371" y="6077784"/>
+                    <a:pt x="2277503" y="6259386"/>
+                  </a:cubicBezTo>
+                  <a:cubicBezTo>
+                    <a:pt x="2637530" y="6456133"/>
+                    <a:pt x="3017536" y="6551739"/>
+                    <a:pt x="3439448" y="6551739"/>
+                  </a:cubicBezTo>
+                  <a:cubicBezTo>
+                    <a:pt x="3781571" y="6551739"/>
+                    <a:pt x="4089573" y="6457449"/>
+                    <a:pt x="4408732" y="6255172"/>
+                  </a:cubicBezTo>
+                  <a:cubicBezTo>
+                    <a:pt x="4738010" y="6046310"/>
+                    <a:pt x="5050941" y="5739207"/>
+                    <a:pt x="5343243" y="5442509"/>
+                  </a:cubicBezTo>
+                  <a:cubicBezTo>
+                    <a:pt x="5479860" y="5303970"/>
+                    <a:pt x="5614918" y="5178206"/>
+                    <a:pt x="5745566" y="5056656"/>
+                  </a:cubicBezTo>
+                  <a:lnTo>
+                    <a:pt x="5890490" y="4920880"/>
+                  </a:lnTo>
+                  <a:lnTo>
+                    <a:pt x="5890490" y="5821966"/>
+                  </a:lnTo>
+                  <a:lnTo>
+                    <a:pt x="5802002" y="5907904"/>
+                  </a:lnTo>
+                  <a:cubicBezTo>
+                    <a:pt x="5634962" y="6077456"/>
+                    <a:pt x="5467509" y="6243625"/>
+                    <a:pt x="5294358" y="6397505"/>
+                  </a:cubicBezTo>
+                  <a:lnTo>
+                    <a:pt x="5077178" y="6578439"/>
+                  </a:lnTo>
+                  <a:lnTo>
+                    <a:pt x="1567290" y="6578439"/>
+                  </a:lnTo>
+                  <a:lnTo>
+                    <a:pt x="1508588" y="6535186"/>
+                  </a:lnTo>
+                  <a:cubicBezTo>
+                    <a:pt x="1263991" y="6345442"/>
+                    <a:pt x="1038054" y="6122666"/>
+                    <a:pt x="826498" y="5876034"/>
+                  </a:cubicBezTo>
+                  <a:cubicBezTo>
+                    <a:pt x="261613" y="5217713"/>
+                    <a:pt x="-239182" y="4250314"/>
+                    <a:pt x="122403" y="3255655"/>
+                  </a:cubicBezTo>
+                  <a:cubicBezTo>
+                    <a:pt x="607497" y="1921629"/>
+                    <a:pt x="393040" y="1662857"/>
+                    <a:pt x="1061197" y="984650"/>
+                  </a:cubicBezTo>
+                  <a:cubicBezTo>
+                    <a:pt x="1729484" y="306444"/>
+                    <a:pt x="2498060" y="0"/>
+                    <a:pt x="3517682" y="0"/>
+                  </a:cubicBezTo>
+                  <a:close/>
+                </a:path>
+              </a:pathLst>
+            </a:custGeom>
+            <a:gradFill flip="none" rotWithShape="1">
+              <a:gsLst>
+                <a:gs pos="2000">
+                  <a:schemeClr val="bg1">
+                    <a:alpha val="10000"/>
+                  </a:schemeClr>
+                </a:gs>
+                <a:gs pos="16000">
+                  <a:schemeClr val="accent6">
+                    <a:alpha val="5000"/>
+                  </a:schemeClr>
+                </a:gs>
+                <a:gs pos="100000">
+                  <a:schemeClr val="bg1">
+                    <a:alpha val="10000"/>
+                  </a:schemeClr>
+                </a:gs>
+                <a:gs pos="85000">
+                  <a:schemeClr val="accent1">
+                    <a:alpha val="5000"/>
+                  </a:schemeClr>
+                </a:gs>
+              </a:gsLst>
+              <a:lin ang="12000000" scaled="0"/>
+              <a:tileRect/>
+            </a:gradFill>
+            <a:ln>
+              <a:noFill/>
+            </a:ln>
+          </p:spPr>
+          <p:style>
+            <a:lnRef idx="2">
+              <a:schemeClr val="accent1">
+                <a:shade val="50000"/>
+              </a:schemeClr>
+            </a:lnRef>
+            <a:fillRef idx="1">
+              <a:schemeClr val="accent1"/>
+            </a:fillRef>
+            <a:effectRef idx="0">
+              <a:schemeClr val="accent1"/>
+            </a:effectRef>
+            <a:fontRef idx="minor">
+              <a:schemeClr val="lt1"/>
+            </a:fontRef>
+          </p:style>
+          <p:txBody>
+            <a:bodyPr rtlCol="0" anchor="ctr"/>
+            <a:lstStyle/>
+            <a:p>
+              <a:pPr algn="ctr"/>
+              <a:endParaRPr lang="en-US"/>
+            </a:p>
+          </p:txBody>
+        </p:sp>
+        <p:sp>
+          <p:nvSpPr>
+            <p:cNvPr id="33" name="Freeform: Shape 32">
+              <a:extLst>
+                <a:ext uri="{FF2B5EF4-FFF2-40B4-BE49-F238E27FC236}">
+                  <a16:creationId xmlns:a16="http://schemas.microsoft.com/office/drawing/2014/main" id="{458B604F-996E-4349-B131-E04ED285D8DA}"/>
+                </a:ext>
+                <a:ext uri="{C183D7F6-B498-43B3-948B-1728B52AA6E4}">
+                  <adec:decorative xmlns:adec="http://schemas.microsoft.com/office/drawing/2017/decorative" val="1"/>
+                </a:ext>
+              </a:extLst>
+            </p:cNvPr>
+            <p:cNvSpPr/>
+            <p:nvPr>
+              <p:extLst>
+                <p:ext uri="{386F3935-93C4-4BCD-93E2-E3B085C9AB24}">
+                  <p16:designElem xmlns:p16="http://schemas.microsoft.com/office/powerpoint/2015/main" val="1"/>
+                </p:ext>
+              </p:extLst>
+            </p:nvPr>
+          </p:nvSpPr>
+          <p:spPr>
+            <a:xfrm>
+              <a:off x="6101025" y="52996"/>
+              <a:ext cx="6093361" cy="6805003"/>
+            </a:xfrm>
+            <a:custGeom>
+              <a:avLst/>
+              <a:gdLst>
+                <a:gd name="connsiteX0" fmla="*/ 3391253 w 5890489"/>
+                <a:gd name="connsiteY0" fmla="*/ 0 h 6578438"/>
+                <a:gd name="connsiteX1" fmla="*/ 3434974 w 5890489"/>
+                <a:gd name="connsiteY1" fmla="*/ 646 h 6578438"/>
+                <a:gd name="connsiteX2" fmla="*/ 3522419 w 5890489"/>
+                <a:gd name="connsiteY2" fmla="*/ 2712 h 6578438"/>
+                <a:gd name="connsiteX3" fmla="*/ 3610261 w 5890489"/>
+                <a:gd name="connsiteY3" fmla="*/ 6458 h 6578438"/>
+                <a:gd name="connsiteX4" fmla="*/ 3786872 w 5890489"/>
+                <a:gd name="connsiteY4" fmla="*/ 20667 h 6578438"/>
+                <a:gd name="connsiteX5" fmla="*/ 3962291 w 5890489"/>
+                <a:gd name="connsiteY5" fmla="*/ 43530 h 6578438"/>
+                <a:gd name="connsiteX6" fmla="*/ 4135855 w 5890489"/>
+                <a:gd name="connsiteY6" fmla="*/ 75176 h 6578438"/>
+                <a:gd name="connsiteX7" fmla="*/ 4307299 w 5890489"/>
+                <a:gd name="connsiteY7" fmla="*/ 114315 h 6578438"/>
+                <a:gd name="connsiteX8" fmla="*/ 4476358 w 5890489"/>
+                <a:gd name="connsiteY8" fmla="*/ 160816 h 6578438"/>
+                <a:gd name="connsiteX9" fmla="*/ 4559829 w 5890489"/>
+                <a:gd name="connsiteY9" fmla="*/ 186779 h 6578438"/>
+                <a:gd name="connsiteX10" fmla="*/ 4642901 w 5890489"/>
+                <a:gd name="connsiteY10" fmla="*/ 213648 h 6578438"/>
+                <a:gd name="connsiteX11" fmla="*/ 5280847 w 5890489"/>
+                <a:gd name="connsiteY11" fmla="*/ 485936 h 6578438"/>
+                <a:gd name="connsiteX12" fmla="*/ 5865400 w 5890489"/>
+                <a:gd name="connsiteY12" fmla="*/ 851099 h 6578438"/>
+                <a:gd name="connsiteX13" fmla="*/ 5890489 w 5890489"/>
+                <a:gd name="connsiteY13" fmla="*/ 870950 h 6578438"/>
+                <a:gd name="connsiteX14" fmla="*/ 5890489 w 5890489"/>
+                <a:gd name="connsiteY14" fmla="*/ 1321814 h 6578438"/>
+                <a:gd name="connsiteX15" fmla="*/ 5887395 w 5890489"/>
+                <a:gd name="connsiteY15" fmla="*/ 1318952 h 6578438"/>
+                <a:gd name="connsiteX16" fmla="*/ 5830291 w 5890489"/>
+                <a:gd name="connsiteY16" fmla="*/ 1265992 h 6578438"/>
+                <a:gd name="connsiteX17" fmla="*/ 5815981 w 5890489"/>
+                <a:gd name="connsiteY17" fmla="*/ 1252687 h 6578438"/>
+                <a:gd name="connsiteX18" fmla="*/ 5801142 w 5890489"/>
+                <a:gd name="connsiteY18" fmla="*/ 1240158 h 6578438"/>
+                <a:gd name="connsiteX19" fmla="*/ 5771464 w 5890489"/>
+                <a:gd name="connsiteY19" fmla="*/ 1214969 h 6578438"/>
+                <a:gd name="connsiteX20" fmla="*/ 5651030 w 5890489"/>
+                <a:gd name="connsiteY20" fmla="*/ 1115767 h 6578438"/>
+                <a:gd name="connsiteX21" fmla="*/ 5123183 w 5890489"/>
+                <a:gd name="connsiteY21" fmla="*/ 780443 h 6578438"/>
+                <a:gd name="connsiteX22" fmla="*/ 4533860 w 5890489"/>
+                <a:gd name="connsiteY22" fmla="*/ 567701 h 6578438"/>
+                <a:gd name="connsiteX23" fmla="*/ 4457281 w 5890489"/>
+                <a:gd name="connsiteY23" fmla="*/ 550780 h 6578438"/>
+                <a:gd name="connsiteX24" fmla="*/ 4380568 w 5890489"/>
+                <a:gd name="connsiteY24" fmla="*/ 535279 h 6578438"/>
+                <a:gd name="connsiteX25" fmla="*/ 4303325 w 5890489"/>
+                <a:gd name="connsiteY25" fmla="*/ 522879 h 6578438"/>
+                <a:gd name="connsiteX26" fmla="*/ 4264769 w 5890489"/>
+                <a:gd name="connsiteY26" fmla="*/ 516679 h 6578438"/>
+                <a:gd name="connsiteX27" fmla="*/ 4226082 w 5890489"/>
+                <a:gd name="connsiteY27" fmla="*/ 511253 h 6578438"/>
+                <a:gd name="connsiteX28" fmla="*/ 4070934 w 5890489"/>
+                <a:gd name="connsiteY28" fmla="*/ 494848 h 6578438"/>
+                <a:gd name="connsiteX29" fmla="*/ 3915521 w 5890489"/>
+                <a:gd name="connsiteY29" fmla="*/ 486065 h 6578438"/>
+                <a:gd name="connsiteX30" fmla="*/ 3760241 w 5890489"/>
+                <a:gd name="connsiteY30" fmla="*/ 484257 h 6578438"/>
+                <a:gd name="connsiteX31" fmla="*/ 3682734 w 5890489"/>
+                <a:gd name="connsiteY31" fmla="*/ 486581 h 6578438"/>
+                <a:gd name="connsiteX32" fmla="*/ 3605491 w 5890489"/>
+                <a:gd name="connsiteY32" fmla="*/ 488907 h 6578438"/>
+                <a:gd name="connsiteX33" fmla="*/ 3527454 w 5890489"/>
+                <a:gd name="connsiteY33" fmla="*/ 493169 h 6578438"/>
+                <a:gd name="connsiteX34" fmla="*/ 3449151 w 5890489"/>
+                <a:gd name="connsiteY34" fmla="*/ 498336 h 6578438"/>
+                <a:gd name="connsiteX35" fmla="*/ 3410067 w 5890489"/>
+                <a:gd name="connsiteY35" fmla="*/ 500532 h 6578438"/>
+                <a:gd name="connsiteX36" fmla="*/ 3371246 w 5890489"/>
+                <a:gd name="connsiteY36" fmla="*/ 504279 h 6578438"/>
+                <a:gd name="connsiteX37" fmla="*/ 3293739 w 5890489"/>
+                <a:gd name="connsiteY37" fmla="*/ 511512 h 6578438"/>
+                <a:gd name="connsiteX38" fmla="*/ 2689445 w 5890489"/>
+                <a:gd name="connsiteY38" fmla="*/ 610198 h 6578438"/>
+                <a:gd name="connsiteX39" fmla="*/ 2117875 w 5890489"/>
+                <a:gd name="connsiteY39" fmla="*/ 800335 h 6578438"/>
+                <a:gd name="connsiteX40" fmla="*/ 1981276 w 5890489"/>
+                <a:gd name="connsiteY40" fmla="*/ 865566 h 6578438"/>
+                <a:gd name="connsiteX41" fmla="*/ 1847991 w 5890489"/>
+                <a:gd name="connsiteY41" fmla="*/ 938676 h 6578438"/>
+                <a:gd name="connsiteX42" fmla="*/ 1783069 w 5890489"/>
+                <a:gd name="connsiteY42" fmla="*/ 978718 h 6578438"/>
+                <a:gd name="connsiteX43" fmla="*/ 1750609 w 5890489"/>
+                <a:gd name="connsiteY43" fmla="*/ 998869 h 6578438"/>
+                <a:gd name="connsiteX44" fmla="*/ 1734312 w 5890489"/>
+                <a:gd name="connsiteY44" fmla="*/ 1008945 h 6578438"/>
+                <a:gd name="connsiteX45" fmla="*/ 1718547 w 5890489"/>
+                <a:gd name="connsiteY45" fmla="*/ 1019924 h 6578438"/>
+                <a:gd name="connsiteX46" fmla="*/ 1655481 w 5890489"/>
+                <a:gd name="connsiteY46" fmla="*/ 1063582 h 6578438"/>
+                <a:gd name="connsiteX47" fmla="*/ 1593077 w 5890489"/>
+                <a:gd name="connsiteY47" fmla="*/ 1108664 h 6578438"/>
+                <a:gd name="connsiteX48" fmla="*/ 1532263 w 5890489"/>
+                <a:gd name="connsiteY48" fmla="*/ 1156197 h 6578438"/>
+                <a:gd name="connsiteX49" fmla="*/ 1472509 w 5890489"/>
+                <a:gd name="connsiteY49" fmla="*/ 1205152 h 6578438"/>
+                <a:gd name="connsiteX50" fmla="*/ 1414212 w 5890489"/>
+                <a:gd name="connsiteY50" fmla="*/ 1256175 h 6578438"/>
+                <a:gd name="connsiteX51" fmla="*/ 1357242 w 5890489"/>
+                <a:gd name="connsiteY51" fmla="*/ 1308359 h 6578438"/>
+                <a:gd name="connsiteX52" fmla="*/ 1153072 w 5890489"/>
+                <a:gd name="connsiteY52" fmla="*/ 1529498 h 6578438"/>
+                <a:gd name="connsiteX53" fmla="*/ 1002694 w 5890489"/>
+                <a:gd name="connsiteY53" fmla="*/ 1770658 h 6578438"/>
+                <a:gd name="connsiteX54" fmla="*/ 974076 w 5890489"/>
+                <a:gd name="connsiteY54" fmla="*/ 1835371 h 6578438"/>
+                <a:gd name="connsiteX55" fmla="*/ 949564 w 5890489"/>
+                <a:gd name="connsiteY55" fmla="*/ 1903573 h 6578438"/>
+                <a:gd name="connsiteX56" fmla="*/ 927173 w 5890489"/>
+                <a:gd name="connsiteY56" fmla="*/ 1974229 h 6578438"/>
+                <a:gd name="connsiteX57" fmla="*/ 906107 w 5890489"/>
+                <a:gd name="connsiteY57" fmla="*/ 2046952 h 6578438"/>
+                <a:gd name="connsiteX58" fmla="*/ 751092 w 5890489"/>
+                <a:gd name="connsiteY58" fmla="*/ 2676266 h 6578438"/>
+                <a:gd name="connsiteX59" fmla="*/ 547189 w 5890489"/>
+                <a:gd name="connsiteY59" fmla="*/ 3308422 h 6578438"/>
+                <a:gd name="connsiteX60" fmla="*/ 441195 w 5890489"/>
+                <a:gd name="connsiteY60" fmla="*/ 3866306 h 6578438"/>
+                <a:gd name="connsiteX61" fmla="*/ 527182 w 5890489"/>
+                <a:gd name="connsiteY61" fmla="*/ 4439174 h 6578438"/>
+                <a:gd name="connsiteX62" fmla="*/ 775073 w 5890489"/>
+                <a:gd name="connsiteY62" fmla="*/ 4987240 h 6578438"/>
+                <a:gd name="connsiteX63" fmla="*/ 943206 w 5890489"/>
+                <a:gd name="connsiteY63" fmla="*/ 5244933 h 6578438"/>
+                <a:gd name="connsiteX64" fmla="*/ 1133728 w 5890489"/>
+                <a:gd name="connsiteY64" fmla="*/ 5490356 h 6578438"/>
+                <a:gd name="connsiteX65" fmla="*/ 1359626 w 5890489"/>
+                <a:gd name="connsiteY65" fmla="*/ 5709815 h 6578438"/>
+                <a:gd name="connsiteX66" fmla="*/ 1481254 w 5890489"/>
+                <a:gd name="connsiteY66" fmla="*/ 5809146 h 6578438"/>
+                <a:gd name="connsiteX67" fmla="*/ 1543260 w 5890489"/>
+                <a:gd name="connsiteY67" fmla="*/ 5856940 h 6578438"/>
+                <a:gd name="connsiteX68" fmla="*/ 1607518 w 5890489"/>
+                <a:gd name="connsiteY68" fmla="*/ 5901374 h 6578438"/>
+                <a:gd name="connsiteX69" fmla="*/ 2145566 w 5890489"/>
+                <a:gd name="connsiteY69" fmla="*/ 6193814 h 6578438"/>
+                <a:gd name="connsiteX70" fmla="*/ 2214991 w 5890489"/>
+                <a:gd name="connsiteY70" fmla="*/ 6221844 h 6578438"/>
+                <a:gd name="connsiteX71" fmla="*/ 2249307 w 5890489"/>
+                <a:gd name="connsiteY71" fmla="*/ 6236182 h 6578438"/>
+                <a:gd name="connsiteX72" fmla="*/ 2284285 w 5890489"/>
+                <a:gd name="connsiteY72" fmla="*/ 6248711 h 6578438"/>
+                <a:gd name="connsiteX73" fmla="*/ 2354241 w 5890489"/>
+                <a:gd name="connsiteY73" fmla="*/ 6273124 h 6578438"/>
+                <a:gd name="connsiteX74" fmla="*/ 2371597 w 5890489"/>
+                <a:gd name="connsiteY74" fmla="*/ 6279324 h 6578438"/>
+                <a:gd name="connsiteX75" fmla="*/ 2387894 w 5890489"/>
+                <a:gd name="connsiteY75" fmla="*/ 6287719 h 6578438"/>
+                <a:gd name="connsiteX76" fmla="*/ 2421414 w 5890489"/>
+                <a:gd name="connsiteY76" fmla="*/ 6302186 h 6578438"/>
+                <a:gd name="connsiteX77" fmla="*/ 2489117 w 5890489"/>
+                <a:gd name="connsiteY77" fmla="*/ 6329441 h 6578438"/>
+                <a:gd name="connsiteX78" fmla="*/ 2522902 w 5890489"/>
+                <a:gd name="connsiteY78" fmla="*/ 6343134 h 6578438"/>
+                <a:gd name="connsiteX79" fmla="*/ 2556953 w 5890489"/>
+                <a:gd name="connsiteY79" fmla="*/ 6356051 h 6578438"/>
+                <a:gd name="connsiteX80" fmla="*/ 2695009 w 5890489"/>
+                <a:gd name="connsiteY80" fmla="*/ 6401905 h 6578438"/>
+                <a:gd name="connsiteX81" fmla="*/ 3268035 w 5890489"/>
+                <a:gd name="connsiteY81" fmla="*/ 6501238 h 6578438"/>
+                <a:gd name="connsiteX82" fmla="*/ 3341038 w 5890489"/>
+                <a:gd name="connsiteY82" fmla="*/ 6506145 h 6578438"/>
+                <a:gd name="connsiteX83" fmla="*/ 3414703 w 5890489"/>
+                <a:gd name="connsiteY83" fmla="*/ 6507050 h 6578438"/>
+                <a:gd name="connsiteX84" fmla="*/ 3488237 w 5890489"/>
+                <a:gd name="connsiteY84" fmla="*/ 6508212 h 6578438"/>
+                <a:gd name="connsiteX85" fmla="*/ 3524142 w 5890489"/>
+                <a:gd name="connsiteY85" fmla="*/ 6507955 h 6578438"/>
+                <a:gd name="connsiteX86" fmla="*/ 3559252 w 5890489"/>
+                <a:gd name="connsiteY86" fmla="*/ 6506921 h 6578438"/>
+                <a:gd name="connsiteX87" fmla="*/ 3629207 w 5890489"/>
+                <a:gd name="connsiteY87" fmla="*/ 6503045 h 6578438"/>
+                <a:gd name="connsiteX88" fmla="*/ 3698633 w 5890489"/>
+                <a:gd name="connsiteY88" fmla="*/ 6496845 h 6578438"/>
+                <a:gd name="connsiteX89" fmla="*/ 3733213 w 5890489"/>
+                <a:gd name="connsiteY89" fmla="*/ 6493357 h 6578438"/>
+                <a:gd name="connsiteX90" fmla="*/ 3767529 w 5890489"/>
+                <a:gd name="connsiteY90" fmla="*/ 6488707 h 6578438"/>
+                <a:gd name="connsiteX91" fmla="*/ 3801845 w 5890489"/>
+                <a:gd name="connsiteY91" fmla="*/ 6484057 h 6578438"/>
+                <a:gd name="connsiteX92" fmla="*/ 3835895 w 5890489"/>
+                <a:gd name="connsiteY92" fmla="*/ 6478116 h 6578438"/>
+                <a:gd name="connsiteX93" fmla="*/ 4364801 w 5890489"/>
+                <a:gd name="connsiteY93" fmla="*/ 6308517 h 6578438"/>
+                <a:gd name="connsiteX94" fmla="*/ 4861379 w 5890489"/>
+                <a:gd name="connsiteY94" fmla="*/ 6000576 h 6578438"/>
+                <a:gd name="connsiteX95" fmla="*/ 5341263 w 5890489"/>
+                <a:gd name="connsiteY95" fmla="*/ 5605834 h 6578438"/>
+                <a:gd name="connsiteX96" fmla="*/ 5587301 w 5890489"/>
+                <a:gd name="connsiteY96" fmla="*/ 5390379 h 6578438"/>
+                <a:gd name="connsiteX97" fmla="*/ 5849105 w 5890489"/>
+                <a:gd name="connsiteY97" fmla="*/ 5176344 h 6578438"/>
+                <a:gd name="connsiteX98" fmla="*/ 5890489 w 5890489"/>
+                <a:gd name="connsiteY98" fmla="*/ 5145260 h 6578438"/>
+                <a:gd name="connsiteX99" fmla="*/ 5890489 w 5890489"/>
+                <a:gd name="connsiteY99" fmla="*/ 5995323 h 6578438"/>
+                <a:gd name="connsiteX100" fmla="*/ 5811477 w 5890489"/>
+                <a:gd name="connsiteY100" fmla="*/ 6077819 h 6578438"/>
+                <a:gd name="connsiteX101" fmla="*/ 5301384 w 5890489"/>
+                <a:gd name="connsiteY101" fmla="*/ 6542958 h 6578438"/>
+                <a:gd name="connsiteX102" fmla="*/ 5252008 w 5890489"/>
+                <a:gd name="connsiteY102" fmla="*/ 6578438 h 6578438"/>
+                <a:gd name="connsiteX103" fmla="*/ 1653730 w 5890489"/>
+                <a:gd name="connsiteY103" fmla="*/ 6578438 h 6578438"/>
+                <a:gd name="connsiteX104" fmla="*/ 1549768 w 5890489"/>
+                <a:gd name="connsiteY104" fmla="*/ 6488821 h 6578438"/>
+                <a:gd name="connsiteX105" fmla="*/ 1298282 w 5890489"/>
+                <a:gd name="connsiteY105" fmla="*/ 6243932 h 6578438"/>
+                <a:gd name="connsiteX106" fmla="*/ 1237999 w 5890489"/>
+                <a:gd name="connsiteY106" fmla="*/ 6181671 h 6578438"/>
+                <a:gd name="connsiteX107" fmla="*/ 1179967 w 5890489"/>
+                <a:gd name="connsiteY107" fmla="*/ 6117862 h 6578438"/>
+                <a:gd name="connsiteX108" fmla="*/ 1121936 w 5890489"/>
+                <a:gd name="connsiteY108" fmla="*/ 6054569 h 6578438"/>
+                <a:gd name="connsiteX109" fmla="*/ 1065628 w 5890489"/>
+                <a:gd name="connsiteY109" fmla="*/ 5990243 h 6578438"/>
+                <a:gd name="connsiteX110" fmla="*/ 954335 w 5890489"/>
+                <a:gd name="connsiteY110" fmla="*/ 5861460 h 6578438"/>
+                <a:gd name="connsiteX111" fmla="*/ 898953 w 5890489"/>
+                <a:gd name="connsiteY111" fmla="*/ 5797393 h 6578438"/>
+                <a:gd name="connsiteX112" fmla="*/ 842908 w 5890489"/>
+                <a:gd name="connsiteY112" fmla="*/ 5733582 h 6578438"/>
+                <a:gd name="connsiteX113" fmla="*/ 622442 w 5890489"/>
+                <a:gd name="connsiteY113" fmla="*/ 5471884 h 6578438"/>
+                <a:gd name="connsiteX114" fmla="*/ 425559 w 5890489"/>
+                <a:gd name="connsiteY114" fmla="*/ 5190036 h 6578438"/>
+                <a:gd name="connsiteX115" fmla="*/ 123877 w 5890489"/>
+                <a:gd name="connsiteY115" fmla="*/ 4564210 h 6578438"/>
+                <a:gd name="connsiteX116" fmla="*/ 130 w 5890489"/>
+                <a:gd name="connsiteY116" fmla="*/ 3865530 h 6578438"/>
+                <a:gd name="connsiteX117" fmla="*/ 30602 w 5890489"/>
+                <a:gd name="connsiteY117" fmla="*/ 3505793 h 6578438"/>
+                <a:gd name="connsiteX118" fmla="*/ 126924 w 5890489"/>
+                <a:gd name="connsiteY118" fmla="*/ 3157164 h 6578438"/>
+                <a:gd name="connsiteX119" fmla="*/ 334803 w 5890489"/>
+                <a:gd name="connsiteY119" fmla="*/ 2560530 h 6578438"/>
+                <a:gd name="connsiteX120" fmla="*/ 381176 w 5890489"/>
+                <a:gd name="connsiteY120" fmla="*/ 2409144 h 6578438"/>
+                <a:gd name="connsiteX121" fmla="*/ 425825 w 5890489"/>
+                <a:gd name="connsiteY121" fmla="*/ 2255819 h 6578438"/>
+                <a:gd name="connsiteX122" fmla="*/ 470210 w 5890489"/>
+                <a:gd name="connsiteY122" fmla="*/ 2099523 h 6578438"/>
+                <a:gd name="connsiteX123" fmla="*/ 492998 w 5890489"/>
+                <a:gd name="connsiteY123" fmla="*/ 2020213 h 6578438"/>
+                <a:gd name="connsiteX124" fmla="*/ 517509 w 5890489"/>
+                <a:gd name="connsiteY124" fmla="*/ 1939224 h 6578438"/>
+                <a:gd name="connsiteX125" fmla="*/ 544007 w 5890489"/>
+                <a:gd name="connsiteY125" fmla="*/ 1857201 h 6578438"/>
+                <a:gd name="connsiteX126" fmla="*/ 573288 w 5890489"/>
+                <a:gd name="connsiteY126" fmla="*/ 1774274 h 6578438"/>
+                <a:gd name="connsiteX127" fmla="*/ 606146 w 5890489"/>
+                <a:gd name="connsiteY127" fmla="*/ 1690832 h 6578438"/>
+                <a:gd name="connsiteX128" fmla="*/ 644569 w 5890489"/>
+                <a:gd name="connsiteY128" fmla="*/ 1607775 h 6578438"/>
+                <a:gd name="connsiteX129" fmla="*/ 837874 w 5890489"/>
+                <a:gd name="connsiteY129" fmla="*/ 1297638 h 6578438"/>
+                <a:gd name="connsiteX130" fmla="*/ 1069602 w 5890489"/>
+                <a:gd name="connsiteY130" fmla="*/ 1032194 h 6578438"/>
+                <a:gd name="connsiteX131" fmla="*/ 1130548 w 5890489"/>
+                <a:gd name="connsiteY131" fmla="*/ 970839 h 6578438"/>
+                <a:gd name="connsiteX132" fmla="*/ 1192024 w 5890489"/>
+                <a:gd name="connsiteY132" fmla="*/ 910129 h 6578438"/>
+                <a:gd name="connsiteX133" fmla="*/ 1255356 w 5890489"/>
+                <a:gd name="connsiteY133" fmla="*/ 850841 h 6578438"/>
+                <a:gd name="connsiteX134" fmla="*/ 1319614 w 5890489"/>
+                <a:gd name="connsiteY134" fmla="*/ 792068 h 6578438"/>
+                <a:gd name="connsiteX135" fmla="*/ 1385728 w 5890489"/>
+                <a:gd name="connsiteY135" fmla="*/ 734975 h 6578438"/>
+                <a:gd name="connsiteX136" fmla="*/ 1452768 w 5890489"/>
+                <a:gd name="connsiteY136" fmla="*/ 678528 h 6578438"/>
+                <a:gd name="connsiteX137" fmla="*/ 1469594 w 5890489"/>
+                <a:gd name="connsiteY137" fmla="*/ 664449 h 6578438"/>
+                <a:gd name="connsiteX138" fmla="*/ 1487083 w 5890489"/>
+                <a:gd name="connsiteY138" fmla="*/ 651015 h 6578438"/>
+                <a:gd name="connsiteX139" fmla="*/ 1522193 w 5890489"/>
+                <a:gd name="connsiteY139" fmla="*/ 624277 h 6578438"/>
+                <a:gd name="connsiteX140" fmla="*/ 1592415 w 5890489"/>
+                <a:gd name="connsiteY140" fmla="*/ 570671 h 6578438"/>
+                <a:gd name="connsiteX141" fmla="*/ 1738287 w 5890489"/>
+                <a:gd name="connsiteY141" fmla="*/ 469402 h 6578438"/>
+                <a:gd name="connsiteX142" fmla="*/ 1890918 w 5890489"/>
+                <a:gd name="connsiteY142" fmla="*/ 376530 h 6578438"/>
+                <a:gd name="connsiteX143" fmla="*/ 2555363 w 5890489"/>
+                <a:gd name="connsiteY143" fmla="*/ 105274 h 6578438"/>
+                <a:gd name="connsiteX144" fmla="*/ 3259291 w 5890489"/>
+                <a:gd name="connsiteY144" fmla="*/ 3229 h 6578438"/>
+                <a:gd name="connsiteX145" fmla="*/ 3347265 w 5890489"/>
+                <a:gd name="connsiteY145" fmla="*/ 903 h 6578438"/>
+              </a:gdLst>
+              <a:ahLst/>
+              <a:cxnLst>
+                <a:cxn ang="0">
+                  <a:pos x="connsiteX0" y="connsiteY0"/>
+                </a:cxn>
+                <a:cxn ang="0">
+                  <a:pos x="connsiteX1" y="connsiteY1"/>
+                </a:cxn>
+                <a:cxn ang="0">
+                  <a:pos x="connsiteX2" y="connsiteY2"/>
+                </a:cxn>
+                <a:cxn ang="0">
+                  <a:pos x="connsiteX3" y="connsiteY3"/>
+                </a:cxn>
+                <a:cxn ang="0">
+                  <a:pos x="connsiteX4" y="connsiteY4"/>
+                </a:cxn>
+                <a:cxn ang="0">
+                  <a:pos x="connsiteX5" y="connsiteY5"/>
+                </a:cxn>
+                <a:cxn ang="0">
+                  <a:pos x="connsiteX6" y="connsiteY6"/>
+                </a:cxn>
+                <a:cxn ang="0">
+                  <a:pos x="connsiteX7" y="connsiteY7"/>
+                </a:cxn>
+                <a:cxn ang="0">
+                  <a:pos x="connsiteX8" y="connsiteY8"/>
+                </a:cxn>
+                <a:cxn ang="0">
+                  <a:pos x="connsiteX9" y="connsiteY9"/>
+                </a:cxn>
+                <a:cxn ang="0">
+                  <a:pos x="connsiteX10" y="connsiteY10"/>
+                </a:cxn>
+                <a:cxn ang="0">
+                  <a:pos x="connsiteX11" y="connsiteY11"/>
+                </a:cxn>
+                <a:cxn ang="0">
+                  <a:pos x="connsiteX12" y="connsiteY12"/>
+                </a:cxn>
+                <a:cxn ang="0">
+                  <a:pos x="connsiteX13" y="connsiteY13"/>
+                </a:cxn>
+                <a:cxn ang="0">
+                  <a:pos x="connsiteX14" y="connsiteY14"/>
+                </a:cxn>
+                <a:cxn ang="0">
+                  <a:pos x="connsiteX15" y="connsiteY15"/>
+                </a:cxn>
+                <a:cxn ang="0">
+                  <a:pos x="connsiteX16" y="connsiteY16"/>
+                </a:cxn>
+                <a:cxn ang="0">
+                  <a:pos x="connsiteX17" y="connsiteY17"/>
+                </a:cxn>
+                <a:cxn ang="0">
+                  <a:pos x="connsiteX18" y="connsiteY18"/>
+                </a:cxn>
+                <a:cxn ang="0">
+                  <a:pos x="connsiteX19" y="connsiteY19"/>
+                </a:cxn>
+                <a:cxn ang="0">
+                  <a:pos x="connsiteX20" y="connsiteY20"/>
+                </a:cxn>
+                <a:cxn ang="0">
+                  <a:pos x="connsiteX21" y="connsiteY21"/>
+                </a:cxn>
+                <a:cxn ang="0">
+                  <a:pos x="connsiteX22" y="connsiteY22"/>
+                </a:cxn>
+                <a:cxn ang="0">
+                  <a:pos x="connsiteX23" y="connsiteY23"/>
+                </a:cxn>
+                <a:cxn ang="0">
+                  <a:pos x="connsiteX24" y="connsiteY24"/>
+                </a:cxn>
+                <a:cxn ang="0">
+                  <a:pos x="connsiteX25" y="connsiteY25"/>
+                </a:cxn>
+                <a:cxn ang="0">
+                  <a:pos x="connsiteX26" y="connsiteY26"/>
+                </a:cxn>
+                <a:cxn ang="0">
+                  <a:pos x="connsiteX27" y="connsiteY27"/>
+                </a:cxn>
+                <a:cxn ang="0">
+                  <a:pos x="connsiteX28" y="connsiteY28"/>
+                </a:cxn>
+                <a:cxn ang="0">
+                  <a:pos x="connsiteX29" y="connsiteY29"/>
+                </a:cxn>
+                <a:cxn ang="0">
+                  <a:pos x="connsiteX30" y="connsiteY30"/>
+                </a:cxn>
+                <a:cxn ang="0">
+                  <a:pos x="connsiteX31" y="connsiteY31"/>
+                </a:cxn>
+                <a:cxn ang="0">
+                  <a:pos x="connsiteX32" y="connsiteY32"/>
+                </a:cxn>
+                <a:cxn ang="0">
+                  <a:pos x="connsiteX33" y="connsiteY33"/>
+                </a:cxn>
+                <a:cxn ang="0">
+                  <a:pos x="connsiteX34" y="connsiteY34"/>
+                </a:cxn>
+                <a:cxn ang="0">
+                  <a:pos x="connsiteX35" y="connsiteY35"/>
+                </a:cxn>
+                <a:cxn ang="0">
+                  <a:pos x="connsiteX36" y="connsiteY36"/>
+                </a:cxn>
+                <a:cxn ang="0">
+                  <a:pos x="connsiteX37" y="connsiteY37"/>
+                </a:cxn>
+                <a:cxn ang="0">
+                  <a:pos x="connsiteX38" y="connsiteY38"/>
+                </a:cxn>
+                <a:cxn ang="0">
+                  <a:pos x="connsiteX39" y="connsiteY39"/>
+                </a:cxn>
+                <a:cxn ang="0">
+                  <a:pos x="connsiteX40" y="connsiteY40"/>
+                </a:cxn>
+                <a:cxn ang="0">
+                  <a:pos x="connsiteX41" y="connsiteY41"/>
+                </a:cxn>
+                <a:cxn ang="0">
+                  <a:pos x="connsiteX42" y="connsiteY42"/>
+                </a:cxn>
+                <a:cxn ang="0">
+                  <a:pos x="connsiteX43" y="connsiteY43"/>
+                </a:cxn>
+                <a:cxn ang="0">
+                  <a:pos x="connsiteX44" y="connsiteY44"/>
+                </a:cxn>
+                <a:cxn ang="0">
+                  <a:pos x="connsiteX45" y="connsiteY45"/>
+                </a:cxn>
+                <a:cxn ang="0">
+                  <a:pos x="connsiteX46" y="connsiteY46"/>
+                </a:cxn>
+                <a:cxn ang="0">
+                  <a:pos x="connsiteX47" y="connsiteY47"/>
+                </a:cxn>
+                <a:cxn ang="0">
+                  <a:pos x="connsiteX48" y="connsiteY48"/>
+                </a:cxn>
+                <a:cxn ang="0">
+                  <a:pos x="connsiteX49" y="connsiteY49"/>
+                </a:cxn>
+                <a:cxn ang="0">
+                  <a:pos x="connsiteX50" y="connsiteY50"/>
+                </a:cxn>
+                <a:cxn ang="0">
+                  <a:pos x="connsiteX51" y="connsiteY51"/>
+                </a:cxn>
+                <a:cxn ang="0">
+                  <a:pos x="connsiteX52" y="connsiteY52"/>
+                </a:cxn>
+                <a:cxn ang="0">
+                  <a:pos x="connsiteX53" y="connsiteY53"/>
+                </a:cxn>
+                <a:cxn ang="0">
+                  <a:pos x="connsiteX54" y="connsiteY54"/>
+                </a:cxn>
+                <a:cxn ang="0">
+                  <a:pos x="connsiteX55" y="connsiteY55"/>
+                </a:cxn>
+                <a:cxn ang="0">
+                  <a:pos x="connsiteX56" y="connsiteY56"/>
+                </a:cxn>
+                <a:cxn ang="0">
+                  <a:pos x="connsiteX57" y="connsiteY57"/>
+                </a:cxn>
+                <a:cxn ang="0">
+                  <a:pos x="connsiteX58" y="connsiteY58"/>
+                </a:cxn>
+                <a:cxn ang="0">
+                  <a:pos x="connsiteX59" y="connsiteY59"/>
+                </a:cxn>
+                <a:cxn ang="0">
+                  <a:pos x="connsiteX60" y="connsiteY60"/>
+                </a:cxn>
+                <a:cxn ang="0">
+                  <a:pos x="connsiteX61" y="connsiteY61"/>
+                </a:cxn>
+                <a:cxn ang="0">
+                  <a:pos x="connsiteX62" y="connsiteY62"/>
+                </a:cxn>
+                <a:cxn ang="0">
+                  <a:pos x="connsiteX63" y="connsiteY63"/>
+                </a:cxn>
+                <a:cxn ang="0">
+                  <a:pos x="connsiteX64" y="connsiteY64"/>
+                </a:cxn>
+                <a:cxn ang="0">
+                  <a:pos x="connsiteX65" y="connsiteY65"/>
+                </a:cxn>
+                <a:cxn ang="0">
+                  <a:pos x="connsiteX66" y="connsiteY66"/>
+                </a:cxn>
+                <a:cxn ang="0">
+                  <a:pos x="connsiteX67" y="connsiteY67"/>
+                </a:cxn>
+                <a:cxn ang="0">
+                  <a:pos x="connsiteX68" y="connsiteY68"/>
+                </a:cxn>
+                <a:cxn ang="0">
+                  <a:pos x="connsiteX69" y="connsiteY69"/>
+                </a:cxn>
+                <a:cxn ang="0">
+                  <a:pos x="connsiteX70" y="connsiteY70"/>
+                </a:cxn>
+                <a:cxn ang="0">
+                  <a:pos x="connsiteX71" y="connsiteY71"/>
+                </a:cxn>
+                <a:cxn ang="0">
+                  <a:pos x="connsiteX72" y="connsiteY72"/>
+                </a:cxn>
+                <a:cxn ang="0">
+                  <a:pos x="connsiteX73" y="connsiteY73"/>
+                </a:cxn>
+                <a:cxn ang="0">
+                  <a:pos x="connsiteX74" y="connsiteY74"/>
+                </a:cxn>
+                <a:cxn ang="0">
+                  <a:pos x="connsiteX75" y="connsiteY75"/>
+                </a:cxn>
+                <a:cxn ang="0">
+                  <a:pos x="connsiteX76" y="connsiteY76"/>
+                </a:cxn>
+                <a:cxn ang="0">
+                  <a:pos x="connsiteX77" y="connsiteY77"/>
+                </a:cxn>
+                <a:cxn ang="0">
+                  <a:pos x="connsiteX78" y="connsiteY78"/>
+                </a:cxn>
+                <a:cxn ang="0">
+                  <a:pos x="connsiteX79" y="connsiteY79"/>
+                </a:cxn>
+                <a:cxn ang="0">
+                  <a:pos x="connsiteX80" y="connsiteY80"/>
+                </a:cxn>
+                <a:cxn ang="0">
+                  <a:pos x="connsiteX81" y="connsiteY81"/>
+                </a:cxn>
+                <a:cxn ang="0">
+                  <a:pos x="connsiteX82" y="connsiteY82"/>
+                </a:cxn>
+                <a:cxn ang="0">
+                  <a:pos x="connsiteX83" y="connsiteY83"/>
+                </a:cxn>
+                <a:cxn ang="0">
+                  <a:pos x="connsiteX84" y="connsiteY84"/>
+                </a:cxn>
+                <a:cxn ang="0">
+                  <a:pos x="connsiteX85" y="connsiteY85"/>
+                </a:cxn>
+                <a:cxn ang="0">
+                  <a:pos x="connsiteX86" y="connsiteY86"/>
+                </a:cxn>
+                <a:cxn ang="0">
+                  <a:pos x="connsiteX87" y="connsiteY87"/>
+                </a:cxn>
+                <a:cxn ang="0">
+                  <a:pos x="connsiteX88" y="connsiteY88"/>
+                </a:cxn>
+                <a:cxn ang="0">
+                  <a:pos x="connsiteX89" y="connsiteY89"/>
+                </a:cxn>
+                <a:cxn ang="0">
+                  <a:pos x="connsiteX90" y="connsiteY90"/>
+                </a:cxn>
+                <a:cxn ang="0">
+                  <a:pos x="connsiteX91" y="connsiteY91"/>
+                </a:cxn>
+                <a:cxn ang="0">
+                  <a:pos x="connsiteX92" y="connsiteY92"/>
+                </a:cxn>
+                <a:cxn ang="0">
+                  <a:pos x="connsiteX93" y="connsiteY93"/>
+                </a:cxn>
+                <a:cxn ang="0">
+                  <a:pos x="connsiteX94" y="connsiteY94"/>
+                </a:cxn>
+                <a:cxn ang="0">
+                  <a:pos x="connsiteX95" y="connsiteY95"/>
+                </a:cxn>
+                <a:cxn ang="0">
+                  <a:pos x="connsiteX96" y="connsiteY96"/>
+                </a:cxn>
+                <a:cxn ang="0">
+                  <a:pos x="connsiteX97" y="connsiteY97"/>
+                </a:cxn>
+                <a:cxn ang="0">
+                  <a:pos x="connsiteX98" y="connsiteY98"/>
+                </a:cxn>
+                <a:cxn ang="0">
+                  <a:pos x="connsiteX99" y="connsiteY99"/>
+                </a:cxn>
+                <a:cxn ang="0">
+                  <a:pos x="connsiteX100" y="connsiteY100"/>
+                </a:cxn>
+                <a:cxn ang="0">
+                  <a:pos x="connsiteX101" y="connsiteY101"/>
+                </a:cxn>
+                <a:cxn ang="0">
+                  <a:pos x="connsiteX102" y="connsiteY102"/>
+                </a:cxn>
+                <a:cxn ang="0">
+                  <a:pos x="connsiteX103" y="connsiteY103"/>
+                </a:cxn>
+                <a:cxn ang="0">
+                  <a:pos x="connsiteX104" y="connsiteY104"/>
+                </a:cxn>
+                <a:cxn ang="0">
+                  <a:pos x="connsiteX105" y="connsiteY105"/>
+                </a:cxn>
+                <a:cxn ang="0">
+                  <a:pos x="connsiteX106" y="connsiteY106"/>
+                </a:cxn>
+                <a:cxn ang="0">
+                  <a:pos x="connsiteX107" y="connsiteY107"/>
+                </a:cxn>
+                <a:cxn ang="0">
+                  <a:pos x="connsiteX108" y="connsiteY108"/>
+                </a:cxn>
+                <a:cxn ang="0">
+                  <a:pos x="connsiteX109" y="connsiteY109"/>
+                </a:cxn>
+                <a:cxn ang="0">
+                  <a:pos x="connsiteX110" y="connsiteY110"/>
+                </a:cxn>
+                <a:cxn ang="0">
+                  <a:pos x="connsiteX111" y="connsiteY111"/>
+                </a:cxn>
+                <a:cxn ang="0">
+                  <a:pos x="connsiteX112" y="connsiteY112"/>
+                </a:cxn>
+                <a:cxn ang="0">
+                  <a:pos x="connsiteX113" y="connsiteY113"/>
+                </a:cxn>
+                <a:cxn ang="0">
+                  <a:pos x="connsiteX114" y="connsiteY114"/>
+                </a:cxn>
+                <a:cxn ang="0">
+                  <a:pos x="connsiteX115" y="connsiteY115"/>
+                </a:cxn>
+                <a:cxn ang="0">
+                  <a:pos x="connsiteX116" y="connsiteY116"/>
+                </a:cxn>
+                <a:cxn ang="0">
+                  <a:pos x="connsiteX117" y="connsiteY117"/>
+                </a:cxn>
+                <a:cxn ang="0">
+                  <a:pos x="connsiteX118" y="connsiteY118"/>
+                </a:cxn>
+                <a:cxn ang="0">
+                  <a:pos x="connsiteX119" y="connsiteY119"/>
+                </a:cxn>
+                <a:cxn ang="0">
+                  <a:pos x="connsiteX120" y="connsiteY120"/>
+                </a:cxn>
+                <a:cxn ang="0">
+                  <a:pos x="connsiteX121" y="connsiteY121"/>
+                </a:cxn>
+                <a:cxn ang="0">
+                  <a:pos x="connsiteX122" y="connsiteY122"/>
+                </a:cxn>
+                <a:cxn ang="0">
+                  <a:pos x="connsiteX123" y="connsiteY123"/>
+                </a:cxn>
+                <a:cxn ang="0">
+                  <a:pos x="connsiteX124" y="connsiteY124"/>
+                </a:cxn>
+                <a:cxn ang="0">
+                  <a:pos x="connsiteX125" y="connsiteY125"/>
+                </a:cxn>
+                <a:cxn ang="0">
+                  <a:pos x="connsiteX126" y="connsiteY126"/>
+                </a:cxn>
+                <a:cxn ang="0">
+                  <a:pos x="connsiteX127" y="connsiteY127"/>
+                </a:cxn>
+                <a:cxn ang="0">
+                  <a:pos x="connsiteX128" y="connsiteY128"/>
+                </a:cxn>
+                <a:cxn ang="0">
+                  <a:pos x="connsiteX129" y="connsiteY129"/>
+                </a:cxn>
+                <a:cxn ang="0">
+                  <a:pos x="connsiteX130" y="connsiteY130"/>
+                </a:cxn>
+                <a:cxn ang="0">
+                  <a:pos x="connsiteX131" y="connsiteY131"/>
+                </a:cxn>
+                <a:cxn ang="0">
+                  <a:pos x="connsiteX132" y="connsiteY132"/>
+                </a:cxn>
+                <a:cxn ang="0">
+                  <a:pos x="connsiteX133" y="connsiteY133"/>
+                </a:cxn>
+                <a:cxn ang="0">
+                  <a:pos x="connsiteX134" y="connsiteY134"/>
+                </a:cxn>
+                <a:cxn ang="0">
+                  <a:pos x="connsiteX135" y="connsiteY135"/>
+                </a:cxn>
+                <a:cxn ang="0">
+                  <a:pos x="connsiteX136" y="connsiteY136"/>
+                </a:cxn>
+                <a:cxn ang="0">
+                  <a:pos x="connsiteX137" y="connsiteY137"/>
+                </a:cxn>
+                <a:cxn ang="0">
+                  <a:pos x="connsiteX138" y="connsiteY138"/>
+                </a:cxn>
+                <a:cxn ang="0">
+                  <a:pos x="connsiteX139" y="connsiteY139"/>
+                </a:cxn>
+                <a:cxn ang="0">
+                  <a:pos x="connsiteX140" y="connsiteY140"/>
+                </a:cxn>
+                <a:cxn ang="0">
+                  <a:pos x="connsiteX141" y="connsiteY141"/>
+                </a:cxn>
+                <a:cxn ang="0">
+                  <a:pos x="connsiteX142" y="connsiteY142"/>
+                </a:cxn>
+                <a:cxn ang="0">
+                  <a:pos x="connsiteX143" y="connsiteY143"/>
+                </a:cxn>
+                <a:cxn ang="0">
+                  <a:pos x="connsiteX144" y="connsiteY144"/>
+                </a:cxn>
+                <a:cxn ang="0">
+                  <a:pos x="connsiteX145" y="connsiteY145"/>
+                </a:cxn>
+              </a:cxnLst>
+              <a:rect l="l" t="t" r="r" b="b"/>
+              <a:pathLst>
+                <a:path w="5890489" h="6578438">
+                  <a:moveTo>
+                    <a:pt x="3391253" y="0"/>
+                  </a:moveTo>
+                  <a:lnTo>
+                    <a:pt x="3434974" y="646"/>
+                  </a:lnTo>
+                  <a:lnTo>
+                    <a:pt x="3522419" y="2712"/>
+                  </a:lnTo>
+                  <a:cubicBezTo>
+                    <a:pt x="3551567" y="3488"/>
+                    <a:pt x="3580451" y="3746"/>
+                    <a:pt x="3610261" y="6458"/>
+                  </a:cubicBezTo>
+                  <a:cubicBezTo>
+                    <a:pt x="3669353" y="10850"/>
+                    <a:pt x="3728179" y="14337"/>
+                    <a:pt x="3786872" y="20667"/>
+                  </a:cubicBezTo>
+                  <a:lnTo>
+                    <a:pt x="3962291" y="43530"/>
+                  </a:lnTo>
+                  <a:lnTo>
+                    <a:pt x="4135855" y="75176"/>
+                  </a:lnTo>
+                  <a:cubicBezTo>
+                    <a:pt x="4193224" y="87836"/>
+                    <a:pt x="4250328" y="101398"/>
+                    <a:pt x="4307299" y="114315"/>
+                  </a:cubicBezTo>
+                  <a:cubicBezTo>
+                    <a:pt x="4364139" y="128394"/>
+                    <a:pt x="4420050" y="145575"/>
+                    <a:pt x="4476358" y="160816"/>
+                  </a:cubicBezTo>
+                  <a:cubicBezTo>
+                    <a:pt x="4504580" y="167921"/>
+                    <a:pt x="4532138" y="177995"/>
+                    <a:pt x="4559829" y="186779"/>
+                  </a:cubicBezTo>
+                  <a:lnTo>
+                    <a:pt x="4642901" y="213648"/>
+                  </a:lnTo>
+                  <a:cubicBezTo>
+                    <a:pt x="4863234" y="288307"/>
+                    <a:pt x="5076414" y="379371"/>
+                    <a:pt x="5280847" y="485936"/>
+                  </a:cubicBezTo>
+                  <a:cubicBezTo>
+                    <a:pt x="5485018" y="592631"/>
+                    <a:pt x="5681768" y="713145"/>
+                    <a:pt x="5865400" y="851099"/>
+                  </a:cubicBezTo>
+                  <a:lnTo>
+                    <a:pt x="5890489" y="870950"/>
+                  </a:lnTo>
+                  <a:lnTo>
+                    <a:pt x="5890489" y="1321814"/>
+                  </a:lnTo>
+                  <a:lnTo>
+                    <a:pt x="5887395" y="1318952"/>
+                  </a:lnTo>
+                  <a:lnTo>
+                    <a:pt x="5830291" y="1265992"/>
+                  </a:lnTo>
+                  <a:lnTo>
+                    <a:pt x="5815981" y="1252687"/>
+                  </a:lnTo>
+                  <a:lnTo>
+                    <a:pt x="5801142" y="1240158"/>
+                  </a:lnTo>
+                  <a:lnTo>
+                    <a:pt x="5771464" y="1214969"/>
+                  </a:lnTo>
+                  <a:cubicBezTo>
+                    <a:pt x="5731849" y="1181385"/>
+                    <a:pt x="5692897" y="1146896"/>
+                    <a:pt x="5651030" y="1115767"/>
+                  </a:cubicBezTo>
+                  <a:cubicBezTo>
+                    <a:pt x="5487534" y="986985"/>
+                    <a:pt x="5311321" y="872542"/>
+                    <a:pt x="5123183" y="780443"/>
+                  </a:cubicBezTo>
+                  <a:cubicBezTo>
+                    <a:pt x="4935309" y="688087"/>
+                    <a:pt x="4737102" y="616398"/>
+                    <a:pt x="4533860" y="567701"/>
+                  </a:cubicBezTo>
+                  <a:lnTo>
+                    <a:pt x="4457281" y="550780"/>
+                  </a:lnTo>
+                  <a:cubicBezTo>
+                    <a:pt x="4431709" y="545484"/>
+                    <a:pt x="4406536" y="538896"/>
+                    <a:pt x="4380568" y="535279"/>
+                  </a:cubicBezTo>
+                  <a:lnTo>
+                    <a:pt x="4303325" y="522879"/>
+                  </a:lnTo>
+                  <a:lnTo>
+                    <a:pt x="4264769" y="516679"/>
+                  </a:lnTo>
+                  <a:cubicBezTo>
+                    <a:pt x="4251918" y="514612"/>
+                    <a:pt x="4239067" y="512415"/>
+                    <a:pt x="4226082" y="511253"/>
+                  </a:cubicBezTo>
+                  <a:cubicBezTo>
+                    <a:pt x="4174145" y="505829"/>
+                    <a:pt x="4122606" y="499498"/>
+                    <a:pt x="4070934" y="494848"/>
+                  </a:cubicBezTo>
+                  <a:lnTo>
+                    <a:pt x="3915521" y="486065"/>
+                  </a:lnTo>
+                  <a:lnTo>
+                    <a:pt x="3760241" y="484257"/>
+                  </a:lnTo>
+                  <a:cubicBezTo>
+                    <a:pt x="3734405" y="483869"/>
+                    <a:pt x="3708571" y="485936"/>
+                    <a:pt x="3682734" y="486581"/>
+                  </a:cubicBezTo>
+                  <a:lnTo>
+                    <a:pt x="3605491" y="488907"/>
+                  </a:lnTo>
+                  <a:cubicBezTo>
+                    <a:pt x="3579921" y="489165"/>
+                    <a:pt x="3553555" y="491490"/>
+                    <a:pt x="3527454" y="493169"/>
+                  </a:cubicBezTo>
+                  <a:lnTo>
+                    <a:pt x="3449151" y="498336"/>
+                  </a:lnTo>
+                  <a:lnTo>
+                    <a:pt x="3410067" y="500532"/>
+                  </a:lnTo>
+                  <a:lnTo>
+                    <a:pt x="3371246" y="504279"/>
+                  </a:lnTo>
+                  <a:cubicBezTo>
+                    <a:pt x="3345410" y="506862"/>
+                    <a:pt x="3319575" y="509315"/>
+                    <a:pt x="3293739" y="511512"/>
+                  </a:cubicBezTo>
+                  <a:cubicBezTo>
+                    <a:pt x="3087450" y="531662"/>
+                    <a:pt x="2885531" y="563180"/>
+                    <a:pt x="2689445" y="610198"/>
+                  </a:cubicBezTo>
+                  <a:cubicBezTo>
+                    <a:pt x="2493357" y="657344"/>
+                    <a:pt x="2302303" y="719088"/>
+                    <a:pt x="2117875" y="800335"/>
+                  </a:cubicBezTo>
+                  <a:cubicBezTo>
+                    <a:pt x="2072298" y="821648"/>
+                    <a:pt x="2026854" y="843606"/>
+                    <a:pt x="1981276" y="865566"/>
+                  </a:cubicBezTo>
+                  <a:cubicBezTo>
+                    <a:pt x="1937025" y="889978"/>
+                    <a:pt x="1891978" y="913229"/>
+                    <a:pt x="1847991" y="938676"/>
+                  </a:cubicBezTo>
+                  <a:lnTo>
+                    <a:pt x="1783069" y="978718"/>
+                  </a:lnTo>
+                  <a:lnTo>
+                    <a:pt x="1750609" y="998869"/>
+                  </a:lnTo>
+                  <a:lnTo>
+                    <a:pt x="1734312" y="1008945"/>
+                  </a:lnTo>
+                  <a:lnTo>
+                    <a:pt x="1718547" y="1019924"/>
+                  </a:lnTo>
+                  <a:lnTo>
+                    <a:pt x="1655481" y="1063582"/>
+                  </a:lnTo>
+                  <a:cubicBezTo>
+                    <a:pt x="1634414" y="1078178"/>
+                    <a:pt x="1612950" y="1092259"/>
+                    <a:pt x="1593077" y="1108664"/>
+                  </a:cubicBezTo>
+                  <a:lnTo>
+                    <a:pt x="1532263" y="1156197"/>
+                  </a:lnTo>
+                  <a:cubicBezTo>
+                    <a:pt x="1511992" y="1172085"/>
+                    <a:pt x="1491587" y="1187844"/>
+                    <a:pt x="1472509" y="1205152"/>
+                  </a:cubicBezTo>
+                  <a:lnTo>
+                    <a:pt x="1414212" y="1256175"/>
+                  </a:lnTo>
+                  <a:cubicBezTo>
+                    <a:pt x="1395001" y="1273354"/>
+                    <a:pt x="1375127" y="1290147"/>
+                    <a:pt x="1357242" y="1308359"/>
+                  </a:cubicBezTo>
+                  <a:cubicBezTo>
+                    <a:pt x="1283178" y="1379532"/>
+                    <a:pt x="1212163" y="1452513"/>
+                    <a:pt x="1153072" y="1529498"/>
+                  </a:cubicBezTo>
+                  <a:cubicBezTo>
+                    <a:pt x="1090933" y="1605578"/>
+                    <a:pt x="1043501" y="1685794"/>
+                    <a:pt x="1002694" y="1770658"/>
+                  </a:cubicBezTo>
+                  <a:lnTo>
+                    <a:pt x="974076" y="1835371"/>
+                  </a:lnTo>
+                  <a:lnTo>
+                    <a:pt x="949564" y="1903573"/>
+                  </a:lnTo>
+                  <a:cubicBezTo>
+                    <a:pt x="940820" y="1925661"/>
+                    <a:pt x="934593" y="1950719"/>
+                    <a:pt x="927173" y="1974229"/>
+                  </a:cubicBezTo>
+                  <a:cubicBezTo>
+                    <a:pt x="920019" y="1998254"/>
+                    <a:pt x="912468" y="2021504"/>
+                    <a:pt x="906107" y="2046952"/>
+                  </a:cubicBezTo>
+                  <a:cubicBezTo>
+                    <a:pt x="853906" y="2245614"/>
+                    <a:pt x="809918" y="2463136"/>
+                    <a:pt x="751092" y="2676266"/>
+                  </a:cubicBezTo>
+                  <a:cubicBezTo>
+                    <a:pt x="693458" y="2889912"/>
+                    <a:pt x="624166" y="3100976"/>
+                    <a:pt x="547189" y="3308422"/>
+                  </a:cubicBezTo>
+                  <a:cubicBezTo>
+                    <a:pt x="479617" y="3487580"/>
+                    <a:pt x="444109" y="3675523"/>
+                    <a:pt x="441195" y="3866306"/>
+                  </a:cubicBezTo>
+                  <a:cubicBezTo>
+                    <a:pt x="438014" y="4057089"/>
+                    <a:pt x="469282" y="4250456"/>
+                    <a:pt x="527182" y="4439174"/>
+                  </a:cubicBezTo>
+                  <a:cubicBezTo>
+                    <a:pt x="584815" y="4628278"/>
+                    <a:pt x="671067" y="4811828"/>
+                    <a:pt x="775073" y="4987240"/>
+                  </a:cubicBezTo>
+                  <a:cubicBezTo>
+                    <a:pt x="827009" y="5075075"/>
+                    <a:pt x="884246" y="5160327"/>
+                    <a:pt x="943206" y="5244933"/>
+                  </a:cubicBezTo>
+                  <a:cubicBezTo>
+                    <a:pt x="1002296" y="5329411"/>
+                    <a:pt x="1064964" y="5412337"/>
+                    <a:pt x="1133728" y="5490356"/>
+                  </a:cubicBezTo>
+                  <a:cubicBezTo>
+                    <a:pt x="1203949" y="5567728"/>
+                    <a:pt x="1279337" y="5642259"/>
+                    <a:pt x="1359626" y="5709815"/>
+                  </a:cubicBezTo>
+                  <a:cubicBezTo>
+                    <a:pt x="1398711" y="5744949"/>
+                    <a:pt x="1439916" y="5777241"/>
+                    <a:pt x="1481254" y="5809146"/>
+                  </a:cubicBezTo>
+                  <a:cubicBezTo>
+                    <a:pt x="1501922" y="5825163"/>
+                    <a:pt x="1522325" y="5841309"/>
+                    <a:pt x="1543260" y="5856940"/>
+                  </a:cubicBezTo>
+                  <a:cubicBezTo>
+                    <a:pt x="1564591" y="5871923"/>
+                    <a:pt x="1585921" y="5886777"/>
+                    <a:pt x="1607518" y="5901374"/>
+                  </a:cubicBezTo>
+                  <a:cubicBezTo>
+                    <a:pt x="1778565" y="6019693"/>
+                    <a:pt x="1961271" y="6115924"/>
+                    <a:pt x="2145566" y="6193814"/>
+                  </a:cubicBezTo>
+                  <a:lnTo>
+                    <a:pt x="2214991" y="6221844"/>
+                  </a:lnTo>
+                  <a:lnTo>
+                    <a:pt x="2249307" y="6236182"/>
+                  </a:lnTo>
+                  <a:cubicBezTo>
+                    <a:pt x="2260702" y="6241089"/>
+                    <a:pt x="2272625" y="6244577"/>
+                    <a:pt x="2284285" y="6248711"/>
+                  </a:cubicBezTo>
+                  <a:lnTo>
+                    <a:pt x="2354241" y="6273124"/>
+                  </a:lnTo>
+                  <a:cubicBezTo>
+                    <a:pt x="2360070" y="6275190"/>
+                    <a:pt x="2365899" y="6277128"/>
+                    <a:pt x="2371597" y="6279324"/>
+                  </a:cubicBezTo>
+                  <a:cubicBezTo>
+                    <a:pt x="2377161" y="6281778"/>
+                    <a:pt x="2382329" y="6285007"/>
+                    <a:pt x="2387894" y="6287719"/>
+                  </a:cubicBezTo>
+                  <a:cubicBezTo>
+                    <a:pt x="2398757" y="6293274"/>
+                    <a:pt x="2410153" y="6297666"/>
+                    <a:pt x="2421414" y="6302186"/>
+                  </a:cubicBezTo>
+                  <a:lnTo>
+                    <a:pt x="2489117" y="6329441"/>
+                  </a:lnTo>
+                  <a:lnTo>
+                    <a:pt x="2522902" y="6343134"/>
+                  </a:lnTo>
+                  <a:cubicBezTo>
+                    <a:pt x="2534165" y="6347654"/>
+                    <a:pt x="2545294" y="6352563"/>
+                    <a:pt x="2556953" y="6356051"/>
+                  </a:cubicBezTo>
+                  <a:lnTo>
+                    <a:pt x="2695009" y="6401905"/>
+                  </a:lnTo>
+                  <a:cubicBezTo>
+                    <a:pt x="2880895" y="6457190"/>
+                    <a:pt x="3073141" y="6489095"/>
+                    <a:pt x="3268035" y="6501238"/>
+                  </a:cubicBezTo>
+                  <a:cubicBezTo>
+                    <a:pt x="3292413" y="6502659"/>
+                    <a:pt x="3316527" y="6505629"/>
+                    <a:pt x="3341038" y="6506145"/>
+                  </a:cubicBezTo>
+                  <a:lnTo>
+                    <a:pt x="3414703" y="6507050"/>
+                  </a:lnTo>
+                  <a:lnTo>
+                    <a:pt x="3488237" y="6508212"/>
+                  </a:lnTo>
+                  <a:cubicBezTo>
+                    <a:pt x="3500690" y="6508729"/>
+                    <a:pt x="3512483" y="6508471"/>
+                    <a:pt x="3524142" y="6507955"/>
+                  </a:cubicBezTo>
+                  <a:lnTo>
+                    <a:pt x="3559252" y="6506921"/>
+                  </a:lnTo>
+                  <a:cubicBezTo>
+                    <a:pt x="3582835" y="6506792"/>
+                    <a:pt x="3605889" y="6504467"/>
+                    <a:pt x="3629207" y="6503045"/>
+                  </a:cubicBezTo>
+                  <a:cubicBezTo>
+                    <a:pt x="3652526" y="6502012"/>
+                    <a:pt x="3675579" y="6499171"/>
+                    <a:pt x="3698633" y="6496845"/>
+                  </a:cubicBezTo>
+                  <a:cubicBezTo>
+                    <a:pt x="3710160" y="6495683"/>
+                    <a:pt x="3721819" y="6494907"/>
+                    <a:pt x="3733213" y="6493357"/>
+                  </a:cubicBezTo>
+                  <a:lnTo>
+                    <a:pt x="3767529" y="6488707"/>
+                  </a:lnTo>
+                  <a:lnTo>
+                    <a:pt x="3801845" y="6484057"/>
+                  </a:lnTo>
+                  <a:lnTo>
+                    <a:pt x="3835895" y="6478116"/>
+                  </a:lnTo>
+                  <a:cubicBezTo>
+                    <a:pt x="4017673" y="6446727"/>
+                    <a:pt x="4194152" y="6390281"/>
+                    <a:pt x="4364801" y="6308517"/>
+                  </a:cubicBezTo>
+                  <a:cubicBezTo>
+                    <a:pt x="4535583" y="6227139"/>
+                    <a:pt x="4700138" y="6120962"/>
+                    <a:pt x="4861379" y="6000576"/>
+                  </a:cubicBezTo>
+                  <a:cubicBezTo>
+                    <a:pt x="5022621" y="5879931"/>
+                    <a:pt x="5180684" y="5745337"/>
+                    <a:pt x="5341263" y="5605834"/>
+                  </a:cubicBezTo>
+                  <a:lnTo>
+                    <a:pt x="5587301" y="5390379"/>
+                  </a:lnTo>
+                  <a:cubicBezTo>
+                    <a:pt x="5674216" y="5315718"/>
+                    <a:pt x="5761527" y="5244416"/>
+                    <a:pt x="5849105" y="5176344"/>
+                  </a:cubicBezTo>
+                  <a:lnTo>
+                    <a:pt x="5890489" y="5145260"/>
+                  </a:lnTo>
+                  <a:lnTo>
+                    <a:pt x="5890489" y="5995323"/>
+                  </a:lnTo>
+                  <a:lnTo>
+                    <a:pt x="5811477" y="6077819"/>
+                  </a:lnTo>
+                  <a:cubicBezTo>
+                    <a:pt x="5654739" y="6238377"/>
+                    <a:pt x="5487138" y="6396093"/>
+                    <a:pt x="5301384" y="6542958"/>
+                  </a:cubicBezTo>
+                  <a:lnTo>
+                    <a:pt x="5252008" y="6578438"/>
+                  </a:lnTo>
+                  <a:lnTo>
+                    <a:pt x="1653730" y="6578438"/>
+                  </a:lnTo>
+                  <a:lnTo>
+                    <a:pt x="1549768" y="6488821"/>
+                  </a:lnTo>
+                  <a:cubicBezTo>
+                    <a:pt x="1461976" y="6409495"/>
+                    <a:pt x="1378573" y="6327182"/>
+                    <a:pt x="1298282" y="6243932"/>
+                  </a:cubicBezTo>
+                  <a:cubicBezTo>
+                    <a:pt x="1278277" y="6223006"/>
+                    <a:pt x="1258138" y="6202210"/>
+                    <a:pt x="1237999" y="6181671"/>
+                  </a:cubicBezTo>
+                  <a:lnTo>
+                    <a:pt x="1179967" y="6117862"/>
+                  </a:lnTo>
+                  <a:lnTo>
+                    <a:pt x="1121936" y="6054569"/>
+                  </a:lnTo>
+                  <a:cubicBezTo>
+                    <a:pt x="1102328" y="6033644"/>
+                    <a:pt x="1084573" y="6011427"/>
+                    <a:pt x="1065628" y="5990243"/>
+                  </a:cubicBezTo>
+                  <a:cubicBezTo>
+                    <a:pt x="1028662" y="5947099"/>
+                    <a:pt x="990239" y="5904991"/>
+                    <a:pt x="954335" y="5861460"/>
+                  </a:cubicBezTo>
+                  <a:cubicBezTo>
+                    <a:pt x="936050" y="5840018"/>
+                    <a:pt x="917634" y="5818446"/>
+                    <a:pt x="898953" y="5797393"/>
+                  </a:cubicBezTo>
+                  <a:cubicBezTo>
+                    <a:pt x="880404" y="5776208"/>
+                    <a:pt x="861325" y="5755412"/>
+                    <a:pt x="842908" y="5733582"/>
+                  </a:cubicBezTo>
+                  <a:cubicBezTo>
+                    <a:pt x="767919" y="5647942"/>
+                    <a:pt x="693061" y="5561786"/>
+                    <a:pt x="622442" y="5471884"/>
+                  </a:cubicBezTo>
+                  <a:cubicBezTo>
+                    <a:pt x="551559" y="5382112"/>
+                    <a:pt x="486639" y="5287430"/>
+                    <a:pt x="425559" y="5190036"/>
+                  </a:cubicBezTo>
+                  <a:cubicBezTo>
+                    <a:pt x="303668" y="4994990"/>
+                    <a:pt x="200193" y="4786123"/>
+                    <a:pt x="123877" y="4564210"/>
+                  </a:cubicBezTo>
+                  <a:cubicBezTo>
+                    <a:pt x="47694" y="4342555"/>
+                    <a:pt x="2249" y="4106045"/>
+                    <a:pt x="130" y="3865530"/>
+                  </a:cubicBezTo>
+                  <a:cubicBezTo>
+                    <a:pt x="-1328" y="3745403"/>
+                    <a:pt x="9537" y="3624629"/>
+                    <a:pt x="30602" y="3505793"/>
+                  </a:cubicBezTo>
+                  <a:cubicBezTo>
+                    <a:pt x="51802" y="3386828"/>
+                    <a:pt x="84659" y="3270059"/>
+                    <a:pt x="126924" y="3157164"/>
+                  </a:cubicBezTo>
+                  <a:cubicBezTo>
+                    <a:pt x="200457" y="2959276"/>
+                    <a:pt x="271737" y="2761388"/>
+                    <a:pt x="334803" y="2560530"/>
+                  </a:cubicBezTo>
+                  <a:lnTo>
+                    <a:pt x="381176" y="2409144"/>
+                  </a:lnTo>
+                  <a:lnTo>
+                    <a:pt x="425825" y="2255819"/>
+                  </a:lnTo>
+                  <a:lnTo>
+                    <a:pt x="470210" y="2099523"/>
+                  </a:lnTo>
+                  <a:lnTo>
+                    <a:pt x="492998" y="2020213"/>
+                  </a:lnTo>
+                  <a:lnTo>
+                    <a:pt x="517509" y="1939224"/>
+                  </a:lnTo>
+                  <a:cubicBezTo>
+                    <a:pt x="525061" y="1912485"/>
+                    <a:pt x="534866" y="1884586"/>
+                    <a:pt x="544007" y="1857201"/>
+                  </a:cubicBezTo>
+                  <a:cubicBezTo>
+                    <a:pt x="553680" y="1829559"/>
+                    <a:pt x="561496" y="1802304"/>
+                    <a:pt x="573288" y="1774274"/>
+                  </a:cubicBezTo>
+                  <a:lnTo>
+                    <a:pt x="606146" y="1690832"/>
+                  </a:lnTo>
+                  <a:cubicBezTo>
+                    <a:pt x="618467" y="1663060"/>
+                    <a:pt x="631716" y="1635417"/>
+                    <a:pt x="644569" y="1607775"/>
+                  </a:cubicBezTo>
+                  <a:cubicBezTo>
+                    <a:pt x="698625" y="1498368"/>
+                    <a:pt x="763413" y="1391287"/>
+                    <a:pt x="837874" y="1297638"/>
+                  </a:cubicBezTo>
+                  <a:cubicBezTo>
+                    <a:pt x="910348" y="1201278"/>
+                    <a:pt x="990107" y="1115897"/>
+                    <a:pt x="1069602" y="1032194"/>
+                  </a:cubicBezTo>
+                  <a:cubicBezTo>
+                    <a:pt x="1089079" y="1010624"/>
+                    <a:pt x="1110012" y="990990"/>
+                    <a:pt x="1130548" y="970839"/>
+                  </a:cubicBezTo>
+                  <a:lnTo>
+                    <a:pt x="1192024" y="910129"/>
+                  </a:lnTo>
+                  <a:cubicBezTo>
+                    <a:pt x="1212031" y="889462"/>
+                    <a:pt x="1234024" y="870475"/>
+                    <a:pt x="1255356" y="850841"/>
+                  </a:cubicBezTo>
+                  <a:lnTo>
+                    <a:pt x="1319614" y="792068"/>
+                  </a:lnTo>
+                  <a:cubicBezTo>
+                    <a:pt x="1340680" y="772176"/>
+                    <a:pt x="1363469" y="753834"/>
+                    <a:pt x="1385728" y="734975"/>
+                  </a:cubicBezTo>
+                  <a:lnTo>
+                    <a:pt x="1452768" y="678528"/>
+                  </a:lnTo>
+                  <a:lnTo>
+                    <a:pt x="1469594" y="664449"/>
+                  </a:lnTo>
+                  <a:lnTo>
+                    <a:pt x="1487083" y="651015"/>
+                  </a:lnTo>
+                  <a:lnTo>
+                    <a:pt x="1522193" y="624277"/>
+                  </a:lnTo>
+                  <a:lnTo>
+                    <a:pt x="1592415" y="570671"/>
+                  </a:lnTo>
+                  <a:cubicBezTo>
+                    <a:pt x="1640110" y="535925"/>
+                    <a:pt x="1689531" y="503245"/>
+                    <a:pt x="1738287" y="469402"/>
+                  </a:cubicBezTo>
+                  <a:cubicBezTo>
+                    <a:pt x="1788634" y="438015"/>
+                    <a:pt x="1839643" y="407013"/>
+                    <a:pt x="1890918" y="376530"/>
+                  </a:cubicBezTo>
+                  <a:cubicBezTo>
+                    <a:pt x="2098400" y="258209"/>
+                    <a:pt x="2323503" y="166241"/>
+                    <a:pt x="2555363" y="105274"/>
+                  </a:cubicBezTo>
+                  <a:cubicBezTo>
+                    <a:pt x="2787223" y="44047"/>
+                    <a:pt x="3024516" y="12013"/>
+                    <a:pt x="3259291" y="3229"/>
+                  </a:cubicBezTo>
+                  <a:lnTo>
+                    <a:pt x="3347265" y="903"/>
+                  </a:lnTo>
+                  <a:close/>
+                </a:path>
+              </a:pathLst>
+            </a:custGeom>
+            <a:gradFill flip="none" rotWithShape="1">
+              <a:gsLst>
+                <a:gs pos="2000">
+                  <a:schemeClr val="bg1">
+                    <a:alpha val="10000"/>
+                  </a:schemeClr>
+                </a:gs>
+                <a:gs pos="16000">
+                  <a:schemeClr val="accent6">
+                    <a:alpha val="5000"/>
+                  </a:schemeClr>
+                </a:gs>
+                <a:gs pos="100000">
+                  <a:schemeClr val="bg1">
+                    <a:alpha val="10000"/>
+                  </a:schemeClr>
+                </a:gs>
+                <a:gs pos="85000">
+                  <a:schemeClr val="accent1">
+                    <a:alpha val="5000"/>
+                  </a:schemeClr>
+                </a:gs>
+              </a:gsLst>
+              <a:lin ang="12000000" scaled="0"/>
+              <a:tileRect/>
+            </a:gradFill>
+            <a:ln>
+              <a:noFill/>
+            </a:ln>
+          </p:spPr>
+          <p:style>
+            <a:lnRef idx="2">
+              <a:schemeClr val="accent1">
+                <a:shade val="50000"/>
+              </a:schemeClr>
+            </a:lnRef>
+            <a:fillRef idx="1">
+              <a:schemeClr val="accent1"/>
+            </a:fillRef>
+            <a:effectRef idx="0">
+              <a:schemeClr val="accent1"/>
+            </a:effectRef>
+            <a:fontRef idx="minor">
+              <a:schemeClr val="lt1"/>
+            </a:fontRef>
+          </p:style>
+          <p:txBody>
+            <a:bodyPr rtlCol="0" anchor="ctr"/>
+            <a:lstStyle/>
+            <a:p>
+              <a:pPr algn="ctr"/>
+              <a:endParaRPr lang="en-US"/>
+            </a:p>
+          </p:txBody>
+        </p:sp>
+        <p:sp>
+          <p:nvSpPr>
+            <p:cNvPr id="34" name="Freeform: Shape 33">
+              <a:extLst>
+                <a:ext uri="{FF2B5EF4-FFF2-40B4-BE49-F238E27FC236}">
+                  <a16:creationId xmlns:a16="http://schemas.microsoft.com/office/drawing/2014/main" id="{27CCEAF3-651B-4605-AE58-F96E22703636}"/>
+                </a:ext>
+                <a:ext uri="{C183D7F6-B498-43B3-948B-1728B52AA6E4}">
+                  <adec:decorative xmlns:adec="http://schemas.microsoft.com/office/drawing/2017/decorative" val="1"/>
+                </a:ext>
+              </a:extLst>
+            </p:cNvPr>
+            <p:cNvSpPr/>
+            <p:nvPr>
+              <p:extLst>
+                <p:ext uri="{386F3935-93C4-4BCD-93E2-E3B085C9AB24}">
+                  <p16:designElem xmlns:p16="http://schemas.microsoft.com/office/powerpoint/2015/main" val="1"/>
+                </p:ext>
+              </p:extLst>
+            </p:nvPr>
+          </p:nvSpPr>
+          <p:spPr>
+            <a:xfrm>
+              <a:off x="6101023" y="52997"/>
+              <a:ext cx="6093363" cy="6805004"/>
+            </a:xfrm>
+            <a:custGeom>
+              <a:avLst/>
+              <a:gdLst>
+                <a:gd name="connsiteX0" fmla="*/ 3517682 w 5890491"/>
+                <a:gd name="connsiteY0" fmla="*/ 0 h 6578439"/>
+                <a:gd name="connsiteX1" fmla="*/ 5849513 w 5890491"/>
+                <a:gd name="connsiteY1" fmla="*/ 841730 h 6578439"/>
+                <a:gd name="connsiteX2" fmla="*/ 5890491 w 5890491"/>
+                <a:gd name="connsiteY2" fmla="*/ 879061 h 6578439"/>
+                <a:gd name="connsiteX3" fmla="*/ 5890491 w 5890491"/>
+                <a:gd name="connsiteY3" fmla="*/ 2034114 h 6578439"/>
+                <a:gd name="connsiteX4" fmla="*/ 5757065 w 5890491"/>
+                <a:gd name="connsiteY4" fmla="*/ 1854938 h 6578439"/>
+                <a:gd name="connsiteX5" fmla="*/ 5564060 w 5890491"/>
+                <a:gd name="connsiteY5" fmla="*/ 1642182 h 6578439"/>
+                <a:gd name="connsiteX6" fmla="*/ 3517551 w 5890491"/>
+                <a:gd name="connsiteY6" fmla="*/ 790012 h 6578439"/>
+                <a:gd name="connsiteX7" fmla="*/ 1611552 w 5890491"/>
+                <a:gd name="connsiteY7" fmla="*/ 1543282 h 6578439"/>
+                <a:gd name="connsiteX8" fmla="*/ 1340656 w 5890491"/>
+                <a:gd name="connsiteY8" fmla="*/ 1897925 h 6578439"/>
+                <a:gd name="connsiteX9" fmla="*/ 1201705 w 5890491"/>
+                <a:gd name="connsiteY9" fmla="*/ 2361213 h 6578439"/>
+                <a:gd name="connsiteX10" fmla="*/ 852705 w 5890491"/>
+                <a:gd name="connsiteY10" fmla="*/ 3529176 h 6578439"/>
+                <a:gd name="connsiteX11" fmla="*/ 863863 w 5890491"/>
+                <a:gd name="connsiteY11" fmla="*/ 4437051 h 6578439"/>
+                <a:gd name="connsiteX12" fmla="*/ 1413569 w 5890491"/>
+                <a:gd name="connsiteY12" fmla="*/ 5357174 h 6578439"/>
+                <a:gd name="connsiteX13" fmla="*/ 2339129 w 5890491"/>
+                <a:gd name="connsiteY13" fmla="*/ 6143367 h 6578439"/>
+                <a:gd name="connsiteX14" fmla="*/ 3439449 w 5890491"/>
+                <a:gd name="connsiteY14" fmla="*/ 6420049 h 6578439"/>
+                <a:gd name="connsiteX15" fmla="*/ 5251388 w 5890491"/>
+                <a:gd name="connsiteY15" fmla="*/ 5349009 h 6578439"/>
+                <a:gd name="connsiteX16" fmla="*/ 5657731 w 5890491"/>
+                <a:gd name="connsiteY16" fmla="*/ 4959205 h 6578439"/>
+                <a:gd name="connsiteX17" fmla="*/ 5836127 w 5890491"/>
+                <a:gd name="connsiteY17" fmla="*/ 4792052 h 6578439"/>
+                <a:gd name="connsiteX18" fmla="*/ 5890491 w 5890491"/>
+                <a:gd name="connsiteY18" fmla="*/ 4738662 h 6578439"/>
+                <a:gd name="connsiteX19" fmla="*/ 5890491 w 5890491"/>
+                <a:gd name="connsiteY19" fmla="*/ 5821964 h 6578439"/>
+                <a:gd name="connsiteX20" fmla="*/ 5802001 w 5890491"/>
+                <a:gd name="connsiteY20" fmla="*/ 5907904 h 6578439"/>
+                <a:gd name="connsiteX21" fmla="*/ 5294358 w 5890491"/>
+                <a:gd name="connsiteY21" fmla="*/ 6397505 h 6578439"/>
+                <a:gd name="connsiteX22" fmla="*/ 5077178 w 5890491"/>
+                <a:gd name="connsiteY22" fmla="*/ 6578439 h 6578439"/>
+                <a:gd name="connsiteX23" fmla="*/ 1567290 w 5890491"/>
+                <a:gd name="connsiteY23" fmla="*/ 6578439 h 6578439"/>
+                <a:gd name="connsiteX24" fmla="*/ 1508588 w 5890491"/>
+                <a:gd name="connsiteY24" fmla="*/ 6535186 h 6578439"/>
+                <a:gd name="connsiteX25" fmla="*/ 826498 w 5890491"/>
+                <a:gd name="connsiteY25" fmla="*/ 5876034 h 6578439"/>
+                <a:gd name="connsiteX26" fmla="*/ 122403 w 5890491"/>
+                <a:gd name="connsiteY26" fmla="*/ 3255655 h 6578439"/>
+                <a:gd name="connsiteX27" fmla="*/ 1061197 w 5890491"/>
+                <a:gd name="connsiteY27" fmla="*/ 984650 h 6578439"/>
+                <a:gd name="connsiteX28" fmla="*/ 3517682 w 5890491"/>
+                <a:gd name="connsiteY28" fmla="*/ 0 h 6578439"/>
+              </a:gdLst>
+              <a:ahLst/>
+              <a:cxnLst>
+                <a:cxn ang="0">
+                  <a:pos x="connsiteX0" y="connsiteY0"/>
+                </a:cxn>
+                <a:cxn ang="0">
+                  <a:pos x="connsiteX1" y="connsiteY1"/>
+                </a:cxn>
+                <a:cxn ang="0">
+                  <a:pos x="connsiteX2" y="connsiteY2"/>
+                </a:cxn>
+                <a:cxn ang="0">
+                  <a:pos x="connsiteX3" y="connsiteY3"/>
+                </a:cxn>
+                <a:cxn ang="0">
+                  <a:pos x="connsiteX4" y="connsiteY4"/>
+                </a:cxn>
+                <a:cxn ang="0">
+                  <a:pos x="connsiteX5" y="connsiteY5"/>
+                </a:cxn>
+                <a:cxn ang="0">
+                  <a:pos x="connsiteX6" y="connsiteY6"/>
+                </a:cxn>
+                <a:cxn ang="0">
+                  <a:pos x="connsiteX7" y="connsiteY7"/>
+                </a:cxn>
+                <a:cxn ang="0">
+                  <a:pos x="connsiteX8" y="connsiteY8"/>
+                </a:cxn>
+                <a:cxn ang="0">
+                  <a:pos x="connsiteX9" y="connsiteY9"/>
+                </a:cxn>
+                <a:cxn ang="0">
+                  <a:pos x="connsiteX10" y="connsiteY10"/>
+                </a:cxn>
+                <a:cxn ang="0">
+                  <a:pos x="connsiteX11" y="connsiteY11"/>
+                </a:cxn>
+                <a:cxn ang="0">
+                  <a:pos x="connsiteX12" y="connsiteY12"/>
+                </a:cxn>
+                <a:cxn ang="0">
+                  <a:pos x="connsiteX13" y="connsiteY13"/>
+                </a:cxn>
+                <a:cxn ang="0">
+                  <a:pos x="connsiteX14" y="connsiteY14"/>
+                </a:cxn>
+                <a:cxn ang="0">
+                  <a:pos x="connsiteX15" y="connsiteY15"/>
+                </a:cxn>
+                <a:cxn ang="0">
+                  <a:pos x="connsiteX16" y="connsiteY16"/>
+                </a:cxn>
+                <a:cxn ang="0">
+                  <a:pos x="connsiteX17" y="connsiteY17"/>
+                </a:cxn>
+                <a:cxn ang="0">
+                  <a:pos x="connsiteX18" y="connsiteY18"/>
+                </a:cxn>
+                <a:cxn ang="0">
+                  <a:pos x="connsiteX19" y="connsiteY19"/>
+                </a:cxn>
+                <a:cxn ang="0">
+                  <a:pos x="connsiteX20" y="connsiteY20"/>
+                </a:cxn>
+                <a:cxn ang="0">
+                  <a:pos x="connsiteX21" y="connsiteY21"/>
+                </a:cxn>
+                <a:cxn ang="0">
+                  <a:pos x="connsiteX22" y="connsiteY22"/>
+                </a:cxn>
+                <a:cxn ang="0">
+                  <a:pos x="connsiteX23" y="connsiteY23"/>
+                </a:cxn>
+                <a:cxn ang="0">
+                  <a:pos x="connsiteX24" y="connsiteY24"/>
+                </a:cxn>
+                <a:cxn ang="0">
+                  <a:pos x="connsiteX25" y="connsiteY25"/>
+                </a:cxn>
+                <a:cxn ang="0">
+                  <a:pos x="connsiteX26" y="connsiteY26"/>
+                </a:cxn>
+                <a:cxn ang="0">
+                  <a:pos x="connsiteX27" y="connsiteY27"/>
+                </a:cxn>
+                <a:cxn ang="0">
+                  <a:pos x="connsiteX28" y="connsiteY28"/>
+                </a:cxn>
+              </a:cxnLst>
+              <a:rect l="l" t="t" r="r" b="b"/>
+              <a:pathLst>
+                <a:path w="5890491" h="6578439">
+                  <a:moveTo>
+                    <a:pt x="3517682" y="0"/>
+                  </a:moveTo>
+                  <a:cubicBezTo>
+                    <a:pt x="4402017" y="0"/>
+                    <a:pt x="5213742" y="315483"/>
+                    <a:pt x="5849513" y="841730"/>
+                  </a:cubicBezTo>
+                  <a:lnTo>
+                    <a:pt x="5890491" y="879061"/>
+                  </a:lnTo>
+                  <a:lnTo>
+                    <a:pt x="5890491" y="2034114"/>
+                  </a:lnTo>
+                  <a:lnTo>
+                    <a:pt x="5757065" y="1854938"/>
+                  </a:lnTo>
+                  <a:cubicBezTo>
+                    <a:pt x="5696443" y="1781264"/>
+                    <a:pt x="5632076" y="1710299"/>
+                    <a:pt x="5564060" y="1642182"/>
+                  </a:cubicBezTo>
+                  <a:cubicBezTo>
+                    <a:pt x="5015393" y="1092636"/>
+                    <a:pt x="4288592" y="790012"/>
+                    <a:pt x="3517551" y="790012"/>
+                  </a:cubicBezTo>
+                  <a:cubicBezTo>
+                    <a:pt x="2701750" y="790012"/>
+                    <a:pt x="2131676" y="1015335"/>
+                    <a:pt x="1611552" y="1543282"/>
+                  </a:cubicBezTo>
+                  <a:cubicBezTo>
+                    <a:pt x="1435754" y="1721722"/>
+                    <a:pt x="1375945" y="1822729"/>
+                    <a:pt x="1340656" y="1897925"/>
+                  </a:cubicBezTo>
+                  <a:cubicBezTo>
+                    <a:pt x="1289148" y="2007623"/>
+                    <a:pt x="1252432" y="2155907"/>
+                    <a:pt x="1201705" y="2361213"/>
+                  </a:cubicBezTo>
+                  <a:cubicBezTo>
+                    <a:pt x="1133721" y="2635919"/>
+                    <a:pt x="1040568" y="3012290"/>
+                    <a:pt x="852705" y="3529176"/>
+                  </a:cubicBezTo>
+                  <a:cubicBezTo>
+                    <a:pt x="749952" y="3811784"/>
+                    <a:pt x="753584" y="4108747"/>
+                    <a:pt x="863863" y="4437051"/>
+                  </a:cubicBezTo>
+                  <a:cubicBezTo>
+                    <a:pt x="964800" y="4737438"/>
+                    <a:pt x="1154869" y="5055603"/>
+                    <a:pt x="1413569" y="5357174"/>
+                  </a:cubicBezTo>
+                  <a:cubicBezTo>
+                    <a:pt x="1718326" y="5712343"/>
+                    <a:pt x="2021008" y="5969404"/>
+                    <a:pt x="2339129" y="6143367"/>
+                  </a:cubicBezTo>
+                  <a:cubicBezTo>
+                    <a:pt x="2679565" y="6329577"/>
+                    <a:pt x="3039591" y="6420049"/>
+                    <a:pt x="3439449" y="6420049"/>
+                  </a:cubicBezTo>
+                  <a:cubicBezTo>
+                    <a:pt x="4142246" y="6420049"/>
+                    <a:pt x="4633828" y="5976251"/>
+                    <a:pt x="5251388" y="5349009"/>
+                  </a:cubicBezTo>
+                  <a:cubicBezTo>
+                    <a:pt x="5389949" y="5208364"/>
+                    <a:pt x="5526047" y="5081677"/>
+                    <a:pt x="5657731" y="4959205"/>
+                  </a:cubicBezTo>
+                  <a:cubicBezTo>
+                    <a:pt x="5719520" y="4901722"/>
+                    <a:pt x="5779200" y="4846206"/>
+                    <a:pt x="5836127" y="4792052"/>
+                  </a:cubicBezTo>
+                  <a:lnTo>
+                    <a:pt x="5890491" y="4738662"/>
+                  </a:lnTo>
+                  <a:lnTo>
+                    <a:pt x="5890491" y="5821964"/>
+                  </a:lnTo>
+                  <a:lnTo>
+                    <a:pt x="5802001" y="5907904"/>
+                  </a:lnTo>
+                  <a:cubicBezTo>
+                    <a:pt x="5634962" y="6077456"/>
+                    <a:pt x="5467509" y="6243625"/>
+                    <a:pt x="5294358" y="6397505"/>
+                  </a:cubicBezTo>
+                  <a:lnTo>
+                    <a:pt x="5077178" y="6578439"/>
+                  </a:lnTo>
+                  <a:lnTo>
+                    <a:pt x="1567290" y="6578439"/>
+                  </a:lnTo>
+                  <a:lnTo>
+                    <a:pt x="1508588" y="6535186"/>
+                  </a:lnTo>
+                  <a:cubicBezTo>
+                    <a:pt x="1263991" y="6345442"/>
+                    <a:pt x="1038054" y="6122666"/>
+                    <a:pt x="826498" y="5876034"/>
+                  </a:cubicBezTo>
+                  <a:cubicBezTo>
+                    <a:pt x="261613" y="5217713"/>
+                    <a:pt x="-239182" y="4250314"/>
+                    <a:pt x="122403" y="3255655"/>
+                  </a:cubicBezTo>
+                  <a:cubicBezTo>
+                    <a:pt x="607497" y="1921629"/>
+                    <a:pt x="393040" y="1662857"/>
+                    <a:pt x="1061197" y="984650"/>
+                  </a:cubicBezTo>
+                  <a:cubicBezTo>
+                    <a:pt x="1729484" y="306444"/>
+                    <a:pt x="2498060" y="0"/>
+                    <a:pt x="3517682" y="0"/>
+                  </a:cubicBezTo>
+                  <a:close/>
+                </a:path>
+              </a:pathLst>
+            </a:custGeom>
+            <a:gradFill flip="none" rotWithShape="1">
+              <a:gsLst>
+                <a:gs pos="2000">
+                  <a:schemeClr val="bg1"/>
+                </a:gs>
+                <a:gs pos="16000">
+                  <a:schemeClr val="accent6">
+                    <a:alpha val="10000"/>
+                  </a:schemeClr>
+                </a:gs>
+                <a:gs pos="100000">
+                  <a:schemeClr val="bg1">
+                    <a:alpha val="10000"/>
+                  </a:schemeClr>
+                </a:gs>
+                <a:gs pos="85000">
+                  <a:schemeClr val="accent1">
+                    <a:alpha val="10000"/>
+                  </a:schemeClr>
+                </a:gs>
+              </a:gsLst>
+              <a:lin ang="12000000" scaled="0"/>
+              <a:tileRect/>
+            </a:gradFill>
+            <a:ln>
+              <a:noFill/>
+            </a:ln>
+          </p:spPr>
+          <p:style>
+            <a:lnRef idx="2">
+              <a:schemeClr val="accent1">
+                <a:shade val="50000"/>
+              </a:schemeClr>
+            </a:lnRef>
+            <a:fillRef idx="1">
+              <a:schemeClr val="accent1"/>
+            </a:fillRef>
+            <a:effectRef idx="0">
+              <a:schemeClr val="accent1"/>
+            </a:effectRef>
+            <a:fontRef idx="minor">
+              <a:schemeClr val="lt1"/>
+            </a:fontRef>
+          </p:style>
+          <p:txBody>
+            <a:bodyPr rtlCol="0" anchor="ctr"/>
+            <a:lstStyle/>
+            <a:p>
+              <a:pPr algn="ctr"/>
+              <a:endParaRPr lang="en-US" dirty="0"/>
+            </a:p>
+          </p:txBody>
+        </p:sp>
+        <p:sp>
+          <p:nvSpPr>
+            <p:cNvPr id="35" name="Freeform: Shape 34">
+              <a:extLst>
+                <a:ext uri="{FF2B5EF4-FFF2-40B4-BE49-F238E27FC236}">
+                  <a16:creationId xmlns:a16="http://schemas.microsoft.com/office/drawing/2014/main" id="{ED519330-E5F1-4248-B58C-1AA0D9E6DABA}"/>
+                </a:ext>
+                <a:ext uri="{C183D7F6-B498-43B3-948B-1728B52AA6E4}">
+                  <adec:decorative xmlns:adec="http://schemas.microsoft.com/office/drawing/2017/decorative" val="1"/>
+                </a:ext>
+              </a:extLst>
+            </p:cNvPr>
+            <p:cNvSpPr/>
+            <p:nvPr>
+              <p:extLst>
+                <p:ext uri="{386F3935-93C4-4BCD-93E2-E3B085C9AB24}">
+                  <p16:designElem xmlns:p16="http://schemas.microsoft.com/office/powerpoint/2015/main" val="1"/>
+                </p:ext>
+              </p:extLst>
+            </p:nvPr>
+          </p:nvSpPr>
+          <p:spPr>
+            <a:xfrm>
+              <a:off x="6101024" y="52997"/>
+              <a:ext cx="6093362" cy="6805004"/>
+            </a:xfrm>
+            <a:custGeom>
+              <a:avLst/>
+              <a:gdLst>
+                <a:gd name="connsiteX0" fmla="*/ 5890490 w 5890490"/>
+                <a:gd name="connsiteY0" fmla="*/ 5389037 h 6578439"/>
+                <a:gd name="connsiteX1" fmla="*/ 5890490 w 5890490"/>
+                <a:gd name="connsiteY1" fmla="*/ 5855587 h 6578439"/>
+                <a:gd name="connsiteX2" fmla="*/ 5784593 w 5890490"/>
+                <a:gd name="connsiteY2" fmla="*/ 5962054 h 6578439"/>
+                <a:gd name="connsiteX3" fmla="*/ 5663414 w 5890490"/>
+                <a:gd name="connsiteY3" fmla="*/ 6082564 h 6578439"/>
+                <a:gd name="connsiteX4" fmla="*/ 5147099 w 5890490"/>
+                <a:gd name="connsiteY4" fmla="*/ 6547726 h 6578439"/>
+                <a:gd name="connsiteX5" fmla="*/ 5105015 w 5890490"/>
+                <a:gd name="connsiteY5" fmla="*/ 6578439 h 6578439"/>
+                <a:gd name="connsiteX6" fmla="*/ 4385601 w 5890490"/>
+                <a:gd name="connsiteY6" fmla="*/ 6578439 h 6578439"/>
+                <a:gd name="connsiteX7" fmla="*/ 4507252 w 5890490"/>
+                <a:gd name="connsiteY7" fmla="*/ 6515968 h 6578439"/>
+                <a:gd name="connsiteX8" fmla="*/ 4909330 w 5890490"/>
+                <a:gd name="connsiteY8" fmla="*/ 6253453 h 6578439"/>
+                <a:gd name="connsiteX9" fmla="*/ 5411374 w 5890490"/>
+                <a:gd name="connsiteY9" fmla="*/ 5828544 h 6578439"/>
+                <a:gd name="connsiteX10" fmla="*/ 5533570 w 5890490"/>
+                <a:gd name="connsiteY10" fmla="*/ 5714534 h 6578439"/>
+                <a:gd name="connsiteX11" fmla="*/ 5657425 w 5890490"/>
+                <a:gd name="connsiteY11" fmla="*/ 5597650 h 6578439"/>
+                <a:gd name="connsiteX12" fmla="*/ 3336813 w 5890490"/>
+                <a:gd name="connsiteY12" fmla="*/ 499 h 6578439"/>
+                <a:gd name="connsiteX13" fmla="*/ 3513674 w 5890490"/>
+                <a:gd name="connsiteY13" fmla="*/ 1202 h 6578439"/>
+                <a:gd name="connsiteX14" fmla="*/ 3602743 w 5890490"/>
+                <a:gd name="connsiteY14" fmla="*/ 4827 h 6578439"/>
+                <a:gd name="connsiteX15" fmla="*/ 3647213 w 5890490"/>
+                <a:gd name="connsiteY15" fmla="*/ 6703 h 6578439"/>
+                <a:gd name="connsiteX16" fmla="*/ 3691684 w 5890490"/>
+                <a:gd name="connsiteY16" fmla="*/ 9453 h 6578439"/>
+                <a:gd name="connsiteX17" fmla="*/ 3868927 w 5890490"/>
+                <a:gd name="connsiteY17" fmla="*/ 27080 h 6578439"/>
+                <a:gd name="connsiteX18" fmla="*/ 5200872 w 5890490"/>
+                <a:gd name="connsiteY18" fmla="*/ 472240 h 6578439"/>
+                <a:gd name="connsiteX19" fmla="*/ 5772711 w 5890490"/>
+                <a:gd name="connsiteY19" fmla="*/ 866334 h 6578439"/>
+                <a:gd name="connsiteX20" fmla="*/ 5890490 w 5890490"/>
+                <a:gd name="connsiteY20" fmla="*/ 972426 h 6578439"/>
+                <a:gd name="connsiteX21" fmla="*/ 5890490 w 5890490"/>
+                <a:gd name="connsiteY21" fmla="*/ 1158576 h 6578439"/>
+                <a:gd name="connsiteX22" fmla="*/ 5676045 w 5890490"/>
+                <a:gd name="connsiteY22" fmla="*/ 986969 h 6578439"/>
+                <a:gd name="connsiteX23" fmla="*/ 5103776 w 5890490"/>
+                <a:gd name="connsiteY23" fmla="*/ 655879 h 6578439"/>
+                <a:gd name="connsiteX24" fmla="*/ 4482465 w 5890490"/>
+                <a:gd name="connsiteY24" fmla="*/ 440363 h 6578439"/>
+                <a:gd name="connsiteX25" fmla="*/ 4402444 w 5890490"/>
+                <a:gd name="connsiteY25" fmla="*/ 422111 h 6578439"/>
+                <a:gd name="connsiteX26" fmla="*/ 4322423 w 5890490"/>
+                <a:gd name="connsiteY26" fmla="*/ 404610 h 6578439"/>
+                <a:gd name="connsiteX27" fmla="*/ 4241892 w 5890490"/>
+                <a:gd name="connsiteY27" fmla="*/ 389858 h 6578439"/>
+                <a:gd name="connsiteX28" fmla="*/ 4201627 w 5890490"/>
+                <a:gd name="connsiteY28" fmla="*/ 382483 h 6578439"/>
+                <a:gd name="connsiteX29" fmla="*/ 4161234 w 5890490"/>
+                <a:gd name="connsiteY29" fmla="*/ 375857 h 6578439"/>
+                <a:gd name="connsiteX30" fmla="*/ 3999280 w 5890490"/>
+                <a:gd name="connsiteY30" fmla="*/ 353606 h 6578439"/>
+                <a:gd name="connsiteX31" fmla="*/ 3836817 w 5890490"/>
+                <a:gd name="connsiteY31" fmla="*/ 338480 h 6578439"/>
+                <a:gd name="connsiteX32" fmla="*/ 3673972 w 5890490"/>
+                <a:gd name="connsiteY32" fmla="*/ 330604 h 6578439"/>
+                <a:gd name="connsiteX33" fmla="*/ 3511126 w 5890490"/>
+                <a:gd name="connsiteY33" fmla="*/ 328978 h 6578439"/>
+                <a:gd name="connsiteX34" fmla="*/ 3183142 w 5890490"/>
+                <a:gd name="connsiteY34" fmla="*/ 342854 h 6578439"/>
+                <a:gd name="connsiteX35" fmla="*/ 2541444 w 5890490"/>
+                <a:gd name="connsiteY35" fmla="*/ 439988 h 6578439"/>
+                <a:gd name="connsiteX36" fmla="*/ 1933895 w 5890490"/>
+                <a:gd name="connsiteY36" fmla="*/ 650505 h 6578439"/>
+                <a:gd name="connsiteX37" fmla="*/ 1378079 w 5890490"/>
+                <a:gd name="connsiteY37" fmla="*/ 983905 h 6578439"/>
+                <a:gd name="connsiteX38" fmla="*/ 1312967 w 5890490"/>
+                <a:gd name="connsiteY38" fmla="*/ 1033660 h 6578439"/>
+                <a:gd name="connsiteX39" fmla="*/ 1248364 w 5890490"/>
+                <a:gd name="connsiteY39" fmla="*/ 1084413 h 6578439"/>
+                <a:gd name="connsiteX40" fmla="*/ 1185163 w 5890490"/>
+                <a:gd name="connsiteY40" fmla="*/ 1137168 h 6578439"/>
+                <a:gd name="connsiteX41" fmla="*/ 1122852 w 5890490"/>
+                <a:gd name="connsiteY41" fmla="*/ 1190922 h 6578439"/>
+                <a:gd name="connsiteX42" fmla="*/ 892092 w 5890490"/>
+                <a:gd name="connsiteY42" fmla="*/ 1421440 h 6578439"/>
+                <a:gd name="connsiteX43" fmla="*/ 707202 w 5890490"/>
+                <a:gd name="connsiteY43" fmla="*/ 1684212 h 6578439"/>
+                <a:gd name="connsiteX44" fmla="*/ 670121 w 5890490"/>
+                <a:gd name="connsiteY44" fmla="*/ 1756093 h 6578439"/>
+                <a:gd name="connsiteX45" fmla="*/ 637630 w 5890490"/>
+                <a:gd name="connsiteY45" fmla="*/ 1830724 h 6578439"/>
+                <a:gd name="connsiteX46" fmla="*/ 607685 w 5890490"/>
+                <a:gd name="connsiteY46" fmla="*/ 1907105 h 6578439"/>
+                <a:gd name="connsiteX47" fmla="*/ 580034 w 5890490"/>
+                <a:gd name="connsiteY47" fmla="*/ 1984986 h 6578439"/>
+                <a:gd name="connsiteX48" fmla="*/ 481919 w 5890490"/>
+                <a:gd name="connsiteY48" fmla="*/ 2304386 h 6578439"/>
+                <a:gd name="connsiteX49" fmla="*/ 433881 w 5890490"/>
+                <a:gd name="connsiteY49" fmla="*/ 2465399 h 6578439"/>
+                <a:gd name="connsiteX50" fmla="*/ 384442 w 5890490"/>
+                <a:gd name="connsiteY50" fmla="*/ 2626163 h 6578439"/>
+                <a:gd name="connsiteX51" fmla="*/ 166039 w 5890490"/>
+                <a:gd name="connsiteY51" fmla="*/ 3261338 h 6578439"/>
+                <a:gd name="connsiteX52" fmla="*/ 56202 w 5890490"/>
+                <a:gd name="connsiteY52" fmla="*/ 3910265 h 6578439"/>
+                <a:gd name="connsiteX53" fmla="*/ 93664 w 5890490"/>
+                <a:gd name="connsiteY53" fmla="*/ 4237292 h 6578439"/>
+                <a:gd name="connsiteX54" fmla="*/ 111758 w 5890490"/>
+                <a:gd name="connsiteY54" fmla="*/ 4317548 h 6578439"/>
+                <a:gd name="connsiteX55" fmla="*/ 133038 w 5890490"/>
+                <a:gd name="connsiteY55" fmla="*/ 4397054 h 6578439"/>
+                <a:gd name="connsiteX56" fmla="*/ 157757 w 5890490"/>
+                <a:gd name="connsiteY56" fmla="*/ 4475560 h 6578439"/>
+                <a:gd name="connsiteX57" fmla="*/ 185153 w 5890490"/>
+                <a:gd name="connsiteY57" fmla="*/ 4553066 h 6578439"/>
+                <a:gd name="connsiteX58" fmla="*/ 493642 w 5890490"/>
+                <a:gd name="connsiteY58" fmla="*/ 5132239 h 6578439"/>
+                <a:gd name="connsiteX59" fmla="*/ 914391 w 5890490"/>
+                <a:gd name="connsiteY59" fmla="*/ 5636528 h 6578439"/>
+                <a:gd name="connsiteX60" fmla="*/ 1402034 w 5890490"/>
+                <a:gd name="connsiteY60" fmla="*/ 6076188 h 6578439"/>
+                <a:gd name="connsiteX61" fmla="*/ 1664397 w 5890490"/>
+                <a:gd name="connsiteY61" fmla="*/ 6267079 h 6578439"/>
+                <a:gd name="connsiteX62" fmla="*/ 1938992 w 5890490"/>
+                <a:gd name="connsiteY62" fmla="*/ 6434343 h 6578439"/>
+                <a:gd name="connsiteX63" fmla="*/ 2225931 w 5890490"/>
+                <a:gd name="connsiteY63" fmla="*/ 6574322 h 6578439"/>
+                <a:gd name="connsiteX64" fmla="*/ 2236328 w 5890490"/>
+                <a:gd name="connsiteY64" fmla="*/ 6578439 h 6578439"/>
+                <a:gd name="connsiteX65" fmla="*/ 1504665 w 5890490"/>
+                <a:gd name="connsiteY65" fmla="*/ 6578439 h 6578439"/>
+                <a:gd name="connsiteX66" fmla="*/ 1456827 w 5890490"/>
+                <a:gd name="connsiteY66" fmla="*/ 6543476 h 6578439"/>
+                <a:gd name="connsiteX67" fmla="*/ 1188475 w 5890490"/>
+                <a:gd name="connsiteY67" fmla="*/ 6314083 h 6578439"/>
+                <a:gd name="connsiteX68" fmla="*/ 721728 w 5890490"/>
+                <a:gd name="connsiteY68" fmla="*/ 5798666 h 6578439"/>
+                <a:gd name="connsiteX69" fmla="*/ 344175 w 5890490"/>
+                <a:gd name="connsiteY69" fmla="*/ 5219495 h 6578439"/>
+                <a:gd name="connsiteX70" fmla="*/ 87293 w 5890490"/>
+                <a:gd name="connsiteY70" fmla="*/ 4583569 h 6578439"/>
+                <a:gd name="connsiteX71" fmla="*/ 65886 w 5890490"/>
+                <a:gd name="connsiteY71" fmla="*/ 4500813 h 6578439"/>
+                <a:gd name="connsiteX72" fmla="*/ 47409 w 5890490"/>
+                <a:gd name="connsiteY72" fmla="*/ 4417431 h 6578439"/>
+                <a:gd name="connsiteX73" fmla="*/ 39000 w 5890490"/>
+                <a:gd name="connsiteY73" fmla="*/ 4375677 h 6578439"/>
+                <a:gd name="connsiteX74" fmla="*/ 31610 w 5890490"/>
+                <a:gd name="connsiteY74" fmla="*/ 4333674 h 6578439"/>
+                <a:gd name="connsiteX75" fmla="*/ 18868 w 5890490"/>
+                <a:gd name="connsiteY75" fmla="*/ 4249417 h 6578439"/>
+                <a:gd name="connsiteX76" fmla="*/ 646 w 5890490"/>
+                <a:gd name="connsiteY76" fmla="*/ 3910265 h 6578439"/>
+                <a:gd name="connsiteX77" fmla="*/ 130234 w 5890490"/>
+                <a:gd name="connsiteY77" fmla="*/ 3248337 h 6578439"/>
+                <a:gd name="connsiteX78" fmla="*/ 335383 w 5890490"/>
+                <a:gd name="connsiteY78" fmla="*/ 2611911 h 6578439"/>
+                <a:gd name="connsiteX79" fmla="*/ 487272 w 5890490"/>
+                <a:gd name="connsiteY79" fmla="*/ 1958609 h 6578439"/>
+                <a:gd name="connsiteX80" fmla="*/ 508550 w 5890490"/>
+                <a:gd name="connsiteY80" fmla="*/ 1876227 h 6578439"/>
+                <a:gd name="connsiteX81" fmla="*/ 531742 w 5890490"/>
+                <a:gd name="connsiteY81" fmla="*/ 1793721 h 6578439"/>
+                <a:gd name="connsiteX82" fmla="*/ 558245 w 5890490"/>
+                <a:gd name="connsiteY82" fmla="*/ 1711465 h 6578439"/>
+                <a:gd name="connsiteX83" fmla="*/ 590100 w 5890490"/>
+                <a:gd name="connsiteY83" fmla="*/ 1630332 h 6578439"/>
+                <a:gd name="connsiteX84" fmla="*/ 758680 w 5890490"/>
+                <a:gd name="connsiteY84" fmla="*/ 1322433 h 6578439"/>
+                <a:gd name="connsiteX85" fmla="*/ 976317 w 5890490"/>
+                <a:gd name="connsiteY85" fmla="*/ 1049286 h 6578439"/>
+                <a:gd name="connsiteX86" fmla="*/ 1035314 w 5890490"/>
+                <a:gd name="connsiteY86" fmla="*/ 985406 h 6578439"/>
+                <a:gd name="connsiteX87" fmla="*/ 1095329 w 5890490"/>
+                <a:gd name="connsiteY87" fmla="*/ 922526 h 6578439"/>
+                <a:gd name="connsiteX88" fmla="*/ 1157384 w 5890490"/>
+                <a:gd name="connsiteY88" fmla="*/ 861271 h 6578439"/>
+                <a:gd name="connsiteX89" fmla="*/ 1220841 w 5890490"/>
+                <a:gd name="connsiteY89" fmla="*/ 801017 h 6578439"/>
+                <a:gd name="connsiteX90" fmla="*/ 1286462 w 5890490"/>
+                <a:gd name="connsiteY90" fmla="*/ 742886 h 6578439"/>
+                <a:gd name="connsiteX91" fmla="*/ 1353233 w 5890490"/>
+                <a:gd name="connsiteY91" fmla="*/ 685632 h 6578439"/>
+                <a:gd name="connsiteX92" fmla="*/ 1369924 w 5890490"/>
+                <a:gd name="connsiteY92" fmla="*/ 671256 h 6578439"/>
+                <a:gd name="connsiteX93" fmla="*/ 1387380 w 5890490"/>
+                <a:gd name="connsiteY93" fmla="*/ 657755 h 6578439"/>
+                <a:gd name="connsiteX94" fmla="*/ 1422422 w 5890490"/>
+                <a:gd name="connsiteY94" fmla="*/ 630877 h 6578439"/>
+                <a:gd name="connsiteX95" fmla="*/ 1492759 w 5890490"/>
+                <a:gd name="connsiteY95" fmla="*/ 577248 h 6578439"/>
+                <a:gd name="connsiteX96" fmla="*/ 1528820 w 5890490"/>
+                <a:gd name="connsiteY96" fmla="*/ 551496 h 6578439"/>
+                <a:gd name="connsiteX97" fmla="*/ 1565390 w 5890490"/>
+                <a:gd name="connsiteY97" fmla="*/ 526370 h 6578439"/>
+                <a:gd name="connsiteX98" fmla="*/ 1639040 w 5890490"/>
+                <a:gd name="connsiteY98" fmla="*/ 476490 h 6578439"/>
+                <a:gd name="connsiteX99" fmla="*/ 1792075 w 5890490"/>
+                <a:gd name="connsiteY99" fmla="*/ 384859 h 6578439"/>
+                <a:gd name="connsiteX100" fmla="*/ 2455943 w 5890490"/>
+                <a:gd name="connsiteY100" fmla="*/ 117836 h 6578439"/>
+                <a:gd name="connsiteX101" fmla="*/ 3159952 w 5890490"/>
+                <a:gd name="connsiteY101" fmla="*/ 7203 h 6578439"/>
+                <a:gd name="connsiteX102" fmla="*/ 3336813 w 5890490"/>
+                <a:gd name="connsiteY102" fmla="*/ 499 h 6578439"/>
+              </a:gdLst>
+              <a:ahLst/>
+              <a:cxnLst>
+                <a:cxn ang="0">
+                  <a:pos x="connsiteX0" y="connsiteY0"/>
+                </a:cxn>
+                <a:cxn ang="0">
+                  <a:pos x="connsiteX1" y="connsiteY1"/>
+                </a:cxn>
+                <a:cxn ang="0">
+                  <a:pos x="connsiteX2" y="connsiteY2"/>
+                </a:cxn>
+                <a:cxn ang="0">
+                  <a:pos x="connsiteX3" y="connsiteY3"/>
+                </a:cxn>
+                <a:cxn ang="0">
+                  <a:pos x="connsiteX4" y="connsiteY4"/>
+                </a:cxn>
+                <a:cxn ang="0">
+                  <a:pos x="connsiteX5" y="connsiteY5"/>
+                </a:cxn>
+                <a:cxn ang="0">
+                  <a:pos x="connsiteX6" y="connsiteY6"/>
+                </a:cxn>
+                <a:cxn ang="0">
+                  <a:pos x="connsiteX7" y="connsiteY7"/>
+                </a:cxn>
+                <a:cxn ang="0">
+                  <a:pos x="connsiteX8" y="connsiteY8"/>
+                </a:cxn>
+                <a:cxn ang="0">
+                  <a:pos x="connsiteX9" y="connsiteY9"/>
+                </a:cxn>
+                <a:cxn ang="0">
+                  <a:pos x="connsiteX10" y="connsiteY10"/>
+                </a:cxn>
+                <a:cxn ang="0">
+                  <a:pos x="connsiteX11" y="connsiteY11"/>
+                </a:cxn>
+                <a:cxn ang="0">
+                  <a:pos x="connsiteX12" y="connsiteY12"/>
+                </a:cxn>
+                <a:cxn ang="0">
+                  <a:pos x="connsiteX13" y="connsiteY13"/>
+                </a:cxn>
+                <a:cxn ang="0">
+                  <a:pos x="connsiteX14" y="connsiteY14"/>
+                </a:cxn>
+                <a:cxn ang="0">
+                  <a:pos x="connsiteX15" y="connsiteY15"/>
+                </a:cxn>
+                <a:cxn ang="0">
+                  <a:pos x="connsiteX16" y="connsiteY16"/>
+                </a:cxn>
+                <a:cxn ang="0">
+                  <a:pos x="connsiteX17" y="connsiteY17"/>
+                </a:cxn>
+                <a:cxn ang="0">
+                  <a:pos x="connsiteX18" y="connsiteY18"/>
+                </a:cxn>
+                <a:cxn ang="0">
+                  <a:pos x="connsiteX19" y="connsiteY19"/>
+                </a:cxn>
+                <a:cxn ang="0">
+                  <a:pos x="connsiteX20" y="connsiteY20"/>
+                </a:cxn>
+                <a:cxn ang="0">
+                  <a:pos x="connsiteX21" y="connsiteY21"/>
+                </a:cxn>
+                <a:cxn ang="0">
+                  <a:pos x="connsiteX22" y="connsiteY22"/>
+                </a:cxn>
+                <a:cxn ang="0">
+                  <a:pos x="connsiteX23" y="connsiteY23"/>
+                </a:cxn>
+                <a:cxn ang="0">
+                  <a:pos x="connsiteX24" y="connsiteY24"/>
+                </a:cxn>
+                <a:cxn ang="0">
+                  <a:pos x="connsiteX25" y="connsiteY25"/>
+                </a:cxn>
+                <a:cxn ang="0">
+                  <a:pos x="connsiteX26" y="connsiteY26"/>
+                </a:cxn>
+                <a:cxn ang="0">
+                  <a:pos x="connsiteX27" y="connsiteY27"/>
+                </a:cxn>
+                <a:cxn ang="0">
+                  <a:pos x="connsiteX28" y="connsiteY28"/>
+                </a:cxn>
+                <a:cxn ang="0">
+                  <a:pos x="connsiteX29" y="connsiteY29"/>
+                </a:cxn>
+                <a:cxn ang="0">
+                  <a:pos x="connsiteX30" y="connsiteY30"/>
+                </a:cxn>
+                <a:cxn ang="0">
+                  <a:pos x="connsiteX31" y="connsiteY31"/>
+                </a:cxn>
+                <a:cxn ang="0">
+                  <a:pos x="connsiteX32" y="connsiteY32"/>
+                </a:cxn>
+                <a:cxn ang="0">
+                  <a:pos x="connsiteX33" y="connsiteY33"/>
+                </a:cxn>
+                <a:cxn ang="0">
+                  <a:pos x="connsiteX34" y="connsiteY34"/>
+                </a:cxn>
+                <a:cxn ang="0">
+                  <a:pos x="connsiteX35" y="connsiteY35"/>
+                </a:cxn>
+                <a:cxn ang="0">
+                  <a:pos x="connsiteX36" y="connsiteY36"/>
+                </a:cxn>
+                <a:cxn ang="0">
+                  <a:pos x="connsiteX37" y="connsiteY37"/>
+                </a:cxn>
+                <a:cxn ang="0">
+                  <a:pos x="connsiteX38" y="connsiteY38"/>
+                </a:cxn>
+                <a:cxn ang="0">
+                  <a:pos x="connsiteX39" y="connsiteY39"/>
+                </a:cxn>
+                <a:cxn ang="0">
+                  <a:pos x="connsiteX40" y="connsiteY40"/>
+                </a:cxn>
+                <a:cxn ang="0">
+                  <a:pos x="connsiteX41" y="connsiteY41"/>
+                </a:cxn>
+                <a:cxn ang="0">
+                  <a:pos x="connsiteX42" y="connsiteY42"/>
+                </a:cxn>
+                <a:cxn ang="0">
+                  <a:pos x="connsiteX43" y="connsiteY43"/>
+                </a:cxn>
+                <a:cxn ang="0">
+                  <a:pos x="connsiteX44" y="connsiteY44"/>
+                </a:cxn>
+                <a:cxn ang="0">
+                  <a:pos x="connsiteX45" y="connsiteY45"/>
+                </a:cxn>
+                <a:cxn ang="0">
+                  <a:pos x="connsiteX46" y="connsiteY46"/>
+                </a:cxn>
+                <a:cxn ang="0">
+                  <a:pos x="connsiteX47" y="connsiteY47"/>
+                </a:cxn>
+                <a:cxn ang="0">
+                  <a:pos x="connsiteX48" y="connsiteY48"/>
+                </a:cxn>
+                <a:cxn ang="0">
+                  <a:pos x="connsiteX49" y="connsiteY49"/>
+                </a:cxn>
+                <a:cxn ang="0">
+                  <a:pos x="connsiteX50" y="connsiteY50"/>
+                </a:cxn>
+                <a:cxn ang="0">
+                  <a:pos x="connsiteX51" y="connsiteY51"/>
+                </a:cxn>
+                <a:cxn ang="0">
+                  <a:pos x="connsiteX52" y="connsiteY52"/>
+                </a:cxn>
+                <a:cxn ang="0">
+                  <a:pos x="connsiteX53" y="connsiteY53"/>
+                </a:cxn>
+                <a:cxn ang="0">
+                  <a:pos x="connsiteX54" y="connsiteY54"/>
+                </a:cxn>
+                <a:cxn ang="0">
+                  <a:pos x="connsiteX55" y="connsiteY55"/>
+                </a:cxn>
+                <a:cxn ang="0">
+                  <a:pos x="connsiteX56" y="connsiteY56"/>
+                </a:cxn>
+                <a:cxn ang="0">
+                  <a:pos x="connsiteX57" y="connsiteY57"/>
+                </a:cxn>
+                <a:cxn ang="0">
+                  <a:pos x="connsiteX58" y="connsiteY58"/>
+                </a:cxn>
+                <a:cxn ang="0">
+                  <a:pos x="connsiteX59" y="connsiteY59"/>
+                </a:cxn>
+                <a:cxn ang="0">
+                  <a:pos x="connsiteX60" y="connsiteY60"/>
+                </a:cxn>
+                <a:cxn ang="0">
+                  <a:pos x="connsiteX61" y="connsiteY61"/>
+                </a:cxn>
+                <a:cxn ang="0">
+                  <a:pos x="connsiteX62" y="connsiteY62"/>
+                </a:cxn>
+                <a:cxn ang="0">
+                  <a:pos x="connsiteX63" y="connsiteY63"/>
+                </a:cxn>
+                <a:cxn ang="0">
+                  <a:pos x="connsiteX64" y="connsiteY64"/>
+                </a:cxn>
+                <a:cxn ang="0">
+                  <a:pos x="connsiteX65" y="connsiteY65"/>
+                </a:cxn>
+                <a:cxn ang="0">
+                  <a:pos x="connsiteX66" y="connsiteY66"/>
+                </a:cxn>
+                <a:cxn ang="0">
+                  <a:pos x="connsiteX67" y="connsiteY67"/>
+                </a:cxn>
+                <a:cxn ang="0">
+                  <a:pos x="connsiteX68" y="connsiteY68"/>
+                </a:cxn>
+                <a:cxn ang="0">
+                  <a:pos x="connsiteX69" y="connsiteY69"/>
+                </a:cxn>
+                <a:cxn ang="0">
+                  <a:pos x="connsiteX70" y="connsiteY70"/>
+                </a:cxn>
+                <a:cxn ang="0">
+                  <a:pos x="connsiteX71" y="connsiteY71"/>
+                </a:cxn>
+                <a:cxn ang="0">
+                  <a:pos x="connsiteX72" y="connsiteY72"/>
+                </a:cxn>
+                <a:cxn ang="0">
+                  <a:pos x="connsiteX73" y="connsiteY73"/>
+                </a:cxn>
+                <a:cxn ang="0">
+                  <a:pos x="connsiteX74" y="connsiteY74"/>
+                </a:cxn>
+                <a:cxn ang="0">
+                  <a:pos x="connsiteX75" y="connsiteY75"/>
+                </a:cxn>
+                <a:cxn ang="0">
+                  <a:pos x="connsiteX76" y="connsiteY76"/>
+                </a:cxn>
+                <a:cxn ang="0">
+                  <a:pos x="connsiteX77" y="connsiteY77"/>
+                </a:cxn>
+                <a:cxn ang="0">
+                  <a:pos x="connsiteX78" y="connsiteY78"/>
+                </a:cxn>
+                <a:cxn ang="0">
+                  <a:pos x="connsiteX79" y="connsiteY79"/>
+                </a:cxn>
+                <a:cxn ang="0">
+                  <a:pos x="connsiteX80" y="connsiteY80"/>
+                </a:cxn>
+                <a:cxn ang="0">
+                  <a:pos x="connsiteX81" y="connsiteY81"/>
+                </a:cxn>
+                <a:cxn ang="0">
+                  <a:pos x="connsiteX82" y="connsiteY82"/>
+                </a:cxn>
+                <a:cxn ang="0">
+                  <a:pos x="connsiteX83" y="connsiteY83"/>
+                </a:cxn>
+                <a:cxn ang="0">
+                  <a:pos x="connsiteX84" y="connsiteY84"/>
+                </a:cxn>
+                <a:cxn ang="0">
+                  <a:pos x="connsiteX85" y="connsiteY85"/>
+                </a:cxn>
+                <a:cxn ang="0">
+                  <a:pos x="connsiteX86" y="connsiteY86"/>
+                </a:cxn>
+                <a:cxn ang="0">
+                  <a:pos x="connsiteX87" y="connsiteY87"/>
+                </a:cxn>
+                <a:cxn ang="0">
+                  <a:pos x="connsiteX88" y="connsiteY88"/>
+                </a:cxn>
+                <a:cxn ang="0">
+                  <a:pos x="connsiteX89" y="connsiteY89"/>
+                </a:cxn>
+                <a:cxn ang="0">
+                  <a:pos x="connsiteX90" y="connsiteY90"/>
+                </a:cxn>
+                <a:cxn ang="0">
+                  <a:pos x="connsiteX91" y="connsiteY91"/>
+                </a:cxn>
+                <a:cxn ang="0">
+                  <a:pos x="connsiteX92" y="connsiteY92"/>
+                </a:cxn>
+                <a:cxn ang="0">
+                  <a:pos x="connsiteX93" y="connsiteY93"/>
+                </a:cxn>
+                <a:cxn ang="0">
+                  <a:pos x="connsiteX94" y="connsiteY94"/>
+                </a:cxn>
+                <a:cxn ang="0">
+                  <a:pos x="connsiteX95" y="connsiteY95"/>
+                </a:cxn>
+                <a:cxn ang="0">
+                  <a:pos x="connsiteX96" y="connsiteY96"/>
+                </a:cxn>
+                <a:cxn ang="0">
+                  <a:pos x="connsiteX97" y="connsiteY97"/>
+                </a:cxn>
+                <a:cxn ang="0">
+                  <a:pos x="connsiteX98" y="connsiteY98"/>
+                </a:cxn>
+                <a:cxn ang="0">
+                  <a:pos x="connsiteX99" y="connsiteY99"/>
+                </a:cxn>
+                <a:cxn ang="0">
+                  <a:pos x="connsiteX100" y="connsiteY100"/>
+                </a:cxn>
+                <a:cxn ang="0">
+                  <a:pos x="connsiteX101" y="connsiteY101"/>
+                </a:cxn>
+                <a:cxn ang="0">
+                  <a:pos x="connsiteX102" y="connsiteY102"/>
+                </a:cxn>
+              </a:cxnLst>
+              <a:rect l="l" t="t" r="r" b="b"/>
+              <a:pathLst>
+                <a:path w="5890490" h="6578439">
+                  <a:moveTo>
+                    <a:pt x="5890490" y="5389037"/>
+                  </a:moveTo>
+                  <a:lnTo>
+                    <a:pt x="5890490" y="5855587"/>
+                  </a:lnTo>
+                  <a:lnTo>
+                    <a:pt x="5784593" y="5962054"/>
+                  </a:lnTo>
+                  <a:cubicBezTo>
+                    <a:pt x="5744454" y="6002308"/>
+                    <a:pt x="5704062" y="6042436"/>
+                    <a:pt x="5663414" y="6082564"/>
+                  </a:cubicBezTo>
+                  <a:cubicBezTo>
+                    <a:pt x="5500314" y="6242577"/>
+                    <a:pt x="5330970" y="6400714"/>
+                    <a:pt x="5147099" y="6547726"/>
+                  </a:cubicBezTo>
+                  <a:lnTo>
+                    <a:pt x="5105015" y="6578439"/>
+                  </a:lnTo>
+                  <a:lnTo>
+                    <a:pt x="4385601" y="6578439"/>
+                  </a:lnTo>
+                  <a:lnTo>
+                    <a:pt x="4507252" y="6515968"/>
+                  </a:lnTo>
+                  <a:cubicBezTo>
+                    <a:pt x="4645901" y="6439679"/>
+                    <a:pt x="4779837" y="6350961"/>
+                    <a:pt x="4909330" y="6253453"/>
+                  </a:cubicBezTo>
+                  <a:cubicBezTo>
+                    <a:pt x="5082369" y="6123567"/>
+                    <a:pt x="5248145" y="5979180"/>
+                    <a:pt x="5411374" y="5828544"/>
+                  </a:cubicBezTo>
+                  <a:cubicBezTo>
+                    <a:pt x="5452149" y="5790791"/>
+                    <a:pt x="5492924" y="5752788"/>
+                    <a:pt x="5533570" y="5714534"/>
+                  </a:cubicBezTo>
+                  <a:lnTo>
+                    <a:pt x="5657425" y="5597650"/>
+                  </a:lnTo>
+                  <a:close/>
+                  <a:moveTo>
+                    <a:pt x="3336813" y="499"/>
+                  </a:moveTo>
+                  <a:cubicBezTo>
+                    <a:pt x="3395682" y="-392"/>
+                    <a:pt x="3454550" y="-48"/>
+                    <a:pt x="3513674" y="1202"/>
+                  </a:cubicBezTo>
+                  <a:lnTo>
+                    <a:pt x="3602743" y="4827"/>
+                  </a:lnTo>
+                  <a:lnTo>
+                    <a:pt x="3647213" y="6703"/>
+                  </a:lnTo>
+                  <a:cubicBezTo>
+                    <a:pt x="3661994" y="7327"/>
+                    <a:pt x="3676903" y="7703"/>
+                    <a:pt x="3691684" y="9453"/>
+                  </a:cubicBezTo>
+                  <a:lnTo>
+                    <a:pt x="3868927" y="27080"/>
+                  </a:lnTo>
+                  <a:cubicBezTo>
+                    <a:pt x="4340645" y="85584"/>
+                    <a:pt x="4795160" y="243221"/>
+                    <a:pt x="5200872" y="472240"/>
+                  </a:cubicBezTo>
+                  <a:cubicBezTo>
+                    <a:pt x="5403855" y="587124"/>
+                    <a:pt x="5594988" y="719447"/>
+                    <a:pt x="5772711" y="866334"/>
+                  </a:cubicBezTo>
+                  <a:lnTo>
+                    <a:pt x="5890490" y="972426"/>
+                  </a:lnTo>
+                  <a:lnTo>
+                    <a:pt x="5890490" y="1158576"/>
+                  </a:lnTo>
+                  <a:lnTo>
+                    <a:pt x="5676045" y="986969"/>
+                  </a:lnTo>
+                  <a:cubicBezTo>
+                    <a:pt x="5496587" y="857740"/>
+                    <a:pt x="5304275" y="746699"/>
+                    <a:pt x="5103776" y="655879"/>
+                  </a:cubicBezTo>
+                  <a:cubicBezTo>
+                    <a:pt x="4903214" y="564747"/>
+                    <a:pt x="4695006" y="492492"/>
+                    <a:pt x="4482465" y="440363"/>
+                  </a:cubicBezTo>
+                  <a:lnTo>
+                    <a:pt x="4402444" y="422111"/>
+                  </a:lnTo>
+                  <a:cubicBezTo>
+                    <a:pt x="4375813" y="416111"/>
+                    <a:pt x="4349436" y="408859"/>
+                    <a:pt x="4322423" y="404610"/>
+                  </a:cubicBezTo>
+                  <a:lnTo>
+                    <a:pt x="4241892" y="389858"/>
+                  </a:lnTo>
+                  <a:lnTo>
+                    <a:pt x="4201627" y="382483"/>
+                  </a:lnTo>
+                  <a:cubicBezTo>
+                    <a:pt x="4188248" y="379983"/>
+                    <a:pt x="4174869" y="377483"/>
+                    <a:pt x="4161234" y="375857"/>
+                  </a:cubicBezTo>
+                  <a:cubicBezTo>
+                    <a:pt x="4107208" y="368482"/>
+                    <a:pt x="4053308" y="360482"/>
+                    <a:pt x="3999280" y="353606"/>
+                  </a:cubicBezTo>
+                  <a:cubicBezTo>
+                    <a:pt x="3944999" y="348855"/>
+                    <a:pt x="3890844" y="343854"/>
+                    <a:pt x="3836817" y="338480"/>
+                  </a:cubicBezTo>
+                  <a:lnTo>
+                    <a:pt x="3673972" y="330604"/>
+                  </a:lnTo>
+                  <a:cubicBezTo>
+                    <a:pt x="3619690" y="329104"/>
+                    <a:pt x="3565281" y="329604"/>
+                    <a:pt x="3511126" y="328978"/>
+                  </a:cubicBezTo>
+                  <a:cubicBezTo>
+                    <a:pt x="3402054" y="330728"/>
+                    <a:pt x="3291706" y="334604"/>
+                    <a:pt x="3183142" y="342854"/>
+                  </a:cubicBezTo>
+                  <a:cubicBezTo>
+                    <a:pt x="2965505" y="358855"/>
+                    <a:pt x="2750670" y="389733"/>
+                    <a:pt x="2541444" y="439988"/>
+                  </a:cubicBezTo>
+                  <a:cubicBezTo>
+                    <a:pt x="2332216" y="490117"/>
+                    <a:pt x="2128850" y="559997"/>
+                    <a:pt x="1933895" y="650505"/>
+                  </a:cubicBezTo>
+                  <a:cubicBezTo>
+                    <a:pt x="1738939" y="741261"/>
+                    <a:pt x="1553540" y="854146"/>
+                    <a:pt x="1378079" y="983905"/>
+                  </a:cubicBezTo>
+                  <a:lnTo>
+                    <a:pt x="1312967" y="1033660"/>
+                  </a:lnTo>
+                  <a:cubicBezTo>
+                    <a:pt x="1291178" y="1050286"/>
+                    <a:pt x="1269006" y="1066412"/>
+                    <a:pt x="1248364" y="1084413"/>
+                  </a:cubicBezTo>
+                  <a:lnTo>
+                    <a:pt x="1185163" y="1137168"/>
+                  </a:lnTo>
+                  <a:cubicBezTo>
+                    <a:pt x="1164138" y="1154794"/>
+                    <a:pt x="1142603" y="1172046"/>
+                    <a:pt x="1122852" y="1190922"/>
+                  </a:cubicBezTo>
+                  <a:cubicBezTo>
+                    <a:pt x="1041557" y="1264303"/>
+                    <a:pt x="961663" y="1339309"/>
+                    <a:pt x="892092" y="1421440"/>
+                  </a:cubicBezTo>
+                  <a:cubicBezTo>
+                    <a:pt x="819589" y="1501822"/>
+                    <a:pt x="759827" y="1590329"/>
+                    <a:pt x="707202" y="1684212"/>
+                  </a:cubicBezTo>
+                  <a:cubicBezTo>
+                    <a:pt x="694715" y="1708089"/>
+                    <a:pt x="682227" y="1731841"/>
+                    <a:pt x="670121" y="1756093"/>
+                  </a:cubicBezTo>
+                  <a:lnTo>
+                    <a:pt x="637630" y="1830724"/>
+                  </a:lnTo>
+                  <a:cubicBezTo>
+                    <a:pt x="626161" y="1855350"/>
+                    <a:pt x="617624" y="1881603"/>
+                    <a:pt x="607685" y="1907105"/>
+                  </a:cubicBezTo>
+                  <a:cubicBezTo>
+                    <a:pt x="598128" y="1932857"/>
+                    <a:pt x="588317" y="1958483"/>
+                    <a:pt x="580034" y="1984986"/>
+                  </a:cubicBezTo>
+                  <a:cubicBezTo>
+                    <a:pt x="544611" y="2089620"/>
+                    <a:pt x="513393" y="2197128"/>
+                    <a:pt x="481919" y="2304386"/>
+                  </a:cubicBezTo>
+                  <a:lnTo>
+                    <a:pt x="433881" y="2465399"/>
+                  </a:lnTo>
+                  <a:lnTo>
+                    <a:pt x="384442" y="2626163"/>
+                  </a:lnTo>
+                  <a:cubicBezTo>
+                    <a:pt x="317672" y="2839680"/>
+                    <a:pt x="243129" y="3050946"/>
+                    <a:pt x="166039" y="3261338"/>
+                  </a:cubicBezTo>
+                  <a:cubicBezTo>
+                    <a:pt x="88822" y="3468979"/>
+                    <a:pt x="50850" y="3690248"/>
+                    <a:pt x="56202" y="3910265"/>
+                  </a:cubicBezTo>
+                  <a:cubicBezTo>
+                    <a:pt x="58495" y="4020274"/>
+                    <a:pt x="71493" y="4129783"/>
+                    <a:pt x="93664" y="4237292"/>
+                  </a:cubicBezTo>
+                  <a:cubicBezTo>
+                    <a:pt x="99143" y="4264168"/>
+                    <a:pt x="104623" y="4291045"/>
+                    <a:pt x="111758" y="4317548"/>
+                  </a:cubicBezTo>
+                  <a:cubicBezTo>
+                    <a:pt x="118384" y="4344176"/>
+                    <a:pt x="124627" y="4370802"/>
+                    <a:pt x="133038" y="4397054"/>
+                  </a:cubicBezTo>
+                  <a:cubicBezTo>
+                    <a:pt x="140810" y="4423307"/>
+                    <a:pt x="148456" y="4449683"/>
+                    <a:pt x="157757" y="4475560"/>
+                  </a:cubicBezTo>
+                  <a:cubicBezTo>
+                    <a:pt x="166549" y="4501562"/>
+                    <a:pt x="175087" y="4527564"/>
+                    <a:pt x="185153" y="4553066"/>
+                  </a:cubicBezTo>
+                  <a:cubicBezTo>
+                    <a:pt x="262371" y="4758458"/>
+                    <a:pt x="368895" y="4951974"/>
+                    <a:pt x="493642" y="5132239"/>
+                  </a:cubicBezTo>
+                  <a:cubicBezTo>
+                    <a:pt x="618389" y="5312627"/>
+                    <a:pt x="760846" y="5480391"/>
+                    <a:pt x="914391" y="5636528"/>
+                  </a:cubicBezTo>
+                  <a:cubicBezTo>
+                    <a:pt x="1069081" y="5793166"/>
+                    <a:pt x="1231544" y="5941677"/>
+                    <a:pt x="1402034" y="6076188"/>
+                  </a:cubicBezTo>
+                  <a:cubicBezTo>
+                    <a:pt x="1487535" y="6143320"/>
+                    <a:pt x="1574565" y="6207574"/>
+                    <a:pt x="1664397" y="6267079"/>
+                  </a:cubicBezTo>
+                  <a:cubicBezTo>
+                    <a:pt x="1753592" y="6327459"/>
+                    <a:pt x="1845336" y="6383088"/>
+                    <a:pt x="1938992" y="6434343"/>
+                  </a:cubicBezTo>
+                  <a:cubicBezTo>
+                    <a:pt x="2032647" y="6485659"/>
+                    <a:pt x="2128309" y="6532600"/>
+                    <a:pt x="2225931" y="6574322"/>
+                  </a:cubicBezTo>
+                  <a:lnTo>
+                    <a:pt x="2236328" y="6578439"/>
+                  </a:lnTo>
+                  <a:lnTo>
+                    <a:pt x="1504665" y="6578439"/>
+                  </a:lnTo>
+                  <a:lnTo>
+                    <a:pt x="1456827" y="6543476"/>
+                  </a:lnTo>
+                  <a:cubicBezTo>
+                    <a:pt x="1363554" y="6470595"/>
+                    <a:pt x="1273848" y="6394340"/>
+                    <a:pt x="1188475" y="6314083"/>
+                  </a:cubicBezTo>
+                  <a:cubicBezTo>
+                    <a:pt x="1017856" y="6153445"/>
+                    <a:pt x="863803" y="5979931"/>
+                    <a:pt x="721728" y="5798666"/>
+                  </a:cubicBezTo>
+                  <a:cubicBezTo>
+                    <a:pt x="579397" y="5616027"/>
+                    <a:pt x="452103" y="5422511"/>
+                    <a:pt x="344175" y="5219495"/>
+                  </a:cubicBezTo>
+                  <a:cubicBezTo>
+                    <a:pt x="236505" y="5016354"/>
+                    <a:pt x="147946" y="4803586"/>
+                    <a:pt x="87293" y="4583569"/>
+                  </a:cubicBezTo>
+                  <a:cubicBezTo>
+                    <a:pt x="79138" y="4556193"/>
+                    <a:pt x="72639" y="4528440"/>
+                    <a:pt x="65886" y="4500813"/>
+                  </a:cubicBezTo>
+                  <a:cubicBezTo>
+                    <a:pt x="58751" y="4473311"/>
+                    <a:pt x="53144" y="4445308"/>
+                    <a:pt x="47409" y="4417431"/>
+                  </a:cubicBezTo>
+                  <a:cubicBezTo>
+                    <a:pt x="44733" y="4403430"/>
+                    <a:pt x="41294" y="4389679"/>
+                    <a:pt x="39000" y="4375677"/>
+                  </a:cubicBezTo>
+                  <a:lnTo>
+                    <a:pt x="31610" y="4333674"/>
+                  </a:lnTo>
+                  <a:cubicBezTo>
+                    <a:pt x="26258" y="4305797"/>
+                    <a:pt x="22563" y="4277544"/>
+                    <a:pt x="18868" y="4249417"/>
+                  </a:cubicBezTo>
+                  <a:cubicBezTo>
+                    <a:pt x="4214" y="4136784"/>
+                    <a:pt x="-2158" y="4023275"/>
+                    <a:pt x="646" y="3910265"/>
+                  </a:cubicBezTo>
+                  <a:cubicBezTo>
+                    <a:pt x="5997" y="3683872"/>
+                    <a:pt x="50596" y="3459605"/>
+                    <a:pt x="130234" y="3248337"/>
+                  </a:cubicBezTo>
+                  <a:cubicBezTo>
+                    <a:pt x="207961" y="3039196"/>
+                    <a:pt x="278044" y="2827179"/>
+                    <a:pt x="335383" y="2611911"/>
+                  </a:cubicBezTo>
+                  <a:cubicBezTo>
+                    <a:pt x="393743" y="2396644"/>
+                    <a:pt x="435792" y="2178627"/>
+                    <a:pt x="487272" y="1958609"/>
+                  </a:cubicBezTo>
+                  <a:cubicBezTo>
+                    <a:pt x="493259" y="1931107"/>
+                    <a:pt x="501287" y="1903730"/>
+                    <a:pt x="508550" y="1876227"/>
+                  </a:cubicBezTo>
+                  <a:cubicBezTo>
+                    <a:pt x="516195" y="1848725"/>
+                    <a:pt x="522312" y="1820972"/>
+                    <a:pt x="531742" y="1793721"/>
+                  </a:cubicBezTo>
+                  <a:lnTo>
+                    <a:pt x="558245" y="1711465"/>
+                  </a:lnTo>
+                  <a:cubicBezTo>
+                    <a:pt x="568439" y="1684337"/>
+                    <a:pt x="579652" y="1657459"/>
+                    <a:pt x="590100" y="1630332"/>
+                  </a:cubicBezTo>
+                  <a:cubicBezTo>
+                    <a:pt x="635080" y="1523075"/>
+                    <a:pt x="690637" y="1417566"/>
+                    <a:pt x="758680" y="1322433"/>
+                  </a:cubicBezTo>
+                  <a:cubicBezTo>
+                    <a:pt x="824430" y="1225051"/>
+                    <a:pt x="899610" y="1136168"/>
+                    <a:pt x="976317" y="1049286"/>
+                  </a:cubicBezTo>
+                  <a:cubicBezTo>
+                    <a:pt x="995049" y="1027035"/>
+                    <a:pt x="1015436" y="1006533"/>
+                    <a:pt x="1035314" y="985406"/>
+                  </a:cubicBezTo>
+                  <a:lnTo>
+                    <a:pt x="1095329" y="922526"/>
+                  </a:lnTo>
+                  <a:cubicBezTo>
+                    <a:pt x="1114953" y="901149"/>
+                    <a:pt x="1136359" y="881397"/>
+                    <a:pt x="1157384" y="861271"/>
+                  </a:cubicBezTo>
+                  <a:lnTo>
+                    <a:pt x="1220841" y="801017"/>
+                  </a:lnTo>
+                  <a:cubicBezTo>
+                    <a:pt x="1241610" y="780514"/>
+                    <a:pt x="1264418" y="762014"/>
+                    <a:pt x="1286462" y="742886"/>
+                  </a:cubicBezTo>
+                  <a:lnTo>
+                    <a:pt x="1353233" y="685632"/>
+                  </a:lnTo>
+                  <a:lnTo>
+                    <a:pt x="1369924" y="671256"/>
+                  </a:lnTo>
+                  <a:cubicBezTo>
+                    <a:pt x="1375658" y="666631"/>
+                    <a:pt x="1381520" y="662255"/>
+                    <a:pt x="1387380" y="657755"/>
+                  </a:cubicBezTo>
+                  <a:lnTo>
+                    <a:pt x="1422422" y="630877"/>
+                  </a:lnTo>
+                  <a:lnTo>
+                    <a:pt x="1492759" y="577248"/>
+                  </a:lnTo>
+                  <a:cubicBezTo>
+                    <a:pt x="1504355" y="567997"/>
+                    <a:pt x="1516714" y="559997"/>
+                    <a:pt x="1528820" y="551496"/>
+                  </a:cubicBezTo>
+                  <a:lnTo>
+                    <a:pt x="1565390" y="526370"/>
+                  </a:lnTo>
+                  <a:lnTo>
+                    <a:pt x="1639040" y="476490"/>
+                  </a:lnTo>
+                  <a:cubicBezTo>
+                    <a:pt x="1689754" y="445613"/>
+                    <a:pt x="1740723" y="414986"/>
+                    <a:pt x="1792075" y="384859"/>
+                  </a:cubicBezTo>
+                  <a:cubicBezTo>
+                    <a:pt x="2000282" y="268724"/>
+                    <a:pt x="2224927" y="179467"/>
+                    <a:pt x="2455943" y="117836"/>
+                  </a:cubicBezTo>
+                  <a:cubicBezTo>
+                    <a:pt x="2687088" y="55957"/>
+                    <a:pt x="2923964" y="21204"/>
+                    <a:pt x="3159952" y="7203"/>
+                  </a:cubicBezTo>
+                  <a:cubicBezTo>
+                    <a:pt x="3219076" y="3515"/>
+                    <a:pt x="3277945" y="1389"/>
+                    <a:pt x="3336813" y="499"/>
+                  </a:cubicBezTo>
+                  <a:close/>
+                </a:path>
+              </a:pathLst>
+            </a:custGeom>
+            <a:gradFill flip="none" rotWithShape="1">
+              <a:gsLst>
+                <a:gs pos="2000">
+                  <a:schemeClr val="bg1">
+                    <a:alpha val="10000"/>
+                  </a:schemeClr>
+                </a:gs>
+                <a:gs pos="16000">
+                  <a:schemeClr val="accent6">
+                    <a:alpha val="5000"/>
+                  </a:schemeClr>
+                </a:gs>
+                <a:gs pos="100000">
+                  <a:schemeClr val="bg1">
+                    <a:alpha val="10000"/>
+                  </a:schemeClr>
+                </a:gs>
+                <a:gs pos="85000">
+                  <a:schemeClr val="accent1">
+                    <a:alpha val="10000"/>
+                  </a:schemeClr>
+                </a:gs>
+              </a:gsLst>
+              <a:lin ang="12000000" scaled="0"/>
+              <a:tileRect/>
+            </a:gradFill>
+            <a:ln>
+              <a:noFill/>
+            </a:ln>
+          </p:spPr>
+          <p:style>
+            <a:lnRef idx="2">
+              <a:schemeClr val="accent1">
+                <a:shade val="50000"/>
+              </a:schemeClr>
+            </a:lnRef>
+            <a:fillRef idx="1">
+              <a:schemeClr val="accent1"/>
+            </a:fillRef>
+            <a:effectRef idx="0">
+              <a:schemeClr val="accent1"/>
+            </a:effectRef>
+            <a:fontRef idx="minor">
+              <a:schemeClr val="lt1"/>
+            </a:fontRef>
+          </p:style>
+          <p:txBody>
+            <a:bodyPr rtlCol="0" anchor="ctr"/>
+            <a:lstStyle/>
+            <a:p>
+              <a:pPr algn="ctr"/>
+              <a:endParaRPr lang="en-US" dirty="0"/>
+            </a:p>
+          </p:txBody>
+        </p:sp>
+      </p:grpSp>
+      <p:pic>
+        <p:nvPicPr>
+          <p:cNvPr id="5" name="Imagen 4" descr="Un dibujo de una persona&#10;&#10;Descripción generada automáticamente con confianza media">
+            <a:extLst>
+              <a:ext uri="{FF2B5EF4-FFF2-40B4-BE49-F238E27FC236}">
+                <a16:creationId xmlns:a16="http://schemas.microsoft.com/office/drawing/2014/main" id="{62C39DDA-7C05-4140-B8E9-DE5DC8823148}"/>
+              </a:ext>
+            </a:extLst>
+          </p:cNvPr>
+          <p:cNvPicPr>
+            <a:picLocks noChangeAspect="1"/>
+          </p:cNvPicPr>
+          <p:nvPr/>
+        </p:nvPicPr>
+        <p:blipFill>
+          <a:blip r:embed="rId2">
+            <a:extLst>
+              <a:ext uri="{28A0092B-C50C-407E-A947-70E740481C1C}">
+                <a14:useLocalDpi xmlns:a14="http://schemas.microsoft.com/office/drawing/2010/main" val="0"/>
+              </a:ext>
+            </a:extLst>
+          </a:blip>
+          <a:stretch>
+            <a:fillRect/>
+          </a:stretch>
+        </p:blipFill>
+        <p:spPr>
+          <a:xfrm>
+            <a:off x="7905348" y="72087"/>
+            <a:ext cx="1238423" cy="981212"/>
+          </a:xfrm>
+          <a:prstGeom prst="rect">
+            <a:avLst/>
+          </a:prstGeom>
+        </p:spPr>
+      </p:pic>
+      <p:pic>
+        <p:nvPicPr>
+          <p:cNvPr id="3" name="Imagen 2" descr="Un letrero de color blanco&#10;&#10;Descripción generada automáticamente con confianza media">
+            <a:extLst>
+              <a:ext uri="{FF2B5EF4-FFF2-40B4-BE49-F238E27FC236}">
+                <a16:creationId xmlns:a16="http://schemas.microsoft.com/office/drawing/2014/main" id="{E056DD18-E14D-44E8-B774-4B73EC29E897}"/>
+              </a:ext>
+            </a:extLst>
+          </p:cNvPr>
+          <p:cNvPicPr>
+            <a:picLocks noChangeAspect="1"/>
+          </p:cNvPicPr>
+          <p:nvPr/>
+        </p:nvPicPr>
+        <p:blipFill>
+          <a:blip r:embed="rId3">
+            <a:extLst>
+              <a:ext uri="{28A0092B-C50C-407E-A947-70E740481C1C}">
+                <a14:useLocalDpi xmlns:a14="http://schemas.microsoft.com/office/drawing/2010/main" val="0"/>
+              </a:ext>
+            </a:extLst>
+          </a:blip>
+          <a:stretch>
+            <a:fillRect/>
+          </a:stretch>
+        </p:blipFill>
+        <p:spPr>
+          <a:xfrm>
+            <a:off x="5562600" y="2351983"/>
+            <a:ext cx="3404650" cy="1028924"/>
+          </a:xfrm>
+          <a:prstGeom prst="rect">
+            <a:avLst/>
+          </a:prstGeom>
+          <a:ln>
+            <a:noFill/>
+          </a:ln>
+        </p:spPr>
+      </p:pic>
+      <p:sp>
+        <p:nvSpPr>
+          <p:cNvPr id="6" name="CuadroTexto 5">
+            <a:extLst>
+              <a:ext uri="{FF2B5EF4-FFF2-40B4-BE49-F238E27FC236}">
+                <a16:creationId xmlns:a16="http://schemas.microsoft.com/office/drawing/2014/main" id="{AFF4B03E-A9A6-4A21-B3E1-10E84EDC61AA}"/>
+              </a:ext>
+            </a:extLst>
+          </p:cNvPr>
+          <p:cNvSpPr txBox="1"/>
+          <p:nvPr/>
+        </p:nvSpPr>
+        <p:spPr>
+          <a:xfrm>
+            <a:off x="467356" y="1352550"/>
+            <a:ext cx="5209636" cy="923330"/>
+          </a:xfrm>
+          <a:prstGeom prst="rect">
+            <a:avLst/>
+          </a:prstGeom>
+          <a:noFill/>
+        </p:spPr>
+        <p:txBody>
+          <a:bodyPr wrap="square" rtlCol="0">
+            <a:spAutoFit/>
+          </a:bodyPr>
+          <a:lstStyle/>
+          <a:p>
+            <a:r>
+              <a:rPr lang="es-CO" dirty="0">
+                <a:ln w="0"/>
+                <a:effectLst>
+                  <a:outerShdw blurRad="38100" dist="19050" dir="2700000" algn="tl" rotWithShape="0">
+                    <a:schemeClr val="dk1">
+                      <a:alpha val="40000"/>
+                    </a:schemeClr>
+                  </a:outerShdw>
+                </a:effectLst>
+              </a:rPr>
+              <a:t>Sistematic</a:t>
+            </a:r>
+            <a:r>
+              <a:rPr lang="es-CO" dirty="0"/>
+              <a:t>          Sistema de información</a:t>
+            </a:r>
+          </a:p>
+          <a:p>
+            <a:r>
+              <a:rPr lang="es-CO" dirty="0">
+                <a:ln w="0"/>
+                <a:effectLst>
+                  <a:outerShdw blurRad="38100" dist="19050" dir="2700000" algn="tl" rotWithShape="0">
+                    <a:schemeClr val="dk1">
+                      <a:alpha val="40000"/>
+                    </a:schemeClr>
+                  </a:outerShdw>
+                </a:effectLst>
+              </a:rPr>
+              <a:t>Cutex </a:t>
+            </a:r>
+            <a:r>
+              <a:rPr lang="es-CO" dirty="0"/>
+              <a:t>                 Cuero textil</a:t>
+            </a:r>
+          </a:p>
+          <a:p>
+            <a:endParaRPr lang="es-CO" dirty="0"/>
+          </a:p>
+        </p:txBody>
+      </p:sp>
+      <p:cxnSp>
+        <p:nvCxnSpPr>
+          <p:cNvPr id="9" name="Conector recto de flecha 8">
+            <a:extLst>
+              <a:ext uri="{FF2B5EF4-FFF2-40B4-BE49-F238E27FC236}">
+                <a16:creationId xmlns:a16="http://schemas.microsoft.com/office/drawing/2014/main" id="{B150E13A-76A9-45A4-8AD1-19EEBFCA00E3}"/>
+              </a:ext>
+            </a:extLst>
+          </p:cNvPr>
+          <p:cNvCxnSpPr>
+            <a:cxnSpLocks/>
+          </p:cNvCxnSpPr>
+          <p:nvPr/>
+        </p:nvCxnSpPr>
+        <p:spPr>
+          <a:xfrm>
+            <a:off x="1524000" y="1581150"/>
+            <a:ext cx="457200" cy="0"/>
+          </a:xfrm>
+          <a:prstGeom prst="straightConnector1">
+            <a:avLst/>
+          </a:prstGeom>
+          <a:ln>
+            <a:tailEnd type="triangle"/>
+          </a:ln>
+        </p:spPr>
+        <p:style>
+          <a:lnRef idx="3">
+            <a:schemeClr val="accent2"/>
+          </a:lnRef>
+          <a:fillRef idx="0">
+            <a:schemeClr val="accent2"/>
+          </a:fillRef>
+          <a:effectRef idx="2">
+            <a:schemeClr val="accent2"/>
+          </a:effectRef>
+          <a:fontRef idx="minor">
+            <a:schemeClr val="tx1"/>
+          </a:fontRef>
+        </p:style>
+      </p:cxnSp>
+      <p:cxnSp>
+        <p:nvCxnSpPr>
+          <p:cNvPr id="36" name="Conector recto de flecha 35">
+            <a:extLst>
+              <a:ext uri="{FF2B5EF4-FFF2-40B4-BE49-F238E27FC236}">
+                <a16:creationId xmlns:a16="http://schemas.microsoft.com/office/drawing/2014/main" id="{46FD9265-5797-4F5E-ABC5-C92AE9B9822D}"/>
+              </a:ext>
+            </a:extLst>
+          </p:cNvPr>
+          <p:cNvCxnSpPr>
+            <a:cxnSpLocks/>
+          </p:cNvCxnSpPr>
+          <p:nvPr/>
+        </p:nvCxnSpPr>
+        <p:spPr>
+          <a:xfrm>
+            <a:off x="1524000" y="1809750"/>
+            <a:ext cx="457200" cy="0"/>
+          </a:xfrm>
+          <a:prstGeom prst="straightConnector1">
+            <a:avLst/>
+          </a:prstGeom>
+          <a:ln>
+            <a:tailEnd type="triangle"/>
+          </a:ln>
+        </p:spPr>
+        <p:style>
+          <a:lnRef idx="3">
+            <a:schemeClr val="accent2"/>
+          </a:lnRef>
+          <a:fillRef idx="0">
+            <a:schemeClr val="accent2"/>
+          </a:fillRef>
+          <a:effectRef idx="2">
+            <a:schemeClr val="accent2"/>
+          </a:effectRef>
+          <a:fontRef idx="minor">
+            <a:schemeClr val="tx1"/>
+          </a:fontRef>
+        </p:style>
+      </p:cxnSp>
+      <p:sp>
+        <p:nvSpPr>
+          <p:cNvPr id="25" name="CuadroTexto 24">
+            <a:extLst>
+              <a:ext uri="{FF2B5EF4-FFF2-40B4-BE49-F238E27FC236}">
+                <a16:creationId xmlns:a16="http://schemas.microsoft.com/office/drawing/2014/main" id="{A73FFFC9-F45A-4587-883F-79A7A2602549}"/>
+              </a:ext>
+            </a:extLst>
+          </p:cNvPr>
+          <p:cNvSpPr txBox="1"/>
+          <p:nvPr/>
+        </p:nvSpPr>
+        <p:spPr>
+          <a:xfrm>
+            <a:off x="820869" y="2351983"/>
+            <a:ext cx="3224708" cy="1200329"/>
+          </a:xfrm>
+          <a:prstGeom prst="rect">
+            <a:avLst/>
+          </a:prstGeom>
+          <a:noFill/>
+          <a:ln>
+            <a:solidFill>
+              <a:srgbClr val="FF0000"/>
+            </a:solidFill>
+          </a:ln>
+        </p:spPr>
+        <p:txBody>
+          <a:bodyPr wrap="square" rtlCol="0">
+            <a:spAutoFit/>
+          </a:bodyPr>
+          <a:lstStyle/>
+          <a:p>
+            <a:r>
+              <a:rPr lang="es-CO" dirty="0"/>
+              <a:t>Sistema de información que ayuda a la optimización de los procesos comerciales dentro de la industria del Cuero textil.</a:t>
+            </a:r>
+          </a:p>
+        </p:txBody>
+      </p:sp>
+      <p:sp>
+        <p:nvSpPr>
+          <p:cNvPr id="28" name="CuadroTexto 27">
+            <a:extLst>
+              <a:ext uri="{FF2B5EF4-FFF2-40B4-BE49-F238E27FC236}">
+                <a16:creationId xmlns:a16="http://schemas.microsoft.com/office/drawing/2014/main" id="{C5205119-D13B-41EA-B230-70B43419DE68}"/>
+              </a:ext>
+            </a:extLst>
+          </p:cNvPr>
+          <p:cNvSpPr txBox="1"/>
+          <p:nvPr/>
+        </p:nvSpPr>
+        <p:spPr>
+          <a:xfrm>
+            <a:off x="2051538" y="4520684"/>
+            <a:ext cx="5472125" cy="369332"/>
+          </a:xfrm>
+          <a:prstGeom prst="rect">
+            <a:avLst/>
+          </a:prstGeom>
+          <a:solidFill>
+            <a:schemeClr val="tx1"/>
+          </a:solidFill>
+        </p:spPr>
+        <p:txBody>
+          <a:bodyPr wrap="square" rtlCol="0">
+            <a:spAutoFit/>
+          </a:bodyPr>
+          <a:lstStyle/>
+          <a:p>
+            <a:r>
+              <a:rPr lang="es-CO" dirty="0">
+                <a:solidFill>
+                  <a:schemeClr val="bg1"/>
+                </a:solidFill>
+              </a:rPr>
+              <a:t>Sistematic Cutex te ahorra tiempo, te lleva al desarrollo. </a:t>
+            </a:r>
+          </a:p>
+        </p:txBody>
+      </p:sp>
+    </p:spTree>
+    <p:extLst>
+      <p:ext uri="{BB962C8B-B14F-4D97-AF65-F5344CB8AC3E}">
+        <p14:creationId xmlns:p14="http://schemas.microsoft.com/office/powerpoint/2010/main" val="2158112186"/>
+      </p:ext>
+    </p:extLst>
+  </p:cSld>
+  <p:clrMapOvr>
+    <a:masterClrMapping/>
+  </p:clrMapOvr>
+</p:sld>
+</file>
+
+<file path=ppt/slides/slide3.xml><?xml version="1.0" encoding="utf-8"?>
+<p:sld xmlns:a="http://schemas.openxmlformats.org/drawingml/2006/main" xmlns:r="http://schemas.openxmlformats.org/officeDocument/2006/relationships" xmlns:p="http://schemas.openxmlformats.org/presentationml/2006/main">
+  <p:cSld>
     <p:spTree>
       <p:nvGrpSpPr>
         <p:cNvPr id="1" name=""/>
@@ -8073,7 +12928,7 @@
         </p:nvSpPr>
         <p:spPr>
           <a:xfrm>
-            <a:off x="685800" y="541627"/>
+            <a:off x="496368" y="142622"/>
             <a:ext cx="2440940" cy="574675"/>
           </a:xfrm>
           <a:prstGeom prst="rect">
@@ -8137,12 +12992,19 @@
         </p:nvSpPr>
         <p:spPr>
           <a:xfrm>
-            <a:off x="264922" y="1218798"/>
-            <a:ext cx="4916678" cy="3897862"/>
+            <a:off x="6357184" y="3067065"/>
+            <a:ext cx="2616036" cy="1002197"/>
           </a:xfrm>
           <a:prstGeom prst="rect">
             <a:avLst/>
           </a:prstGeom>
+          <a:ln>
+            <a:solidFill>
+              <a:schemeClr val="accent6">
+                <a:lumMod val="75000"/>
+              </a:schemeClr>
+            </a:solidFill>
+          </a:ln>
         </p:spPr>
         <p:txBody>
           <a:bodyPr vert="horz" wrap="square" lIns="0" tIns="17145" rIns="0" bIns="0" rtlCol="0">
@@ -8159,106 +13021,41 @@
               </a:spcBef>
             </a:pPr>
             <a:r>
-              <a:rPr lang="es-CO" sz="1550" spc="15" dirty="0">
+              <a:rPr lang="es-CO" sz="1000" spc="15" dirty="0">
                 <a:solidFill>
                   <a:srgbClr val="404040"/>
                 </a:solidFill>
                 <a:latin typeface="Arial"/>
                 <a:cs typeface="Arial"/>
               </a:rPr>
-              <a:t>Actualmente el sector marroquinero en Colombia ocupa pequeñas y medianas empresas, la gran mayoría informales y Ajenas al uso de la informática actual.</a:t>
-            </a:r>
-          </a:p>
-          <a:p>
-            <a:pPr marL="12700" algn="just">
-              <a:lnSpc>
-                <a:spcPct val="100000"/>
-              </a:lnSpc>
-              <a:spcBef>
-                <a:spcPts val="135"/>
-              </a:spcBef>
-            </a:pPr>
-            <a:endParaRPr lang="es-CO" sz="1550" spc="15" dirty="0">
-              <a:solidFill>
-                <a:srgbClr val="404040"/>
-              </a:solidFill>
-              <a:latin typeface="Arial"/>
-              <a:cs typeface="Arial"/>
-            </a:endParaRPr>
-          </a:p>
-          <a:p>
-            <a:pPr marL="12700" algn="just">
-              <a:lnSpc>
-                <a:spcPct val="100000"/>
-              </a:lnSpc>
-              <a:spcBef>
-                <a:spcPts val="135"/>
-              </a:spcBef>
-            </a:pPr>
-            <a:r>
-              <a:rPr lang="es-CO" sz="1550" spc="15" dirty="0">
-                <a:solidFill>
-                  <a:srgbClr val="404040"/>
-                </a:solidFill>
+              <a:t>A partir de la información obtenida se analizó las diferentes problemáticas presentes y se propuso un </a:t>
+            </a:r>
+            <a:r>
+              <a:rPr lang="es-CO" sz="1200" b="1" spc="15" dirty="0">
+                <a:solidFill>
+                  <a:srgbClr val="404040"/>
+                </a:solidFill>
+                <a:highlight>
+                  <a:srgbClr val="FFFF00"/>
+                </a:highlight>
                 <a:latin typeface="Arial"/>
                 <a:cs typeface="Arial"/>
               </a:rPr>
-              <a:t>Profundizando en el funcionamiento de este tipo de empresas hemos elegido a Peletería Cueros y Color con el objetivo de conocer las principales actividades que se desempeñan dentro de la empresa aplicando técnicas como : entrevista y lista de chequeo.</a:t>
-            </a:r>
-          </a:p>
-          <a:p>
-            <a:pPr marL="12700" algn="just">
-              <a:lnSpc>
-                <a:spcPct val="100000"/>
-              </a:lnSpc>
-              <a:spcBef>
-                <a:spcPts val="135"/>
-              </a:spcBef>
-            </a:pPr>
-            <a:endParaRPr lang="es-CO" sz="1550" spc="15" dirty="0">
-              <a:solidFill>
-                <a:srgbClr val="404040"/>
-              </a:solidFill>
-              <a:latin typeface="Arial"/>
-              <a:cs typeface="Arial"/>
-            </a:endParaRPr>
-          </a:p>
-          <a:p>
-            <a:pPr marL="12700" algn="just">
-              <a:lnSpc>
-                <a:spcPct val="100000"/>
-              </a:lnSpc>
-              <a:spcBef>
-                <a:spcPts val="135"/>
-              </a:spcBef>
-            </a:pPr>
-            <a:r>
-              <a:rPr lang="es-CO" sz="1550" spc="15" dirty="0">
-                <a:solidFill>
-                  <a:srgbClr val="404040"/>
-                </a:solidFill>
+              <a:t>sistema de información </a:t>
+            </a:r>
+            <a:r>
+              <a:rPr lang="es-CO" sz="1000" spc="15" dirty="0">
+                <a:solidFill>
+                  <a:srgbClr val="404040"/>
+                </a:solidFill>
+                <a:highlight>
+                  <a:srgbClr val="FFFF00"/>
+                </a:highlight>
                 <a:latin typeface="Arial"/>
                 <a:cs typeface="Arial"/>
               </a:rPr>
-              <a:t>A partir de la información obtenida se analizó las diferentes problemáticas presentes y se propuso un sistema de información que ayude a solucionar dichas problemáticas presentes en la empresa.</a:t>
-            </a:r>
-          </a:p>
-          <a:p>
-            <a:pPr marL="12700" algn="just">
-              <a:lnSpc>
-                <a:spcPct val="100000"/>
-              </a:lnSpc>
-              <a:spcBef>
-                <a:spcPts val="135"/>
-              </a:spcBef>
-            </a:pPr>
-            <a:endParaRPr lang="es-CO" sz="1550" spc="15" dirty="0">
-              <a:solidFill>
-                <a:srgbClr val="404040"/>
-              </a:solidFill>
-              <a:latin typeface="Arial"/>
-              <a:cs typeface="Arial"/>
-            </a:endParaRPr>
+              <a:t>que ayude a solucionar dichas problemáticas presentes en la empresa.</a:t>
+            </a:r>
           </a:p>
         </p:txBody>
       </p:sp>
@@ -8270,7 +13067,7 @@
         </p:nvSpPr>
         <p:spPr>
           <a:xfrm>
-            <a:off x="713678" y="1118531"/>
+            <a:off x="533400" y="671577"/>
             <a:ext cx="718185" cy="45720"/>
           </a:xfrm>
           <a:custGeom>
@@ -8327,7 +13124,7 @@
           <p:nvPr/>
         </p:nvPicPr>
         <p:blipFill rotWithShape="1">
-          <a:blip r:embed="rId2">
+          <a:blip r:embed="rId2" cstate="print">
             <a:extLst>
               <a:ext uri="{28A0092B-C50C-407E-A947-70E740481C1C}">
                 <a14:useLocalDpi xmlns:a14="http://schemas.microsoft.com/office/drawing/2010/main" val="0"/>
@@ -8339,8 +13136,8 @@
         </p:blipFill>
         <p:spPr>
           <a:xfrm>
-            <a:off x="5388746" y="869151"/>
-            <a:ext cx="3490332" cy="4000156"/>
+            <a:off x="203364" y="1392045"/>
+            <a:ext cx="1196968" cy="1371806"/>
           </a:xfrm>
           <a:prstGeom prst="rect">
             <a:avLst/>
@@ -8447,8 +13244,346 @@
         </p:blipFill>
         <p:spPr>
           <a:xfrm>
-            <a:off x="7373803" y="4302252"/>
+            <a:off x="7467945" y="4292766"/>
             <a:ext cx="1505275" cy="567055"/>
+          </a:xfrm>
+          <a:prstGeom prst="rect">
+            <a:avLst/>
+          </a:prstGeom>
+        </p:spPr>
+      </p:pic>
+      <p:sp>
+        <p:nvSpPr>
+          <p:cNvPr id="10" name="CuadroTexto 9">
+            <a:extLst>
+              <a:ext uri="{FF2B5EF4-FFF2-40B4-BE49-F238E27FC236}">
+                <a16:creationId xmlns:a16="http://schemas.microsoft.com/office/drawing/2014/main" id="{1DA08DF6-C2EB-45E1-8D44-6C7F2B2AF962}"/>
+              </a:ext>
+            </a:extLst>
+          </p:cNvPr>
+          <p:cNvSpPr txBox="1"/>
+          <p:nvPr/>
+        </p:nvSpPr>
+        <p:spPr>
+          <a:xfrm>
+            <a:off x="533400" y="2949765"/>
+            <a:ext cx="2097278" cy="1015663"/>
+          </a:xfrm>
+          <a:prstGeom prst="rect">
+            <a:avLst/>
+          </a:prstGeom>
+          <a:solidFill>
+            <a:schemeClr val="bg1"/>
+          </a:solidFill>
+          <a:ln>
+            <a:solidFill>
+              <a:srgbClr val="FF0000"/>
+            </a:solidFill>
+          </a:ln>
+        </p:spPr>
+        <p:txBody>
+          <a:bodyPr wrap="square">
+            <a:spAutoFit/>
+          </a:bodyPr>
+          <a:lstStyle/>
+          <a:p>
+            <a:pPr marL="12700" algn="just">
+              <a:lnSpc>
+                <a:spcPct val="100000"/>
+              </a:lnSpc>
+              <a:spcBef>
+                <a:spcPts val="135"/>
+              </a:spcBef>
+            </a:pPr>
+            <a:r>
+              <a:rPr lang="es-CO" sz="1000" b="1" spc="15" dirty="0">
+                <a:solidFill>
+                  <a:srgbClr val="404040"/>
+                </a:solidFill>
+                <a:latin typeface="Arial"/>
+                <a:cs typeface="Arial"/>
+              </a:rPr>
+              <a:t>Actualmente el sector marroquinero en Colombia ocupa pequeñas y medianas empresas, la gran mayoría informales y </a:t>
+            </a:r>
+            <a:r>
+              <a:rPr lang="es-CO" sz="1000" b="1" spc="15" dirty="0">
+                <a:solidFill>
+                  <a:schemeClr val="tx2"/>
+                </a:solidFill>
+                <a:latin typeface="Arial"/>
+                <a:cs typeface="Arial"/>
+              </a:rPr>
+              <a:t>Ajenas al uso de la informática actual.</a:t>
+            </a:r>
+          </a:p>
+        </p:txBody>
+      </p:sp>
+      <p:pic>
+        <p:nvPicPr>
+          <p:cNvPr id="4" name="Imagen 3" descr="Imagen que contiene computadora&#10;&#10;Descripción generada automáticamente">
+            <a:extLst>
+              <a:ext uri="{FF2B5EF4-FFF2-40B4-BE49-F238E27FC236}">
+                <a16:creationId xmlns:a16="http://schemas.microsoft.com/office/drawing/2014/main" id="{592BBB4E-DC42-4A90-B1DE-D657BE39A1F6}"/>
+              </a:ext>
+            </a:extLst>
+          </p:cNvPr>
+          <p:cNvPicPr>
+            <a:picLocks noChangeAspect="1"/>
+          </p:cNvPicPr>
+          <p:nvPr/>
+        </p:nvPicPr>
+        <p:blipFill rotWithShape="1">
+          <a:blip r:embed="rId4" cstate="print">
+            <a:extLst>
+              <a:ext uri="{28A0092B-C50C-407E-A947-70E740481C1C}">
+                <a14:useLocalDpi xmlns:a14="http://schemas.microsoft.com/office/drawing/2010/main" val="0"/>
+              </a:ext>
+            </a:extLst>
+          </a:blip>
+          <a:srcRect l="18368" r="12139"/>
+          <a:stretch/>
+        </p:blipFill>
+        <p:spPr>
+          <a:xfrm>
+            <a:off x="1363458" y="1563521"/>
+            <a:ext cx="1573850" cy="1200330"/>
+          </a:xfrm>
+          <a:prstGeom prst="rect">
+            <a:avLst/>
+          </a:prstGeom>
+        </p:spPr>
+      </p:pic>
+      <p:sp>
+        <p:nvSpPr>
+          <p:cNvPr id="5" name="Flecha: a la derecha 4">
+            <a:extLst>
+              <a:ext uri="{FF2B5EF4-FFF2-40B4-BE49-F238E27FC236}">
+                <a16:creationId xmlns:a16="http://schemas.microsoft.com/office/drawing/2014/main" id="{271A914D-F246-4B86-BD97-BA64FD1B96E3}"/>
+              </a:ext>
+            </a:extLst>
+          </p:cNvPr>
+          <p:cNvSpPr/>
+          <p:nvPr/>
+        </p:nvSpPr>
+        <p:spPr>
+          <a:xfrm>
+            <a:off x="3126740" y="2077948"/>
+            <a:ext cx="378460" cy="265202"/>
+          </a:xfrm>
+          <a:prstGeom prst="rightArrow">
+            <a:avLst/>
+          </a:prstGeom>
+        </p:spPr>
+        <p:style>
+          <a:lnRef idx="2">
+            <a:schemeClr val="accent1">
+              <a:shade val="50000"/>
+            </a:schemeClr>
+          </a:lnRef>
+          <a:fillRef idx="1">
+            <a:schemeClr val="accent1"/>
+          </a:fillRef>
+          <a:effectRef idx="0">
+            <a:schemeClr val="accent1"/>
+          </a:effectRef>
+          <a:fontRef idx="minor">
+            <a:schemeClr val="lt1"/>
+          </a:fontRef>
+        </p:style>
+        <p:txBody>
+          <a:bodyPr rtlCol="0" anchor="ctr"/>
+          <a:lstStyle/>
+          <a:p>
+            <a:pPr algn="ctr"/>
+            <a:endParaRPr lang="es-CO"/>
+          </a:p>
+        </p:txBody>
+      </p:sp>
+      <p:sp>
+        <p:nvSpPr>
+          <p:cNvPr id="14" name="CuadroTexto 13">
+            <a:extLst>
+              <a:ext uri="{FF2B5EF4-FFF2-40B4-BE49-F238E27FC236}">
+                <a16:creationId xmlns:a16="http://schemas.microsoft.com/office/drawing/2014/main" id="{77693087-504B-4AC8-AD48-14F512A8D8B0}"/>
+              </a:ext>
+            </a:extLst>
+          </p:cNvPr>
+          <p:cNvSpPr txBox="1"/>
+          <p:nvPr/>
+        </p:nvSpPr>
+        <p:spPr>
+          <a:xfrm>
+            <a:off x="3422189" y="3320938"/>
+            <a:ext cx="2299304" cy="1538883"/>
+          </a:xfrm>
+          <a:prstGeom prst="rect">
+            <a:avLst/>
+          </a:prstGeom>
+          <a:noFill/>
+          <a:ln>
+            <a:solidFill>
+              <a:srgbClr val="00B050"/>
+            </a:solidFill>
+          </a:ln>
+        </p:spPr>
+        <p:txBody>
+          <a:bodyPr wrap="square">
+            <a:spAutoFit/>
+          </a:bodyPr>
+          <a:lstStyle/>
+          <a:p>
+            <a:pPr marL="12700" algn="just">
+              <a:lnSpc>
+                <a:spcPct val="100000"/>
+              </a:lnSpc>
+              <a:spcBef>
+                <a:spcPts val="135"/>
+              </a:spcBef>
+            </a:pPr>
+            <a:r>
+              <a:rPr lang="es-CO" sz="1000" spc="15" dirty="0">
+                <a:solidFill>
+                  <a:srgbClr val="404040"/>
+                </a:solidFill>
+                <a:latin typeface="Arial"/>
+                <a:cs typeface="Arial"/>
+              </a:rPr>
+              <a:t>Profundizando en el funcionamiento de este tipo de empresas se obtuvo la oportunidad de conocer la empresa: </a:t>
+            </a:r>
+            <a:r>
+              <a:rPr lang="es-CO" sz="1200" b="1" spc="15" dirty="0">
+                <a:solidFill>
+                  <a:srgbClr val="404040"/>
+                </a:solidFill>
+                <a:latin typeface="Arial"/>
+                <a:cs typeface="Arial"/>
+              </a:rPr>
+              <a:t>Peletería Cueros y Color </a:t>
+            </a:r>
+            <a:r>
+              <a:rPr lang="es-CO" sz="1000" spc="15" dirty="0">
+                <a:solidFill>
+                  <a:srgbClr val="404040"/>
+                </a:solidFill>
+                <a:latin typeface="Arial"/>
+                <a:cs typeface="Arial"/>
+              </a:rPr>
+              <a:t>con el objetivo de conocer las principales actividades que se desempeñan dentro de la empresa aplicando técnicas como : entrevista y lista de chequeo.</a:t>
+            </a:r>
+          </a:p>
+        </p:txBody>
+      </p:sp>
+      <p:pic>
+        <p:nvPicPr>
+          <p:cNvPr id="16" name="Imagen 15" descr="Texto&#10;&#10;Descripción generada automáticamente con confianza media">
+            <a:extLst>
+              <a:ext uri="{FF2B5EF4-FFF2-40B4-BE49-F238E27FC236}">
+                <a16:creationId xmlns:a16="http://schemas.microsoft.com/office/drawing/2014/main" id="{0D161542-DD37-4EB4-ABF1-00007B0C60AD}"/>
+              </a:ext>
+            </a:extLst>
+          </p:cNvPr>
+          <p:cNvPicPr>
+            <a:picLocks noChangeAspect="1"/>
+          </p:cNvPicPr>
+          <p:nvPr/>
+        </p:nvPicPr>
+        <p:blipFill rotWithShape="1">
+          <a:blip r:embed="rId5" cstate="print">
+            <a:extLst>
+              <a:ext uri="{28A0092B-C50C-407E-A947-70E740481C1C}">
+                <a14:useLocalDpi xmlns:a14="http://schemas.microsoft.com/office/drawing/2010/main" val="0"/>
+              </a:ext>
+            </a:extLst>
+          </a:blip>
+          <a:srcRect b="10999"/>
+          <a:stretch/>
+        </p:blipFill>
+        <p:spPr>
+          <a:xfrm>
+            <a:off x="3610752" y="828964"/>
+            <a:ext cx="1922178" cy="2281020"/>
+          </a:xfrm>
+          <a:prstGeom prst="rect">
+            <a:avLst/>
+          </a:prstGeom>
+        </p:spPr>
+      </p:pic>
+      <p:sp>
+        <p:nvSpPr>
+          <p:cNvPr id="17" name="Flecha: a la derecha 16">
+            <a:extLst>
+              <a:ext uri="{FF2B5EF4-FFF2-40B4-BE49-F238E27FC236}">
+                <a16:creationId xmlns:a16="http://schemas.microsoft.com/office/drawing/2014/main" id="{719A7401-7C34-4616-8B07-963092E1ED03}"/>
+              </a:ext>
+            </a:extLst>
+          </p:cNvPr>
+          <p:cNvSpPr/>
+          <p:nvPr/>
+        </p:nvSpPr>
+        <p:spPr>
+          <a:xfrm>
+            <a:off x="5638482" y="2077948"/>
+            <a:ext cx="378460" cy="265202"/>
+          </a:xfrm>
+          <a:prstGeom prst="rightArrow">
+            <a:avLst/>
+          </a:prstGeom>
+        </p:spPr>
+        <p:style>
+          <a:lnRef idx="2">
+            <a:schemeClr val="accent1">
+              <a:shade val="50000"/>
+            </a:schemeClr>
+          </a:lnRef>
+          <a:fillRef idx="1">
+            <a:schemeClr val="accent1"/>
+          </a:fillRef>
+          <a:effectRef idx="0">
+            <a:schemeClr val="accent1"/>
+          </a:effectRef>
+          <a:fontRef idx="minor">
+            <a:schemeClr val="lt1"/>
+          </a:fontRef>
+        </p:style>
+        <p:txBody>
+          <a:bodyPr rtlCol="0" anchor="ctr"/>
+          <a:lstStyle/>
+          <a:p>
+            <a:pPr algn="ctr"/>
+            <a:endParaRPr lang="es-CO"/>
+          </a:p>
+        </p:txBody>
+      </p:sp>
+      <p:pic>
+        <p:nvPicPr>
+          <p:cNvPr id="19" name="Imagen 18" descr="Un grupo de personas jugando un videojuego&#10;&#10;Descripción generada automáticamente con confianza baja">
+            <a:extLst>
+              <a:ext uri="{FF2B5EF4-FFF2-40B4-BE49-F238E27FC236}">
+                <a16:creationId xmlns:a16="http://schemas.microsoft.com/office/drawing/2014/main" id="{7851D0E4-E022-494C-B0CC-28A875DAF11E}"/>
+              </a:ext>
+            </a:extLst>
+          </p:cNvPr>
+          <p:cNvPicPr>
+            <a:picLocks noChangeAspect="1"/>
+          </p:cNvPicPr>
+          <p:nvPr/>
+        </p:nvPicPr>
+        <p:blipFill>
+          <a:blip r:embed="rId6" cstate="print">
+            <a:extLst>
+              <a:ext uri="{28A0092B-C50C-407E-A947-70E740481C1C}">
+                <a14:useLocalDpi xmlns:a14="http://schemas.microsoft.com/office/drawing/2010/main" val="0"/>
+              </a:ext>
+            </a:extLst>
+          </a:blip>
+          <a:stretch>
+            <a:fillRect/>
+          </a:stretch>
+        </p:blipFill>
+        <p:spPr>
+          <a:xfrm>
+            <a:off x="6068373" y="1004005"/>
+            <a:ext cx="2854923" cy="1875464"/>
           </a:xfrm>
           <a:prstGeom prst="rect">
             <a:avLst/>
@@ -8463,7 +13598,7 @@
 </p:sld>
 </file>
 
-<file path=ppt/slides/slide3.xml><?xml version="1.0" encoding="utf-8"?>
+<file path=ppt/slides/slide4.xml><?xml version="1.0" encoding="utf-8"?>
 <p:sld xmlns:a="http://schemas.openxmlformats.org/drawingml/2006/main" xmlns:r="http://schemas.openxmlformats.org/officeDocument/2006/relationships" xmlns:p="http://schemas.openxmlformats.org/presentationml/2006/main">
   <p:cSld>
     <p:spTree>
@@ -8521,7 +13656,7 @@
               </a:rPr>
               <a:t>CONTENIDO</a:t>
             </a:r>
-            <a:endParaRPr sz="4800"/>
+            <a:endParaRPr sz="4800" dirty="0"/>
           </a:p>
         </p:txBody>
       </p:sp>
@@ -8534,11 +13669,16 @@
         <p:spPr>
           <a:xfrm>
             <a:off x="1597533" y="2154377"/>
-            <a:ext cx="2079625" cy="1398905"/>
+            <a:ext cx="2898267" cy="1590179"/>
           </a:xfrm>
           <a:prstGeom prst="rect">
             <a:avLst/>
           </a:prstGeom>
+          <a:solidFill>
+            <a:schemeClr val="bg2">
+              <a:lumMod val="90000"/>
+            </a:schemeClr>
+          </a:solidFill>
         </p:spPr>
         <p:txBody>
           <a:bodyPr vert="horz" wrap="square" lIns="0" tIns="12700" rIns="0" bIns="0" rtlCol="0">
@@ -8546,16 +13686,18 @@
           </a:bodyPr>
           <a:lstStyle/>
           <a:p>
-            <a:pPr marL="12700" marR="903605">
+            <a:pPr marL="355600" marR="903605" indent="-342900">
               <a:lnSpc>
                 <a:spcPct val="100000"/>
               </a:lnSpc>
               <a:spcBef>
                 <a:spcPts val="100"/>
               </a:spcBef>
+              <a:buFont typeface="+mj-lt"/>
+              <a:buAutoNum type="arabicPeriod"/>
             </a:pPr>
             <a:r>
-              <a:rPr sz="1800" b="1" u="heavy" spc="-5" dirty="0">
+              <a:rPr sz="2000" b="1" u="heavy" spc="-5" dirty="0" err="1">
                 <a:solidFill>
                   <a:srgbClr val="252525"/>
                 </a:solidFill>
@@ -8567,20 +13709,10 @@
                 <a:latin typeface="Carlito"/>
                 <a:cs typeface="Carlito"/>
               </a:rPr>
-              <a:t>Problema </a:t>
-            </a:r>
-            <a:r>
-              <a:rPr sz="1800" b="1" spc="-5" dirty="0">
-                <a:solidFill>
-                  <a:srgbClr val="252525"/>
-                </a:solidFill>
-                <a:latin typeface="Carlito"/>
-                <a:cs typeface="Carlito"/>
-              </a:rPr>
-              <a:t> </a:t>
-            </a:r>
-            <a:r>
-              <a:rPr sz="1800" b="1" u="heavy" spc="-5" dirty="0">
+              <a:t>Problema</a:t>
+            </a:r>
+            <a:r>
+              <a:rPr sz="2000" b="1" u="heavy" spc="-5" dirty="0">
                 <a:solidFill>
                   <a:srgbClr val="252525"/>
                 </a:solidFill>
@@ -8592,20 +13724,34 @@
                 <a:latin typeface="Carlito"/>
                 <a:cs typeface="Carlito"/>
               </a:rPr>
-              <a:t>Objetivos </a:t>
-            </a:r>
-            <a:r>
-              <a:rPr sz="1800" b="1" spc="-5" dirty="0">
+              <a:t> </a:t>
+            </a:r>
+            <a:endParaRPr lang="es-CO" sz="2000" b="1" u="heavy" spc="-5" dirty="0">
+              <a:solidFill>
+                <a:srgbClr val="252525"/>
+              </a:solidFill>
+              <a:uFill>
                 <a:solidFill>
                   <a:srgbClr val="252525"/>
                 </a:solidFill>
-                <a:latin typeface="Carlito"/>
-                <a:cs typeface="Carlito"/>
-              </a:rPr>
-              <a:t> </a:t>
-            </a:r>
-            <a:r>
-              <a:rPr sz="1800" b="1" u="heavy" spc="10" dirty="0">
+              </a:uFill>
+              <a:latin typeface="Carlito"/>
+              <a:cs typeface="Carlito"/>
+            </a:endParaRPr>
+          </a:p>
+          <a:p>
+            <a:pPr marL="355600" marR="903605" indent="-342900">
+              <a:lnSpc>
+                <a:spcPct val="100000"/>
+              </a:lnSpc>
+              <a:spcBef>
+                <a:spcPts val="100"/>
+              </a:spcBef>
+              <a:buFont typeface="+mj-lt"/>
+              <a:buAutoNum type="arabicPeriod"/>
+            </a:pPr>
+            <a:r>
+              <a:rPr sz="2000" b="1" u="heavy" spc="-5" dirty="0" err="1">
                 <a:solidFill>
                   <a:srgbClr val="252525"/>
                 </a:solidFill>
@@ -8617,10 +13763,10 @@
                 <a:latin typeface="Carlito"/>
                 <a:cs typeface="Carlito"/>
               </a:rPr>
-              <a:t>J</a:t>
-            </a:r>
-            <a:r>
-              <a:rPr sz="1800" b="1" u="heavy" spc="5" dirty="0">
+              <a:t>Objetivos</a:t>
+            </a:r>
+            <a:r>
+              <a:rPr sz="2000" b="1" u="heavy" spc="-5" dirty="0">
                 <a:solidFill>
                   <a:srgbClr val="252525"/>
                 </a:solidFill>
@@ -8632,10 +13778,39 @@
                 <a:latin typeface="Carlito"/>
                 <a:cs typeface="Carlito"/>
               </a:rPr>
-              <a:t>u</a:t>
-            </a:r>
-            <a:r>
-              <a:rPr sz="1800" b="1" u="heavy" spc="-35" dirty="0">
+              <a:t> </a:t>
+            </a:r>
+            <a:r>
+              <a:rPr sz="2000" b="1" spc="-5" dirty="0">
+                <a:solidFill>
+                  <a:srgbClr val="252525"/>
+                </a:solidFill>
+                <a:latin typeface="Carlito"/>
+                <a:cs typeface="Carlito"/>
+              </a:rPr>
+              <a:t> </a:t>
+            </a:r>
+            <a:endParaRPr lang="es-CO" sz="2000" b="1" spc="-5" dirty="0">
+              <a:solidFill>
+                <a:srgbClr val="252525"/>
+              </a:solidFill>
+              <a:latin typeface="Carlito"/>
+              <a:cs typeface="Carlito"/>
+            </a:endParaRPr>
+          </a:p>
+          <a:p>
+            <a:pPr marL="355600" marR="903605" indent="-342900">
+              <a:lnSpc>
+                <a:spcPct val="100000"/>
+              </a:lnSpc>
+              <a:spcBef>
+                <a:spcPts val="100"/>
+              </a:spcBef>
+              <a:buFont typeface="+mj-lt"/>
+              <a:buAutoNum type="arabicPeriod"/>
+            </a:pPr>
+            <a:r>
+              <a:rPr sz="2000" b="1" u="heavy" spc="10" dirty="0" err="1">
                 <a:solidFill>
                   <a:srgbClr val="252525"/>
                 </a:solidFill>
@@ -8647,10 +13822,10 @@
                 <a:latin typeface="Carlito"/>
                 <a:cs typeface="Carlito"/>
               </a:rPr>
-              <a:t>s</a:t>
-            </a:r>
-            <a:r>
-              <a:rPr sz="1800" b="1" u="heavy" spc="-15" dirty="0">
+              <a:t>J</a:t>
+            </a:r>
+            <a:r>
+              <a:rPr sz="2000" b="1" u="heavy" spc="5" dirty="0" err="1">
                 <a:solidFill>
                   <a:srgbClr val="252525"/>
                 </a:solidFill>
@@ -8662,10 +13837,10 @@
                 <a:latin typeface="Carlito"/>
                 <a:cs typeface="Carlito"/>
               </a:rPr>
-              <a:t>ti</a:t>
-            </a:r>
-            <a:r>
-              <a:rPr sz="1800" b="1" u="heavy" dirty="0">
+              <a:t>u</a:t>
+            </a:r>
+            <a:r>
+              <a:rPr sz="2000" b="1" u="heavy" spc="-35" dirty="0" err="1">
                 <a:solidFill>
                   <a:srgbClr val="252525"/>
                 </a:solidFill>
@@ -8677,10 +13852,10 @@
                 <a:latin typeface="Carlito"/>
                 <a:cs typeface="Carlito"/>
               </a:rPr>
-              <a:t>f</a:t>
-            </a:r>
-            <a:r>
-              <a:rPr sz="1800" b="1" u="heavy" spc="-15" dirty="0">
+              <a:t>s</a:t>
+            </a:r>
+            <a:r>
+              <a:rPr sz="2000" b="1" u="heavy" spc="-15" dirty="0" err="1">
                 <a:solidFill>
                   <a:srgbClr val="252525"/>
                 </a:solidFill>
@@ -8692,10 +13867,10 @@
                 <a:latin typeface="Carlito"/>
                 <a:cs typeface="Carlito"/>
               </a:rPr>
-              <a:t>i</a:t>
-            </a:r>
-            <a:r>
-              <a:rPr sz="1800" b="1" u="heavy" spc="-5" dirty="0">
+              <a:t>ti</a:t>
+            </a:r>
+            <a:r>
+              <a:rPr sz="2000" b="1" u="heavy" dirty="0" err="1">
                 <a:solidFill>
                   <a:srgbClr val="252525"/>
                 </a:solidFill>
@@ -8707,10 +13882,10 @@
                 <a:latin typeface="Carlito"/>
                 <a:cs typeface="Carlito"/>
               </a:rPr>
-              <a:t>c</a:t>
-            </a:r>
-            <a:r>
-              <a:rPr sz="1800" b="1" u="heavy" spc="10" dirty="0">
+              <a:t>f</a:t>
+            </a:r>
+            <a:r>
+              <a:rPr sz="2000" b="1" u="heavy" spc="-15" dirty="0" err="1">
                 <a:solidFill>
                   <a:srgbClr val="252525"/>
                 </a:solidFill>
@@ -8722,10 +13897,10 @@
                 <a:latin typeface="Carlito"/>
                 <a:cs typeface="Carlito"/>
               </a:rPr>
-              <a:t>a</a:t>
-            </a:r>
-            <a:r>
-              <a:rPr sz="1800" b="1" u="heavy" spc="-5" dirty="0">
+              <a:t>i</a:t>
+            </a:r>
+            <a:r>
+              <a:rPr sz="2000" b="1" u="heavy" spc="-5" dirty="0" err="1">
                 <a:solidFill>
                   <a:srgbClr val="252525"/>
                 </a:solidFill>
@@ -8740,7 +13915,7 @@
               <a:t>c</a:t>
             </a:r>
             <a:r>
-              <a:rPr sz="1800" b="1" u="heavy" spc="-10" dirty="0">
+              <a:rPr sz="2000" b="1" u="heavy" spc="10" dirty="0" err="1">
                 <a:solidFill>
                   <a:srgbClr val="252525"/>
                 </a:solidFill>
@@ -8752,10 +13927,10 @@
                 <a:latin typeface="Carlito"/>
                 <a:cs typeface="Carlito"/>
               </a:rPr>
-              <a:t>i</a:t>
-            </a:r>
-            <a:r>
-              <a:rPr sz="1800" b="1" u="heavy" dirty="0">
+              <a:t>a</a:t>
+            </a:r>
+            <a:r>
+              <a:rPr sz="2000" b="1" u="heavy" spc="-5" dirty="0" err="1">
                 <a:solidFill>
                   <a:srgbClr val="252525"/>
                 </a:solidFill>
@@ -8767,20 +13942,10 @@
                 <a:latin typeface="Carlito"/>
                 <a:cs typeface="Carlito"/>
               </a:rPr>
-              <a:t>ón </a:t>
-            </a:r>
-            <a:r>
-              <a:rPr sz="1800" b="1" dirty="0">
-                <a:solidFill>
-                  <a:srgbClr val="252525"/>
-                </a:solidFill>
-                <a:latin typeface="Carlito"/>
-                <a:cs typeface="Carlito"/>
-              </a:rPr>
-              <a:t> </a:t>
-            </a:r>
-            <a:r>
-              <a:rPr sz="1800" b="1" u="heavy" spc="-5" dirty="0">
+              <a:t>c</a:t>
+            </a:r>
+            <a:r>
+              <a:rPr sz="2000" b="1" u="heavy" spc="-10" dirty="0" err="1">
                 <a:solidFill>
                   <a:srgbClr val="252525"/>
                 </a:solidFill>
@@ -8792,24 +13957,100 @@
                 <a:latin typeface="Carlito"/>
                 <a:cs typeface="Carlito"/>
               </a:rPr>
-              <a:t>Alcance</a:t>
-            </a:r>
-            <a:endParaRPr sz="1800">
+              <a:t>i</a:t>
+            </a:r>
+            <a:r>
+              <a:rPr sz="2000" b="1" u="heavy" dirty="0" err="1">
+                <a:solidFill>
+                  <a:srgbClr val="252525"/>
+                </a:solidFill>
+                <a:uFill>
+                  <a:solidFill>
+                    <a:srgbClr val="252525"/>
+                  </a:solidFill>
+                </a:uFill>
+                <a:latin typeface="Carlito"/>
+                <a:cs typeface="Carlito"/>
+              </a:rPr>
+              <a:t>ón</a:t>
+            </a:r>
+            <a:r>
+              <a:rPr sz="2000" b="1" u="heavy" dirty="0">
+                <a:solidFill>
+                  <a:srgbClr val="252525"/>
+                </a:solidFill>
+                <a:uFill>
+                  <a:solidFill>
+                    <a:srgbClr val="252525"/>
+                  </a:solidFill>
+                </a:uFill>
+                <a:latin typeface="Carlito"/>
+                <a:cs typeface="Carlito"/>
+              </a:rPr>
+              <a:t> </a:t>
+            </a:r>
+            <a:r>
+              <a:rPr sz="2000" b="1" dirty="0">
+                <a:solidFill>
+                  <a:srgbClr val="252525"/>
+                </a:solidFill>
+                <a:latin typeface="Carlito"/>
+                <a:cs typeface="Carlito"/>
+              </a:rPr>
+              <a:t> </a:t>
+            </a:r>
+            <a:endParaRPr lang="es-CO" sz="2000" b="1" dirty="0">
+              <a:solidFill>
+                <a:srgbClr val="252525"/>
+              </a:solidFill>
               <a:latin typeface="Carlito"/>
               <a:cs typeface="Carlito"/>
             </a:endParaRPr>
           </a:p>
           <a:p>
-            <a:pPr marL="12700">
+            <a:pPr marL="355600" marR="903605" indent="-342900">
+              <a:lnSpc>
+                <a:spcPct val="100000"/>
+              </a:lnSpc>
+              <a:spcBef>
+                <a:spcPts val="100"/>
+              </a:spcBef>
+              <a:buFont typeface="+mj-lt"/>
+              <a:buAutoNum type="arabicPeriod"/>
+            </a:pPr>
+            <a:r>
+              <a:rPr sz="2000" b="1" u="heavy" spc="-5" dirty="0" err="1">
+                <a:solidFill>
+                  <a:srgbClr val="252525"/>
+                </a:solidFill>
+                <a:uFill>
+                  <a:solidFill>
+                    <a:srgbClr val="252525"/>
+                  </a:solidFill>
+                </a:uFill>
+                <a:latin typeface="Carlito"/>
+                <a:cs typeface="Carlito"/>
+              </a:rPr>
+              <a:t>Alcance</a:t>
+            </a:r>
+            <a:endParaRPr sz="2000" dirty="0">
+              <a:latin typeface="Carlito"/>
+              <a:cs typeface="Carlito"/>
+            </a:endParaRPr>
+          </a:p>
+          <a:p>
+            <a:pPr marL="355600" indent="-342900">
               <a:lnSpc>
                 <a:spcPct val="100000"/>
               </a:lnSpc>
               <a:spcBef>
                 <a:spcPts val="10"/>
               </a:spcBef>
+              <a:buFont typeface="+mj-lt"/>
+              <a:buAutoNum type="arabicPeriod"/>
             </a:pPr>
             <a:r>
-              <a:rPr sz="1800" b="1" u="heavy" spc="-10" dirty="0">
+              <a:rPr sz="2000" b="1" u="heavy" spc="-10" dirty="0">
                 <a:solidFill>
                   <a:srgbClr val="252525"/>
                 </a:solidFill>
@@ -8824,7 +14065,7 @@
               <a:t>Entregables</a:t>
             </a:r>
             <a:r>
-              <a:rPr sz="1800" b="1" u="heavy" spc="-60" dirty="0">
+              <a:rPr sz="2000" b="1" u="heavy" spc="-60" dirty="0">
                 <a:solidFill>
                   <a:srgbClr val="252525"/>
                 </a:solidFill>
@@ -8839,7 +14080,7 @@
               <a:t> </a:t>
             </a:r>
             <a:r>
-              <a:rPr sz="1800" b="1" u="heavy" spc="-25" dirty="0">
+              <a:rPr sz="2000" b="1" u="heavy" spc="-25" dirty="0">
                 <a:solidFill>
                   <a:srgbClr val="252525"/>
                 </a:solidFill>
@@ -8853,7 +14094,7 @@
               </a:rPr>
               <a:t>Trimestre</a:t>
             </a:r>
-            <a:endParaRPr sz="1800">
+            <a:endParaRPr sz="2000" dirty="0">
               <a:latin typeface="Carlito"/>
               <a:cs typeface="Carlito"/>
             </a:endParaRPr>
@@ -8938,8 +14179,43 @@
         </p:blipFill>
         <p:spPr>
           <a:xfrm>
-            <a:off x="5029200" y="2025396"/>
-            <a:ext cx="3020784" cy="1216006"/>
+            <a:off x="7391400" y="4248150"/>
+            <a:ext cx="1695719" cy="682606"/>
+          </a:xfrm>
+          <a:prstGeom prst="rect">
+            <a:avLst/>
+          </a:prstGeom>
+        </p:spPr>
+      </p:pic>
+      <p:pic>
+        <p:nvPicPr>
+          <p:cNvPr id="6" name="Imagen 5" descr="Texto, Icono&#10;&#10;Descripción generada automáticamente">
+            <a:extLst>
+              <a:ext uri="{FF2B5EF4-FFF2-40B4-BE49-F238E27FC236}">
+                <a16:creationId xmlns:a16="http://schemas.microsoft.com/office/drawing/2014/main" id="{5E0E03A3-9E55-4FB5-AF68-3D5327660DDC}"/>
+              </a:ext>
+            </a:extLst>
+          </p:cNvPr>
+          <p:cNvPicPr>
+            <a:picLocks noChangeAspect="1"/>
+          </p:cNvPicPr>
+          <p:nvPr/>
+        </p:nvPicPr>
+        <p:blipFill rotWithShape="1">
+          <a:blip r:embed="rId3">
+            <a:extLst>
+              <a:ext uri="{28A0092B-C50C-407E-A947-70E740481C1C}">
+                <a14:useLocalDpi xmlns:a14="http://schemas.microsoft.com/office/drawing/2010/main" val="0"/>
+              </a:ext>
+            </a:extLst>
+          </a:blip>
+          <a:srcRect l="20670" t="4413" r="21552" b="3986"/>
+          <a:stretch/>
+        </p:blipFill>
+        <p:spPr>
+          <a:xfrm>
+            <a:off x="4776022" y="959534"/>
+            <a:ext cx="3733801" cy="3288616"/>
           </a:xfrm>
           <a:prstGeom prst="rect">
             <a:avLst/>
@@ -8954,7 +14230,7 @@
 </p:sld>
 </file>
 
-<file path=ppt/slides/slide4.xml><?xml version="1.0" encoding="utf-8"?>
+<file path=ppt/slides/slide5.xml><?xml version="1.0" encoding="utf-8"?>
 <p:sld xmlns:a="http://schemas.openxmlformats.org/drawingml/2006/main" xmlns:r="http://schemas.openxmlformats.org/officeDocument/2006/relationships" xmlns:p="http://schemas.openxmlformats.org/presentationml/2006/main">
   <p:cSld>
     <p:spTree>
@@ -8971,6 +14247,42 @@
           <a:chExt cx="0" cy="0"/>
         </a:xfrm>
       </p:grpSpPr>
+      <p:pic>
+        <p:nvPicPr>
+          <p:cNvPr id="7" name="Imagen 6" descr="Una caricatura de una persona&#10;&#10;Descripción generada automáticamente con confianza baja">
+            <a:extLst>
+              <a:ext uri="{FF2B5EF4-FFF2-40B4-BE49-F238E27FC236}">
+                <a16:creationId xmlns:a16="http://schemas.microsoft.com/office/drawing/2014/main" id="{2660F1B4-BA63-4FC5-810E-396F6054B070}"/>
+              </a:ext>
+            </a:extLst>
+          </p:cNvPr>
+          <p:cNvPicPr>
+            <a:picLocks noChangeAspect="1"/>
+          </p:cNvPicPr>
+          <p:nvPr/>
+        </p:nvPicPr>
+        <p:blipFill>
+          <a:blip r:embed="rId2">
+            <a:extLst>
+              <a:ext uri="{28A0092B-C50C-407E-A947-70E740481C1C}">
+                <a14:useLocalDpi xmlns:a14="http://schemas.microsoft.com/office/drawing/2010/main" val="0"/>
+              </a:ext>
+            </a:extLst>
+          </a:blip>
+          <a:stretch>
+            <a:fillRect/>
+          </a:stretch>
+        </p:blipFill>
+        <p:spPr>
+          <a:xfrm>
+            <a:off x="5962671" y="1246632"/>
+            <a:ext cx="2590800" cy="2590800"/>
+          </a:xfrm>
+          <a:prstGeom prst="rect">
+            <a:avLst/>
+          </a:prstGeom>
+        </p:spPr>
+      </p:pic>
       <p:sp>
         <p:nvSpPr>
           <p:cNvPr id="2" name="object 2"/>
@@ -8983,8 +14295,8 @@
         </p:nvSpPr>
         <p:spPr>
           <a:xfrm>
-            <a:off x="3573271" y="1627403"/>
-            <a:ext cx="2778760" cy="849630"/>
+            <a:off x="2388996" y="1745497"/>
+            <a:ext cx="3818129" cy="844462"/>
           </a:xfrm>
           <a:prstGeom prst="rect">
             <a:avLst/>
@@ -9005,6 +14317,10 @@
               </a:spcBef>
             </a:pPr>
             <a:r>
+              <a:rPr lang="es-CO" spc="-10" dirty="0"/>
+              <a:t>1.</a:t>
+            </a:r>
+            <a:r>
               <a:rPr spc="-10" dirty="0"/>
               <a:t>Problema</a:t>
             </a:r>
@@ -9019,7 +14335,7 @@
         </p:nvSpPr>
         <p:spPr>
           <a:xfrm>
-            <a:off x="3579876" y="2542032"/>
+            <a:off x="2465773" y="2496312"/>
             <a:ext cx="718185" cy="45720"/>
           </a:xfrm>
           <a:custGeom>
@@ -9148,7 +14464,7 @@
           <p:nvPr/>
         </p:nvPicPr>
         <p:blipFill>
-          <a:blip r:embed="rId2">
+          <a:blip r:embed="rId3">
             <a:extLst>
               <a:ext uri="{28A0092B-C50C-407E-A947-70E740481C1C}">
                 <a14:useLocalDpi xmlns:a14="http://schemas.microsoft.com/office/drawing/2010/main" val="0"/>
@@ -9161,8 +14477,8 @@
         </p:blipFill>
         <p:spPr>
           <a:xfrm>
-            <a:off x="6051696" y="3924086"/>
-            <a:ext cx="3020784" cy="1216006"/>
+            <a:off x="7449047" y="4275200"/>
+            <a:ext cx="1543071" cy="621158"/>
           </a:xfrm>
           <a:prstGeom prst="rect">
             <a:avLst/>
@@ -9177,7 +14493,7 @@
 </p:sld>
 </file>
 
-<file path=ppt/slides/slide5.xml><?xml version="1.0" encoding="utf-8"?>
+<file path=ppt/slides/slide6.xml><?xml version="1.0" encoding="utf-8"?>
 <p:sld xmlns:a="http://schemas.openxmlformats.org/drawingml/2006/main" xmlns:r="http://schemas.openxmlformats.org/officeDocument/2006/relationships" xmlns:p="http://schemas.openxmlformats.org/presentationml/2006/main" showMasterSp="0">
   <p:cSld>
     <p:spTree>
@@ -9398,23 +14714,209 @@
           </a:p>
         </p:txBody>
       </p:sp>
+      <p:pic>
+        <p:nvPicPr>
+          <p:cNvPr id="6" name="Imagen 5" descr="Un letrero de color blanco&#10;&#10;Descripción generada automáticamente con confianza media">
+            <a:extLst>
+              <a:ext uri="{FF2B5EF4-FFF2-40B4-BE49-F238E27FC236}">
+                <a16:creationId xmlns:a16="http://schemas.microsoft.com/office/drawing/2014/main" id="{8BC7BCAB-D804-4E40-B0AF-D2DBFAD81684}"/>
+              </a:ext>
+            </a:extLst>
+          </p:cNvPr>
+          <p:cNvPicPr>
+            <a:picLocks noChangeAspect="1"/>
+          </p:cNvPicPr>
+          <p:nvPr/>
+        </p:nvPicPr>
+        <p:blipFill>
+          <a:blip r:embed="rId3">
+            <a:extLst>
+              <a:ext uri="{28A0092B-C50C-407E-A947-70E740481C1C}">
+                <a14:useLocalDpi xmlns:a14="http://schemas.microsoft.com/office/drawing/2010/main" val="0"/>
+              </a:ext>
+            </a:extLst>
+          </a:blip>
+          <a:stretch>
+            <a:fillRect/>
+          </a:stretch>
+        </p:blipFill>
+        <p:spPr>
+          <a:xfrm>
+            <a:off x="7449047" y="4275200"/>
+            <a:ext cx="1543071" cy="621158"/>
+          </a:xfrm>
+          <a:prstGeom prst="rect">
+            <a:avLst/>
+          </a:prstGeom>
+        </p:spPr>
+      </p:pic>
+      <p:pic>
+        <p:nvPicPr>
+          <p:cNvPr id="8" name="Imagen 7" descr="Texto&#10;&#10;Descripción generada automáticamente con confianza media">
+            <a:extLst>
+              <a:ext uri="{FF2B5EF4-FFF2-40B4-BE49-F238E27FC236}">
+                <a16:creationId xmlns:a16="http://schemas.microsoft.com/office/drawing/2014/main" id="{B99557D8-0027-4F93-96A2-82BEAC2308C2}"/>
+              </a:ext>
+            </a:extLst>
+          </p:cNvPr>
+          <p:cNvPicPr>
+            <a:picLocks noChangeAspect="1"/>
+          </p:cNvPicPr>
+          <p:nvPr/>
+        </p:nvPicPr>
+        <p:blipFill rotWithShape="1">
+          <a:blip r:embed="rId4" cstate="print">
+            <a:extLst>
+              <a:ext uri="{28A0092B-C50C-407E-A947-70E740481C1C}">
+                <a14:useLocalDpi xmlns:a14="http://schemas.microsoft.com/office/drawing/2010/main" val="0"/>
+              </a:ext>
+            </a:extLst>
+          </a:blip>
+          <a:srcRect b="7477"/>
+          <a:stretch/>
+        </p:blipFill>
+        <p:spPr>
+          <a:xfrm>
+            <a:off x="336970" y="1264521"/>
+            <a:ext cx="2109719" cy="2602629"/>
+          </a:xfrm>
+          <a:prstGeom prst="rect">
+            <a:avLst/>
+          </a:prstGeom>
+        </p:spPr>
+      </p:pic>
+      <p:pic>
+        <p:nvPicPr>
+          <p:cNvPr id="10" name="Imagen 9" descr="Imagen que contiene interior, tabla, mujer, comida&#10;&#10;Descripción generada automáticamente">
+            <a:extLst>
+              <a:ext uri="{FF2B5EF4-FFF2-40B4-BE49-F238E27FC236}">
+                <a16:creationId xmlns:a16="http://schemas.microsoft.com/office/drawing/2014/main" id="{E7E96740-4214-4EE4-99C4-30F3DE558838}"/>
+              </a:ext>
+            </a:extLst>
+          </p:cNvPr>
+          <p:cNvPicPr>
+            <a:picLocks noChangeAspect="1"/>
+          </p:cNvPicPr>
+          <p:nvPr/>
+        </p:nvPicPr>
+        <p:blipFill rotWithShape="1">
+          <a:blip r:embed="rId5" cstate="print">
+            <a:extLst>
+              <a:ext uri="{28A0092B-C50C-407E-A947-70E740481C1C}">
+                <a14:useLocalDpi xmlns:a14="http://schemas.microsoft.com/office/drawing/2010/main" val="0"/>
+              </a:ext>
+            </a:extLst>
+          </a:blip>
+          <a:srcRect b="8903"/>
+          <a:stretch/>
+        </p:blipFill>
+        <p:spPr>
+          <a:xfrm>
+            <a:off x="2559730" y="2063752"/>
+            <a:ext cx="2309812" cy="2805556"/>
+          </a:xfrm>
+          <a:prstGeom prst="rect">
+            <a:avLst/>
+          </a:prstGeom>
+        </p:spPr>
+      </p:pic>
       <p:sp>
         <p:nvSpPr>
-          <p:cNvPr id="5" name="object 5"/>
+          <p:cNvPr id="11" name="CuadroTexto 10">
+            <a:extLst>
+              <a:ext uri="{FF2B5EF4-FFF2-40B4-BE49-F238E27FC236}">
+                <a16:creationId xmlns:a16="http://schemas.microsoft.com/office/drawing/2014/main" id="{B159DF15-D008-4278-921A-788BBB92922B}"/>
+              </a:ext>
+            </a:extLst>
+          </p:cNvPr>
           <p:cNvSpPr txBox="1"/>
           <p:nvPr/>
         </p:nvSpPr>
         <p:spPr>
           <a:xfrm>
-            <a:off x="461873" y="1258316"/>
-            <a:ext cx="8150225" cy="4392228"/>
+            <a:off x="336970" y="4171950"/>
+            <a:ext cx="2109719" cy="707886"/>
           </a:xfrm>
           <a:prstGeom prst="rect">
             <a:avLst/>
           </a:prstGeom>
+          <a:solidFill>
+            <a:schemeClr val="accent3">
+              <a:lumMod val="60000"/>
+              <a:lumOff val="40000"/>
+            </a:schemeClr>
+          </a:solidFill>
         </p:spPr>
         <p:txBody>
-          <a:bodyPr vert="horz" wrap="square" lIns="0" tIns="16510" rIns="0" bIns="0" rtlCol="0">
+          <a:bodyPr wrap="square" rtlCol="0">
+            <a:spAutoFit/>
+          </a:bodyPr>
+          <a:lstStyle/>
+          <a:p>
+            <a:pPr algn="ctr"/>
+            <a:r>
+              <a:rPr lang="es-CO" sz="2000" b="1" dirty="0"/>
+              <a:t>PELETERERIA</a:t>
+            </a:r>
+          </a:p>
+          <a:p>
+            <a:pPr algn="ctr"/>
+            <a:r>
+              <a:rPr lang="es-CO" sz="2000" b="1" dirty="0"/>
+              <a:t>CUEROS Y COLOR </a:t>
+            </a:r>
+          </a:p>
+        </p:txBody>
+      </p:sp>
+    </p:spTree>
+  </p:cSld>
+  <p:clrMapOvr>
+    <a:masterClrMapping/>
+  </p:clrMapOvr>
+</p:sld>
+</file>
+
+<file path=ppt/slides/slide7.xml><?xml version="1.0" encoding="utf-8"?>
+<p:sld xmlns:a="http://schemas.openxmlformats.org/drawingml/2006/main" xmlns:r="http://schemas.openxmlformats.org/officeDocument/2006/relationships" xmlns:p="http://schemas.openxmlformats.org/presentationml/2006/main">
+  <p:cSld>
+    <p:spTree>
+      <p:nvGrpSpPr>
+        <p:cNvPr id="1" name=""/>
+        <p:cNvGrpSpPr/>
+        <p:nvPr/>
+      </p:nvGrpSpPr>
+      <p:grpSpPr>
+        <a:xfrm>
+          <a:off x="0" y="0"/>
+          <a:ext cx="0" cy="0"/>
+          <a:chOff x="0" y="0"/>
+          <a:chExt cx="0" cy="0"/>
+        </a:xfrm>
+      </p:grpSpPr>
+      <p:sp>
+        <p:nvSpPr>
+          <p:cNvPr id="5" name="CuadroTexto 4">
+            <a:extLst>
+              <a:ext uri="{FF2B5EF4-FFF2-40B4-BE49-F238E27FC236}">
+                <a16:creationId xmlns:a16="http://schemas.microsoft.com/office/drawing/2014/main" id="{CB4640C3-406B-43E3-9569-9EA84FD55835}"/>
+              </a:ext>
+            </a:extLst>
+          </p:cNvPr>
+          <p:cNvSpPr txBox="1"/>
+          <p:nvPr/>
+        </p:nvSpPr>
+        <p:spPr>
+          <a:xfrm>
+            <a:off x="381000" y="285750"/>
+            <a:ext cx="8915400" cy="5273238"/>
+          </a:xfrm>
+          <a:prstGeom prst="rect">
+            <a:avLst/>
+          </a:prstGeom>
+          <a:noFill/>
+        </p:spPr>
+        <p:txBody>
+          <a:bodyPr wrap="square">
             <a:spAutoFit/>
           </a:bodyPr>
           <a:lstStyle/>
@@ -9428,7 +14930,7 @@
               </a:spcBef>
             </a:pPr>
             <a:r>
-              <a:rPr lang="es-CO" sz="1550" spc="10" dirty="0">
+              <a:rPr lang="es-ES" sz="1800" spc="10" dirty="0">
                 <a:solidFill>
                   <a:srgbClr val="404040"/>
                 </a:solidFill>
@@ -9447,7 +14949,7 @@
                 <a:spcPts val="130"/>
               </a:spcBef>
             </a:pPr>
-            <a:endParaRPr lang="es-CO" sz="1550" spc="10" dirty="0">
+            <a:endParaRPr lang="es-ES" sz="1800" spc="10" dirty="0">
               <a:solidFill>
                 <a:srgbClr val="404040"/>
               </a:solidFill>
@@ -9465,7 +14967,7 @@
               </a:spcBef>
             </a:pPr>
             <a:r>
-              <a:rPr lang="es-CO" sz="1550" spc="10" dirty="0">
+              <a:rPr lang="es-ES" sz="1800" spc="10" dirty="0">
                 <a:solidFill>
                   <a:srgbClr val="404040"/>
                 </a:solidFill>
@@ -9485,7 +14987,7 @@
               </a:spcBef>
             </a:pPr>
             <a:r>
-              <a:rPr lang="es-CO" sz="1550" spc="10" dirty="0">
+              <a:rPr lang="es-ES" sz="1800" spc="10" dirty="0">
                 <a:solidFill>
                   <a:srgbClr val="404040"/>
                 </a:solidFill>
@@ -9505,7 +15007,7 @@
               </a:spcBef>
             </a:pPr>
             <a:r>
-              <a:rPr lang="es-CO" sz="1550" spc="10" dirty="0">
+              <a:rPr lang="es-ES" sz="1800" spc="10" dirty="0">
                 <a:solidFill>
                   <a:srgbClr val="404040"/>
                 </a:solidFill>
@@ -9514,7 +15016,7 @@
               </a:rPr>
               <a:t>Proceso 3. Marketing: Necesita mejorar su publicidad .</a:t>
             </a:r>
-            <a:endParaRPr sz="1550" dirty="0">
+            <a:endParaRPr lang="es-ES" sz="1800" dirty="0">
               <a:latin typeface="Carlito"/>
               <a:cs typeface="Carlito"/>
             </a:endParaRPr>
@@ -9528,7 +15030,7 @@
                 <a:spcPts val="5"/>
               </a:spcBef>
             </a:pPr>
-            <a:endParaRPr sz="1600" dirty="0">
+            <a:endParaRPr lang="es-ES" sz="1800" dirty="0">
               <a:latin typeface="Carlito"/>
               <a:cs typeface="Carlito"/>
             </a:endParaRPr>
@@ -9546,7 +15048,7 @@
               </a:tabLst>
             </a:pPr>
             <a:r>
-              <a:rPr sz="1550" spc="20" dirty="0">
+              <a:rPr lang="es-ES" sz="1800" spc="20" dirty="0">
                 <a:solidFill>
                   <a:srgbClr val="404040"/>
                 </a:solidFill>
@@ -9559,7 +15061,7 @@
               <a:t>Empresa: </a:t>
             </a:r>
             <a:r>
-              <a:rPr sz="1550" dirty="0">
+              <a:rPr lang="es-ES" sz="1800" dirty="0">
                 <a:solidFill>
                   <a:srgbClr val="404040"/>
                 </a:solidFill>
@@ -9572,7 +15074,7 @@
               <a:t>Nombre Empresa </a:t>
             </a:r>
             <a:r>
-              <a:rPr sz="1550" spc="15" dirty="0">
+              <a:rPr lang="es-ES" sz="1800" spc="15" dirty="0">
                 <a:solidFill>
                   <a:srgbClr val="404040"/>
                 </a:solidFill>
@@ -9585,7 +15087,7 @@
               <a:t>y a </a:t>
             </a:r>
             <a:r>
-              <a:rPr sz="1550" spc="10" dirty="0">
+              <a:rPr lang="es-ES" sz="1800" spc="10" dirty="0">
                 <a:solidFill>
                   <a:srgbClr val="404040"/>
                 </a:solidFill>
@@ -9598,7 +15100,7 @@
               <a:t>qué se</a:t>
             </a:r>
             <a:r>
-              <a:rPr sz="1550" spc="-50" dirty="0">
+              <a:rPr lang="es-ES" sz="1800" spc="-50" dirty="0">
                 <a:solidFill>
                   <a:srgbClr val="404040"/>
                 </a:solidFill>
@@ -9611,7 +15113,7 @@
               <a:t> </a:t>
             </a:r>
             <a:r>
-              <a:rPr sz="1550" spc="10" dirty="0">
+              <a:rPr lang="es-ES" sz="1800" spc="10" dirty="0">
                 <a:solidFill>
                   <a:srgbClr val="404040"/>
                 </a:solidFill>
@@ -9623,7 +15125,7 @@
               </a:rPr>
               <a:t>dedica</a:t>
             </a:r>
-            <a:endParaRPr sz="1550" dirty="0">
+            <a:endParaRPr lang="es-ES" sz="1800" dirty="0">
               <a:highlight>
                 <a:srgbClr val="FFFF00"/>
               </a:highlight>
@@ -9647,7 +15149,7 @@
               </a:tabLst>
             </a:pPr>
             <a:r>
-              <a:rPr sz="1550" spc="10" dirty="0">
+              <a:rPr lang="es-ES" sz="1800" spc="10" dirty="0">
                 <a:solidFill>
                   <a:srgbClr val="404040"/>
                 </a:solidFill>
@@ -9660,7 +15162,7 @@
               <a:t>Procesos </a:t>
             </a:r>
             <a:r>
-              <a:rPr sz="1550" spc="15" dirty="0">
+              <a:rPr lang="es-ES" sz="1800" spc="15" dirty="0">
                 <a:solidFill>
                   <a:srgbClr val="404040"/>
                 </a:solidFill>
@@ -9673,7 +15175,7 @@
               <a:t>en los </a:t>
             </a:r>
             <a:r>
-              <a:rPr sz="1550" spc="20" dirty="0">
+              <a:rPr lang="es-ES" sz="1800" spc="20" dirty="0">
                 <a:solidFill>
                   <a:srgbClr val="404040"/>
                 </a:solidFill>
@@ -9686,7 +15188,7 @@
               <a:t>que se </a:t>
             </a:r>
             <a:r>
-              <a:rPr sz="1550" dirty="0">
+              <a:rPr lang="es-ES" sz="1800" dirty="0">
                 <a:solidFill>
                   <a:srgbClr val="404040"/>
                 </a:solidFill>
@@ -9699,7 +15201,7 @@
               <a:t>va </a:t>
             </a:r>
             <a:r>
-              <a:rPr sz="1550" spc="15" dirty="0">
+              <a:rPr lang="es-ES" sz="1800" spc="15" dirty="0">
                 <a:solidFill>
                   <a:srgbClr val="404040"/>
                 </a:solidFill>
@@ -9712,7 +15214,7 @@
               <a:t>a </a:t>
             </a:r>
             <a:r>
-              <a:rPr sz="1550" spc="10" dirty="0">
+              <a:rPr lang="es-ES" sz="1800" spc="10" dirty="0">
                 <a:solidFill>
                   <a:srgbClr val="404040"/>
                 </a:solidFill>
@@ -9725,7 +15227,7 @@
               <a:t>intervenir </a:t>
             </a:r>
             <a:r>
-              <a:rPr sz="1550" spc="5" dirty="0">
+              <a:rPr lang="es-ES" sz="1800" spc="5" dirty="0">
                 <a:solidFill>
                   <a:srgbClr val="404040"/>
                 </a:solidFill>
@@ -9738,7 +15240,7 @@
               <a:t>: Proceso1, Proceso2,</a:t>
             </a:r>
             <a:r>
-              <a:rPr sz="1550" dirty="0">
+              <a:rPr lang="es-ES" sz="1800" dirty="0">
                 <a:solidFill>
                   <a:srgbClr val="404040"/>
                 </a:solidFill>
@@ -9751,7 +15253,7 @@
               <a:t> </a:t>
             </a:r>
             <a:r>
-              <a:rPr sz="1550" spc="5" dirty="0">
+              <a:rPr lang="es-ES" sz="1800" spc="5" dirty="0">
                 <a:solidFill>
                   <a:srgbClr val="404040"/>
                 </a:solidFill>
@@ -9763,7 +15265,7 @@
               </a:rPr>
               <a:t>Proceso3</a:t>
             </a:r>
-            <a:endParaRPr sz="1550" dirty="0">
+            <a:endParaRPr lang="es-ES" sz="1800" dirty="0">
               <a:highlight>
                 <a:srgbClr val="FFFF00"/>
               </a:highlight>
@@ -9787,7 +15289,7 @@
               </a:tabLst>
             </a:pPr>
             <a:r>
-              <a:rPr sz="1550" spc="15" dirty="0" err="1">
+              <a:rPr lang="es-ES" sz="1800" spc="15" dirty="0">
                 <a:solidFill>
                   <a:srgbClr val="404040"/>
                 </a:solidFill>
@@ -9797,10 +15299,10 @@
                 <a:latin typeface="Carlito"/>
                 <a:cs typeface="Carlito"/>
               </a:rPr>
-              <a:t>Necesidades</a:t>
-            </a:r>
-            <a:r>
-              <a:rPr sz="1550" spc="15" dirty="0">
+              <a:t>Necesidades: </a:t>
+            </a:r>
+            <a:r>
+              <a:rPr lang="es-ES" sz="1800" spc="5" dirty="0">
                 <a:solidFill>
                   <a:srgbClr val="404040"/>
                 </a:solidFill>
@@ -9810,10 +15312,10 @@
                 <a:latin typeface="Carlito"/>
                 <a:cs typeface="Carlito"/>
               </a:rPr>
-              <a:t>: </a:t>
-            </a:r>
-            <a:r>
-              <a:rPr sz="1550" spc="5" dirty="0">
+              <a:t>Proceso1 (Descripción </a:t>
+            </a:r>
+            <a:r>
+              <a:rPr lang="es-ES" sz="1800" spc="10" dirty="0">
                 <a:solidFill>
                   <a:srgbClr val="404040"/>
                 </a:solidFill>
@@ -9823,10 +15325,10 @@
                 <a:latin typeface="Carlito"/>
                 <a:cs typeface="Carlito"/>
               </a:rPr>
-              <a:t>Proceso1 (Descripción </a:t>
-            </a:r>
-            <a:r>
-              <a:rPr sz="1550" spc="10" dirty="0">
+              <a:t>del </a:t>
+            </a:r>
+            <a:r>
+              <a:rPr lang="es-ES" sz="1800" spc="5" dirty="0">
                 <a:solidFill>
                   <a:srgbClr val="404040"/>
                 </a:solidFill>
@@ -9836,10 +15338,10 @@
                 <a:latin typeface="Carlito"/>
                 <a:cs typeface="Carlito"/>
               </a:rPr>
-              <a:t>del </a:t>
-            </a:r>
-            <a:r>
-              <a:rPr sz="1550" spc="5" dirty="0">
+              <a:t>proceso </a:t>
+            </a:r>
+            <a:r>
+              <a:rPr lang="es-ES" sz="1800" spc="15" dirty="0">
                 <a:solidFill>
                   <a:srgbClr val="404040"/>
                 </a:solidFill>
@@ -9849,10 +15351,10 @@
                 <a:latin typeface="Carlito"/>
                 <a:cs typeface="Carlito"/>
               </a:rPr>
-              <a:t>proceso </a:t>
-            </a:r>
-            <a:r>
-              <a:rPr sz="1550" spc="15" dirty="0">
+              <a:t>y </a:t>
+            </a:r>
+            <a:r>
+              <a:rPr lang="es-ES" sz="1800" spc="10" dirty="0">
                 <a:solidFill>
                   <a:srgbClr val="404040"/>
                 </a:solidFill>
@@ -9862,10 +15364,10 @@
                 <a:latin typeface="Carlito"/>
                 <a:cs typeface="Carlito"/>
               </a:rPr>
-              <a:t>y </a:t>
-            </a:r>
-            <a:r>
-              <a:rPr sz="1550" spc="10" dirty="0">
+              <a:t>necesidades </a:t>
+            </a:r>
+            <a:r>
+              <a:rPr lang="es-ES" sz="1800" spc="5" dirty="0">
                 <a:solidFill>
                   <a:srgbClr val="404040"/>
                 </a:solidFill>
@@ -9875,10 +15377,10 @@
                 <a:latin typeface="Carlito"/>
                 <a:cs typeface="Carlito"/>
               </a:rPr>
-              <a:t>necesidades </a:t>
-            </a:r>
-            <a:r>
-              <a:rPr sz="1550" spc="5" dirty="0">
+              <a:t>encontradas). Proceso2  </a:t>
+            </a:r>
+            <a:r>
+              <a:rPr lang="es-ES" sz="1800" spc="10" dirty="0">
                 <a:solidFill>
                   <a:srgbClr val="404040"/>
                 </a:solidFill>
@@ -9888,10 +15390,10 @@
                 <a:latin typeface="Carlito"/>
                 <a:cs typeface="Carlito"/>
               </a:rPr>
-              <a:t>encontradas). Proceso2  </a:t>
-            </a:r>
-            <a:r>
-              <a:rPr sz="1550" spc="10" dirty="0">
+              <a:t>(Descripción</a:t>
+            </a:r>
+            <a:r>
+              <a:rPr lang="es-ES" sz="1800" spc="114" dirty="0">
                 <a:solidFill>
                   <a:srgbClr val="404040"/>
                 </a:solidFill>
@@ -9901,10 +15403,10 @@
                 <a:latin typeface="Carlito"/>
                 <a:cs typeface="Carlito"/>
               </a:rPr>
-              <a:t>(Descripción</a:t>
-            </a:r>
-            <a:r>
-              <a:rPr sz="1550" spc="114" dirty="0">
+              <a:t> </a:t>
+            </a:r>
+            <a:r>
+              <a:rPr lang="es-ES" sz="1800" spc="10" dirty="0">
                 <a:solidFill>
                   <a:srgbClr val="404040"/>
                 </a:solidFill>
@@ -9914,10 +15416,10 @@
                 <a:latin typeface="Carlito"/>
                 <a:cs typeface="Carlito"/>
               </a:rPr>
-              <a:t> </a:t>
-            </a:r>
-            <a:r>
-              <a:rPr sz="1550" spc="10" dirty="0">
+              <a:t>del</a:t>
+            </a:r>
+            <a:r>
+              <a:rPr lang="es-ES" sz="1800" spc="45" dirty="0">
                 <a:solidFill>
                   <a:srgbClr val="404040"/>
                 </a:solidFill>
@@ -9927,10 +15429,10 @@
                 <a:latin typeface="Carlito"/>
                 <a:cs typeface="Carlito"/>
               </a:rPr>
-              <a:t>del</a:t>
-            </a:r>
-            <a:r>
-              <a:rPr sz="1550" spc="45" dirty="0">
+              <a:t> </a:t>
+            </a:r>
+            <a:r>
+              <a:rPr lang="es-ES" sz="1800" spc="5" dirty="0">
                 <a:solidFill>
                   <a:srgbClr val="404040"/>
                 </a:solidFill>
@@ -9940,10 +15442,10 @@
                 <a:latin typeface="Carlito"/>
                 <a:cs typeface="Carlito"/>
               </a:rPr>
-              <a:t> </a:t>
-            </a:r>
-            <a:r>
-              <a:rPr sz="1550" spc="5" dirty="0">
+              <a:t>proceso</a:t>
+            </a:r>
+            <a:r>
+              <a:rPr lang="es-ES" sz="1800" spc="80" dirty="0">
                 <a:solidFill>
                   <a:srgbClr val="404040"/>
                 </a:solidFill>
@@ -9953,10 +15455,10 @@
                 <a:latin typeface="Carlito"/>
                 <a:cs typeface="Carlito"/>
               </a:rPr>
-              <a:t>proceso</a:t>
-            </a:r>
-            <a:r>
-              <a:rPr sz="1550" spc="80" dirty="0">
+              <a:t> </a:t>
+            </a:r>
+            <a:r>
+              <a:rPr lang="es-ES" sz="1800" spc="15" dirty="0">
                 <a:solidFill>
                   <a:srgbClr val="404040"/>
                 </a:solidFill>
@@ -9966,10 +15468,10 @@
                 <a:latin typeface="Carlito"/>
                 <a:cs typeface="Carlito"/>
               </a:rPr>
-              <a:t> </a:t>
-            </a:r>
-            <a:r>
-              <a:rPr sz="1550" spc="15" dirty="0">
+              <a:t>y</a:t>
+            </a:r>
+            <a:r>
+              <a:rPr lang="es-ES" sz="1800" spc="50" dirty="0">
                 <a:solidFill>
                   <a:srgbClr val="404040"/>
                 </a:solidFill>
@@ -9979,10 +15481,10 @@
                 <a:latin typeface="Carlito"/>
                 <a:cs typeface="Carlito"/>
               </a:rPr>
-              <a:t>y</a:t>
-            </a:r>
-            <a:r>
-              <a:rPr sz="1550" spc="50" dirty="0">
+              <a:t> </a:t>
+            </a:r>
+            <a:r>
+              <a:rPr lang="es-ES" sz="1800" spc="10" dirty="0">
                 <a:solidFill>
                   <a:srgbClr val="404040"/>
                 </a:solidFill>
@@ -9992,10 +15494,10 @@
                 <a:latin typeface="Carlito"/>
                 <a:cs typeface="Carlito"/>
               </a:rPr>
-              <a:t> </a:t>
-            </a:r>
-            <a:r>
-              <a:rPr sz="1550" spc="10" dirty="0">
+              <a:t>necesidades</a:t>
+            </a:r>
+            <a:r>
+              <a:rPr lang="es-ES" sz="1800" spc="80" dirty="0">
                 <a:solidFill>
                   <a:srgbClr val="404040"/>
                 </a:solidFill>
@@ -10005,10 +15507,10 @@
                 <a:latin typeface="Carlito"/>
                 <a:cs typeface="Carlito"/>
               </a:rPr>
-              <a:t>necesidades</a:t>
-            </a:r>
-            <a:r>
-              <a:rPr sz="1550" spc="80" dirty="0">
+              <a:t> </a:t>
+            </a:r>
+            <a:r>
+              <a:rPr lang="es-ES" sz="1800" spc="5" dirty="0">
                 <a:solidFill>
                   <a:srgbClr val="404040"/>
                 </a:solidFill>
@@ -10018,10 +15520,10 @@
                 <a:latin typeface="Carlito"/>
                 <a:cs typeface="Carlito"/>
               </a:rPr>
-              <a:t> </a:t>
-            </a:r>
-            <a:r>
-              <a:rPr sz="1550" spc="5" dirty="0">
+              <a:t>encontradas).</a:t>
+            </a:r>
+            <a:r>
+              <a:rPr lang="es-ES" sz="1800" spc="120" dirty="0">
                 <a:solidFill>
                   <a:srgbClr val="404040"/>
                 </a:solidFill>
@@ -10031,10 +15533,10 @@
                 <a:latin typeface="Carlito"/>
                 <a:cs typeface="Carlito"/>
               </a:rPr>
-              <a:t>encontradas).</a:t>
-            </a:r>
-            <a:r>
-              <a:rPr sz="1550" spc="120" dirty="0">
+              <a:t> </a:t>
+            </a:r>
+            <a:r>
+              <a:rPr lang="es-ES" sz="1800" spc="10" dirty="0">
                 <a:solidFill>
                   <a:srgbClr val="404040"/>
                 </a:solidFill>
@@ -10044,10 +15546,10 @@
                 <a:latin typeface="Carlito"/>
                 <a:cs typeface="Carlito"/>
               </a:rPr>
-              <a:t> </a:t>
-            </a:r>
-            <a:r>
-              <a:rPr sz="1550" spc="10" dirty="0">
+              <a:t>Proceso3</a:t>
+            </a:r>
+            <a:r>
+              <a:rPr lang="es-ES" sz="1800" spc="105" dirty="0">
                 <a:solidFill>
                   <a:srgbClr val="404040"/>
                 </a:solidFill>
@@ -10057,10 +15559,10 @@
                 <a:latin typeface="Carlito"/>
                 <a:cs typeface="Carlito"/>
               </a:rPr>
-              <a:t>Proceso3</a:t>
-            </a:r>
-            <a:r>
-              <a:rPr sz="1550" spc="105" dirty="0">
+              <a:t> </a:t>
+            </a:r>
+            <a:r>
+              <a:rPr lang="es-ES" sz="1800" spc="10" dirty="0">
                 <a:solidFill>
                   <a:srgbClr val="404040"/>
                 </a:solidFill>
@@ -10070,10 +15572,10 @@
                 <a:latin typeface="Carlito"/>
                 <a:cs typeface="Carlito"/>
               </a:rPr>
-              <a:t> </a:t>
-            </a:r>
-            <a:r>
-              <a:rPr sz="1550" spc="10" dirty="0">
+              <a:t>(Descripción</a:t>
+            </a:r>
+            <a:r>
+              <a:rPr lang="es-ES" sz="1800" spc="120" dirty="0">
                 <a:solidFill>
                   <a:srgbClr val="404040"/>
                 </a:solidFill>
@@ -10083,10 +15585,10 @@
                 <a:latin typeface="Carlito"/>
                 <a:cs typeface="Carlito"/>
               </a:rPr>
-              <a:t>(Descripción</a:t>
-            </a:r>
-            <a:r>
-              <a:rPr sz="1550" spc="120" dirty="0">
+              <a:t> </a:t>
+            </a:r>
+            <a:r>
+              <a:rPr lang="es-ES" sz="1800" spc="10" dirty="0">
                 <a:solidFill>
                   <a:srgbClr val="404040"/>
                 </a:solidFill>
@@ -10096,10 +15598,10 @@
                 <a:latin typeface="Carlito"/>
                 <a:cs typeface="Carlito"/>
               </a:rPr>
-              <a:t> </a:t>
-            </a:r>
-            <a:r>
-              <a:rPr sz="1550" spc="10" dirty="0">
+              <a:t>del </a:t>
+            </a:r>
+            <a:r>
+              <a:rPr lang="es-ES" sz="1800" spc="5" dirty="0">
                 <a:solidFill>
                   <a:srgbClr val="404040"/>
                 </a:solidFill>
@@ -10109,10 +15611,10 @@
                 <a:latin typeface="Carlito"/>
                 <a:cs typeface="Carlito"/>
               </a:rPr>
-              <a:t>del </a:t>
-            </a:r>
-            <a:r>
-              <a:rPr sz="1550" spc="5" dirty="0">
+              <a:t>proceso</a:t>
+            </a:r>
+            <a:r>
+              <a:rPr lang="es-ES" sz="1800" spc="114" dirty="0">
                 <a:solidFill>
                   <a:srgbClr val="404040"/>
                 </a:solidFill>
@@ -10122,10 +15624,10 @@
                 <a:latin typeface="Carlito"/>
                 <a:cs typeface="Carlito"/>
               </a:rPr>
-              <a:t>proceso</a:t>
-            </a:r>
-            <a:r>
-              <a:rPr sz="1550" spc="114" dirty="0">
+              <a:t> </a:t>
+            </a:r>
+            <a:r>
+              <a:rPr lang="es-ES" sz="1800" spc="15" dirty="0">
                 <a:solidFill>
                   <a:srgbClr val="404040"/>
                 </a:solidFill>
@@ -10135,22 +15637,9 @@
                 <a:latin typeface="Carlito"/>
                 <a:cs typeface="Carlito"/>
               </a:rPr>
-              <a:t> </a:t>
-            </a:r>
-            <a:r>
-              <a:rPr sz="1550" spc="15" dirty="0">
-                <a:solidFill>
-                  <a:srgbClr val="404040"/>
-                </a:solidFill>
-                <a:highlight>
-                  <a:srgbClr val="FFFF00"/>
-                </a:highlight>
-                <a:latin typeface="Carlito"/>
-                <a:cs typeface="Carlito"/>
-              </a:rPr>
               <a:t>y</a:t>
             </a:r>
-            <a:endParaRPr sz="1550" dirty="0">
+            <a:endParaRPr lang="es-ES" sz="1800" dirty="0">
               <a:highlight>
                 <a:srgbClr val="FFFF00"/>
               </a:highlight>
@@ -10165,7 +15654,7 @@
               </a:lnSpc>
             </a:pPr>
             <a:r>
-              <a:rPr sz="1550" spc="10" dirty="0">
+              <a:rPr lang="es-ES" sz="1800" spc="10" dirty="0">
                 <a:solidFill>
                   <a:srgbClr val="404040"/>
                 </a:solidFill>
@@ -10178,7 +15667,7 @@
               <a:t>necesidades</a:t>
             </a:r>
             <a:r>
-              <a:rPr sz="1550" spc="70" dirty="0">
+              <a:rPr lang="es-ES" sz="1800" spc="70" dirty="0">
                 <a:solidFill>
                   <a:srgbClr val="404040"/>
                 </a:solidFill>
@@ -10191,7 +15680,7 @@
               <a:t> </a:t>
             </a:r>
             <a:r>
-              <a:rPr sz="1550" spc="5" dirty="0">
+              <a:rPr lang="es-ES" sz="1800" spc="5" dirty="0">
                 <a:solidFill>
                   <a:srgbClr val="404040"/>
                 </a:solidFill>
@@ -10203,7 +15692,7 @@
               </a:rPr>
               <a:t>encontradas).</a:t>
             </a:r>
-            <a:endParaRPr sz="1550" dirty="0">
+            <a:endParaRPr lang="es-ES" sz="1800" dirty="0">
               <a:highlight>
                 <a:srgbClr val="FFFF00"/>
               </a:highlight>
@@ -10220,145 +15709,19 @@
                 <a:spcPts val="45"/>
               </a:spcBef>
             </a:pPr>
-            <a:endParaRPr sz="1600" dirty="0">
+            <a:endParaRPr lang="es-ES" sz="1800" dirty="0">
               <a:latin typeface="Carlito"/>
               <a:cs typeface="Carlito"/>
             </a:endParaRPr>
           </a:p>
-          <a:p>
-            <a:pPr marL="12700">
-              <a:lnSpc>
-                <a:spcPct val="100000"/>
-              </a:lnSpc>
-            </a:pPr>
-            <a:r>
-              <a:rPr sz="1550" spc="-50" dirty="0">
-                <a:solidFill>
-                  <a:srgbClr val="404040"/>
-                </a:solidFill>
-                <a:latin typeface="Arial"/>
-                <a:cs typeface="Arial"/>
-              </a:rPr>
-              <a:t>“Pueden </a:t>
-            </a:r>
-            <a:r>
-              <a:rPr sz="1550" spc="-20" dirty="0">
-                <a:solidFill>
-                  <a:srgbClr val="404040"/>
-                </a:solidFill>
-                <a:latin typeface="Arial"/>
-                <a:cs typeface="Arial"/>
-              </a:rPr>
-              <a:t>utilizar </a:t>
-            </a:r>
-            <a:r>
-              <a:rPr sz="1550" spc="-75" dirty="0">
-                <a:solidFill>
-                  <a:srgbClr val="404040"/>
-                </a:solidFill>
-                <a:latin typeface="Arial"/>
-                <a:cs typeface="Arial"/>
-              </a:rPr>
-              <a:t>imágenes </a:t>
-            </a:r>
-            <a:r>
-              <a:rPr sz="1550" spc="-55" dirty="0">
-                <a:solidFill>
-                  <a:srgbClr val="404040"/>
-                </a:solidFill>
-                <a:latin typeface="Arial"/>
-                <a:cs typeface="Arial"/>
-              </a:rPr>
-              <a:t>de </a:t>
-            </a:r>
-            <a:r>
-              <a:rPr sz="1550" spc="-70" dirty="0">
-                <a:solidFill>
-                  <a:srgbClr val="404040"/>
-                </a:solidFill>
-                <a:latin typeface="Arial"/>
-                <a:cs typeface="Arial"/>
-              </a:rPr>
-              <a:t>Apoyo </a:t>
-            </a:r>
-            <a:r>
-              <a:rPr sz="1550" spc="-30" dirty="0">
-                <a:solidFill>
-                  <a:srgbClr val="404040"/>
-                </a:solidFill>
-                <a:latin typeface="Arial"/>
-                <a:cs typeface="Arial"/>
-              </a:rPr>
-              <a:t>o </a:t>
-            </a:r>
-            <a:r>
-              <a:rPr sz="1550" spc="-100" dirty="0">
-                <a:solidFill>
-                  <a:srgbClr val="404040"/>
-                </a:solidFill>
-                <a:latin typeface="Arial"/>
-                <a:cs typeface="Arial"/>
-              </a:rPr>
-              <a:t>más </a:t>
-            </a:r>
-            <a:r>
-              <a:rPr sz="1550" spc="-50" dirty="0">
-                <a:solidFill>
-                  <a:srgbClr val="404040"/>
-                </a:solidFill>
-                <a:latin typeface="Arial"/>
-                <a:cs typeface="Arial"/>
-              </a:rPr>
-              <a:t>diapositivas </a:t>
-            </a:r>
-            <a:r>
-              <a:rPr sz="1550" spc="-75" dirty="0">
-                <a:solidFill>
-                  <a:srgbClr val="404040"/>
-                </a:solidFill>
-                <a:latin typeface="Arial"/>
-                <a:cs typeface="Arial"/>
-              </a:rPr>
-              <a:t>si </a:t>
-            </a:r>
-            <a:r>
-              <a:rPr sz="1550" spc="-5" dirty="0">
-                <a:solidFill>
-                  <a:srgbClr val="404040"/>
-                </a:solidFill>
-                <a:latin typeface="Arial"/>
-                <a:cs typeface="Arial"/>
-              </a:rPr>
-              <a:t>lo</a:t>
-            </a:r>
-            <a:r>
-              <a:rPr sz="1550" spc="250" dirty="0">
-                <a:solidFill>
-                  <a:srgbClr val="404040"/>
-                </a:solidFill>
-                <a:latin typeface="Arial"/>
-                <a:cs typeface="Arial"/>
-              </a:rPr>
-              <a:t> </a:t>
-            </a:r>
-            <a:r>
-              <a:rPr sz="1550" spc="-20" dirty="0">
-                <a:solidFill>
-                  <a:srgbClr val="404040"/>
-                </a:solidFill>
-                <a:latin typeface="Arial"/>
-                <a:cs typeface="Arial"/>
-              </a:rPr>
-              <a:t>requieren”</a:t>
-            </a:r>
-            <a:endParaRPr sz="1550" dirty="0">
-              <a:latin typeface="Arial"/>
-              <a:cs typeface="Arial"/>
-            </a:endParaRPr>
-          </a:p>
         </p:txBody>
       </p:sp>
     </p:spTree>
+    <p:extLst>
+      <p:ext uri="{BB962C8B-B14F-4D97-AF65-F5344CB8AC3E}">
+        <p14:creationId xmlns:p14="http://schemas.microsoft.com/office/powerpoint/2010/main" val="3843881969"/>
+      </p:ext>
+    </p:extLst>
   </p:cSld>
   <p:clrMapOvr>
     <a:masterClrMapping/>
@@ -10366,7 +15729,7 @@
 </p:sld>
 </file>
 
-<file path=ppt/slides/slide6.xml><?xml version="1.0" encoding="utf-8"?>
+<file path=ppt/slides/slide8.xml><?xml version="1.0" encoding="utf-8"?>
 <p:sld xmlns:a="http://schemas.openxmlformats.org/drawingml/2006/main" xmlns:r="http://schemas.openxmlformats.org/officeDocument/2006/relationships" xmlns:p="http://schemas.openxmlformats.org/presentationml/2006/main">
   <p:cSld>
     <p:spTree>
@@ -10633,7 +15996,7 @@
 </p:sld>
 </file>
 
-<file path=ppt/slides/slide7.xml><?xml version="1.0" encoding="utf-8"?>
+<file path=ppt/slides/slide9.xml><?xml version="1.0" encoding="utf-8"?>
 <p:sld xmlns:a="http://schemas.openxmlformats.org/drawingml/2006/main" xmlns:r="http://schemas.openxmlformats.org/officeDocument/2006/relationships" xmlns:p="http://schemas.openxmlformats.org/presentationml/2006/main">
   <p:cSld>
     <p:spTree>
@@ -10794,1087 +16157,6 @@
               <a:t>líneas</a:t>
             </a:r>
             <a:endParaRPr sz="1800" dirty="0">
-              <a:latin typeface="Carlito"/>
-              <a:cs typeface="Carlito"/>
-            </a:endParaRPr>
-          </a:p>
-        </p:txBody>
-      </p:sp>
-      <p:sp>
-        <p:nvSpPr>
-          <p:cNvPr id="4" name="object 4"/>
-          <p:cNvSpPr/>
-          <p:nvPr/>
-        </p:nvSpPr>
-        <p:spPr>
-          <a:xfrm>
-            <a:off x="3579876" y="2542032"/>
-            <a:ext cx="718185" cy="45720"/>
-          </a:xfrm>
-          <a:custGeom>
-            <a:avLst/>
-            <a:gdLst/>
-            <a:ahLst/>
-            <a:cxnLst/>
-            <a:rect l="l" t="t" r="r" b="b"/>
-            <a:pathLst>
-              <a:path w="718185" h="45719">
-                <a:moveTo>
-                  <a:pt x="717803" y="0"/>
-                </a:moveTo>
-                <a:lnTo>
-                  <a:pt x="0" y="0"/>
-                </a:lnTo>
-                <a:lnTo>
-                  <a:pt x="0" y="45719"/>
-                </a:lnTo>
-                <a:lnTo>
-                  <a:pt x="717803" y="45719"/>
-                </a:lnTo>
-                <a:lnTo>
-                  <a:pt x="717803" y="0"/>
-                </a:lnTo>
-                <a:close/>
-              </a:path>
-            </a:pathLst>
-          </a:custGeom>
-          <a:solidFill>
-            <a:srgbClr val="FF6600"/>
-          </a:solidFill>
-        </p:spPr>
-        <p:txBody>
-          <a:bodyPr wrap="square" lIns="0" tIns="0" rIns="0" bIns="0" rtlCol="0"/>
-          <a:lstStyle/>
-          <a:p>
-            <a:endParaRPr/>
-          </a:p>
-        </p:txBody>
-      </p:sp>
-      <p:sp>
-        <p:nvSpPr>
-          <p:cNvPr id="5" name="object 5"/>
-          <p:cNvSpPr txBox="1"/>
-          <p:nvPr/>
-        </p:nvSpPr>
-        <p:spPr>
-          <a:xfrm>
-            <a:off x="7562088" y="4302252"/>
-            <a:ext cx="1316990" cy="567055"/>
-          </a:xfrm>
-          <a:prstGeom prst="rect">
-            <a:avLst/>
-          </a:prstGeom>
-          <a:ln w="9144">
-            <a:solidFill>
-              <a:srgbClr val="404040"/>
-            </a:solidFill>
-          </a:ln>
-        </p:spPr>
-        <p:txBody>
-          <a:bodyPr vert="horz" wrap="square" lIns="0" tIns="635" rIns="0" bIns="0" rtlCol="0">
-            <a:spAutoFit/>
-          </a:bodyPr>
-          <a:lstStyle/>
-          <a:p>
-            <a:pPr>
-              <a:lnSpc>
-                <a:spcPct val="100000"/>
-              </a:lnSpc>
-              <a:spcBef>
-                <a:spcPts val="5"/>
-              </a:spcBef>
-            </a:pPr>
-            <a:endParaRPr sz="1250">
-              <a:latin typeface="Times New Roman"/>
-              <a:cs typeface="Times New Roman"/>
-            </a:endParaRPr>
-          </a:p>
-          <a:p>
-            <a:pPr marL="245110">
-              <a:lnSpc>
-                <a:spcPct val="100000"/>
-              </a:lnSpc>
-            </a:pPr>
-            <a:r>
-              <a:rPr sz="1150" b="1" spc="20" dirty="0">
-                <a:solidFill>
-                  <a:srgbClr val="404040"/>
-                </a:solidFill>
-                <a:latin typeface="Carlito"/>
-                <a:cs typeface="Carlito"/>
-              </a:rPr>
-              <a:t>Logo</a:t>
-            </a:r>
-            <a:r>
-              <a:rPr sz="1150" b="1" spc="15" dirty="0">
-                <a:solidFill>
-                  <a:srgbClr val="404040"/>
-                </a:solidFill>
-                <a:latin typeface="Carlito"/>
-                <a:cs typeface="Carlito"/>
-              </a:rPr>
-              <a:t> Sistema</a:t>
-            </a:r>
-            <a:endParaRPr sz="1150">
-              <a:latin typeface="Carlito"/>
-              <a:cs typeface="Carlito"/>
-            </a:endParaRPr>
-          </a:p>
-        </p:txBody>
-      </p:sp>
-    </p:spTree>
-  </p:cSld>
-  <p:clrMapOvr>
-    <a:masterClrMapping/>
-  </p:clrMapOvr>
-</p:sld>
-</file>
-
-<file path=ppt/slides/slide8.xml><?xml version="1.0" encoding="utf-8"?>
-<p:sld xmlns:a="http://schemas.openxmlformats.org/drawingml/2006/main" xmlns:r="http://schemas.openxmlformats.org/officeDocument/2006/relationships" xmlns:p="http://schemas.openxmlformats.org/presentationml/2006/main" showMasterSp="0">
-  <p:cSld>
-    <p:spTree>
-      <p:nvGrpSpPr>
-        <p:cNvPr id="1" name=""/>
-        <p:cNvGrpSpPr/>
-        <p:nvPr/>
-      </p:nvGrpSpPr>
-      <p:grpSpPr>
-        <a:xfrm>
-          <a:off x="0" y="0"/>
-          <a:ext cx="0" cy="0"/>
-          <a:chOff x="0" y="0"/>
-          <a:chExt cx="0" cy="0"/>
-        </a:xfrm>
-      </p:grpSpPr>
-      <p:sp>
-        <p:nvSpPr>
-          <p:cNvPr id="2" name="object 2"/>
-          <p:cNvSpPr/>
-          <p:nvPr/>
-        </p:nvSpPr>
-        <p:spPr>
-          <a:xfrm>
-            <a:off x="0" y="0"/>
-            <a:ext cx="9144000" cy="1066800"/>
-          </a:xfrm>
-          <a:prstGeom prst="rect">
-            <a:avLst/>
-          </a:prstGeom>
-          <a:blipFill>
-            <a:blip r:embed="rId2" cstate="print"/>
-            <a:stretch>
-              <a:fillRect/>
-            </a:stretch>
-          </a:blipFill>
-        </p:spPr>
-        <p:txBody>
-          <a:bodyPr wrap="square" lIns="0" tIns="0" rIns="0" bIns="0" rtlCol="0"/>
-          <a:lstStyle/>
-          <a:p>
-            <a:endParaRPr/>
-          </a:p>
-        </p:txBody>
-      </p:sp>
-      <p:sp>
-        <p:nvSpPr>
-          <p:cNvPr id="3" name="object 3"/>
-          <p:cNvSpPr txBox="1">
-            <a:spLocks noGrp="1"/>
-          </p:cNvSpPr>
-          <p:nvPr>
-            <p:ph type="title"/>
-          </p:nvPr>
-        </p:nvSpPr>
-        <p:spPr>
-          <a:xfrm>
-            <a:off x="461873" y="255473"/>
-            <a:ext cx="1838960" cy="574675"/>
-          </a:xfrm>
-          <a:prstGeom prst="rect">
-            <a:avLst/>
-          </a:prstGeom>
-        </p:spPr>
-        <p:txBody>
-          <a:bodyPr vert="horz" wrap="square" lIns="0" tIns="12700" rIns="0" bIns="0" rtlCol="0">
-            <a:spAutoFit/>
-          </a:bodyPr>
-          <a:lstStyle/>
-          <a:p>
-            <a:pPr marL="12700">
-              <a:lnSpc>
-                <a:spcPct val="100000"/>
-              </a:lnSpc>
-              <a:spcBef>
-                <a:spcPts val="100"/>
-              </a:spcBef>
-            </a:pPr>
-            <a:r>
-              <a:rPr sz="3600" spc="5" dirty="0">
-                <a:solidFill>
-                  <a:srgbClr val="FFFFFF"/>
-                </a:solidFill>
-              </a:rPr>
-              <a:t>O</a:t>
-            </a:r>
-            <a:r>
-              <a:rPr sz="3600" dirty="0">
-                <a:solidFill>
-                  <a:srgbClr val="FFFFFF"/>
-                </a:solidFill>
-              </a:rPr>
-              <a:t>b</a:t>
-            </a:r>
-            <a:r>
-              <a:rPr sz="3600" spc="20" dirty="0">
-                <a:solidFill>
-                  <a:srgbClr val="FFFFFF"/>
-                </a:solidFill>
-              </a:rPr>
-              <a:t>j</a:t>
-            </a:r>
-            <a:r>
-              <a:rPr sz="3600" spc="-50" dirty="0">
-                <a:solidFill>
-                  <a:srgbClr val="FFFFFF"/>
-                </a:solidFill>
-              </a:rPr>
-              <a:t>e</a:t>
-            </a:r>
-            <a:r>
-              <a:rPr sz="3600" dirty="0">
-                <a:solidFill>
-                  <a:srgbClr val="FFFFFF"/>
-                </a:solidFill>
-              </a:rPr>
-              <a:t>t</a:t>
-            </a:r>
-            <a:r>
-              <a:rPr sz="3600" spc="20" dirty="0">
-                <a:solidFill>
-                  <a:srgbClr val="FFFFFF"/>
-                </a:solidFill>
-              </a:rPr>
-              <a:t>i</a:t>
-            </a:r>
-            <a:r>
-              <a:rPr sz="3600" spc="-50" dirty="0">
-                <a:solidFill>
-                  <a:srgbClr val="FFFFFF"/>
-                </a:solidFill>
-              </a:rPr>
-              <a:t>v</a:t>
-            </a:r>
-            <a:r>
-              <a:rPr sz="3600" dirty="0">
-                <a:solidFill>
-                  <a:srgbClr val="FFFFFF"/>
-                </a:solidFill>
-              </a:rPr>
-              <a:t>os</a:t>
-            </a:r>
-            <a:endParaRPr sz="3600"/>
-          </a:p>
-        </p:txBody>
-      </p:sp>
-      <p:sp>
-        <p:nvSpPr>
-          <p:cNvPr id="4" name="object 4"/>
-          <p:cNvSpPr txBox="1"/>
-          <p:nvPr/>
-        </p:nvSpPr>
-        <p:spPr>
-          <a:xfrm>
-            <a:off x="7562088" y="4302252"/>
-            <a:ext cx="1316990" cy="567055"/>
-          </a:xfrm>
-          <a:prstGeom prst="rect">
-            <a:avLst/>
-          </a:prstGeom>
-          <a:ln w="9144">
-            <a:solidFill>
-              <a:srgbClr val="404040"/>
-            </a:solidFill>
-          </a:ln>
-        </p:spPr>
-        <p:txBody>
-          <a:bodyPr vert="horz" wrap="square" lIns="0" tIns="635" rIns="0" bIns="0" rtlCol="0">
-            <a:spAutoFit/>
-          </a:bodyPr>
-          <a:lstStyle/>
-          <a:p>
-            <a:pPr>
-              <a:lnSpc>
-                <a:spcPct val="100000"/>
-              </a:lnSpc>
-              <a:spcBef>
-                <a:spcPts val="5"/>
-              </a:spcBef>
-            </a:pPr>
-            <a:endParaRPr sz="1250">
-              <a:latin typeface="Times New Roman"/>
-              <a:cs typeface="Times New Roman"/>
-            </a:endParaRPr>
-          </a:p>
-          <a:p>
-            <a:pPr marL="203835">
-              <a:lnSpc>
-                <a:spcPct val="100000"/>
-              </a:lnSpc>
-            </a:pPr>
-            <a:r>
-              <a:rPr sz="1150" b="1" spc="15" dirty="0">
-                <a:solidFill>
-                  <a:srgbClr val="404040"/>
-                </a:solidFill>
-                <a:latin typeface="Carlito"/>
-                <a:cs typeface="Carlito"/>
-              </a:rPr>
-              <a:t>Marca</a:t>
-            </a:r>
-            <a:r>
-              <a:rPr sz="1150" b="1" spc="-30" dirty="0">
-                <a:solidFill>
-                  <a:srgbClr val="404040"/>
-                </a:solidFill>
-                <a:latin typeface="Carlito"/>
-                <a:cs typeface="Carlito"/>
-              </a:rPr>
-              <a:t> </a:t>
-            </a:r>
-            <a:r>
-              <a:rPr sz="1150" b="1" spc="10" dirty="0">
-                <a:solidFill>
-                  <a:srgbClr val="404040"/>
-                </a:solidFill>
-                <a:latin typeface="Carlito"/>
-                <a:cs typeface="Carlito"/>
-              </a:rPr>
-              <a:t>externa</a:t>
-            </a:r>
-            <a:endParaRPr sz="1150">
-              <a:latin typeface="Carlito"/>
-              <a:cs typeface="Carlito"/>
-            </a:endParaRPr>
-          </a:p>
-        </p:txBody>
-      </p:sp>
-      <p:sp>
-        <p:nvSpPr>
-          <p:cNvPr id="5" name="object 5"/>
-          <p:cNvSpPr txBox="1"/>
-          <p:nvPr/>
-        </p:nvSpPr>
-        <p:spPr>
-          <a:xfrm>
-            <a:off x="461873" y="1258316"/>
-            <a:ext cx="8189595" cy="3091872"/>
-          </a:xfrm>
-          <a:prstGeom prst="rect">
-            <a:avLst/>
-          </a:prstGeom>
-        </p:spPr>
-        <p:txBody>
-          <a:bodyPr vert="horz" wrap="square" lIns="0" tIns="16510" rIns="0" bIns="0" rtlCol="0">
-            <a:spAutoFit/>
-          </a:bodyPr>
-          <a:lstStyle/>
-          <a:p>
-            <a:pPr marL="12700">
-              <a:lnSpc>
-                <a:spcPct val="100000"/>
-              </a:lnSpc>
-              <a:spcBef>
-                <a:spcPts val="130"/>
-              </a:spcBef>
-            </a:pPr>
-            <a:r>
-              <a:rPr sz="1550" b="1" spc="10" dirty="0">
-                <a:solidFill>
-                  <a:srgbClr val="404040"/>
-                </a:solidFill>
-                <a:latin typeface="Carlito"/>
-                <a:cs typeface="Carlito"/>
-              </a:rPr>
-              <a:t>OBJETIVO</a:t>
-            </a:r>
-            <a:r>
-              <a:rPr sz="1550" b="1" spc="45" dirty="0">
-                <a:solidFill>
-                  <a:srgbClr val="404040"/>
-                </a:solidFill>
-                <a:latin typeface="Carlito"/>
-                <a:cs typeface="Carlito"/>
-              </a:rPr>
-              <a:t> </a:t>
-            </a:r>
-            <a:r>
-              <a:rPr sz="1550" b="1" spc="10" dirty="0">
-                <a:solidFill>
-                  <a:srgbClr val="404040"/>
-                </a:solidFill>
-                <a:latin typeface="Carlito"/>
-                <a:cs typeface="Carlito"/>
-              </a:rPr>
-              <a:t>GENERAL</a:t>
-            </a:r>
-            <a:endParaRPr sz="1550" dirty="0">
-              <a:latin typeface="Carlito"/>
-              <a:cs typeface="Carlito"/>
-            </a:endParaRPr>
-          </a:p>
-          <a:p>
-            <a:pPr>
-              <a:lnSpc>
-                <a:spcPct val="100000"/>
-              </a:lnSpc>
-              <a:spcBef>
-                <a:spcPts val="5"/>
-              </a:spcBef>
-            </a:pPr>
-            <a:endParaRPr sz="1600" dirty="0">
-              <a:latin typeface="Carlito"/>
-              <a:cs typeface="Carlito"/>
-            </a:endParaRPr>
-          </a:p>
-          <a:p>
-            <a:pPr marL="469900">
-              <a:lnSpc>
-                <a:spcPct val="100000"/>
-              </a:lnSpc>
-            </a:pPr>
-            <a:r>
-              <a:rPr sz="1550" spc="10" dirty="0">
-                <a:solidFill>
-                  <a:srgbClr val="404040"/>
-                </a:solidFill>
-                <a:latin typeface="Carlito"/>
-                <a:cs typeface="Carlito"/>
-              </a:rPr>
-              <a:t>Desarrollar un Sistema de </a:t>
-            </a:r>
-            <a:r>
-              <a:rPr sz="1550" spc="15" dirty="0">
-                <a:solidFill>
-                  <a:srgbClr val="404040"/>
-                </a:solidFill>
-                <a:latin typeface="Carlito"/>
-                <a:cs typeface="Carlito"/>
-              </a:rPr>
-              <a:t>Información </a:t>
-            </a:r>
-            <a:r>
-              <a:rPr sz="1550" spc="-5" dirty="0">
-                <a:solidFill>
-                  <a:srgbClr val="404040"/>
-                </a:solidFill>
-                <a:latin typeface="Carlito"/>
-                <a:cs typeface="Carlito"/>
-              </a:rPr>
-              <a:t>Web </a:t>
-            </a:r>
-            <a:r>
-              <a:rPr lang="es-CO" sz="1550" spc="20" dirty="0" err="1">
-                <a:solidFill>
-                  <a:srgbClr val="404040"/>
-                </a:solidFill>
-                <a:latin typeface="Carlito"/>
-                <a:cs typeface="Carlito"/>
-              </a:rPr>
-              <a:t>Sistematic</a:t>
-            </a:r>
-            <a:r>
-              <a:rPr lang="es-CO" sz="1550" spc="20" dirty="0">
-                <a:solidFill>
-                  <a:srgbClr val="404040"/>
-                </a:solidFill>
-                <a:latin typeface="Carlito"/>
-                <a:cs typeface="Carlito"/>
-              </a:rPr>
-              <a:t> </a:t>
-            </a:r>
-            <a:r>
-              <a:rPr lang="es-CO" sz="1550" spc="20" dirty="0" err="1">
-                <a:solidFill>
-                  <a:srgbClr val="404040"/>
-                </a:solidFill>
-                <a:latin typeface="Carlito"/>
-                <a:cs typeface="Carlito"/>
-              </a:rPr>
-              <a:t>cutex</a:t>
-            </a:r>
-            <a:r>
-              <a:rPr lang="es-CO" sz="1550" spc="20" dirty="0">
-                <a:solidFill>
-                  <a:srgbClr val="404040"/>
-                </a:solidFill>
-                <a:latin typeface="Carlito"/>
-                <a:cs typeface="Carlito"/>
-              </a:rPr>
-              <a:t> </a:t>
-            </a:r>
-            <a:r>
-              <a:rPr sz="1550" spc="5" dirty="0">
-                <a:solidFill>
-                  <a:srgbClr val="404040"/>
-                </a:solidFill>
-                <a:latin typeface="Carlito"/>
-                <a:cs typeface="Carlito"/>
-              </a:rPr>
-              <a:t>para </a:t>
-            </a:r>
-            <a:r>
-              <a:rPr sz="1550" spc="10" dirty="0" err="1">
-                <a:solidFill>
-                  <a:srgbClr val="404040"/>
-                </a:solidFill>
-                <a:latin typeface="Carlito"/>
-                <a:cs typeface="Carlito"/>
-              </a:rPr>
-              <a:t>el</a:t>
-            </a:r>
-            <a:r>
-              <a:rPr lang="es-CO" sz="1550" spc="225" dirty="0">
-                <a:solidFill>
-                  <a:srgbClr val="404040"/>
-                </a:solidFill>
-                <a:latin typeface="Carlito"/>
-                <a:cs typeface="Carlito"/>
-              </a:rPr>
-              <a:t> apoyo </a:t>
-            </a:r>
-            <a:r>
-              <a:rPr sz="1550" spc="15" dirty="0">
-                <a:solidFill>
-                  <a:srgbClr val="404040"/>
-                </a:solidFill>
-                <a:latin typeface="Carlito"/>
-                <a:cs typeface="Carlito"/>
-              </a:rPr>
-              <a:t>a</a:t>
-            </a:r>
-            <a:r>
-              <a:rPr lang="es-CO" sz="1550" spc="15" dirty="0">
-                <a:solidFill>
-                  <a:srgbClr val="404040"/>
-                </a:solidFill>
-                <a:latin typeface="Carlito"/>
-                <a:cs typeface="Carlito"/>
-              </a:rPr>
-              <a:t>l inventariado, facturación y marketing </a:t>
-            </a:r>
-            <a:r>
-              <a:rPr sz="1550" spc="10" dirty="0">
-                <a:solidFill>
-                  <a:srgbClr val="404040"/>
-                </a:solidFill>
-                <a:latin typeface="Carlito"/>
-                <a:cs typeface="Carlito"/>
-              </a:rPr>
-              <a:t>de </a:t>
-            </a:r>
-            <a:r>
-              <a:rPr sz="1550" spc="5" dirty="0">
-                <a:solidFill>
-                  <a:srgbClr val="404040"/>
-                </a:solidFill>
-                <a:latin typeface="Carlito"/>
-                <a:cs typeface="Carlito"/>
-              </a:rPr>
-              <a:t>la </a:t>
-            </a:r>
-            <a:r>
-              <a:rPr sz="1550" dirty="0" err="1">
-                <a:solidFill>
-                  <a:srgbClr val="404040"/>
-                </a:solidFill>
-                <a:latin typeface="Carlito"/>
-                <a:cs typeface="Carlito"/>
-              </a:rPr>
-              <a:t>Empresa</a:t>
-            </a:r>
-            <a:r>
-              <a:rPr lang="es-CO" sz="1550" dirty="0">
-                <a:solidFill>
-                  <a:srgbClr val="404040"/>
-                </a:solidFill>
-                <a:latin typeface="Carlito"/>
-                <a:cs typeface="Carlito"/>
-              </a:rPr>
-              <a:t> </a:t>
-            </a:r>
-            <a:r>
-              <a:rPr lang="es-CO" sz="1550" dirty="0" err="1">
-                <a:solidFill>
-                  <a:srgbClr val="404040"/>
-                </a:solidFill>
-                <a:latin typeface="Carlito"/>
-                <a:cs typeface="Carlito"/>
-              </a:rPr>
-              <a:t>Peleteria</a:t>
-            </a:r>
-            <a:r>
-              <a:rPr lang="es-CO" sz="1550" dirty="0">
-                <a:solidFill>
-                  <a:srgbClr val="404040"/>
-                </a:solidFill>
-                <a:latin typeface="Carlito"/>
-                <a:cs typeface="Carlito"/>
-              </a:rPr>
-              <a:t> cueros y color</a:t>
-            </a:r>
-            <a:r>
-              <a:rPr sz="1550" spc="5" dirty="0">
-                <a:solidFill>
-                  <a:srgbClr val="404040"/>
-                </a:solidFill>
-                <a:latin typeface="Carlito"/>
-                <a:cs typeface="Carlito"/>
-              </a:rPr>
-              <a:t>.</a:t>
-            </a:r>
-            <a:endParaRPr sz="1550" dirty="0">
-              <a:latin typeface="Carlito"/>
-              <a:cs typeface="Carlito"/>
-            </a:endParaRPr>
-          </a:p>
-          <a:p>
-            <a:pPr>
-              <a:lnSpc>
-                <a:spcPct val="100000"/>
-              </a:lnSpc>
-              <a:spcBef>
-                <a:spcPts val="50"/>
-              </a:spcBef>
-            </a:pPr>
-            <a:endParaRPr sz="1200" dirty="0">
-              <a:latin typeface="Carlito"/>
-              <a:cs typeface="Carlito"/>
-            </a:endParaRPr>
-          </a:p>
-          <a:p>
-            <a:pPr marL="12700">
-              <a:lnSpc>
-                <a:spcPct val="100000"/>
-              </a:lnSpc>
-            </a:pPr>
-            <a:r>
-              <a:rPr sz="1550" b="1" spc="15" dirty="0">
-                <a:solidFill>
-                  <a:srgbClr val="404040"/>
-                </a:solidFill>
-                <a:latin typeface="Carlito"/>
-                <a:cs typeface="Carlito"/>
-              </a:rPr>
-              <a:t>OBJETIVOS</a:t>
-            </a:r>
-            <a:r>
-              <a:rPr sz="1550" b="1" spc="40" dirty="0">
-                <a:solidFill>
-                  <a:srgbClr val="404040"/>
-                </a:solidFill>
-                <a:latin typeface="Carlito"/>
-                <a:cs typeface="Carlito"/>
-              </a:rPr>
-              <a:t> </a:t>
-            </a:r>
-            <a:r>
-              <a:rPr sz="1550" b="1" spc="5" dirty="0">
-                <a:solidFill>
-                  <a:srgbClr val="404040"/>
-                </a:solidFill>
-                <a:latin typeface="Carlito"/>
-                <a:cs typeface="Carlito"/>
-              </a:rPr>
-              <a:t>ESPECÍFICOS</a:t>
-            </a:r>
-            <a:endParaRPr lang="es-CO" sz="1550" b="1" spc="5" dirty="0">
-              <a:solidFill>
-                <a:srgbClr val="404040"/>
-              </a:solidFill>
-              <a:latin typeface="Carlito"/>
-              <a:cs typeface="Carlito"/>
-            </a:endParaRPr>
-          </a:p>
-          <a:p>
-            <a:pPr marL="12700">
-              <a:lnSpc>
-                <a:spcPct val="100000"/>
-              </a:lnSpc>
-            </a:pPr>
-            <a:endParaRPr lang="es-CO" sz="1550" b="1" spc="5" dirty="0">
-              <a:solidFill>
-                <a:srgbClr val="404040"/>
-              </a:solidFill>
-              <a:latin typeface="Carlito"/>
-              <a:cs typeface="Carlito"/>
-            </a:endParaRPr>
-          </a:p>
-          <a:p>
-            <a:pPr marL="298450" indent="-285750">
-              <a:lnSpc>
-                <a:spcPct val="100000"/>
-              </a:lnSpc>
-              <a:buFont typeface="Arial" panose="020B0604020202020204" pitchFamily="34" charset="0"/>
-              <a:buChar char="•"/>
-            </a:pPr>
-            <a:r>
-              <a:rPr lang="es-CO" sz="1550" b="1" spc="5" dirty="0">
-                <a:solidFill>
-                  <a:srgbClr val="404040"/>
-                </a:solidFill>
-                <a:latin typeface="Carlito"/>
-                <a:cs typeface="Carlito"/>
-              </a:rPr>
-              <a:t>Recolectar y analizar la información a través de entrevista con preguntas abiertas y lista de chequeo.</a:t>
-            </a:r>
-          </a:p>
-          <a:p>
-            <a:pPr marL="298450" indent="-285750">
-              <a:lnSpc>
-                <a:spcPct val="100000"/>
-              </a:lnSpc>
-              <a:buFont typeface="Arial" panose="020B0604020202020204" pitchFamily="34" charset="0"/>
-              <a:buChar char="•"/>
-            </a:pPr>
-            <a:r>
-              <a:rPr lang="es-CO" sz="1550" b="1" spc="5" dirty="0">
-                <a:solidFill>
-                  <a:srgbClr val="404040"/>
-                </a:solidFill>
-                <a:latin typeface="Carlito"/>
-                <a:cs typeface="Carlito"/>
-              </a:rPr>
-              <a:t>Generar factura en línea con el valor a pagar por la venta.</a:t>
-            </a:r>
-          </a:p>
-          <a:p>
-            <a:pPr marL="298450" indent="-285750">
-              <a:lnSpc>
-                <a:spcPct val="100000"/>
-              </a:lnSpc>
-              <a:buFont typeface="Arial" panose="020B0604020202020204" pitchFamily="34" charset="0"/>
-              <a:buChar char="•"/>
-            </a:pPr>
-            <a:r>
-              <a:rPr lang="es-CO" sz="1550" b="1" spc="5" dirty="0">
-                <a:solidFill>
-                  <a:srgbClr val="404040"/>
-                </a:solidFill>
-                <a:latin typeface="Carlito"/>
-                <a:cs typeface="Carlito"/>
-              </a:rPr>
-              <a:t>Ordenar y controlar el inventario de la empresa a través del sistema de información</a:t>
-            </a:r>
-          </a:p>
-          <a:p>
-            <a:pPr marL="298450" indent="-285750">
-              <a:lnSpc>
-                <a:spcPct val="100000"/>
-              </a:lnSpc>
-              <a:buFont typeface="Arial" panose="020B0604020202020204" pitchFamily="34" charset="0"/>
-              <a:buChar char="•"/>
-            </a:pPr>
-            <a:r>
-              <a:rPr lang="es-CO" sz="1550" b="1" spc="5" dirty="0">
-                <a:solidFill>
-                  <a:srgbClr val="404040"/>
-                </a:solidFill>
-                <a:latin typeface="Carlito"/>
-                <a:cs typeface="Carlito"/>
-              </a:rPr>
-              <a:t>Administrar adecuadamente el marketing de la empresa</a:t>
-            </a:r>
-            <a:endParaRPr sz="1550" dirty="0">
-              <a:latin typeface="Carlito"/>
-              <a:cs typeface="Carlito"/>
-            </a:endParaRPr>
-          </a:p>
-          <a:p>
-            <a:pPr>
-              <a:lnSpc>
-                <a:spcPct val="100000"/>
-              </a:lnSpc>
-              <a:spcBef>
-                <a:spcPts val="5"/>
-              </a:spcBef>
-            </a:pPr>
-            <a:endParaRPr sz="1600" dirty="0">
-              <a:latin typeface="Carlito"/>
-              <a:cs typeface="Carlito"/>
-            </a:endParaRPr>
-          </a:p>
-        </p:txBody>
-      </p:sp>
-      <p:sp>
-        <p:nvSpPr>
-          <p:cNvPr id="6" name="object 6"/>
-          <p:cNvSpPr/>
-          <p:nvPr/>
-        </p:nvSpPr>
-        <p:spPr>
-          <a:xfrm>
-            <a:off x="466344" y="1531619"/>
-            <a:ext cx="718185" cy="45720"/>
-          </a:xfrm>
-          <a:custGeom>
-            <a:avLst/>
-            <a:gdLst/>
-            <a:ahLst/>
-            <a:cxnLst/>
-            <a:rect l="l" t="t" r="r" b="b"/>
-            <a:pathLst>
-              <a:path w="718185" h="45719">
-                <a:moveTo>
-                  <a:pt x="717804" y="0"/>
-                </a:moveTo>
-                <a:lnTo>
-                  <a:pt x="0" y="0"/>
-                </a:lnTo>
-                <a:lnTo>
-                  <a:pt x="0" y="45720"/>
-                </a:lnTo>
-                <a:lnTo>
-                  <a:pt x="717804" y="45720"/>
-                </a:lnTo>
-                <a:lnTo>
-                  <a:pt x="717804" y="0"/>
-                </a:lnTo>
-                <a:close/>
-              </a:path>
-            </a:pathLst>
-          </a:custGeom>
-          <a:solidFill>
-            <a:srgbClr val="FF6600"/>
-          </a:solidFill>
-        </p:spPr>
-        <p:txBody>
-          <a:bodyPr wrap="square" lIns="0" tIns="0" rIns="0" bIns="0" rtlCol="0"/>
-          <a:lstStyle/>
-          <a:p>
-            <a:endParaRPr/>
-          </a:p>
-        </p:txBody>
-      </p:sp>
-      <p:sp>
-        <p:nvSpPr>
-          <p:cNvPr id="7" name="object 7"/>
-          <p:cNvSpPr/>
-          <p:nvPr/>
-        </p:nvSpPr>
-        <p:spPr>
-          <a:xfrm>
-            <a:off x="466344" y="2734055"/>
-            <a:ext cx="718185" cy="45720"/>
-          </a:xfrm>
-          <a:custGeom>
-            <a:avLst/>
-            <a:gdLst/>
-            <a:ahLst/>
-            <a:cxnLst/>
-            <a:rect l="l" t="t" r="r" b="b"/>
-            <a:pathLst>
-              <a:path w="718185" h="45719">
-                <a:moveTo>
-                  <a:pt x="717804" y="0"/>
-                </a:moveTo>
-                <a:lnTo>
-                  <a:pt x="0" y="0"/>
-                </a:lnTo>
-                <a:lnTo>
-                  <a:pt x="0" y="45719"/>
-                </a:lnTo>
-                <a:lnTo>
-                  <a:pt x="717804" y="45719"/>
-                </a:lnTo>
-                <a:lnTo>
-                  <a:pt x="717804" y="0"/>
-                </a:lnTo>
-                <a:close/>
-              </a:path>
-            </a:pathLst>
-          </a:custGeom>
-          <a:solidFill>
-            <a:srgbClr val="FF6600"/>
-          </a:solidFill>
-        </p:spPr>
-        <p:txBody>
-          <a:bodyPr wrap="square" lIns="0" tIns="0" rIns="0" bIns="0" rtlCol="0"/>
-          <a:lstStyle/>
-          <a:p>
-            <a:endParaRPr/>
-          </a:p>
-        </p:txBody>
-      </p:sp>
-    </p:spTree>
-  </p:cSld>
-  <p:clrMapOvr>
-    <a:masterClrMapping/>
-  </p:clrMapOvr>
-</p:sld>
-</file>
-
-<file path=ppt/slides/slide9.xml><?xml version="1.0" encoding="utf-8"?>
-<p:sld xmlns:a="http://schemas.openxmlformats.org/drawingml/2006/main" xmlns:r="http://schemas.openxmlformats.org/officeDocument/2006/relationships" xmlns:p="http://schemas.openxmlformats.org/presentationml/2006/main">
-  <p:cSld>
-    <p:spTree>
-      <p:nvGrpSpPr>
-        <p:cNvPr id="1" name=""/>
-        <p:cNvGrpSpPr/>
-        <p:nvPr/>
-      </p:nvGrpSpPr>
-      <p:grpSpPr>
-        <a:xfrm>
-          <a:off x="0" y="0"/>
-          <a:ext cx="0" cy="0"/>
-          <a:chOff x="0" y="0"/>
-          <a:chExt cx="0" cy="0"/>
-        </a:xfrm>
-      </p:grpSpPr>
-      <p:sp>
-        <p:nvSpPr>
-          <p:cNvPr id="2" name="object 2"/>
-          <p:cNvSpPr txBox="1">
-            <a:spLocks noGrp="1"/>
-          </p:cNvSpPr>
-          <p:nvPr>
-            <p:ph type="title"/>
-          </p:nvPr>
-        </p:nvSpPr>
-        <p:spPr>
-          <a:xfrm>
-            <a:off x="3573271" y="1627403"/>
-            <a:ext cx="3497579" cy="849630"/>
-          </a:xfrm>
-          <a:prstGeom prst="rect">
-            <a:avLst/>
-          </a:prstGeom>
-        </p:spPr>
-        <p:txBody>
-          <a:bodyPr vert="horz" wrap="square" lIns="0" tIns="13335" rIns="0" bIns="0" rtlCol="0">
-            <a:spAutoFit/>
-          </a:bodyPr>
-          <a:lstStyle/>
-          <a:p>
-            <a:pPr marL="12700">
-              <a:lnSpc>
-                <a:spcPct val="100000"/>
-              </a:lnSpc>
-              <a:spcBef>
-                <a:spcPts val="105"/>
-              </a:spcBef>
-            </a:pPr>
-            <a:r>
-              <a:rPr spc="-10" dirty="0"/>
-              <a:t>Justificación</a:t>
-            </a:r>
-          </a:p>
-        </p:txBody>
-      </p:sp>
-      <p:sp>
-        <p:nvSpPr>
-          <p:cNvPr id="3" name="object 3"/>
-          <p:cNvSpPr txBox="1"/>
-          <p:nvPr/>
-        </p:nvSpPr>
-        <p:spPr>
-          <a:xfrm>
-            <a:off x="3573271" y="2713685"/>
-            <a:ext cx="2133600" cy="575310"/>
-          </a:xfrm>
-          <a:prstGeom prst="rect">
-            <a:avLst/>
-          </a:prstGeom>
-        </p:spPr>
-        <p:txBody>
-          <a:bodyPr vert="horz" wrap="square" lIns="0" tIns="12700" rIns="0" bIns="0" rtlCol="0">
-            <a:spAutoFit/>
-          </a:bodyPr>
-          <a:lstStyle/>
-          <a:p>
-            <a:pPr marL="12700">
-              <a:lnSpc>
-                <a:spcPct val="100000"/>
-              </a:lnSpc>
-              <a:spcBef>
-                <a:spcPts val="100"/>
-              </a:spcBef>
-            </a:pPr>
-            <a:r>
-              <a:rPr sz="1800" spc="-40" dirty="0">
-                <a:solidFill>
-                  <a:srgbClr val="404040"/>
-                </a:solidFill>
-                <a:latin typeface="Carlito"/>
-                <a:cs typeface="Carlito"/>
-              </a:rPr>
-              <a:t>Texto </a:t>
-            </a:r>
-            <a:r>
-              <a:rPr sz="1800" spc="-10" dirty="0">
-                <a:solidFill>
-                  <a:srgbClr val="404040"/>
-                </a:solidFill>
-                <a:latin typeface="Carlito"/>
-                <a:cs typeface="Carlito"/>
-              </a:rPr>
-              <a:t>corto</a:t>
-            </a:r>
-            <a:r>
-              <a:rPr sz="1800" spc="-35" dirty="0">
-                <a:solidFill>
-                  <a:srgbClr val="404040"/>
-                </a:solidFill>
-                <a:latin typeface="Carlito"/>
-                <a:cs typeface="Carlito"/>
-              </a:rPr>
-              <a:t> </a:t>
-            </a:r>
-            <a:r>
-              <a:rPr sz="1800" spc="-10" dirty="0">
-                <a:solidFill>
-                  <a:srgbClr val="404040"/>
-                </a:solidFill>
-                <a:latin typeface="Carlito"/>
-                <a:cs typeface="Carlito"/>
-              </a:rPr>
-              <a:t>descriptivo</a:t>
-            </a:r>
-            <a:endParaRPr sz="1800">
-              <a:latin typeface="Carlito"/>
-              <a:cs typeface="Carlito"/>
-            </a:endParaRPr>
-          </a:p>
-          <a:p>
-            <a:pPr marL="12700">
-              <a:lnSpc>
-                <a:spcPct val="100000"/>
-              </a:lnSpc>
-              <a:spcBef>
-                <a:spcPts val="5"/>
-              </a:spcBef>
-            </a:pPr>
-            <a:r>
-              <a:rPr sz="1800" dirty="0">
-                <a:solidFill>
-                  <a:srgbClr val="404040"/>
-                </a:solidFill>
-                <a:latin typeface="Carlito"/>
-                <a:cs typeface="Carlito"/>
-              </a:rPr>
-              <a:t>a 2 o 3 </a:t>
-            </a:r>
-            <a:r>
-              <a:rPr sz="1800" spc="-10" dirty="0">
-                <a:solidFill>
-                  <a:srgbClr val="404040"/>
-                </a:solidFill>
-                <a:latin typeface="Carlito"/>
-                <a:cs typeface="Carlito"/>
-              </a:rPr>
-              <a:t>líneas</a:t>
-            </a:r>
-            <a:endParaRPr sz="1800">
               <a:latin typeface="Carlito"/>
               <a:cs typeface="Carlito"/>
             </a:endParaRPr>

--- a/App/app_documentacion/1er_trimestre/1_proyecto/1_1_1_presentacion_proyecto.pptx
+++ b/App/app_documentacion/1er_trimestre/1_proyecto/1_1_1_presentacion_proyecto.pptx
@@ -11,16 +11,17 @@
     <p:sldId id="258" r:id="rId5"/>
     <p:sldId id="259" r:id="rId6"/>
     <p:sldId id="260" r:id="rId7"/>
-    <p:sldId id="271" r:id="rId8"/>
-    <p:sldId id="269" r:id="rId9"/>
+    <p:sldId id="269" r:id="rId8"/>
+    <p:sldId id="272" r:id="rId9"/>
     <p:sldId id="261" r:id="rId10"/>
     <p:sldId id="262" r:id="rId11"/>
     <p:sldId id="263" r:id="rId12"/>
     <p:sldId id="264" r:id="rId13"/>
-    <p:sldId id="265" r:id="rId14"/>
-    <p:sldId id="266" r:id="rId15"/>
-    <p:sldId id="267" r:id="rId16"/>
-    <p:sldId id="268" r:id="rId17"/>
+    <p:sldId id="274" r:id="rId14"/>
+    <p:sldId id="265" r:id="rId15"/>
+    <p:sldId id="266" r:id="rId16"/>
+    <p:sldId id="267" r:id="rId17"/>
+    <p:sldId id="268" r:id="rId18"/>
   </p:sldIdLst>
   <p:sldSz cx="9144000" cy="5143500" type="screen16x9"/>
   <p:notesSz cx="9144000" cy="5143500"/>
@@ -277,7 +278,7 @@
           <a:p>
             <a:fld id="{1D8BD707-D9CF-40AE-B4C6-C98DA3205C09}" type="datetimeFigureOut">
               <a:rPr lang="en-US"/>
-              <a:t>11/29/2021</a:t>
+              <a:t>11/30/2021</a:t>
             </a:fld>
             <a:endParaRPr lang="en-US"/>
           </a:p>
@@ -491,7 +492,7 @@
           <a:p>
             <a:fld id="{1D8BD707-D9CF-40AE-B4C6-C98DA3205C09}" type="datetimeFigureOut">
               <a:rPr lang="en-US"/>
-              <a:t>11/29/2021</a:t>
+              <a:t>11/30/2021</a:t>
             </a:fld>
             <a:endParaRPr lang="en-US"/>
           </a:p>
@@ -794,7 +795,7 @@
           <a:p>
             <a:fld id="{1D8BD707-D9CF-40AE-B4C6-C98DA3205C09}" type="datetimeFigureOut">
               <a:rPr lang="en-US"/>
-              <a:t>11/29/2021</a:t>
+              <a:t>11/30/2021</a:t>
             </a:fld>
             <a:endParaRPr lang="en-US"/>
           </a:p>
@@ -942,7 +943,7 @@
           <a:p>
             <a:fld id="{1D8BD707-D9CF-40AE-B4C6-C98DA3205C09}" type="datetimeFigureOut">
               <a:rPr lang="en-US"/>
-              <a:t>11/29/2021</a:t>
+              <a:t>11/30/2021</a:t>
             </a:fld>
             <a:endParaRPr lang="en-US"/>
           </a:p>
@@ -1061,7 +1062,7 @@
           <a:p>
             <a:fld id="{1D8BD707-D9CF-40AE-B4C6-C98DA3205C09}" type="datetimeFigureOut">
               <a:rPr lang="en-US"/>
-              <a:t>11/29/2021</a:t>
+              <a:t>11/30/2021</a:t>
             </a:fld>
             <a:endParaRPr lang="en-US"/>
           </a:p>
@@ -1286,7 +1287,7 @@
           <a:p>
             <a:fld id="{1D8BD707-D9CF-40AE-B4C6-C98DA3205C09}" type="datetimeFigureOut">
               <a:rPr lang="en-US"/>
-              <a:t>11/29/2021</a:t>
+              <a:t>11/30/2021</a:t>
             </a:fld>
             <a:endParaRPr lang="en-US"/>
           </a:p>
@@ -2326,7 +2327,7 @@
         <p:spPr>
           <a:xfrm>
             <a:off x="461873" y="1258316"/>
-            <a:ext cx="8189595" cy="3091872"/>
+            <a:ext cx="8189595" cy="3353482"/>
           </a:xfrm>
           <a:prstGeom prst="rect">
             <a:avLst/>
@@ -2382,29 +2383,29 @@
             </a:endParaRPr>
           </a:p>
           <a:p>
-            <a:pPr>
-              <a:lnSpc>
-                <a:spcPct val="100000"/>
-              </a:lnSpc>
-              <a:spcBef>
-                <a:spcPts val="5"/>
-              </a:spcBef>
-            </a:pPr>
-            <a:endParaRPr sz="1600" dirty="0">
-              <a:latin typeface="Carlito"/>
-              <a:cs typeface="Carlito"/>
-            </a:endParaRPr>
-          </a:p>
-          <a:p>
             <a:pPr marL="469900">
               <a:lnSpc>
                 <a:spcPct val="100000"/>
               </a:lnSpc>
             </a:pPr>
-            <a:r>
-              <a:rPr sz="1550" spc="10" dirty="0">
-                <a:solidFill>
-                  <a:srgbClr val="404040"/>
+            <a:endParaRPr lang="es-ES" sz="1600" b="1" spc="10" dirty="0">
+              <a:solidFill>
+                <a:srgbClr val="0070C0"/>
+              </a:solidFill>
+              <a:latin typeface="Carlito"/>
+              <a:cs typeface="Carlito"/>
+            </a:endParaRPr>
+          </a:p>
+          <a:p>
+            <a:pPr marL="469900">
+              <a:lnSpc>
+                <a:spcPct val="100000"/>
+              </a:lnSpc>
+            </a:pPr>
+            <a:r>
+              <a:rPr lang="es-ES" sz="1600" b="1" spc="10" dirty="0">
+                <a:solidFill>
+                  <a:srgbClr val="0070C0"/>
                 </a:solidFill>
                 <a:latin typeface="Carlito"/>
                 <a:cs typeface="Carlito"/>
@@ -2412,9 +2413,9 @@
               <a:t>Desarrollar un Sistema de </a:t>
             </a:r>
             <a:r>
-              <a:rPr sz="1550" spc="15" dirty="0">
-                <a:solidFill>
-                  <a:srgbClr val="404040"/>
+              <a:rPr lang="es-ES" sz="1600" b="1" spc="15" dirty="0">
+                <a:solidFill>
+                  <a:srgbClr val="0070C0"/>
                 </a:solidFill>
                 <a:latin typeface="Carlito"/>
                 <a:cs typeface="Carlito"/>
@@ -2422,99 +2423,49 @@
               <a:t>Información </a:t>
             </a:r>
             <a:r>
-              <a:rPr sz="1550" spc="-5" dirty="0">
-                <a:solidFill>
-                  <a:srgbClr val="404040"/>
-                </a:solidFill>
-                <a:latin typeface="Carlito"/>
-                <a:cs typeface="Carlito"/>
-              </a:rPr>
-              <a:t>Web </a:t>
-            </a:r>
-            <a:r>
-              <a:rPr lang="es-CO" sz="1550" spc="20" dirty="0">
-                <a:solidFill>
-                  <a:srgbClr val="404040"/>
-                </a:solidFill>
-                <a:latin typeface="Carlito"/>
-                <a:cs typeface="Carlito"/>
-              </a:rPr>
-              <a:t>Sistematic </a:t>
-            </a:r>
-            <a:r>
-              <a:rPr lang="es-CO" sz="1550" spc="20" dirty="0" err="1">
-                <a:solidFill>
-                  <a:srgbClr val="404040"/>
-                </a:solidFill>
-                <a:latin typeface="Carlito"/>
-                <a:cs typeface="Carlito"/>
-              </a:rPr>
-              <a:t>cutex</a:t>
-            </a:r>
-            <a:r>
-              <a:rPr lang="es-CO" sz="1550" spc="20" dirty="0">
-                <a:solidFill>
-                  <a:srgbClr val="404040"/>
-                </a:solidFill>
-                <a:latin typeface="Carlito"/>
-                <a:cs typeface="Carlito"/>
-              </a:rPr>
-              <a:t> </a:t>
-            </a:r>
-            <a:r>
-              <a:rPr sz="1550" spc="5" dirty="0">
-                <a:solidFill>
-                  <a:srgbClr val="404040"/>
-                </a:solidFill>
-                <a:latin typeface="Carlito"/>
-                <a:cs typeface="Carlito"/>
-              </a:rPr>
-              <a:t>para </a:t>
-            </a:r>
-            <a:r>
-              <a:rPr sz="1550" spc="10" dirty="0" err="1">
-                <a:solidFill>
-                  <a:srgbClr val="404040"/>
-                </a:solidFill>
-                <a:latin typeface="Carlito"/>
-                <a:cs typeface="Carlito"/>
-              </a:rPr>
-              <a:t>el</a:t>
-            </a:r>
-            <a:r>
-              <a:rPr lang="es-CO" sz="1550" spc="225" dirty="0">
-                <a:solidFill>
-                  <a:srgbClr val="404040"/>
-                </a:solidFill>
-                <a:latin typeface="Carlito"/>
-                <a:cs typeface="Carlito"/>
-              </a:rPr>
-              <a:t> apoyo </a:t>
-            </a:r>
-            <a:r>
-              <a:rPr sz="1550" spc="15" dirty="0">
-                <a:solidFill>
-                  <a:srgbClr val="404040"/>
-                </a:solidFill>
-                <a:latin typeface="Carlito"/>
-                <a:cs typeface="Carlito"/>
-              </a:rPr>
-              <a:t>a</a:t>
-            </a:r>
-            <a:r>
-              <a:rPr lang="es-CO" sz="1550" spc="15" dirty="0">
-                <a:solidFill>
-                  <a:srgbClr val="404040"/>
-                </a:solidFill>
-                <a:latin typeface="Carlito"/>
-                <a:cs typeface="Carlito"/>
-              </a:rPr>
-              <a:t>l inventariado, facturación y marketing </a:t>
-            </a:r>
-            <a:r>
-              <a:rPr sz="1550" spc="10" dirty="0">
-                <a:solidFill>
-                  <a:srgbClr val="404040"/>
+              <a:rPr lang="es-ES" sz="1600" b="1" spc="-5" dirty="0">
+                <a:solidFill>
+                  <a:srgbClr val="0070C0"/>
+                </a:solidFill>
+                <a:latin typeface="Carlito"/>
+                <a:cs typeface="Carlito"/>
+              </a:rPr>
+              <a:t>Web:  </a:t>
+            </a:r>
+            <a:r>
+              <a:rPr lang="es-ES" sz="1600" b="1" spc="20" dirty="0">
+                <a:solidFill>
+                  <a:srgbClr val="0070C0"/>
+                </a:solidFill>
+                <a:latin typeface="Carlito"/>
+                <a:cs typeface="Carlito"/>
+              </a:rPr>
+              <a:t>Sistematic cutex , el cual funcionaria como </a:t>
+            </a:r>
+            <a:r>
+              <a:rPr lang="es-ES" sz="1600" b="1" spc="225" dirty="0">
+                <a:solidFill>
+                  <a:srgbClr val="0070C0"/>
+                </a:solidFill>
+                <a:latin typeface="Carlito"/>
+                <a:cs typeface="Carlito"/>
+              </a:rPr>
+              <a:t>apoyo </a:t>
+            </a:r>
+            <a:r>
+              <a:rPr lang="es-ES" sz="1600" b="1" spc="15" dirty="0">
+                <a:solidFill>
+                  <a:srgbClr val="0070C0"/>
+                </a:solidFill>
+                <a:latin typeface="Carlito"/>
+                <a:cs typeface="Carlito"/>
+              </a:rPr>
+              <a:t>a los procesos de inventario, facturación y marketing </a:t>
+            </a:r>
+            <a:r>
+              <a:rPr lang="es-ES" sz="1600" b="1" spc="10" dirty="0">
+                <a:solidFill>
+                  <a:srgbClr val="0070C0"/>
                 </a:solidFill>
                 <a:latin typeface="Carlito"/>
                 <a:cs typeface="Carlito"/>
@@ -2522,9 +2473,9 @@
               <a:t>de </a:t>
             </a:r>
             <a:r>
-              <a:rPr sz="1550" spc="5" dirty="0">
-                <a:solidFill>
-                  <a:srgbClr val="404040"/>
+              <a:rPr lang="es-ES" sz="1600" b="1" spc="5" dirty="0">
+                <a:solidFill>
+                  <a:srgbClr val="0070C0"/>
                 </a:solidFill>
                 <a:latin typeface="Carlito"/>
                 <a:cs typeface="Carlito"/>
@@ -2532,56 +2483,29 @@
               <a:t>la </a:t>
             </a:r>
             <a:r>
-              <a:rPr sz="1550" dirty="0" err="1">
-                <a:solidFill>
-                  <a:srgbClr val="404040"/>
-                </a:solidFill>
-                <a:latin typeface="Carlito"/>
-                <a:cs typeface="Carlito"/>
-              </a:rPr>
-              <a:t>Empresa</a:t>
-            </a:r>
-            <a:r>
-              <a:rPr lang="es-CO" sz="1550" dirty="0">
-                <a:solidFill>
-                  <a:srgbClr val="404040"/>
-                </a:solidFill>
-                <a:latin typeface="Carlito"/>
-                <a:cs typeface="Carlito"/>
-              </a:rPr>
-              <a:t> </a:t>
-            </a:r>
-            <a:r>
-              <a:rPr lang="es-CO" sz="1550" dirty="0" err="1">
-                <a:solidFill>
-                  <a:srgbClr val="404040"/>
-                </a:solidFill>
-                <a:latin typeface="Carlito"/>
-                <a:cs typeface="Carlito"/>
-              </a:rPr>
-              <a:t>Peleteria</a:t>
-            </a:r>
-            <a:r>
-              <a:rPr lang="es-CO" sz="1550" dirty="0">
-                <a:solidFill>
-                  <a:srgbClr val="404040"/>
-                </a:solidFill>
-                <a:latin typeface="Carlito"/>
-                <a:cs typeface="Carlito"/>
-              </a:rPr>
-              <a:t> cueros y color</a:t>
-            </a:r>
-            <a:r>
-              <a:rPr sz="1550" spc="5" dirty="0">
-                <a:solidFill>
-                  <a:srgbClr val="404040"/>
+              <a:rPr lang="es-ES" sz="1600" b="1" dirty="0">
+                <a:solidFill>
+                  <a:srgbClr val="0070C0"/>
+                </a:solidFill>
+                <a:latin typeface="Carlito"/>
+                <a:cs typeface="Carlito"/>
+              </a:rPr>
+              <a:t>Empresa Peleteria cueros y color</a:t>
+            </a:r>
+            <a:r>
+              <a:rPr lang="es-ES" sz="1600" b="1" spc="5" dirty="0">
+                <a:solidFill>
+                  <a:srgbClr val="0070C0"/>
                 </a:solidFill>
                 <a:latin typeface="Carlito"/>
                 <a:cs typeface="Carlito"/>
               </a:rPr>
               <a:t>.</a:t>
             </a:r>
-            <a:endParaRPr sz="1550" dirty="0">
+            <a:endParaRPr lang="es-ES" sz="1600" b="1" dirty="0">
+              <a:solidFill>
+                <a:srgbClr val="0070C0"/>
+              </a:solidFill>
               <a:latin typeface="Carlito"/>
               <a:cs typeface="Carlito"/>
             </a:endParaRPr>
@@ -2669,7 +2593,7 @@
             <a:r>
               <a:rPr lang="es-CO" sz="1550" b="1" spc="5" dirty="0">
                 <a:solidFill>
-                  <a:srgbClr val="404040"/>
+                  <a:srgbClr val="002060"/>
                 </a:solidFill>
                 <a:latin typeface="Carlito"/>
                 <a:cs typeface="Carlito"/>
@@ -2688,12 +2612,32 @@
             <a:r>
               <a:rPr lang="es-CO" sz="1550" b="1" spc="5" dirty="0">
                 <a:solidFill>
-                  <a:srgbClr val="404040"/>
-                </a:solidFill>
-                <a:latin typeface="Carlito"/>
-                <a:cs typeface="Carlito"/>
-              </a:rPr>
-              <a:t>Generar factura en línea con el valor a pagar por la venta.</a:t>
+                  <a:srgbClr val="002060"/>
+                </a:solidFill>
+                <a:latin typeface="Carlito"/>
+                <a:cs typeface="Carlito"/>
+              </a:rPr>
+              <a:t>Gestionar el proceso de facturación de la empresa : </a:t>
+            </a:r>
+            <a:r>
+              <a:rPr lang="es-CO" sz="1550" b="1" spc="5" dirty="0" err="1">
+                <a:solidFill>
+                  <a:srgbClr val="002060"/>
+                </a:solidFill>
+                <a:latin typeface="Carlito"/>
+                <a:cs typeface="Carlito"/>
+              </a:rPr>
+              <a:t>Peleteria</a:t>
+            </a:r>
+            <a:r>
+              <a:rPr lang="es-CO" sz="1550" b="1" spc="5" dirty="0">
+                <a:solidFill>
+                  <a:srgbClr val="002060"/>
+                </a:solidFill>
+                <a:latin typeface="Carlito"/>
+                <a:cs typeface="Carlito"/>
+              </a:rPr>
+              <a:t> Cueros y Color.</a:t>
             </a:r>
           </a:p>
           <a:p>
@@ -2707,12 +2651,32 @@
             <a:r>
               <a:rPr lang="es-CO" sz="1550" b="1" spc="5" dirty="0">
                 <a:solidFill>
-                  <a:srgbClr val="404040"/>
-                </a:solidFill>
-                <a:latin typeface="Carlito"/>
-                <a:cs typeface="Carlito"/>
-              </a:rPr>
-              <a:t>Ordenar y controlar el inventario de la empresa a través del sistema de información</a:t>
+                  <a:srgbClr val="002060"/>
+                </a:solidFill>
+                <a:latin typeface="Carlito"/>
+                <a:cs typeface="Carlito"/>
+              </a:rPr>
+              <a:t>Gestionar el proceso de Inventario de la empresa: </a:t>
+            </a:r>
+            <a:r>
+              <a:rPr lang="es-CO" sz="1550" b="1" spc="5" dirty="0" err="1">
+                <a:solidFill>
+                  <a:srgbClr val="002060"/>
+                </a:solidFill>
+                <a:latin typeface="Carlito"/>
+                <a:cs typeface="Carlito"/>
+              </a:rPr>
+              <a:t>Peleteria</a:t>
+            </a:r>
+            <a:r>
+              <a:rPr lang="es-CO" sz="1550" b="1" spc="5" dirty="0">
+                <a:solidFill>
+                  <a:srgbClr val="002060"/>
+                </a:solidFill>
+                <a:latin typeface="Carlito"/>
+                <a:cs typeface="Carlito"/>
+              </a:rPr>
+              <a:t> Cueros y Color.</a:t>
             </a:r>
           </a:p>
           <a:p>
@@ -2726,14 +2690,57 @@
             <a:r>
               <a:rPr lang="es-CO" sz="1550" b="1" spc="5" dirty="0">
                 <a:solidFill>
-                  <a:srgbClr val="404040"/>
-                </a:solidFill>
-                <a:latin typeface="Carlito"/>
-                <a:cs typeface="Carlito"/>
-              </a:rPr>
-              <a:t>Administrar adecuadamente el marketing de la empresa</a:t>
+                  <a:srgbClr val="002060"/>
+                </a:solidFill>
+                <a:latin typeface="Carlito"/>
+                <a:cs typeface="Carlito"/>
+              </a:rPr>
+              <a:t>Gestionar el proceso de marketing a través de </a:t>
+            </a:r>
+            <a:r>
+              <a:rPr lang="es-CO" sz="1550" b="1" spc="5" dirty="0" err="1">
+                <a:solidFill>
+                  <a:srgbClr val="002060"/>
+                </a:solidFill>
+                <a:latin typeface="Carlito"/>
+                <a:cs typeface="Carlito"/>
+              </a:rPr>
+              <a:t>website</a:t>
+            </a:r>
+            <a:r>
+              <a:rPr lang="es-CO" sz="1550" b="1" spc="5" dirty="0">
+                <a:solidFill>
+                  <a:srgbClr val="002060"/>
+                </a:solidFill>
+                <a:latin typeface="Carlito"/>
+                <a:cs typeface="Carlito"/>
+              </a:rPr>
+              <a:t>  de la empresa: </a:t>
+            </a:r>
+            <a:r>
+              <a:rPr lang="es-CO" sz="1550" b="1" spc="5" dirty="0" err="1">
+                <a:solidFill>
+                  <a:srgbClr val="002060"/>
+                </a:solidFill>
+                <a:latin typeface="Carlito"/>
+                <a:cs typeface="Carlito"/>
+              </a:rPr>
+              <a:t>Peleteria</a:t>
+            </a:r>
+            <a:r>
+              <a:rPr lang="es-CO" sz="1550" b="1" spc="5" dirty="0">
+                <a:solidFill>
+                  <a:srgbClr val="002060"/>
+                </a:solidFill>
+                <a:latin typeface="Carlito"/>
+                <a:cs typeface="Carlito"/>
+              </a:rPr>
+              <a:t> Cueros y Color.</a:t>
             </a:r>
             <a:endParaRPr sz="1550" dirty="0">
+              <a:solidFill>
+                <a:srgbClr val="002060"/>
+              </a:solidFill>
               <a:latin typeface="Carlito"/>
               <a:cs typeface="Carlito"/>
             </a:endParaRPr>
@@ -2812,7 +2819,7 @@
         </p:nvSpPr>
         <p:spPr>
           <a:xfrm>
-            <a:off x="466344" y="2734055"/>
+            <a:off x="496032" y="2915402"/>
             <a:ext cx="718185" cy="45720"/>
           </a:xfrm>
           <a:custGeom>
@@ -2854,6 +2861,42 @@
           </a:p>
         </p:txBody>
       </p:sp>
+      <p:pic>
+        <p:nvPicPr>
+          <p:cNvPr id="8" name="Imagen 7" descr="Un letrero de color blanco&#10;&#10;Descripción generada automáticamente con confianza media">
+            <a:extLst>
+              <a:ext uri="{FF2B5EF4-FFF2-40B4-BE49-F238E27FC236}">
+                <a16:creationId xmlns:a16="http://schemas.microsoft.com/office/drawing/2014/main" id="{65BBF017-FC49-45A9-9D1D-B91BBDE60B05}"/>
+              </a:ext>
+            </a:extLst>
+          </p:cNvPr>
+          <p:cNvPicPr>
+            <a:picLocks noChangeAspect="1"/>
+          </p:cNvPicPr>
+          <p:nvPr/>
+        </p:nvPicPr>
+        <p:blipFill>
+          <a:blip r:embed="rId3">
+            <a:extLst>
+              <a:ext uri="{28A0092B-C50C-407E-A947-70E740481C1C}">
+                <a14:useLocalDpi xmlns:a14="http://schemas.microsoft.com/office/drawing/2010/main" val="0"/>
+              </a:ext>
+            </a:extLst>
+          </a:blip>
+          <a:stretch>
+            <a:fillRect/>
+          </a:stretch>
+        </p:blipFill>
+        <p:spPr>
+          <a:xfrm>
+            <a:off x="7562088" y="4302251"/>
+            <a:ext cx="1362829" cy="567055"/>
+          </a:xfrm>
+          <a:prstGeom prst="rect">
+            <a:avLst/>
+          </a:prstGeom>
+        </p:spPr>
+      </p:pic>
     </p:spTree>
   </p:cSld>
   <p:clrMapOvr>
@@ -2879,6 +2922,53 @@
           <a:chExt cx="0" cy="0"/>
         </a:xfrm>
       </p:grpSpPr>
+      <p:pic>
+        <p:nvPicPr>
+          <p:cNvPr id="2050" name="Picture 2" descr="Justificación – Investigación de Operaciones, Administración, Evaluación de  Proyectos y Metodología de la Investigación">
+            <a:extLst>
+              <a:ext uri="{FF2B5EF4-FFF2-40B4-BE49-F238E27FC236}">
+                <a16:creationId xmlns:a16="http://schemas.microsoft.com/office/drawing/2014/main" id="{39C69150-8DE2-45FA-BAB2-531C41473923}"/>
+              </a:ext>
+            </a:extLst>
+          </p:cNvPr>
+          <p:cNvPicPr>
+            <a:picLocks noChangeAspect="1" noChangeArrowheads="1"/>
+          </p:cNvPicPr>
+          <p:nvPr/>
+        </p:nvPicPr>
+        <p:blipFill>
+          <a:blip r:embed="rId2">
+            <a:extLst>
+              <a:ext uri="{28A0092B-C50C-407E-A947-70E740481C1C}">
+                <a14:useLocalDpi xmlns:a14="http://schemas.microsoft.com/office/drawing/2010/main" val="0"/>
+              </a:ext>
+            </a:extLst>
+          </a:blip>
+          <a:srcRect/>
+          <a:stretch>
+            <a:fillRect/>
+          </a:stretch>
+        </p:blipFill>
+        <p:spPr bwMode="auto">
+          <a:xfrm>
+            <a:off x="406785" y="469658"/>
+            <a:ext cx="3332729" cy="4236188"/>
+          </a:xfrm>
+          <a:prstGeom prst="rect">
+            <a:avLst/>
+          </a:prstGeom>
+          <a:noFill/>
+          <a:extLst>
+            <a:ext uri="{909E8E84-426E-40DD-AFC4-6F175D3DCCD1}">
+              <a14:hiddenFill xmlns:a14="http://schemas.microsoft.com/office/drawing/2010/main">
+                <a:solidFill>
+                  <a:srgbClr val="FFFFFF"/>
+                </a:solidFill>
+              </a14:hiddenFill>
+            </a:ext>
+          </a:extLst>
+        </p:spPr>
+      </p:pic>
       <p:sp>
         <p:nvSpPr>
           <p:cNvPr id="2" name="object 2"/>
@@ -2916,116 +3006,6 @@
               <a:rPr spc="-10" dirty="0"/>
               <a:t>Justificación</a:t>
             </a:r>
-          </a:p>
-        </p:txBody>
-      </p:sp>
-      <p:sp>
-        <p:nvSpPr>
-          <p:cNvPr id="3" name="object 3"/>
-          <p:cNvSpPr txBox="1"/>
-          <p:nvPr/>
-        </p:nvSpPr>
-        <p:spPr>
-          <a:xfrm>
-            <a:off x="3573271" y="2713685"/>
-            <a:ext cx="2133600" cy="575310"/>
-          </a:xfrm>
-          <a:prstGeom prst="rect">
-            <a:avLst/>
-          </a:prstGeom>
-        </p:spPr>
-        <p:txBody>
-          <a:bodyPr vert="horz" wrap="square" lIns="0" tIns="12700" rIns="0" bIns="0" rtlCol="0">
-            <a:spAutoFit/>
-          </a:bodyPr>
-          <a:lstStyle/>
-          <a:p>
-            <a:pPr marL="12700">
-              <a:lnSpc>
-                <a:spcPct val="100000"/>
-              </a:lnSpc>
-              <a:spcBef>
-                <a:spcPts val="100"/>
-              </a:spcBef>
-            </a:pPr>
-            <a:r>
-              <a:rPr sz="1800" spc="-40" dirty="0">
-                <a:solidFill>
-                  <a:srgbClr val="404040"/>
-                </a:solidFill>
-                <a:latin typeface="Carlito"/>
-                <a:cs typeface="Carlito"/>
-              </a:rPr>
-              <a:t>Texto </a:t>
-            </a:r>
-            <a:r>
-              <a:rPr sz="1800" spc="-10" dirty="0">
-                <a:solidFill>
-                  <a:srgbClr val="404040"/>
-                </a:solidFill>
-                <a:latin typeface="Carlito"/>
-                <a:cs typeface="Carlito"/>
-              </a:rPr>
-              <a:t>corto</a:t>
-            </a:r>
-            <a:r>
-              <a:rPr sz="1800" spc="-35" dirty="0">
-                <a:solidFill>
-                  <a:srgbClr val="404040"/>
-                </a:solidFill>
-                <a:latin typeface="Carlito"/>
-                <a:cs typeface="Carlito"/>
-              </a:rPr>
-              <a:t> </a:t>
-            </a:r>
-            <a:r>
-              <a:rPr sz="1800" spc="-10" dirty="0">
-                <a:solidFill>
-                  <a:srgbClr val="404040"/>
-                </a:solidFill>
-                <a:latin typeface="Carlito"/>
-                <a:cs typeface="Carlito"/>
-              </a:rPr>
-              <a:t>descriptivo</a:t>
-            </a:r>
-            <a:endParaRPr sz="1800">
-              <a:latin typeface="Carlito"/>
-              <a:cs typeface="Carlito"/>
-            </a:endParaRPr>
-          </a:p>
-          <a:p>
-            <a:pPr marL="12700">
-              <a:lnSpc>
-                <a:spcPct val="100000"/>
-              </a:lnSpc>
-              <a:spcBef>
-                <a:spcPts val="5"/>
-              </a:spcBef>
-            </a:pPr>
-            <a:r>
-              <a:rPr sz="1800" dirty="0">
-                <a:solidFill>
-                  <a:srgbClr val="404040"/>
-                </a:solidFill>
-                <a:latin typeface="Carlito"/>
-                <a:cs typeface="Carlito"/>
-              </a:rPr>
-              <a:t>a 2 o 3 </a:t>
-            </a:r>
-            <a:r>
-              <a:rPr sz="1800" spc="-10" dirty="0">
-                <a:solidFill>
-                  <a:srgbClr val="404040"/>
-                </a:solidFill>
-                <a:latin typeface="Carlito"/>
-                <a:cs typeface="Carlito"/>
-              </a:rPr>
-              <a:t>líneas</a:t>
-            </a:r>
-            <a:endParaRPr sz="1800">
-              <a:latin typeface="Carlito"/>
-              <a:cs typeface="Carlito"/>
-            </a:endParaRPr>
           </a:p>
         </p:txBody>
       </p:sp>
@@ -3151,6 +3131,42 @@
           </a:p>
         </p:txBody>
       </p:sp>
+      <p:pic>
+        <p:nvPicPr>
+          <p:cNvPr id="6" name="Imagen 5" descr="Un letrero de color blanco&#10;&#10;Descripción generada automáticamente con confianza media">
+            <a:extLst>
+              <a:ext uri="{FF2B5EF4-FFF2-40B4-BE49-F238E27FC236}">
+                <a16:creationId xmlns:a16="http://schemas.microsoft.com/office/drawing/2014/main" id="{8FA0D02F-1A28-437A-B343-66BD02DE234B}"/>
+              </a:ext>
+            </a:extLst>
+          </p:cNvPr>
+          <p:cNvPicPr>
+            <a:picLocks noChangeAspect="1"/>
+          </p:cNvPicPr>
+          <p:nvPr/>
+        </p:nvPicPr>
+        <p:blipFill>
+          <a:blip r:embed="rId3">
+            <a:extLst>
+              <a:ext uri="{28A0092B-C50C-407E-A947-70E740481C1C}">
+                <a14:useLocalDpi xmlns:a14="http://schemas.microsoft.com/office/drawing/2010/main" val="0"/>
+              </a:ext>
+            </a:extLst>
+          </a:blip>
+          <a:stretch>
+            <a:fillRect/>
+          </a:stretch>
+        </p:blipFill>
+        <p:spPr>
+          <a:xfrm>
+            <a:off x="7562088" y="4302251"/>
+            <a:ext cx="1362829" cy="567055"/>
+          </a:xfrm>
+          <a:prstGeom prst="rect">
+            <a:avLst/>
+          </a:prstGeom>
+        </p:spPr>
+      </p:pic>
     </p:spTree>
   </p:cSld>
   <p:clrMapOvr>
@@ -3184,7 +3200,7 @@
         </p:nvSpPr>
         <p:spPr>
           <a:xfrm>
-            <a:off x="0" y="0"/>
+            <a:off x="0" y="-31531"/>
             <a:ext cx="9144000" cy="1066800"/>
           </a:xfrm>
           <a:prstGeom prst="rect">
@@ -3334,8 +3350,14 @@
       </p:sp>
       <p:sp>
         <p:nvSpPr>
-          <p:cNvPr id="5" name="object 5"/>
-          <p:cNvSpPr txBox="1">
+          <p:cNvPr id="8" name="Marcador de texto 7">
+            <a:extLst>
+              <a:ext uri="{FF2B5EF4-FFF2-40B4-BE49-F238E27FC236}">
+                <a16:creationId xmlns:a16="http://schemas.microsoft.com/office/drawing/2014/main" id="{B8A7484F-C0F0-4433-A53C-047732B665C3}"/>
+              </a:ext>
+            </a:extLst>
+          </p:cNvPr>
+          <p:cNvSpPr>
             <a:spLocks noGrp="1"/>
           </p:cNvSpPr>
           <p:nvPr>
@@ -3344,15 +3366,117 @@
         </p:nvSpPr>
         <p:spPr>
           <a:xfrm>
-            <a:off x="461873" y="1258316"/>
-            <a:ext cx="8154670" cy="2487989"/>
+            <a:off x="304800" y="1534359"/>
+            <a:ext cx="1600200" cy="2585323"/>
+          </a:xfrm>
+          <a:ln>
+            <a:solidFill>
+              <a:schemeClr val="bg2">
+                <a:lumMod val="90000"/>
+              </a:schemeClr>
+            </a:solidFill>
+          </a:ln>
+          <a:effectLst>
+            <a:glow rad="101600">
+              <a:schemeClr val="accent6">
+                <a:satMod val="175000"/>
+                <a:alpha val="40000"/>
+              </a:schemeClr>
+            </a:glow>
+            <a:outerShdw blurRad="44450" dist="27940" dir="5400000" algn="ctr">
+              <a:srgbClr val="000000">
+                <a:alpha val="32000"/>
+              </a:srgbClr>
+            </a:outerShdw>
+          </a:effectLst>
+          <a:scene3d>
+            <a:camera prst="orthographicFront">
+              <a:rot lat="0" lon="0" rev="0"/>
+            </a:camera>
+            <a:lightRig rig="balanced" dir="t">
+              <a:rot lat="0" lon="0" rev="8700000"/>
+            </a:lightRig>
+          </a:scene3d>
+          <a:sp3d>
+            <a:bevelT w="190500" h="38100"/>
+          </a:sp3d>
+        </p:spPr>
+        <p:txBody>
+          <a:bodyPr/>
+          <a:lstStyle/>
+          <a:p>
+            <a:pPr algn="ctr"/>
+            <a:r>
+              <a:rPr lang="es-CO" sz="1200" b="1" dirty="0">
+                <a:solidFill>
+                  <a:schemeClr val="tx1"/>
+                </a:solidFill>
+              </a:rPr>
+              <a:t>Debido a que los procesos de facturación , inventario y marketing no se encuentran sistematizados, se desencadena perdidas de información sumamente importante para la empresa, perdida de tiempo y ausencia de mejores alcances en el mercado para la empresa   Peletería Cueros y Color.</a:t>
+            </a:r>
+          </a:p>
+        </p:txBody>
+      </p:sp>
+      <p:pic>
+        <p:nvPicPr>
+          <p:cNvPr id="9" name="Imagen 8" descr="Un letrero de color blanco&#10;&#10;Descripción generada automáticamente con confianza media">
+            <a:extLst>
+              <a:ext uri="{FF2B5EF4-FFF2-40B4-BE49-F238E27FC236}">
+                <a16:creationId xmlns:a16="http://schemas.microsoft.com/office/drawing/2014/main" id="{60C49A4E-2680-4475-8294-3A1D3AE3BCDF}"/>
+              </a:ext>
+            </a:extLst>
+          </p:cNvPr>
+          <p:cNvPicPr>
+            <a:picLocks noChangeAspect="1"/>
+          </p:cNvPicPr>
+          <p:nvPr/>
+        </p:nvPicPr>
+        <p:blipFill>
+          <a:blip r:embed="rId3">
+            <a:extLst>
+              <a:ext uri="{28A0092B-C50C-407E-A947-70E740481C1C}">
+                <a14:useLocalDpi xmlns:a14="http://schemas.microsoft.com/office/drawing/2010/main" val="0"/>
+              </a:ext>
+            </a:extLst>
+          </a:blip>
+          <a:stretch>
+            <a:fillRect/>
+          </a:stretch>
+        </p:blipFill>
+        <p:spPr>
+          <a:xfrm>
+            <a:off x="7562088" y="4302251"/>
+            <a:ext cx="1362829" cy="567055"/>
           </a:xfrm>
           <a:prstGeom prst="rect">
             <a:avLst/>
           </a:prstGeom>
         </p:spPr>
+      </p:pic>
+      <p:sp>
+        <p:nvSpPr>
+          <p:cNvPr id="11" name="CuadroTexto 10">
+            <a:extLst>
+              <a:ext uri="{FF2B5EF4-FFF2-40B4-BE49-F238E27FC236}">
+                <a16:creationId xmlns:a16="http://schemas.microsoft.com/office/drawing/2014/main" id="{916744D2-3D70-49B2-9F23-EEF1A9AB315D}"/>
+              </a:ext>
+            </a:extLst>
+          </p:cNvPr>
+          <p:cNvSpPr txBox="1"/>
+          <p:nvPr/>
+        </p:nvSpPr>
+        <p:spPr>
+          <a:xfrm>
+            <a:off x="720690" y="4214468"/>
+            <a:ext cx="6777127" cy="499817"/>
+          </a:xfrm>
+          <a:prstGeom prst="rect">
+            <a:avLst/>
+          </a:prstGeom>
+          <a:noFill/>
+        </p:spPr>
         <p:txBody>
-          <a:bodyPr vert="horz" wrap="square" lIns="0" tIns="16510" rIns="0" bIns="0" rtlCol="0">
+          <a:bodyPr wrap="square">
             <a:spAutoFit/>
           </a:bodyPr>
           <a:lstStyle/>
@@ -3365,147 +3489,7 @@
                 <a:tab pos="300990" algn="l"/>
               </a:tabLst>
             </a:pPr>
-            <a:r>
-              <a:rPr spc="10" dirty="0"/>
-              <a:t>Se propone el </a:t>
-            </a:r>
-            <a:r>
-              <a:rPr spc="15" dirty="0"/>
-              <a:t>desarrollo </a:t>
-            </a:r>
-            <a:r>
-              <a:rPr spc="10" dirty="0"/>
-              <a:t>de un Sistema de </a:t>
-            </a:r>
-            <a:r>
-              <a:rPr spc="15" dirty="0"/>
-              <a:t>Información </a:t>
-            </a:r>
-            <a:r>
-              <a:rPr spc="-5" dirty="0"/>
-              <a:t>Web </a:t>
-            </a:r>
-            <a:r>
-              <a:rPr spc="20" dirty="0" err="1"/>
-              <a:t>denominado</a:t>
-            </a:r>
-            <a:r>
-              <a:rPr lang="es-CO" spc="20" dirty="0"/>
-              <a:t> Sistematic Cutex</a:t>
-            </a:r>
-            <a:r>
-              <a:rPr spc="15" dirty="0"/>
-              <a:t> </a:t>
-            </a:r>
-            <a:r>
-              <a:rPr spc="10" dirty="0"/>
-              <a:t>que sirva </a:t>
-            </a:r>
-            <a:r>
-              <a:rPr spc="25" dirty="0"/>
-              <a:t>como </a:t>
-            </a:r>
-            <a:r>
-              <a:rPr spc="10" dirty="0"/>
-              <a:t>herramienta software de apoyo </a:t>
-            </a:r>
-            <a:r>
-              <a:rPr spc="5" dirty="0"/>
-              <a:t>al </a:t>
-            </a:r>
-            <a:r>
-              <a:rPr spc="15" dirty="0" err="1"/>
-              <a:t>seguimiento</a:t>
-            </a:r>
-            <a:r>
-              <a:rPr spc="15" dirty="0"/>
-              <a:t> de</a:t>
-            </a:r>
-            <a:r>
-              <a:rPr lang="es-CO" spc="15" dirty="0"/>
-              <a:t>  inventariado, facturación y marketing </a:t>
-            </a:r>
-            <a:r>
-              <a:rPr spc="10" dirty="0"/>
-              <a:t>de la </a:t>
-            </a:r>
-            <a:r>
-              <a:rPr dirty="0" err="1"/>
-              <a:t>Empresa</a:t>
-            </a:r>
-            <a:r>
-              <a:rPr dirty="0"/>
-              <a:t> </a:t>
-            </a:r>
-            <a:r>
-              <a:rPr lang="es-CO" spc="5" dirty="0" err="1"/>
-              <a:t>Peleteria</a:t>
-            </a:r>
-            <a:r>
-              <a:rPr lang="es-CO" spc="5" dirty="0"/>
-              <a:t> cueros y color. El cual p</a:t>
-            </a:r>
-            <a:r>
-              <a:rPr spc="5" dirty="0" err="1"/>
-              <a:t>ermitirá</a:t>
-            </a:r>
-            <a:r>
-              <a:rPr spc="5" dirty="0"/>
-              <a:t> </a:t>
-            </a:r>
-            <a:r>
-              <a:rPr spc="10" dirty="0"/>
-              <a:t>la </a:t>
-            </a:r>
-            <a:r>
-              <a:rPr spc="10" dirty="0" err="1"/>
-              <a:t>gestión</a:t>
-            </a:r>
-            <a:r>
-              <a:rPr spc="10" dirty="0"/>
-              <a:t> de</a:t>
-            </a:r>
-            <a:r>
-              <a:rPr lang="es-CO" spc="10" dirty="0"/>
-              <a:t> los clientes </a:t>
-            </a:r>
-            <a:r>
-              <a:rPr spc="15" dirty="0" err="1"/>
-              <a:t>como</a:t>
-            </a:r>
-            <a:r>
-              <a:rPr spc="15" dirty="0"/>
-              <a:t> </a:t>
-            </a:r>
-            <a:r>
-              <a:rPr spc="20" dirty="0"/>
-              <a:t>usuarios </a:t>
-            </a:r>
-            <a:r>
-              <a:rPr spc="10" dirty="0"/>
-              <a:t>de</a:t>
-            </a:r>
-            <a:r>
-              <a:rPr spc="135" dirty="0"/>
-              <a:t> </a:t>
-            </a:r>
-            <a:r>
-              <a:rPr spc="5" dirty="0"/>
-              <a:t>la</a:t>
-            </a:r>
-            <a:r>
-              <a:rPr lang="es-CO" spc="5" dirty="0"/>
-              <a:t> </a:t>
-            </a:r>
-            <a:r>
-              <a:rPr spc="15" dirty="0" err="1"/>
-              <a:t>Empresa</a:t>
-            </a:r>
-            <a:r>
-              <a:rPr spc="15" dirty="0"/>
-              <a:t>. </a:t>
-            </a:r>
-            <a:endParaRPr lang="es-CO" spc="15" dirty="0"/>
+            <a:endParaRPr lang="es-ES" sz="1200" spc="15" dirty="0"/>
           </a:p>
           <a:p>
             <a:pPr marL="12065" marR="8255" algn="just">
@@ -3516,8 +3500,52 @@
                 <a:tab pos="300990" algn="l"/>
               </a:tabLst>
             </a:pPr>
-            <a:endParaRPr lang="es-CO" spc="15" dirty="0"/>
-          </a:p>
+            <a:endParaRPr lang="es-ES" sz="1400" b="1" spc="5" dirty="0"/>
+          </a:p>
+        </p:txBody>
+      </p:sp>
+      <p:sp>
+        <p:nvSpPr>
+          <p:cNvPr id="13" name="CuadroTexto 12">
+            <a:extLst>
+              <a:ext uri="{FF2B5EF4-FFF2-40B4-BE49-F238E27FC236}">
+                <a16:creationId xmlns:a16="http://schemas.microsoft.com/office/drawing/2014/main" id="{281E3189-793E-4F8D-9F96-9FE487367751}"/>
+              </a:ext>
+            </a:extLst>
+          </p:cNvPr>
+          <p:cNvSpPr txBox="1"/>
+          <p:nvPr/>
+        </p:nvSpPr>
+        <p:spPr>
+          <a:xfrm>
+            <a:off x="2438400" y="1969874"/>
+            <a:ext cx="2743200" cy="1429302"/>
+          </a:xfrm>
+          <a:prstGeom prst="rect">
+            <a:avLst/>
+          </a:prstGeom>
+          <a:solidFill>
+            <a:schemeClr val="bg2"/>
+          </a:solidFill>
+          <a:ln>
+            <a:solidFill>
+              <a:schemeClr val="tx1"/>
+            </a:solidFill>
+          </a:ln>
+          <a:effectLst>
+            <a:glow rad="63500">
+              <a:schemeClr val="accent1">
+                <a:satMod val="175000"/>
+                <a:alpha val="40000"/>
+              </a:schemeClr>
+            </a:glow>
+          </a:effectLst>
+        </p:spPr>
+        <p:txBody>
+          <a:bodyPr wrap="square">
+            <a:spAutoFit/>
+          </a:bodyPr>
+          <a:lstStyle/>
           <a:p>
             <a:pPr marL="12065" marR="8255" algn="just">
               <a:lnSpc>
@@ -3528,466 +3556,426 @@
               </a:tabLst>
             </a:pPr>
             <a:r>
-              <a:rPr spc="5" dirty="0" err="1"/>
-              <a:t>En</a:t>
-            </a:r>
-            <a:r>
-              <a:rPr spc="5" dirty="0"/>
-              <a:t>  </a:t>
-            </a:r>
-            <a:r>
-              <a:rPr spc="15" dirty="0"/>
-              <a:t>[ModProceso1] </a:t>
-            </a:r>
-            <a:r>
-              <a:rPr spc="5" dirty="0"/>
-              <a:t>los </a:t>
-            </a:r>
-            <a:r>
-              <a:rPr spc="10" dirty="0"/>
-              <a:t>[Perfiles </a:t>
-            </a:r>
-            <a:r>
-              <a:rPr spc="15" dirty="0"/>
-              <a:t>Usuario]  </a:t>
-            </a:r>
-            <a:r>
-              <a:rPr spc="10" dirty="0"/>
-              <a:t>podrán </a:t>
-            </a:r>
-            <a:r>
-              <a:rPr spc="20" dirty="0"/>
-              <a:t>[acciones </a:t>
-            </a:r>
-            <a:r>
-              <a:rPr spc="10" dirty="0"/>
-              <a:t>del Sistema </a:t>
-            </a:r>
-            <a:r>
-              <a:rPr spc="15" dirty="0"/>
-              <a:t>(beneficios comparados con </a:t>
-            </a:r>
-            <a:r>
-              <a:rPr spc="5" dirty="0"/>
-              <a:t>las </a:t>
-            </a:r>
-            <a:r>
-              <a:rPr spc="15" dirty="0"/>
-              <a:t>necesidades </a:t>
-            </a:r>
-            <a:r>
-              <a:rPr spc="10" dirty="0"/>
-              <a:t>encontradas)]. </a:t>
-            </a:r>
-            <a:r>
-              <a:rPr spc="-5" dirty="0"/>
-              <a:t>En  </a:t>
-            </a:r>
-            <a:r>
-              <a:rPr spc="15" dirty="0"/>
-              <a:t>[ModProceso2] </a:t>
-            </a:r>
-            <a:r>
-              <a:rPr spc="10" dirty="0"/>
-              <a:t>los [Perfiles </a:t>
-            </a:r>
-            <a:r>
-              <a:rPr spc="15" dirty="0"/>
-              <a:t>Usuario] podrán [acciones </a:t>
-            </a:r>
-            <a:r>
-              <a:rPr spc="20" dirty="0"/>
-              <a:t>del </a:t>
-            </a:r>
-            <a:r>
-              <a:rPr spc="10" dirty="0"/>
-              <a:t>Sistema </a:t>
-            </a:r>
-            <a:r>
-              <a:rPr spc="15" dirty="0"/>
-              <a:t>(beneficios comparados con  </a:t>
-            </a:r>
-            <a:r>
-              <a:rPr spc="10" dirty="0"/>
-              <a:t>las </a:t>
-            </a:r>
-            <a:r>
-              <a:rPr spc="15" dirty="0"/>
-              <a:t>necesidades encontradas)]. Finalmente, </a:t>
-            </a:r>
-            <a:r>
-              <a:rPr dirty="0"/>
-              <a:t>facilitará </a:t>
-            </a:r>
-            <a:r>
-              <a:rPr spc="10" dirty="0"/>
-              <a:t>la gestión de </a:t>
-            </a:r>
-            <a:r>
-              <a:rPr spc="15" dirty="0"/>
-              <a:t>reportes </a:t>
-            </a:r>
-            <a:r>
-              <a:rPr spc="10" dirty="0"/>
-              <a:t>gráficos </a:t>
-            </a:r>
-            <a:r>
-              <a:rPr spc="15" dirty="0"/>
-              <a:t>e impresos,  necesarios </a:t>
-            </a:r>
-            <a:r>
-              <a:rPr spc="5" dirty="0"/>
-              <a:t>para </a:t>
-            </a:r>
-            <a:r>
-              <a:rPr spc="25" dirty="0"/>
-              <a:t>la </a:t>
-            </a:r>
-            <a:r>
-              <a:rPr spc="10" dirty="0"/>
-              <a:t>toma de </a:t>
-            </a:r>
-            <a:r>
-              <a:rPr spc="15" dirty="0"/>
-              <a:t>decisiones </a:t>
-            </a:r>
-            <a:r>
-              <a:rPr spc="10" dirty="0"/>
-              <a:t>del </a:t>
-            </a:r>
-            <a:r>
-              <a:rPr spc="15" dirty="0"/>
-              <a:t>personal </a:t>
-            </a:r>
-            <a:r>
-              <a:rPr spc="10" dirty="0"/>
-              <a:t>administrativo de </a:t>
-            </a:r>
-            <a:r>
-              <a:rPr spc="5" dirty="0"/>
-              <a:t>la </a:t>
-            </a:r>
-            <a:r>
-              <a:rPr spc="15" dirty="0"/>
-              <a:t>Empresa </a:t>
-            </a:r>
-            <a:r>
-              <a:rPr spc="20" dirty="0"/>
-              <a:t>[Nombre  </a:t>
-            </a:r>
-            <a:r>
-              <a:rPr spc="5" dirty="0"/>
-              <a:t>Empresa].</a:t>
+              <a:rPr lang="es-ES" sz="1200" b="1" spc="10" dirty="0">
+                <a:solidFill>
+                  <a:srgbClr val="0070C0"/>
+                </a:solidFill>
+              </a:rPr>
+              <a:t>Se propone el </a:t>
+            </a:r>
+            <a:r>
+              <a:rPr lang="es-ES" sz="1200" b="1" spc="15" dirty="0">
+                <a:solidFill>
+                  <a:srgbClr val="0070C0"/>
+                </a:solidFill>
+              </a:rPr>
+              <a:t>desarrollo </a:t>
+            </a:r>
+            <a:r>
+              <a:rPr lang="es-ES" sz="1200" b="1" spc="10" dirty="0">
+                <a:solidFill>
+                  <a:srgbClr val="0070C0"/>
+                </a:solidFill>
+              </a:rPr>
+              <a:t>de un Sistema de </a:t>
+            </a:r>
+            <a:r>
+              <a:rPr lang="es-ES" sz="1200" b="1" spc="15" dirty="0">
+                <a:solidFill>
+                  <a:srgbClr val="0070C0"/>
+                </a:solidFill>
+              </a:rPr>
+              <a:t>Información </a:t>
+            </a:r>
+            <a:r>
+              <a:rPr lang="es-ES" sz="1200" b="1" spc="-5" dirty="0">
+                <a:solidFill>
+                  <a:srgbClr val="0070C0"/>
+                </a:solidFill>
+              </a:rPr>
+              <a:t>Web </a:t>
+            </a:r>
+            <a:r>
+              <a:rPr lang="es-ES" sz="1200" b="1" spc="20" dirty="0">
+                <a:solidFill>
+                  <a:srgbClr val="0070C0"/>
+                </a:solidFill>
+              </a:rPr>
+              <a:t>denominado Sistematic Cutex</a:t>
+            </a:r>
+            <a:r>
+              <a:rPr lang="es-ES" sz="1200" b="1" spc="15" dirty="0">
+                <a:solidFill>
+                  <a:srgbClr val="0070C0"/>
+                </a:solidFill>
+              </a:rPr>
+              <a:t> </a:t>
+            </a:r>
+            <a:r>
+              <a:rPr lang="es-ES" sz="1200" b="1" spc="10" dirty="0">
+                <a:solidFill>
+                  <a:srgbClr val="0070C0"/>
+                </a:solidFill>
+              </a:rPr>
+              <a:t>que sirva </a:t>
+            </a:r>
+            <a:r>
+              <a:rPr lang="es-ES" sz="1200" b="1" spc="25" dirty="0">
+                <a:solidFill>
+                  <a:srgbClr val="0070C0"/>
+                </a:solidFill>
+              </a:rPr>
+              <a:t>como </a:t>
+            </a:r>
+            <a:r>
+              <a:rPr lang="es-ES" sz="1200" b="1" spc="10" dirty="0">
+                <a:solidFill>
+                  <a:srgbClr val="0070C0"/>
+                </a:solidFill>
+              </a:rPr>
+              <a:t>herramienta software de apoyo </a:t>
+            </a:r>
+            <a:r>
+              <a:rPr lang="es-ES" sz="1200" b="1" spc="5" dirty="0">
+                <a:solidFill>
+                  <a:srgbClr val="0070C0"/>
+                </a:solidFill>
+              </a:rPr>
+              <a:t>a la sistematización </a:t>
+            </a:r>
+            <a:r>
+              <a:rPr lang="es-ES" sz="1200" b="1" spc="15" dirty="0">
+                <a:solidFill>
+                  <a:srgbClr val="0070C0"/>
+                </a:solidFill>
+              </a:rPr>
+              <a:t>de  inventario, facturación y marketing </a:t>
+            </a:r>
+            <a:r>
+              <a:rPr lang="es-ES" sz="1200" b="1" spc="10" dirty="0">
+                <a:solidFill>
+                  <a:srgbClr val="0070C0"/>
+                </a:solidFill>
+              </a:rPr>
+              <a:t>de la </a:t>
+            </a:r>
+            <a:r>
+              <a:rPr lang="es-ES" sz="1200" b="1" dirty="0">
+                <a:solidFill>
+                  <a:srgbClr val="0070C0"/>
+                </a:solidFill>
+              </a:rPr>
+              <a:t>Empresa</a:t>
+            </a:r>
+            <a:r>
+              <a:rPr lang="es-ES" sz="1200" b="1" spc="5" dirty="0">
+                <a:solidFill>
+                  <a:srgbClr val="0070C0"/>
+                </a:solidFill>
+              </a:rPr>
+              <a:t>. El cual permitirá </a:t>
+            </a:r>
+            <a:r>
+              <a:rPr lang="es-ES" sz="1200" spc="10" dirty="0">
+                <a:solidFill>
+                  <a:srgbClr val="0070C0"/>
+                </a:solidFill>
+              </a:rPr>
+              <a:t>:</a:t>
             </a:r>
           </a:p>
         </p:txBody>
       </p:sp>
       <p:sp>
         <p:nvSpPr>
-          <p:cNvPr id="6" name="object 6"/>
+          <p:cNvPr id="15" name="CuadroTexto 14">
+            <a:extLst>
+              <a:ext uri="{FF2B5EF4-FFF2-40B4-BE49-F238E27FC236}">
+                <a16:creationId xmlns:a16="http://schemas.microsoft.com/office/drawing/2014/main" id="{53F633C8-8854-4292-98F7-898ACDF86FCF}"/>
+              </a:ext>
+            </a:extLst>
+          </p:cNvPr>
           <p:cNvSpPr txBox="1"/>
           <p:nvPr/>
         </p:nvSpPr>
         <p:spPr>
           <a:xfrm>
-            <a:off x="461873" y="4186529"/>
-            <a:ext cx="6673215" cy="752475"/>
+            <a:off x="5830614" y="1148110"/>
+            <a:ext cx="3276600" cy="3157659"/>
           </a:xfrm>
           <a:prstGeom prst="rect">
             <a:avLst/>
           </a:prstGeom>
+          <a:noFill/>
+          <a:ln>
+            <a:solidFill>
+              <a:schemeClr val="tx2">
+                <a:lumMod val="20000"/>
+                <a:lumOff val="80000"/>
+              </a:schemeClr>
+            </a:solidFill>
+          </a:ln>
+          <a:effectLst>
+            <a:outerShdw blurRad="50800" dist="38100" dir="2700000" algn="tl" rotWithShape="0">
+              <a:prstClr val="black">
+                <a:alpha val="40000"/>
+              </a:prstClr>
+            </a:outerShdw>
+          </a:effectLst>
         </p:spPr>
+        <p:style>
+          <a:lnRef idx="1">
+            <a:schemeClr val="dk1"/>
+          </a:lnRef>
+          <a:fillRef idx="2">
+            <a:schemeClr val="dk1"/>
+          </a:fillRef>
+          <a:effectRef idx="1">
+            <a:schemeClr val="dk1"/>
+          </a:effectRef>
+          <a:fontRef idx="minor">
+            <a:schemeClr val="dk1"/>
+          </a:fontRef>
+        </p:style>
         <p:txBody>
-          <a:bodyPr vert="horz" wrap="square" lIns="0" tIns="10795" rIns="0" bIns="0" rtlCol="0">
+          <a:bodyPr wrap="square">
             <a:spAutoFit/>
           </a:bodyPr>
           <a:lstStyle/>
           <a:p>
-            <a:pPr marL="281940" marR="5080" indent="-269875">
+            <a:pPr marL="240665" marR="8255" indent="-228600" algn="just">
               <a:lnSpc>
-                <a:spcPct val="102699"/>
+                <a:spcPct val="103600"/>
               </a:lnSpc>
-              <a:spcBef>
-                <a:spcPts val="85"/>
-              </a:spcBef>
-              <a:buFont typeface="Arial"/>
-              <a:buChar char="•"/>
+              <a:buAutoNum type="arabicPeriod"/>
               <a:tabLst>
-                <a:tab pos="300355" algn="l"/>
                 <a:tab pos="300990" algn="l"/>
               </a:tabLst>
             </a:pPr>
             <a:r>
-              <a:rPr sz="1550" b="1" spc="15" dirty="0">
-                <a:solidFill>
-                  <a:srgbClr val="404040"/>
-                </a:solidFill>
-                <a:latin typeface="Carlito"/>
-                <a:cs typeface="Carlito"/>
-              </a:rPr>
-              <a:t>Aporte al </a:t>
-            </a:r>
-            <a:r>
-              <a:rPr sz="1550" b="1" spc="10" dirty="0">
-                <a:solidFill>
-                  <a:srgbClr val="404040"/>
-                </a:solidFill>
-                <a:latin typeface="Carlito"/>
-                <a:cs typeface="Carlito"/>
-              </a:rPr>
-              <a:t>Sector: </a:t>
-            </a:r>
-            <a:r>
-              <a:rPr sz="1550" dirty="0">
-                <a:solidFill>
-                  <a:srgbClr val="404040"/>
-                </a:solidFill>
-                <a:latin typeface="Carlito"/>
-                <a:cs typeface="Carlito"/>
-              </a:rPr>
-              <a:t>El </a:t>
-            </a:r>
-            <a:r>
-              <a:rPr sz="1550" spc="10" dirty="0">
-                <a:solidFill>
-                  <a:srgbClr val="404040"/>
-                </a:solidFill>
-                <a:latin typeface="Carlito"/>
-                <a:cs typeface="Carlito"/>
-              </a:rPr>
-              <a:t>Sistema </a:t>
-            </a:r>
-            <a:r>
-              <a:rPr sz="1550" spc="5" dirty="0">
-                <a:solidFill>
-                  <a:srgbClr val="404040"/>
-                </a:solidFill>
-                <a:latin typeface="Carlito"/>
-                <a:cs typeface="Carlito"/>
-              </a:rPr>
-              <a:t>[Nombre Empresa] </a:t>
-            </a:r>
-            <a:r>
-              <a:rPr sz="1550" dirty="0">
-                <a:solidFill>
-                  <a:srgbClr val="404040"/>
-                </a:solidFill>
-                <a:latin typeface="Carlito"/>
-                <a:cs typeface="Carlito"/>
-              </a:rPr>
-              <a:t>servirá </a:t>
-            </a:r>
-            <a:r>
-              <a:rPr sz="1550" spc="15" dirty="0">
-                <a:solidFill>
-                  <a:srgbClr val="404040"/>
-                </a:solidFill>
-                <a:latin typeface="Carlito"/>
-                <a:cs typeface="Carlito"/>
-              </a:rPr>
-              <a:t>como </a:t>
-            </a:r>
-            <a:r>
-              <a:rPr sz="1550" spc="10" dirty="0">
-                <a:solidFill>
-                  <a:srgbClr val="404040"/>
-                </a:solidFill>
-                <a:latin typeface="Carlito"/>
-                <a:cs typeface="Carlito"/>
-              </a:rPr>
-              <a:t>aporte al sector  </a:t>
-            </a:r>
-            <a:r>
-              <a:rPr sz="1550" spc="15" dirty="0">
-                <a:solidFill>
-                  <a:srgbClr val="404040"/>
-                </a:solidFill>
-                <a:latin typeface="Carlito"/>
-                <a:cs typeface="Carlito"/>
-              </a:rPr>
-              <a:t>[Sector], como </a:t>
-            </a:r>
-            <a:r>
-              <a:rPr sz="1550" spc="10" dirty="0">
-                <a:solidFill>
-                  <a:srgbClr val="404040"/>
-                </a:solidFill>
-                <a:latin typeface="Carlito"/>
-                <a:cs typeface="Carlito"/>
-              </a:rPr>
-              <a:t>[importancia </a:t>
-            </a:r>
-            <a:r>
-              <a:rPr sz="1550" dirty="0">
-                <a:solidFill>
-                  <a:srgbClr val="404040"/>
-                </a:solidFill>
-                <a:latin typeface="Carlito"/>
-                <a:cs typeface="Carlito"/>
-              </a:rPr>
-              <a:t>para </a:t>
-            </a:r>
-            <a:r>
-              <a:rPr sz="1550" spc="10" dirty="0">
-                <a:solidFill>
-                  <a:srgbClr val="404040"/>
-                </a:solidFill>
-                <a:latin typeface="Carlito"/>
-                <a:cs typeface="Carlito"/>
-              </a:rPr>
-              <a:t>el</a:t>
-            </a:r>
-            <a:r>
-              <a:rPr sz="1550" spc="215" dirty="0">
-                <a:solidFill>
-                  <a:srgbClr val="404040"/>
-                </a:solidFill>
-                <a:latin typeface="Carlito"/>
-                <a:cs typeface="Carlito"/>
-              </a:rPr>
-              <a:t> </a:t>
-            </a:r>
-            <a:r>
-              <a:rPr sz="1550" spc="10" dirty="0">
-                <a:solidFill>
-                  <a:srgbClr val="404040"/>
-                </a:solidFill>
-                <a:latin typeface="Carlito"/>
-                <a:cs typeface="Carlito"/>
-              </a:rPr>
-              <a:t>Sector].</a:t>
-            </a:r>
-            <a:endParaRPr sz="1550" dirty="0">
-              <a:latin typeface="Carlito"/>
-              <a:cs typeface="Carlito"/>
-            </a:endParaRPr>
-          </a:p>
-          <a:p>
-            <a:pPr marL="281940">
+              <a:rPr lang="es-ES" sz="1200" b="1" dirty="0">
+                <a:ln w="0"/>
+                <a:solidFill>
+                  <a:schemeClr val="accent2"/>
+                </a:solidFill>
+                <a:effectLst>
+                  <a:outerShdw blurRad="38100" dist="19050" dir="2700000" algn="tl" rotWithShape="0">
+                    <a:schemeClr val="dk1">
+                      <a:alpha val="40000"/>
+                    </a:schemeClr>
+                  </a:outerShdw>
+                </a:effectLst>
+              </a:rPr>
+              <a:t>En el proceso de Facturación </a:t>
+            </a:r>
+            <a:r>
+              <a:rPr lang="es-ES" sz="1200" b="1" spc="10" dirty="0">
+                <a:solidFill>
+                  <a:schemeClr val="accent2"/>
+                </a:solidFill>
+              </a:rPr>
+              <a:t>: </a:t>
+            </a:r>
+            <a:r>
+              <a:rPr lang="es-ES" sz="1200" spc="10" dirty="0">
+                <a:solidFill>
+                  <a:schemeClr val="accent2"/>
+                </a:solidFill>
+              </a:rPr>
+              <a:t>Los usuarios podrán obtener su factura electrónica y la empresa tendrá debidamente registradas sus facturas en una base de datos.</a:t>
+            </a:r>
+          </a:p>
+          <a:p>
+            <a:pPr marL="240665" marR="8255" indent="-228600" algn="just">
               <a:lnSpc>
-                <a:spcPct val="100000"/>
+                <a:spcPct val="103600"/>
               </a:lnSpc>
-              <a:spcBef>
-                <a:spcPts val="50"/>
-              </a:spcBef>
+              <a:buAutoNum type="arabicPeriod"/>
+              <a:tabLst>
+                <a:tab pos="300990" algn="l"/>
+              </a:tabLst>
             </a:pPr>
             <a:r>
-              <a:rPr sz="1550" spc="-50" dirty="0">
-                <a:solidFill>
-                  <a:srgbClr val="404040"/>
-                </a:solidFill>
-                <a:latin typeface="Arial"/>
-                <a:cs typeface="Arial"/>
-              </a:rPr>
-              <a:t>“Pueden </a:t>
-            </a:r>
-            <a:r>
-              <a:rPr sz="1550" dirty="0">
-                <a:solidFill>
-                  <a:srgbClr val="404040"/>
-                </a:solidFill>
-                <a:latin typeface="Carlito"/>
-                <a:cs typeface="Carlito"/>
-              </a:rPr>
-              <a:t>utilizar </a:t>
-            </a:r>
-            <a:r>
-              <a:rPr sz="1550" spc="15" dirty="0">
-                <a:solidFill>
-                  <a:srgbClr val="404040"/>
-                </a:solidFill>
-                <a:latin typeface="Carlito"/>
-                <a:cs typeface="Carlito"/>
-              </a:rPr>
-              <a:t>imágenes </a:t>
-            </a:r>
-            <a:r>
-              <a:rPr sz="1550" spc="10" dirty="0">
-                <a:solidFill>
-                  <a:srgbClr val="404040"/>
-                </a:solidFill>
-                <a:latin typeface="Carlito"/>
-                <a:cs typeface="Carlito"/>
-              </a:rPr>
-              <a:t>de </a:t>
-            </a:r>
-            <a:r>
-              <a:rPr sz="1550" dirty="0">
-                <a:solidFill>
-                  <a:srgbClr val="404040"/>
-                </a:solidFill>
-                <a:latin typeface="Carlito"/>
-                <a:cs typeface="Carlito"/>
-              </a:rPr>
-              <a:t>Apoyo </a:t>
-            </a:r>
-            <a:r>
-              <a:rPr sz="1550" spc="15" dirty="0">
-                <a:solidFill>
-                  <a:srgbClr val="404040"/>
-                </a:solidFill>
-                <a:latin typeface="Carlito"/>
-                <a:cs typeface="Carlito"/>
-              </a:rPr>
-              <a:t>o más </a:t>
-            </a:r>
-            <a:r>
-              <a:rPr sz="1550" spc="5" dirty="0">
-                <a:solidFill>
-                  <a:srgbClr val="404040"/>
-                </a:solidFill>
-                <a:latin typeface="Carlito"/>
-                <a:cs typeface="Carlito"/>
-              </a:rPr>
-              <a:t>diapositivas</a:t>
-            </a:r>
-            <a:r>
-              <a:rPr sz="1550" spc="110" dirty="0">
-                <a:solidFill>
-                  <a:srgbClr val="404040"/>
-                </a:solidFill>
-                <a:latin typeface="Carlito"/>
-                <a:cs typeface="Carlito"/>
-              </a:rPr>
-              <a:t> </a:t>
-            </a:r>
-            <a:r>
-              <a:rPr sz="1550" spc="5" dirty="0">
-                <a:solidFill>
-                  <a:srgbClr val="404040"/>
-                </a:solidFill>
-                <a:latin typeface="Carlito"/>
-                <a:cs typeface="Carlito"/>
-              </a:rPr>
-              <a:t>si </a:t>
-            </a:r>
-            <a:r>
-              <a:rPr sz="1550" spc="10" dirty="0">
-                <a:solidFill>
-                  <a:srgbClr val="404040"/>
-                </a:solidFill>
-                <a:latin typeface="Carlito"/>
-                <a:cs typeface="Carlito"/>
-              </a:rPr>
-              <a:t>lo </a:t>
-            </a:r>
-            <a:r>
-              <a:rPr sz="1550" spc="-20" dirty="0">
-                <a:solidFill>
-                  <a:srgbClr val="404040"/>
-                </a:solidFill>
-                <a:latin typeface="Arial"/>
-                <a:cs typeface="Arial"/>
-              </a:rPr>
-              <a:t>requieren”</a:t>
-            </a:r>
-            <a:endParaRPr sz="1550" dirty="0">
-              <a:latin typeface="Arial"/>
-              <a:cs typeface="Arial"/>
+              <a:rPr lang="es-ES" sz="1200" b="1" spc="10" dirty="0">
+                <a:solidFill>
+                  <a:srgbClr val="00B050"/>
+                </a:solidFill>
+              </a:rPr>
+              <a:t>En el proceso de inventario: </a:t>
+            </a:r>
+            <a:r>
+              <a:rPr lang="es-ES" sz="1200" spc="10" dirty="0">
+                <a:solidFill>
+                  <a:srgbClr val="00B050"/>
+                </a:solidFill>
+              </a:rPr>
+              <a:t>Los usuarios podrán mirar dentro de la </a:t>
+            </a:r>
+            <a:r>
+              <a:rPr lang="es-ES" sz="1200" spc="10" dirty="0" err="1">
+                <a:solidFill>
+                  <a:srgbClr val="00B050"/>
+                </a:solidFill>
+              </a:rPr>
+              <a:t>website</a:t>
+            </a:r>
+            <a:r>
+              <a:rPr lang="es-ES" sz="1200" spc="10" dirty="0">
+                <a:solidFill>
+                  <a:srgbClr val="00B050"/>
+                </a:solidFill>
+              </a:rPr>
+              <a:t> la disponibilidad y valor de los artículos ofertados por la empresa, la empresa tendrá debidamente registrado cada articulo con su cantidad disponible y características especificas como : valor, color , tamaño ,</a:t>
+            </a:r>
+            <a:r>
+              <a:rPr lang="es-ES" sz="1200" spc="10" dirty="0" err="1">
+                <a:solidFill>
+                  <a:srgbClr val="00B050"/>
+                </a:solidFill>
+              </a:rPr>
+              <a:t>linea</a:t>
+            </a:r>
+            <a:r>
+              <a:rPr lang="es-ES" sz="1200" spc="10" dirty="0">
+                <a:solidFill>
+                  <a:srgbClr val="00B050"/>
+                </a:solidFill>
+              </a:rPr>
+              <a:t> etc</a:t>
+            </a:r>
+            <a:r>
+              <a:rPr lang="es-ES" sz="1200" spc="10" dirty="0"/>
+              <a:t>.</a:t>
+            </a:r>
+          </a:p>
+          <a:p>
+            <a:pPr marL="240665" marR="8255" indent="-228600" algn="just">
+              <a:lnSpc>
+                <a:spcPct val="103600"/>
+              </a:lnSpc>
+              <a:buAutoNum type="arabicPeriod"/>
+              <a:tabLst>
+                <a:tab pos="300990" algn="l"/>
+              </a:tabLst>
+            </a:pPr>
+            <a:r>
+              <a:rPr lang="es-ES" sz="1200" spc="10" dirty="0">
+                <a:solidFill>
+                  <a:schemeClr val="tx2">
+                    <a:lumMod val="75000"/>
+                  </a:schemeClr>
+                </a:solidFill>
+              </a:rPr>
+              <a:t>E</a:t>
+            </a:r>
+            <a:r>
+              <a:rPr lang="es-ES" sz="1200" b="1" spc="10" dirty="0">
+                <a:solidFill>
+                  <a:schemeClr val="tx2">
+                    <a:lumMod val="75000"/>
+                  </a:schemeClr>
+                </a:solidFill>
+              </a:rPr>
+              <a:t>n el proceso de marketing : </a:t>
+            </a:r>
+            <a:r>
+              <a:rPr lang="es-ES" sz="1200" spc="10" dirty="0">
+                <a:solidFill>
+                  <a:schemeClr val="tx2">
+                    <a:lumMod val="75000"/>
+                  </a:schemeClr>
+                </a:solidFill>
+              </a:rPr>
+              <a:t>los usuarios podrán visualizar la tienda digital en un sitio web , lo que le permite a la empresa tener mayores alcances de clientes potenciales </a:t>
+            </a:r>
+            <a:endParaRPr lang="es-CO" sz="1200" dirty="0">
+              <a:solidFill>
+                <a:schemeClr val="tx2">
+                  <a:lumMod val="75000"/>
+                </a:schemeClr>
+              </a:solidFill>
             </a:endParaRPr>
           </a:p>
         </p:txBody>
       </p:sp>
+      <p:cxnSp>
+        <p:nvCxnSpPr>
+          <p:cNvPr id="17" name="Conector recto de flecha 16">
+            <a:extLst>
+              <a:ext uri="{FF2B5EF4-FFF2-40B4-BE49-F238E27FC236}">
+                <a16:creationId xmlns:a16="http://schemas.microsoft.com/office/drawing/2014/main" id="{BC04944E-7AC1-4430-BC9F-FD52CBFE0340}"/>
+              </a:ext>
+            </a:extLst>
+          </p:cNvPr>
+          <p:cNvCxnSpPr/>
+          <p:nvPr/>
+        </p:nvCxnSpPr>
+        <p:spPr>
+          <a:xfrm>
+            <a:off x="1905000" y="2571750"/>
+            <a:ext cx="422647" cy="0"/>
+          </a:xfrm>
+          <a:prstGeom prst="straightConnector1">
+            <a:avLst/>
+          </a:prstGeom>
+          <a:ln>
+            <a:tailEnd type="triangle"/>
+          </a:ln>
+        </p:spPr>
+        <p:style>
+          <a:lnRef idx="1">
+            <a:schemeClr val="dk1"/>
+          </a:lnRef>
+          <a:fillRef idx="0">
+            <a:schemeClr val="dk1"/>
+          </a:fillRef>
+          <a:effectRef idx="0">
+            <a:schemeClr val="dk1"/>
+          </a:effectRef>
+          <a:fontRef idx="minor">
+            <a:schemeClr val="tx1"/>
+          </a:fontRef>
+        </p:style>
+      </p:cxnSp>
+      <p:cxnSp>
+        <p:nvCxnSpPr>
+          <p:cNvPr id="20" name="Conector recto de flecha 19">
+            <a:extLst>
+              <a:ext uri="{FF2B5EF4-FFF2-40B4-BE49-F238E27FC236}">
+                <a16:creationId xmlns:a16="http://schemas.microsoft.com/office/drawing/2014/main" id="{1615E763-38BA-47C2-86EE-C5C0ED46D77D}"/>
+              </a:ext>
+            </a:extLst>
+          </p:cNvPr>
+          <p:cNvCxnSpPr/>
+          <p:nvPr/>
+        </p:nvCxnSpPr>
+        <p:spPr>
+          <a:xfrm>
+            <a:off x="5181600" y="2495550"/>
+            <a:ext cx="422647" cy="0"/>
+          </a:xfrm>
+          <a:prstGeom prst="straightConnector1">
+            <a:avLst/>
+          </a:prstGeom>
+          <a:ln>
+            <a:tailEnd type="triangle"/>
+          </a:ln>
+        </p:spPr>
+        <p:style>
+          <a:lnRef idx="1">
+            <a:schemeClr val="dk1"/>
+          </a:lnRef>
+          <a:fillRef idx="0">
+            <a:schemeClr val="dk1"/>
+          </a:fillRef>
+          <a:effectRef idx="0">
+            <a:schemeClr val="dk1"/>
+          </a:effectRef>
+          <a:fontRef idx="minor">
+            <a:schemeClr val="tx1"/>
+          </a:fontRef>
+        </p:style>
+      </p:cxnSp>
     </p:spTree>
   </p:cSld>
   <p:clrMapOvr>
@@ -3997,6 +3985,354 @@
 </file>
 
 <file path=ppt/slides/slide13.xml><?xml version="1.0" encoding="utf-8"?>
+<p:sld xmlns:a="http://schemas.openxmlformats.org/drawingml/2006/main" xmlns:r="http://schemas.openxmlformats.org/officeDocument/2006/relationships" xmlns:p="http://schemas.openxmlformats.org/presentationml/2006/main">
+  <p:cSld>
+    <p:spTree>
+      <p:nvGrpSpPr>
+        <p:cNvPr id="1" name=""/>
+        <p:cNvGrpSpPr/>
+        <p:nvPr/>
+      </p:nvGrpSpPr>
+      <p:grpSpPr>
+        <a:xfrm>
+          <a:off x="0" y="0"/>
+          <a:ext cx="0" cy="0"/>
+          <a:chOff x="0" y="0"/>
+          <a:chExt cx="0" cy="0"/>
+        </a:xfrm>
+      </p:grpSpPr>
+      <p:pic>
+        <p:nvPicPr>
+          <p:cNvPr id="4" name="Imagen 3" descr="Un letrero de color blanco&#10;&#10;Descripción generada automáticamente con confianza media">
+            <a:extLst>
+              <a:ext uri="{FF2B5EF4-FFF2-40B4-BE49-F238E27FC236}">
+                <a16:creationId xmlns:a16="http://schemas.microsoft.com/office/drawing/2014/main" id="{0D61D3A3-C8B7-4AC6-9291-4A6CAD1C7348}"/>
+              </a:ext>
+            </a:extLst>
+          </p:cNvPr>
+          <p:cNvPicPr>
+            <a:picLocks noChangeAspect="1"/>
+          </p:cNvPicPr>
+          <p:nvPr/>
+        </p:nvPicPr>
+        <p:blipFill>
+          <a:blip r:embed="rId2">
+            <a:extLst>
+              <a:ext uri="{28A0092B-C50C-407E-A947-70E740481C1C}">
+                <a14:useLocalDpi xmlns:a14="http://schemas.microsoft.com/office/drawing/2010/main" val="0"/>
+              </a:ext>
+            </a:extLst>
+          </a:blip>
+          <a:stretch>
+            <a:fillRect/>
+          </a:stretch>
+        </p:blipFill>
+        <p:spPr>
+          <a:xfrm>
+            <a:off x="533400" y="1819496"/>
+            <a:ext cx="3025698" cy="914400"/>
+          </a:xfrm>
+          <a:prstGeom prst="rect">
+            <a:avLst/>
+          </a:prstGeom>
+          <a:ln>
+            <a:noFill/>
+          </a:ln>
+          <a:effectLst>
+            <a:outerShdw blurRad="292100" dist="139700" dir="2700000" algn="tl" rotWithShape="0">
+              <a:srgbClr val="333333">
+                <a:alpha val="65000"/>
+              </a:srgbClr>
+            </a:outerShdw>
+          </a:effectLst>
+        </p:spPr>
+      </p:pic>
+      <p:pic>
+        <p:nvPicPr>
+          <p:cNvPr id="8" name="Imagen 7" descr="Interfaz de usuario gráfica&#10;&#10;Descripción generada automáticamente con confianza baja">
+            <a:extLst>
+              <a:ext uri="{FF2B5EF4-FFF2-40B4-BE49-F238E27FC236}">
+                <a16:creationId xmlns:a16="http://schemas.microsoft.com/office/drawing/2014/main" id="{D252DD91-3815-4C09-A0D7-4A757B83529D}"/>
+              </a:ext>
+            </a:extLst>
+          </p:cNvPr>
+          <p:cNvPicPr>
+            <a:picLocks noChangeAspect="1"/>
+          </p:cNvPicPr>
+          <p:nvPr/>
+        </p:nvPicPr>
+        <p:blipFill rotWithShape="1">
+          <a:blip r:embed="rId3">
+            <a:extLst>
+              <a:ext uri="{28A0092B-C50C-407E-A947-70E740481C1C}">
+                <a14:useLocalDpi xmlns:a14="http://schemas.microsoft.com/office/drawing/2010/main" val="0"/>
+              </a:ext>
+            </a:extLst>
+          </a:blip>
+          <a:srcRect l="12283" t="16245" r="16253"/>
+          <a:stretch/>
+        </p:blipFill>
+        <p:spPr>
+          <a:xfrm>
+            <a:off x="296468" y="2800350"/>
+            <a:ext cx="2501355" cy="1724024"/>
+          </a:xfrm>
+          <a:prstGeom prst="rect">
+            <a:avLst/>
+          </a:prstGeom>
+        </p:spPr>
+      </p:pic>
+      <p:pic>
+        <p:nvPicPr>
+          <p:cNvPr id="14" name="Imagen 13" descr="Diagrama&#10;&#10;Descripción generada automáticamente">
+            <a:extLst>
+              <a:ext uri="{FF2B5EF4-FFF2-40B4-BE49-F238E27FC236}">
+                <a16:creationId xmlns:a16="http://schemas.microsoft.com/office/drawing/2014/main" id="{DAD5FD39-9BEE-4222-A7A9-7123FB033165}"/>
+              </a:ext>
+            </a:extLst>
+          </p:cNvPr>
+          <p:cNvPicPr>
+            <a:picLocks noChangeAspect="1"/>
+          </p:cNvPicPr>
+          <p:nvPr/>
+        </p:nvPicPr>
+        <p:blipFill>
+          <a:blip r:embed="rId4" cstate="print">
+            <a:extLst>
+              <a:ext uri="{28A0092B-C50C-407E-A947-70E740481C1C}">
+                <a14:useLocalDpi xmlns:a14="http://schemas.microsoft.com/office/drawing/2010/main" val="0"/>
+              </a:ext>
+            </a:extLst>
+          </a:blip>
+          <a:stretch>
+            <a:fillRect/>
+          </a:stretch>
+        </p:blipFill>
+        <p:spPr>
+          <a:xfrm>
+            <a:off x="6447540" y="2360948"/>
+            <a:ext cx="2069195" cy="1809750"/>
+          </a:xfrm>
+          <a:prstGeom prst="rect">
+            <a:avLst/>
+          </a:prstGeom>
+          <a:effectLst>
+            <a:softEdge rad="127000"/>
+          </a:effectLst>
+        </p:spPr>
+      </p:pic>
+      <p:sp>
+        <p:nvSpPr>
+          <p:cNvPr id="15" name="CuadroTexto 14">
+            <a:extLst>
+              <a:ext uri="{FF2B5EF4-FFF2-40B4-BE49-F238E27FC236}">
+                <a16:creationId xmlns:a16="http://schemas.microsoft.com/office/drawing/2014/main" id="{E8C6F00E-46AC-48DA-A0CC-E3DB26B45D54}"/>
+              </a:ext>
+            </a:extLst>
+          </p:cNvPr>
+          <p:cNvSpPr txBox="1"/>
+          <p:nvPr/>
+        </p:nvSpPr>
+        <p:spPr>
+          <a:xfrm>
+            <a:off x="5943600" y="3954501"/>
+            <a:ext cx="3200400" cy="369332"/>
+          </a:xfrm>
+          <a:prstGeom prst="rect">
+            <a:avLst/>
+          </a:prstGeom>
+          <a:noFill/>
+        </p:spPr>
+        <p:txBody>
+          <a:bodyPr wrap="square" rtlCol="0">
+            <a:spAutoFit/>
+          </a:bodyPr>
+          <a:lstStyle/>
+          <a:p>
+            <a:r>
+              <a:rPr lang="es-CO" b="1" dirty="0"/>
+              <a:t>Sector industrial :Marroquinero</a:t>
+            </a:r>
+          </a:p>
+        </p:txBody>
+      </p:sp>
+      <p:pic>
+        <p:nvPicPr>
+          <p:cNvPr id="17" name="Imagen 16" descr="Texto&#10;&#10;Descripción generada automáticamente con confianza media">
+            <a:extLst>
+              <a:ext uri="{FF2B5EF4-FFF2-40B4-BE49-F238E27FC236}">
+                <a16:creationId xmlns:a16="http://schemas.microsoft.com/office/drawing/2014/main" id="{47C81F8F-D96B-472A-BE12-EE1EA6D0481F}"/>
+              </a:ext>
+            </a:extLst>
+          </p:cNvPr>
+          <p:cNvPicPr>
+            <a:picLocks noChangeAspect="1"/>
+          </p:cNvPicPr>
+          <p:nvPr/>
+        </p:nvPicPr>
+        <p:blipFill>
+          <a:blip r:embed="rId5" cstate="print">
+            <a:extLst>
+              <a:ext uri="{28A0092B-C50C-407E-A947-70E740481C1C}">
+                <a14:useLocalDpi xmlns:a14="http://schemas.microsoft.com/office/drawing/2010/main" val="0"/>
+              </a:ext>
+            </a:extLst>
+          </a:blip>
+          <a:stretch>
+            <a:fillRect/>
+          </a:stretch>
+        </p:blipFill>
+        <p:spPr>
+          <a:xfrm>
+            <a:off x="4876800" y="198917"/>
+            <a:ext cx="1643063" cy="2190750"/>
+          </a:xfrm>
+          <a:prstGeom prst="rect">
+            <a:avLst/>
+          </a:prstGeom>
+          <a:effectLst>
+            <a:softEdge rad="127000"/>
+          </a:effectLst>
+        </p:spPr>
+      </p:pic>
+      <p:cxnSp>
+        <p:nvCxnSpPr>
+          <p:cNvPr id="19" name="Conector: curvado 18">
+            <a:extLst>
+              <a:ext uri="{FF2B5EF4-FFF2-40B4-BE49-F238E27FC236}">
+                <a16:creationId xmlns:a16="http://schemas.microsoft.com/office/drawing/2014/main" id="{38BCD6DC-CB84-4654-AB61-59EFED062C93}"/>
+              </a:ext>
+            </a:extLst>
+          </p:cNvPr>
+          <p:cNvCxnSpPr>
+            <a:endCxn id="17" idx="1"/>
+          </p:cNvCxnSpPr>
+          <p:nvPr/>
+        </p:nvCxnSpPr>
+        <p:spPr>
+          <a:xfrm flipV="1">
+            <a:off x="3733800" y="1294292"/>
+            <a:ext cx="1143000" cy="744058"/>
+          </a:xfrm>
+          <a:prstGeom prst="curvedConnector3">
+            <a:avLst/>
+          </a:prstGeom>
+          <a:ln>
+            <a:tailEnd type="triangle"/>
+          </a:ln>
+        </p:spPr>
+        <p:style>
+          <a:lnRef idx="2">
+            <a:schemeClr val="dk1"/>
+          </a:lnRef>
+          <a:fillRef idx="0">
+            <a:schemeClr val="dk1"/>
+          </a:fillRef>
+          <a:effectRef idx="1">
+            <a:schemeClr val="dk1"/>
+          </a:effectRef>
+          <a:fontRef idx="minor">
+            <a:schemeClr val="tx1"/>
+          </a:fontRef>
+        </p:style>
+      </p:cxnSp>
+      <p:cxnSp>
+        <p:nvCxnSpPr>
+          <p:cNvPr id="20" name="Conector: curvado 19">
+            <a:extLst>
+              <a:ext uri="{FF2B5EF4-FFF2-40B4-BE49-F238E27FC236}">
+                <a16:creationId xmlns:a16="http://schemas.microsoft.com/office/drawing/2014/main" id="{BB54953F-646A-4E1C-BC5A-F9B67A8B4CA3}"/>
+              </a:ext>
+            </a:extLst>
+          </p:cNvPr>
+          <p:cNvCxnSpPr>
+            <a:cxnSpLocks/>
+          </p:cNvCxnSpPr>
+          <p:nvPr/>
+        </p:nvCxnSpPr>
+        <p:spPr>
+          <a:xfrm>
+            <a:off x="3559098" y="2038350"/>
+            <a:ext cx="2888442" cy="1295400"/>
+          </a:xfrm>
+          <a:prstGeom prst="curvedConnector3">
+            <a:avLst/>
+          </a:prstGeom>
+          <a:ln>
+            <a:tailEnd type="triangle"/>
+          </a:ln>
+        </p:spPr>
+        <p:style>
+          <a:lnRef idx="2">
+            <a:schemeClr val="dk1"/>
+          </a:lnRef>
+          <a:fillRef idx="0">
+            <a:schemeClr val="dk1"/>
+          </a:fillRef>
+          <a:effectRef idx="1">
+            <a:schemeClr val="dk1"/>
+          </a:effectRef>
+          <a:fontRef idx="minor">
+            <a:schemeClr val="tx1"/>
+          </a:fontRef>
+        </p:style>
+      </p:cxnSp>
+      <p:sp>
+        <p:nvSpPr>
+          <p:cNvPr id="23" name="CuadroTexto 22">
+            <a:extLst>
+              <a:ext uri="{FF2B5EF4-FFF2-40B4-BE49-F238E27FC236}">
+                <a16:creationId xmlns:a16="http://schemas.microsoft.com/office/drawing/2014/main" id="{28B67C35-13E7-499E-93D8-ACCA90D7432A}"/>
+              </a:ext>
+            </a:extLst>
+          </p:cNvPr>
+          <p:cNvSpPr txBox="1"/>
+          <p:nvPr/>
+        </p:nvSpPr>
+        <p:spPr>
+          <a:xfrm>
+            <a:off x="1905000" y="4111664"/>
+            <a:ext cx="4123633" cy="923330"/>
+          </a:xfrm>
+          <a:prstGeom prst="rect">
+            <a:avLst/>
+          </a:prstGeom>
+          <a:solidFill>
+            <a:srgbClr val="FFFF00"/>
+          </a:solidFill>
+        </p:spPr>
+        <p:txBody>
+          <a:bodyPr wrap="square" rtlCol="0">
+            <a:spAutoFit/>
+          </a:bodyPr>
+          <a:lstStyle/>
+          <a:p>
+            <a:pPr algn="ctr"/>
+            <a:r>
+              <a:rPr lang="es-CO" sz="1200" b="1" dirty="0"/>
+              <a:t>Finalmente el sistema de información Sistematic Cutex optimizará los procesos presentes dentro de la empresa Paletería Cueros y Color siendo un aporte al sector Marroquinero y textil </a:t>
+            </a:r>
+            <a:r>
+              <a:rPr lang="es-CO" b="1" dirty="0"/>
+              <a:t>.</a:t>
+            </a:r>
+          </a:p>
+        </p:txBody>
+      </p:sp>
+    </p:spTree>
+    <p:extLst>
+      <p:ext uri="{BB962C8B-B14F-4D97-AF65-F5344CB8AC3E}">
+        <p14:creationId xmlns:p14="http://schemas.microsoft.com/office/powerpoint/2010/main" val="1012857451"/>
+      </p:ext>
+    </p:extLst>
+  </p:cSld>
+  <p:clrMapOvr>
+    <a:masterClrMapping/>
+  </p:clrMapOvr>
+</p:sld>
+</file>
+
+<file path=ppt/slides/slide14.xml><?xml version="1.0" encoding="utf-8"?>
 <p:sld xmlns:a="http://schemas.openxmlformats.org/drawingml/2006/main" xmlns:r="http://schemas.openxmlformats.org/officeDocument/2006/relationships" xmlns:p="http://schemas.openxmlformats.org/presentationml/2006/main">
   <p:cSld>
     <p:spTree>
@@ -4297,6 +4633,42 @@
           </a:p>
         </p:txBody>
       </p:sp>
+      <p:pic>
+        <p:nvPicPr>
+          <p:cNvPr id="6" name="Imagen 5" descr="Un letrero de color blanco&#10;&#10;Descripción generada automáticamente con confianza media">
+            <a:extLst>
+              <a:ext uri="{FF2B5EF4-FFF2-40B4-BE49-F238E27FC236}">
+                <a16:creationId xmlns:a16="http://schemas.microsoft.com/office/drawing/2014/main" id="{D6337F01-A14D-49D0-B298-28316794E4C7}"/>
+              </a:ext>
+            </a:extLst>
+          </p:cNvPr>
+          <p:cNvPicPr>
+            <a:picLocks noChangeAspect="1"/>
+          </p:cNvPicPr>
+          <p:nvPr/>
+        </p:nvPicPr>
+        <p:blipFill>
+          <a:blip r:embed="rId2">
+            <a:extLst>
+              <a:ext uri="{28A0092B-C50C-407E-A947-70E740481C1C}">
+                <a14:useLocalDpi xmlns:a14="http://schemas.microsoft.com/office/drawing/2010/main" val="0"/>
+              </a:ext>
+            </a:extLst>
+          </a:blip>
+          <a:stretch>
+            <a:fillRect/>
+          </a:stretch>
+        </p:blipFill>
+        <p:spPr>
+          <a:xfrm>
+            <a:off x="7562088" y="4302251"/>
+            <a:ext cx="1362829" cy="567055"/>
+          </a:xfrm>
+          <a:prstGeom prst="rect">
+            <a:avLst/>
+          </a:prstGeom>
+        </p:spPr>
+      </p:pic>
     </p:spTree>
   </p:cSld>
   <p:clrMapOvr>
@@ -4305,7 +4677,7 @@
 </p:sld>
 </file>
 
-<file path=ppt/slides/slide14.xml><?xml version="1.0" encoding="utf-8"?>
+<file path=ppt/slides/slide15.xml><?xml version="1.0" encoding="utf-8"?>
 <p:sld xmlns:a="http://schemas.openxmlformats.org/drawingml/2006/main" xmlns:r="http://schemas.openxmlformats.org/officeDocument/2006/relationships" xmlns:p="http://schemas.openxmlformats.org/presentationml/2006/main" showMasterSp="0">
   <p:cSld>
     <p:spTree>
@@ -5174,6 +5546,42 @@
           </a:p>
         </p:txBody>
       </p:sp>
+      <p:pic>
+        <p:nvPicPr>
+          <p:cNvPr id="6" name="Imagen 5" descr="Un letrero de color blanco&#10;&#10;Descripción generada automáticamente con confianza media">
+            <a:extLst>
+              <a:ext uri="{FF2B5EF4-FFF2-40B4-BE49-F238E27FC236}">
+                <a16:creationId xmlns:a16="http://schemas.microsoft.com/office/drawing/2014/main" id="{0F198BF8-7782-42D1-8E63-9BF56560D33B}"/>
+              </a:ext>
+            </a:extLst>
+          </p:cNvPr>
+          <p:cNvPicPr>
+            <a:picLocks noChangeAspect="1"/>
+          </p:cNvPicPr>
+          <p:nvPr/>
+        </p:nvPicPr>
+        <p:blipFill>
+          <a:blip r:embed="rId3">
+            <a:extLst>
+              <a:ext uri="{28A0092B-C50C-407E-A947-70E740481C1C}">
+                <a14:useLocalDpi xmlns:a14="http://schemas.microsoft.com/office/drawing/2010/main" val="0"/>
+              </a:ext>
+            </a:extLst>
+          </a:blip>
+          <a:stretch>
+            <a:fillRect/>
+          </a:stretch>
+        </p:blipFill>
+        <p:spPr>
+          <a:xfrm>
+            <a:off x="7562088" y="4302251"/>
+            <a:ext cx="1362829" cy="567055"/>
+          </a:xfrm>
+          <a:prstGeom prst="rect">
+            <a:avLst/>
+          </a:prstGeom>
+        </p:spPr>
+      </p:pic>
     </p:spTree>
   </p:cSld>
   <p:clrMapOvr>
@@ -5182,7 +5590,7 @@
 </p:sld>
 </file>
 
-<file path=ppt/slides/slide15.xml><?xml version="1.0" encoding="utf-8"?>
+<file path=ppt/slides/slide16.xml><?xml version="1.0" encoding="utf-8"?>
 <p:sld xmlns:a="http://schemas.openxmlformats.org/drawingml/2006/main" xmlns:r="http://schemas.openxmlformats.org/officeDocument/2006/relationships" xmlns:p="http://schemas.openxmlformats.org/presentationml/2006/main" showMasterSp="0">
   <p:cSld>
     <p:spTree>
@@ -9051,7 +9459,7 @@
 </p:sld>
 </file>
 
-<file path=ppt/slides/slide16.xml><?xml version="1.0" encoding="utf-8"?>
+<file path=ppt/slides/slide17.xml><?xml version="1.0" encoding="utf-8"?>
 <p:sld xmlns:a="http://schemas.openxmlformats.org/drawingml/2006/main" xmlns:r="http://schemas.openxmlformats.org/officeDocument/2006/relationships" xmlns:p="http://schemas.openxmlformats.org/presentationml/2006/main" showMasterSp="0">
   <p:cSld>
     <p:spTree>
@@ -14518,7 +14926,7 @@
         </p:nvSpPr>
         <p:spPr>
           <a:xfrm>
-            <a:off x="0" y="0"/>
+            <a:off x="0" y="-31531"/>
             <a:ext cx="9144000" cy="1066800"/>
           </a:xfrm>
           <a:prstGeom prst="rect">
@@ -14628,7 +15036,7 @@
               </a:rPr>
               <a:t>a</a:t>
             </a:r>
-            <a:endParaRPr sz="3600"/>
+            <a:endParaRPr sz="3600" dirty="0"/>
           </a:p>
         </p:txBody>
       </p:sp>
@@ -14742,8 +15150,8 @@
         </p:blipFill>
         <p:spPr>
           <a:xfrm>
-            <a:off x="7449047" y="4275200"/>
-            <a:ext cx="1543071" cy="621158"/>
+            <a:off x="7502090" y="4302251"/>
+            <a:ext cx="1408669" cy="567055"/>
           </a:xfrm>
           <a:prstGeom prst="rect">
             <a:avLst/>
@@ -14777,8 +15185,8 @@
         </p:blipFill>
         <p:spPr>
           <a:xfrm>
-            <a:off x="336970" y="1264521"/>
-            <a:ext cx="2109719" cy="2602629"/>
+            <a:off x="336971" y="1650759"/>
+            <a:ext cx="1796630" cy="2216391"/>
           </a:xfrm>
           <a:prstGeom prst="rect">
             <a:avLst/>
@@ -14812,8 +15220,8 @@
         </p:blipFill>
         <p:spPr>
           <a:xfrm>
-            <a:off x="2559730" y="2063752"/>
-            <a:ext cx="2309812" cy="2805556"/>
+            <a:off x="2116226" y="2004694"/>
+            <a:ext cx="1891578" cy="2297558"/>
           </a:xfrm>
           <a:prstGeom prst="rect">
             <a:avLst/>
@@ -14834,7 +15242,7 @@
         </p:nvSpPr>
         <p:spPr>
           <a:xfrm>
-            <a:off x="336970" y="4171950"/>
+            <a:off x="258573" y="4161421"/>
             <a:ext cx="2109719" cy="707886"/>
           </a:xfrm>
           <a:prstGeom prst="rect">
@@ -14864,6 +15272,341 @@
             <a:r>
               <a:rPr lang="es-CO" sz="2000" b="1" dirty="0"/>
               <a:t>CUEROS Y COLOR </a:t>
+            </a:r>
+          </a:p>
+        </p:txBody>
+      </p:sp>
+      <p:pic>
+        <p:nvPicPr>
+          <p:cNvPr id="7" name="Imagen 6" descr="Una imagen editada de una persona&#10;&#10;Descripción generada automáticamente con confianza baja">
+            <a:extLst>
+              <a:ext uri="{FF2B5EF4-FFF2-40B4-BE49-F238E27FC236}">
+                <a16:creationId xmlns:a16="http://schemas.microsoft.com/office/drawing/2014/main" id="{8656066F-9FEE-4A52-8825-4600AB18BBEA}"/>
+              </a:ext>
+            </a:extLst>
+          </p:cNvPr>
+          <p:cNvPicPr>
+            <a:picLocks noChangeAspect="1"/>
+          </p:cNvPicPr>
+          <p:nvPr/>
+        </p:nvPicPr>
+        <p:blipFill rotWithShape="1">
+          <a:blip r:embed="rId6">
+            <a:extLst>
+              <a:ext uri="{28A0092B-C50C-407E-A947-70E740481C1C}">
+                <a14:useLocalDpi xmlns:a14="http://schemas.microsoft.com/office/drawing/2010/main" val="0"/>
+              </a:ext>
+            </a:extLst>
+          </a:blip>
+          <a:srcRect l="15923" t="11860" b="23303"/>
+          <a:stretch/>
+        </p:blipFill>
+        <p:spPr>
+          <a:xfrm>
+            <a:off x="5715000" y="2054656"/>
+            <a:ext cx="2937471" cy="914400"/>
+          </a:xfrm>
+          <a:prstGeom prst="rect">
+            <a:avLst/>
+          </a:prstGeom>
+        </p:spPr>
+      </p:pic>
+      <p:pic>
+        <p:nvPicPr>
+          <p:cNvPr id="12" name="Imagen 11" descr="Icono&#10;&#10;Descripción generada automáticamente con confianza media">
+            <a:extLst>
+              <a:ext uri="{FF2B5EF4-FFF2-40B4-BE49-F238E27FC236}">
+                <a16:creationId xmlns:a16="http://schemas.microsoft.com/office/drawing/2014/main" id="{1C9F283B-E8BA-47BE-9C89-46950D25CEBD}"/>
+              </a:ext>
+            </a:extLst>
+          </p:cNvPr>
+          <p:cNvPicPr>
+            <a:picLocks noChangeAspect="1"/>
+          </p:cNvPicPr>
+          <p:nvPr/>
+        </p:nvPicPr>
+        <p:blipFill>
+          <a:blip r:embed="rId7" cstate="print">
+            <a:extLst>
+              <a:ext uri="{28A0092B-C50C-407E-A947-70E740481C1C}">
+                <a14:useLocalDpi xmlns:a14="http://schemas.microsoft.com/office/drawing/2010/main" val="0"/>
+              </a:ext>
+            </a:extLst>
+          </a:blip>
+          <a:stretch>
+            <a:fillRect/>
+          </a:stretch>
+        </p:blipFill>
+        <p:spPr>
+          <a:xfrm>
+            <a:off x="5087106" y="3207677"/>
+            <a:ext cx="2143125" cy="1428750"/>
+          </a:xfrm>
+          <a:prstGeom prst="rect">
+            <a:avLst/>
+          </a:prstGeom>
+        </p:spPr>
+      </p:pic>
+      <p:sp>
+        <p:nvSpPr>
+          <p:cNvPr id="13" name="CuadroTexto 12">
+            <a:extLst>
+              <a:ext uri="{FF2B5EF4-FFF2-40B4-BE49-F238E27FC236}">
+                <a16:creationId xmlns:a16="http://schemas.microsoft.com/office/drawing/2014/main" id="{5C183C18-E3C2-427D-8C26-61FC7B72AB9E}"/>
+              </a:ext>
+            </a:extLst>
+          </p:cNvPr>
+          <p:cNvSpPr txBox="1"/>
+          <p:nvPr/>
+        </p:nvSpPr>
+        <p:spPr>
+          <a:xfrm>
+            <a:off x="7063425" y="3153473"/>
+            <a:ext cx="1143000" cy="369332"/>
+          </a:xfrm>
+          <a:prstGeom prst="rect">
+            <a:avLst/>
+          </a:prstGeom>
+          <a:solidFill>
+            <a:srgbClr val="00B0F0"/>
+          </a:solidFill>
+        </p:spPr>
+        <p:txBody>
+          <a:bodyPr wrap="square" rtlCol="0">
+            <a:spAutoFit/>
+          </a:bodyPr>
+          <a:lstStyle/>
+          <a:p>
+            <a:r>
+              <a:rPr lang="es-CO" dirty="0"/>
+              <a:t>Entrevista</a:t>
+            </a:r>
+          </a:p>
+        </p:txBody>
+      </p:sp>
+      <p:sp>
+        <p:nvSpPr>
+          <p:cNvPr id="14" name="CuadroTexto 13">
+            <a:extLst>
+              <a:ext uri="{FF2B5EF4-FFF2-40B4-BE49-F238E27FC236}">
+                <a16:creationId xmlns:a16="http://schemas.microsoft.com/office/drawing/2014/main" id="{7F21AB52-43F8-47A8-8D8A-E45D0C1B032E}"/>
+              </a:ext>
+            </a:extLst>
+          </p:cNvPr>
+          <p:cNvSpPr txBox="1"/>
+          <p:nvPr/>
+        </p:nvSpPr>
+        <p:spPr>
+          <a:xfrm>
+            <a:off x="6784530" y="1870239"/>
+            <a:ext cx="1881079" cy="369332"/>
+          </a:xfrm>
+          <a:prstGeom prst="rect">
+            <a:avLst/>
+          </a:prstGeom>
+          <a:solidFill>
+            <a:srgbClr val="92D050"/>
+          </a:solidFill>
+        </p:spPr>
+        <p:txBody>
+          <a:bodyPr wrap="square" rtlCol="0">
+            <a:spAutoFit/>
+          </a:bodyPr>
+          <a:lstStyle/>
+          <a:p>
+            <a:r>
+              <a:rPr lang="es-CO" dirty="0"/>
+              <a:t>Lista de chequeo</a:t>
+            </a:r>
+          </a:p>
+        </p:txBody>
+      </p:sp>
+      <p:sp>
+        <p:nvSpPr>
+          <p:cNvPr id="16" name="Flecha: a la derecha 15">
+            <a:extLst>
+              <a:ext uri="{FF2B5EF4-FFF2-40B4-BE49-F238E27FC236}">
+                <a16:creationId xmlns:a16="http://schemas.microsoft.com/office/drawing/2014/main" id="{018BF3A3-4DF6-466C-878E-C1DB697F0D43}"/>
+              </a:ext>
+            </a:extLst>
+          </p:cNvPr>
+          <p:cNvSpPr/>
+          <p:nvPr/>
+        </p:nvSpPr>
+        <p:spPr>
+          <a:xfrm>
+            <a:off x="4222094" y="2054656"/>
+            <a:ext cx="1816153" cy="266700"/>
+          </a:xfrm>
+          <a:prstGeom prst="rightArrow">
+            <a:avLst/>
+          </a:prstGeom>
+          <a:solidFill>
+            <a:srgbClr val="002060"/>
+          </a:solidFill>
+          <a:ln>
+            <a:solidFill>
+              <a:srgbClr val="FFFF00"/>
+            </a:solidFill>
+          </a:ln>
+        </p:spPr>
+        <p:style>
+          <a:lnRef idx="2">
+            <a:schemeClr val="dk1">
+              <a:shade val="50000"/>
+            </a:schemeClr>
+          </a:lnRef>
+          <a:fillRef idx="1">
+            <a:schemeClr val="dk1"/>
+          </a:fillRef>
+          <a:effectRef idx="0">
+            <a:schemeClr val="dk1"/>
+          </a:effectRef>
+          <a:fontRef idx="minor">
+            <a:schemeClr val="lt1"/>
+          </a:fontRef>
+        </p:style>
+        <p:txBody>
+          <a:bodyPr rtlCol="0" anchor="ctr"/>
+          <a:lstStyle/>
+          <a:p>
+            <a:pPr algn="ctr"/>
+            <a:endParaRPr lang="es-CO"/>
+          </a:p>
+        </p:txBody>
+      </p:sp>
+      <p:sp>
+        <p:nvSpPr>
+          <p:cNvPr id="17" name="Flecha: a la derecha 16">
+            <a:extLst>
+              <a:ext uri="{FF2B5EF4-FFF2-40B4-BE49-F238E27FC236}">
+                <a16:creationId xmlns:a16="http://schemas.microsoft.com/office/drawing/2014/main" id="{7D9C63F6-7F68-4188-8E9B-5CE712FBC96F}"/>
+              </a:ext>
+            </a:extLst>
+          </p:cNvPr>
+          <p:cNvSpPr/>
+          <p:nvPr/>
+        </p:nvSpPr>
+        <p:spPr>
+          <a:xfrm rot="1885701">
+            <a:off x="4067328" y="2559387"/>
+            <a:ext cx="2013279" cy="274871"/>
+          </a:xfrm>
+          <a:prstGeom prst="rightArrow">
+            <a:avLst/>
+          </a:prstGeom>
+          <a:solidFill>
+            <a:srgbClr val="002060"/>
+          </a:solidFill>
+          <a:ln>
+            <a:solidFill>
+              <a:srgbClr val="FFFF00"/>
+            </a:solidFill>
+          </a:ln>
+        </p:spPr>
+        <p:style>
+          <a:lnRef idx="2">
+            <a:schemeClr val="dk1">
+              <a:shade val="50000"/>
+            </a:schemeClr>
+          </a:lnRef>
+          <a:fillRef idx="1">
+            <a:schemeClr val="dk1"/>
+          </a:fillRef>
+          <a:effectRef idx="0">
+            <a:schemeClr val="dk1"/>
+          </a:effectRef>
+          <a:fontRef idx="minor">
+            <a:schemeClr val="lt1"/>
+          </a:fontRef>
+        </p:style>
+        <p:txBody>
+          <a:bodyPr rtlCol="0" anchor="ctr"/>
+          <a:lstStyle/>
+          <a:p>
+            <a:pPr algn="ctr"/>
+            <a:endParaRPr lang="es-CO" dirty="0"/>
+          </a:p>
+        </p:txBody>
+      </p:sp>
+      <p:sp>
+        <p:nvSpPr>
+          <p:cNvPr id="18" name="CuadroTexto 17">
+            <a:extLst>
+              <a:ext uri="{FF2B5EF4-FFF2-40B4-BE49-F238E27FC236}">
+                <a16:creationId xmlns:a16="http://schemas.microsoft.com/office/drawing/2014/main" id="{18029414-DADE-4288-AFBA-377DCAD55B49}"/>
+              </a:ext>
+            </a:extLst>
+          </p:cNvPr>
+          <p:cNvSpPr txBox="1"/>
+          <p:nvPr/>
+        </p:nvSpPr>
+        <p:spPr>
+          <a:xfrm>
+            <a:off x="1981200" y="1058046"/>
+            <a:ext cx="1213108" cy="276999"/>
+          </a:xfrm>
+          <a:prstGeom prst="rect">
+            <a:avLst/>
+          </a:prstGeom>
+          <a:noFill/>
+        </p:spPr>
+        <p:txBody>
+          <a:bodyPr wrap="square" rtlCol="0">
+            <a:spAutoFit/>
+          </a:bodyPr>
+          <a:lstStyle/>
+          <a:p>
+            <a:r>
+              <a:rPr lang="es-CO" sz="1200" b="1" u="sng" dirty="0">
+                <a:solidFill>
+                  <a:schemeClr val="accent1">
+                    <a:lumMod val="50000"/>
+                  </a:schemeClr>
+                </a:solidFill>
+              </a:rPr>
+              <a:t>EMPRESA</a:t>
+            </a:r>
+          </a:p>
+        </p:txBody>
+      </p:sp>
+      <p:sp>
+        <p:nvSpPr>
+          <p:cNvPr id="19" name="CuadroTexto 18">
+            <a:extLst>
+              <a:ext uri="{FF2B5EF4-FFF2-40B4-BE49-F238E27FC236}">
+                <a16:creationId xmlns:a16="http://schemas.microsoft.com/office/drawing/2014/main" id="{12EDA69C-CAC6-40C7-BE4E-650F268D0037}"/>
+              </a:ext>
+            </a:extLst>
+          </p:cNvPr>
+          <p:cNvSpPr txBox="1"/>
+          <p:nvPr/>
+        </p:nvSpPr>
+        <p:spPr>
+          <a:xfrm>
+            <a:off x="5976072" y="1094989"/>
+            <a:ext cx="3654870" cy="461665"/>
+          </a:xfrm>
+          <a:prstGeom prst="rect">
+            <a:avLst/>
+          </a:prstGeom>
+          <a:noFill/>
+        </p:spPr>
+        <p:txBody>
+          <a:bodyPr wrap="square" rtlCol="0">
+            <a:spAutoFit/>
+          </a:bodyPr>
+          <a:lstStyle/>
+          <a:p>
+            <a:r>
+              <a:rPr lang="es-CO" sz="1200" b="1" u="sng" dirty="0">
+                <a:solidFill>
+                  <a:schemeClr val="accent1">
+                    <a:lumMod val="50000"/>
+                  </a:schemeClr>
+                </a:solidFill>
+              </a:rPr>
+              <a:t>Metodología utilizada en la recolección de la información</a:t>
             </a:r>
           </a:p>
         </p:txBody>
@@ -14893,833 +15636,206 @@
           <a:chExt cx="0" cy="0"/>
         </a:xfrm>
       </p:grpSpPr>
-      <p:sp>
-        <p:nvSpPr>
-          <p:cNvPr id="5" name="CuadroTexto 4">
+      <p:pic>
+        <p:nvPicPr>
+          <p:cNvPr id="8" name="Imagen 7" descr="Imagen que contiene Tabla&#10;&#10;Descripción generada automáticamente">
             <a:extLst>
               <a:ext uri="{FF2B5EF4-FFF2-40B4-BE49-F238E27FC236}">
-                <a16:creationId xmlns:a16="http://schemas.microsoft.com/office/drawing/2014/main" id="{CB4640C3-406B-43E3-9569-9EA84FD55835}"/>
+                <a16:creationId xmlns:a16="http://schemas.microsoft.com/office/drawing/2014/main" id="{6785957A-362A-4D29-AEBA-41E873F4876B}"/>
               </a:ext>
             </a:extLst>
           </p:cNvPr>
-          <p:cNvSpPr txBox="1"/>
+          <p:cNvPicPr>
+            <a:picLocks noChangeAspect="1"/>
+          </p:cNvPicPr>
+          <p:nvPr/>
+        </p:nvPicPr>
+        <p:blipFill>
+          <a:blip r:embed="rId2">
+            <a:extLst>
+              <a:ext uri="{28A0092B-C50C-407E-A947-70E740481C1C}">
+                <a14:useLocalDpi xmlns:a14="http://schemas.microsoft.com/office/drawing/2010/main" val="0"/>
+              </a:ext>
+            </a:extLst>
+          </a:blip>
+          <a:stretch>
+            <a:fillRect/>
+          </a:stretch>
+        </p:blipFill>
+        <p:spPr>
+          <a:xfrm>
+            <a:off x="75679" y="819150"/>
+            <a:ext cx="8992642" cy="3695301"/>
+          </a:xfrm>
+          <a:prstGeom prst="rect">
+            <a:avLst/>
+          </a:prstGeom>
+        </p:spPr>
+      </p:pic>
+      <p:sp>
+        <p:nvSpPr>
+          <p:cNvPr id="3" name="Marcador de texto 2">
+            <a:extLst>
+              <a:ext uri="{FF2B5EF4-FFF2-40B4-BE49-F238E27FC236}">
+                <a16:creationId xmlns:a16="http://schemas.microsoft.com/office/drawing/2014/main" id="{B8C4A39E-8D6B-48AE-92E0-69CD85FD0CFA}"/>
+              </a:ext>
+            </a:extLst>
+          </p:cNvPr>
+          <p:cNvSpPr>
+            <a:spLocks noGrp="1"/>
+          </p:cNvSpPr>
+          <p:nvPr>
+            <p:ph type="body" idx="1"/>
+          </p:nvPr>
+        </p:nvSpPr>
+        <p:spPr>
+          <a:xfrm>
+            <a:off x="450587" y="254219"/>
+            <a:ext cx="8154670" cy="784830"/>
+          </a:xfrm>
+        </p:spPr>
+        <p:txBody>
+          <a:bodyPr/>
+          <a:lstStyle/>
+          <a:p>
+            <a:pPr algn="ctr"/>
+            <a:r>
+              <a:rPr lang="es-ES" sz="2000" b="1" spc="20" dirty="0">
+                <a:solidFill>
+                  <a:schemeClr val="accent6">
+                    <a:lumMod val="75000"/>
+                  </a:schemeClr>
+                </a:solidFill>
+                <a:latin typeface="Carlito"/>
+                <a:cs typeface="Carlito"/>
+              </a:rPr>
+              <a:t>Análisis de </a:t>
+            </a:r>
+            <a:r>
+              <a:rPr lang="es-ES" sz="2000" b="1" spc="15" dirty="0">
+                <a:solidFill>
+                  <a:schemeClr val="accent6">
+                    <a:lumMod val="75000"/>
+                  </a:schemeClr>
+                </a:solidFill>
+                <a:latin typeface="Carlito"/>
+                <a:cs typeface="Carlito"/>
+              </a:rPr>
+              <a:t>Información</a:t>
+            </a:r>
+            <a:endParaRPr lang="es-ES" sz="2000" spc="5" dirty="0">
+              <a:solidFill>
+                <a:schemeClr val="accent6">
+                  <a:lumMod val="75000"/>
+                </a:schemeClr>
+              </a:solidFill>
+            </a:endParaRPr>
+          </a:p>
+          <a:p>
+            <a:endParaRPr lang="es-ES" sz="1550" dirty="0">
+              <a:latin typeface="Carlito"/>
+              <a:cs typeface="Carlito"/>
+            </a:endParaRPr>
+          </a:p>
+          <a:p>
+            <a:endParaRPr lang="es-CO" dirty="0"/>
+          </a:p>
+        </p:txBody>
+      </p:sp>
+      <p:sp>
+        <p:nvSpPr>
+          <p:cNvPr id="2" name="Rectángulo 1">
+            <a:extLst>
+              <a:ext uri="{FF2B5EF4-FFF2-40B4-BE49-F238E27FC236}">
+                <a16:creationId xmlns:a16="http://schemas.microsoft.com/office/drawing/2014/main" id="{52AC6787-B977-462B-9224-598528AC5EF3}"/>
+              </a:ext>
+            </a:extLst>
+          </p:cNvPr>
+          <p:cNvSpPr/>
           <p:nvPr/>
         </p:nvSpPr>
         <p:spPr>
           <a:xfrm>
-            <a:off x="381000" y="285750"/>
-            <a:ext cx="8915400" cy="5273238"/>
+            <a:off x="440077" y="499080"/>
+            <a:ext cx="2133600" cy="1143000"/>
           </a:xfrm>
           <a:prstGeom prst="rect">
             <a:avLst/>
           </a:prstGeom>
-          <a:noFill/>
+          <a:solidFill>
+            <a:schemeClr val="bg1"/>
+          </a:solidFill>
+          <a:ln>
+            <a:solidFill>
+              <a:schemeClr val="bg1"/>
+            </a:solidFill>
+          </a:ln>
         </p:spPr>
+        <p:style>
+          <a:lnRef idx="2">
+            <a:schemeClr val="accent1">
+              <a:shade val="50000"/>
+            </a:schemeClr>
+          </a:lnRef>
+          <a:fillRef idx="1">
+            <a:schemeClr val="accent1"/>
+          </a:fillRef>
+          <a:effectRef idx="0">
+            <a:schemeClr val="accent1"/>
+          </a:effectRef>
+          <a:fontRef idx="minor">
+            <a:schemeClr val="lt1"/>
+          </a:fontRef>
+        </p:style>
         <p:txBody>
-          <a:bodyPr wrap="square">
-            <a:spAutoFit/>
-          </a:bodyPr>
+          <a:bodyPr rtlCol="0" anchor="ctr"/>
           <a:lstStyle/>
           <a:p>
-            <a:pPr marL="12700">
-              <a:lnSpc>
-                <a:spcPct val="100000"/>
-              </a:lnSpc>
-              <a:spcBef>
-                <a:spcPts val="130"/>
-              </a:spcBef>
-            </a:pPr>
-            <a:r>
-              <a:rPr lang="es-ES" sz="1800" spc="10" dirty="0">
-                <a:solidFill>
-                  <a:srgbClr val="404040"/>
-                </a:solidFill>
-                <a:latin typeface="Carlito"/>
-                <a:cs typeface="Carlito"/>
-              </a:rPr>
-              <a:t>En el establecimiento “Peletería cueros y color” en la actualidad cuando se realiza una venta se hace un registro manualmente , también se maneja un inventariado y control de contabilidad plasmado en libros, el marketing se realiza de manera presencial con tarjetas de presentación o de voz a voz; a raíz de este tipo de actividades se presenta perdidas de documentos  y acciones contables importantes como también no existe un buen manejo del sistema de marketing. Generando así una problemática de calidad de servicios.</a:t>
-            </a:r>
-          </a:p>
-          <a:p>
-            <a:pPr marL="12700">
-              <a:lnSpc>
-                <a:spcPct val="100000"/>
-              </a:lnSpc>
-              <a:spcBef>
-                <a:spcPts val="130"/>
-              </a:spcBef>
-            </a:pPr>
-            <a:endParaRPr lang="es-ES" sz="1800" spc="10" dirty="0">
-              <a:solidFill>
-                <a:srgbClr val="404040"/>
-              </a:solidFill>
-              <a:latin typeface="Carlito"/>
-              <a:cs typeface="Carlito"/>
-            </a:endParaRPr>
-          </a:p>
-          <a:p>
-            <a:pPr marL="12700">
-              <a:lnSpc>
-                <a:spcPct val="100000"/>
-              </a:lnSpc>
-              <a:spcBef>
-                <a:spcPts val="130"/>
-              </a:spcBef>
-            </a:pPr>
-            <a:r>
-              <a:rPr lang="es-ES" sz="1800" spc="10" dirty="0">
-                <a:solidFill>
-                  <a:srgbClr val="404040"/>
-                </a:solidFill>
-                <a:latin typeface="Carlito"/>
-                <a:cs typeface="Carlito"/>
-              </a:rPr>
-              <a:t>Proceso 1 . Facturación : Necesita facturación electrónica-</a:t>
-            </a:r>
-          </a:p>
-          <a:p>
-            <a:pPr marL="12700">
-              <a:lnSpc>
-                <a:spcPct val="100000"/>
-              </a:lnSpc>
-              <a:spcBef>
-                <a:spcPts val="130"/>
-              </a:spcBef>
-            </a:pPr>
-            <a:r>
-              <a:rPr lang="es-ES" sz="1800" spc="10" dirty="0">
-                <a:solidFill>
-                  <a:srgbClr val="404040"/>
-                </a:solidFill>
-                <a:latin typeface="Carlito"/>
-                <a:cs typeface="Carlito"/>
-              </a:rPr>
-              <a:t>Proceso 2. Inventariado : Necesita un sistema de información para organizar mejor el inventario.</a:t>
-            </a:r>
-          </a:p>
-          <a:p>
-            <a:pPr marL="12700">
-              <a:lnSpc>
-                <a:spcPct val="100000"/>
-              </a:lnSpc>
-              <a:spcBef>
-                <a:spcPts val="130"/>
-              </a:spcBef>
-            </a:pPr>
-            <a:r>
-              <a:rPr lang="es-ES" sz="1800" spc="10" dirty="0">
-                <a:solidFill>
-                  <a:srgbClr val="404040"/>
-                </a:solidFill>
-                <a:latin typeface="Carlito"/>
-                <a:cs typeface="Carlito"/>
-              </a:rPr>
-              <a:t>Proceso 3. Marketing: Necesita mejorar su publicidad .</a:t>
-            </a:r>
-            <a:endParaRPr lang="es-ES" sz="1800" dirty="0">
-              <a:latin typeface="Carlito"/>
-              <a:cs typeface="Carlito"/>
-            </a:endParaRPr>
-          </a:p>
-          <a:p>
-            <a:pPr>
-              <a:lnSpc>
-                <a:spcPct val="100000"/>
-              </a:lnSpc>
-              <a:spcBef>
-                <a:spcPts val="5"/>
-              </a:spcBef>
-            </a:pPr>
-            <a:endParaRPr lang="es-ES" sz="1800" dirty="0">
-              <a:latin typeface="Carlito"/>
-              <a:cs typeface="Carlito"/>
-            </a:endParaRPr>
-          </a:p>
-          <a:p>
-            <a:pPr marL="300355" indent="-288290">
-              <a:lnSpc>
-                <a:spcPct val="100000"/>
-              </a:lnSpc>
-              <a:buFont typeface="Arial"/>
-              <a:buChar char="•"/>
-              <a:tabLst>
-                <a:tab pos="300355" algn="l"/>
-                <a:tab pos="300990" algn="l"/>
-              </a:tabLst>
-            </a:pPr>
-            <a:r>
-              <a:rPr lang="es-ES" sz="1800" spc="20" dirty="0">
-                <a:solidFill>
-                  <a:srgbClr val="404040"/>
-                </a:solidFill>
-                <a:highlight>
-                  <a:srgbClr val="FFFF00"/>
-                </a:highlight>
-                <a:latin typeface="Carlito"/>
-                <a:cs typeface="Carlito"/>
-              </a:rPr>
-              <a:t>Empresa: </a:t>
-            </a:r>
-            <a:r>
-              <a:rPr lang="es-ES" sz="1800" dirty="0">
-                <a:solidFill>
-                  <a:srgbClr val="404040"/>
-                </a:solidFill>
-                <a:highlight>
-                  <a:srgbClr val="FFFF00"/>
-                </a:highlight>
-                <a:latin typeface="Carlito"/>
-                <a:cs typeface="Carlito"/>
-              </a:rPr>
-              <a:t>Nombre Empresa </a:t>
-            </a:r>
-            <a:r>
-              <a:rPr lang="es-ES" sz="1800" spc="15" dirty="0">
-                <a:solidFill>
-                  <a:srgbClr val="404040"/>
-                </a:solidFill>
-                <a:highlight>
-                  <a:srgbClr val="FFFF00"/>
-                </a:highlight>
-                <a:latin typeface="Carlito"/>
-                <a:cs typeface="Carlito"/>
-              </a:rPr>
-              <a:t>y a </a:t>
-            </a:r>
-            <a:r>
-              <a:rPr lang="es-ES" sz="1800" spc="10" dirty="0">
-                <a:solidFill>
-                  <a:srgbClr val="404040"/>
-                </a:solidFill>
-                <a:highlight>
-                  <a:srgbClr val="FFFF00"/>
-                </a:highlight>
-                <a:latin typeface="Carlito"/>
-                <a:cs typeface="Carlito"/>
-              </a:rPr>
-              <a:t>qué se</a:t>
-            </a:r>
-            <a:r>
-              <a:rPr lang="es-ES" sz="1800" spc="-50" dirty="0">
-                <a:solidFill>
-                  <a:srgbClr val="404040"/>
-                </a:solidFill>
-                <a:highlight>
-                  <a:srgbClr val="FFFF00"/>
-                </a:highlight>
-                <a:latin typeface="Carlito"/>
-                <a:cs typeface="Carlito"/>
-              </a:rPr>
-              <a:t> </a:t>
-            </a:r>
-            <a:r>
-              <a:rPr lang="es-ES" sz="1800" spc="10" dirty="0">
-                <a:solidFill>
-                  <a:srgbClr val="404040"/>
-                </a:solidFill>
-                <a:highlight>
-                  <a:srgbClr val="FFFF00"/>
-                </a:highlight>
-                <a:latin typeface="Carlito"/>
-                <a:cs typeface="Carlito"/>
-              </a:rPr>
-              <a:t>dedica</a:t>
-            </a:r>
-            <a:endParaRPr lang="es-ES" sz="1800" dirty="0">
-              <a:highlight>
-                <a:srgbClr val="FFFF00"/>
-              </a:highlight>
-              <a:latin typeface="Carlito"/>
-              <a:cs typeface="Carlito"/>
-            </a:endParaRPr>
-          </a:p>
-          <a:p>
-            <a:pPr marL="300355" indent="-288290">
-              <a:lnSpc>
-                <a:spcPct val="100000"/>
-              </a:lnSpc>
-              <a:spcBef>
-                <a:spcPts val="90"/>
-              </a:spcBef>
-              <a:buFont typeface="Arial"/>
-              <a:buChar char="•"/>
-              <a:tabLst>
-                <a:tab pos="300355" algn="l"/>
-                <a:tab pos="300990" algn="l"/>
-              </a:tabLst>
-            </a:pPr>
-            <a:r>
-              <a:rPr lang="es-ES" sz="1800" spc="10" dirty="0">
-                <a:solidFill>
-                  <a:srgbClr val="404040"/>
-                </a:solidFill>
-                <a:highlight>
-                  <a:srgbClr val="FFFF00"/>
-                </a:highlight>
-                <a:latin typeface="Carlito"/>
-                <a:cs typeface="Carlito"/>
-              </a:rPr>
-              <a:t>Procesos </a:t>
-            </a:r>
-            <a:r>
-              <a:rPr lang="es-ES" sz="1800" spc="15" dirty="0">
-                <a:solidFill>
-                  <a:srgbClr val="404040"/>
-                </a:solidFill>
-                <a:highlight>
-                  <a:srgbClr val="FFFF00"/>
-                </a:highlight>
-                <a:latin typeface="Carlito"/>
-                <a:cs typeface="Carlito"/>
-              </a:rPr>
-              <a:t>en los </a:t>
-            </a:r>
-            <a:r>
-              <a:rPr lang="es-ES" sz="1800" spc="20" dirty="0">
-                <a:solidFill>
-                  <a:srgbClr val="404040"/>
-                </a:solidFill>
-                <a:highlight>
-                  <a:srgbClr val="FFFF00"/>
-                </a:highlight>
-                <a:latin typeface="Carlito"/>
-                <a:cs typeface="Carlito"/>
-              </a:rPr>
-              <a:t>que se </a:t>
-            </a:r>
-            <a:r>
-              <a:rPr lang="es-ES" sz="1800" dirty="0">
-                <a:solidFill>
-                  <a:srgbClr val="404040"/>
-                </a:solidFill>
-                <a:highlight>
-                  <a:srgbClr val="FFFF00"/>
-                </a:highlight>
-                <a:latin typeface="Carlito"/>
-                <a:cs typeface="Carlito"/>
-              </a:rPr>
-              <a:t>va </a:t>
-            </a:r>
-            <a:r>
-              <a:rPr lang="es-ES" sz="1800" spc="15" dirty="0">
-                <a:solidFill>
-                  <a:srgbClr val="404040"/>
-                </a:solidFill>
-                <a:highlight>
-                  <a:srgbClr val="FFFF00"/>
-                </a:highlight>
-                <a:latin typeface="Carlito"/>
-                <a:cs typeface="Carlito"/>
-              </a:rPr>
-              <a:t>a </a:t>
-            </a:r>
-            <a:r>
-              <a:rPr lang="es-ES" sz="1800" spc="10" dirty="0">
-                <a:solidFill>
-                  <a:srgbClr val="404040"/>
-                </a:solidFill>
-                <a:highlight>
-                  <a:srgbClr val="FFFF00"/>
-                </a:highlight>
-                <a:latin typeface="Carlito"/>
-                <a:cs typeface="Carlito"/>
-              </a:rPr>
-              <a:t>intervenir </a:t>
-            </a:r>
-            <a:r>
-              <a:rPr lang="es-ES" sz="1800" spc="5" dirty="0">
-                <a:solidFill>
-                  <a:srgbClr val="404040"/>
-                </a:solidFill>
-                <a:highlight>
-                  <a:srgbClr val="FFFF00"/>
-                </a:highlight>
-                <a:latin typeface="Carlito"/>
-                <a:cs typeface="Carlito"/>
-              </a:rPr>
-              <a:t>: Proceso1, Proceso2,</a:t>
-            </a:r>
-            <a:r>
-              <a:rPr lang="es-ES" sz="1800" dirty="0">
-                <a:solidFill>
-                  <a:srgbClr val="404040"/>
-                </a:solidFill>
-                <a:highlight>
-                  <a:srgbClr val="FFFF00"/>
-                </a:highlight>
-                <a:latin typeface="Carlito"/>
-                <a:cs typeface="Carlito"/>
-              </a:rPr>
-              <a:t> </a:t>
-            </a:r>
-            <a:r>
-              <a:rPr lang="es-ES" sz="1800" spc="5" dirty="0">
-                <a:solidFill>
-                  <a:srgbClr val="404040"/>
-                </a:solidFill>
-                <a:highlight>
-                  <a:srgbClr val="FFFF00"/>
-                </a:highlight>
-                <a:latin typeface="Carlito"/>
-                <a:cs typeface="Carlito"/>
-              </a:rPr>
-              <a:t>Proceso3</a:t>
-            </a:r>
-            <a:endParaRPr lang="es-ES" sz="1800" dirty="0">
-              <a:highlight>
-                <a:srgbClr val="FFFF00"/>
-              </a:highlight>
-              <a:latin typeface="Carlito"/>
-              <a:cs typeface="Carlito"/>
-            </a:endParaRPr>
-          </a:p>
-          <a:p>
-            <a:pPr marL="300355" marR="417195" indent="-288290">
-              <a:lnSpc>
-                <a:spcPts val="1910"/>
-              </a:lnSpc>
-              <a:spcBef>
-                <a:spcPts val="35"/>
-              </a:spcBef>
-              <a:buFont typeface="Arial"/>
-              <a:buChar char="•"/>
-              <a:tabLst>
-                <a:tab pos="300355" algn="l"/>
-                <a:tab pos="300990" algn="l"/>
-              </a:tabLst>
-            </a:pPr>
-            <a:r>
-              <a:rPr lang="es-ES" sz="1800" spc="15" dirty="0">
-                <a:solidFill>
-                  <a:srgbClr val="404040"/>
-                </a:solidFill>
-                <a:highlight>
-                  <a:srgbClr val="FFFF00"/>
-                </a:highlight>
-                <a:latin typeface="Carlito"/>
-                <a:cs typeface="Carlito"/>
-              </a:rPr>
-              <a:t>Necesidades: </a:t>
-            </a:r>
-            <a:r>
-              <a:rPr lang="es-ES" sz="1800" spc="5" dirty="0">
-                <a:solidFill>
-                  <a:srgbClr val="404040"/>
-                </a:solidFill>
-                <a:highlight>
-                  <a:srgbClr val="FFFF00"/>
-                </a:highlight>
-                <a:latin typeface="Carlito"/>
-                <a:cs typeface="Carlito"/>
-              </a:rPr>
-              <a:t>Proceso1 (Descripción </a:t>
-            </a:r>
-            <a:r>
-              <a:rPr lang="es-ES" sz="1800" spc="10" dirty="0">
-                <a:solidFill>
-                  <a:srgbClr val="404040"/>
-                </a:solidFill>
-                <a:highlight>
-                  <a:srgbClr val="FFFF00"/>
-                </a:highlight>
-                <a:latin typeface="Carlito"/>
-                <a:cs typeface="Carlito"/>
-              </a:rPr>
-              <a:t>del </a:t>
-            </a:r>
-            <a:r>
-              <a:rPr lang="es-ES" sz="1800" spc="5" dirty="0">
-                <a:solidFill>
-                  <a:srgbClr val="404040"/>
-                </a:solidFill>
-                <a:highlight>
-                  <a:srgbClr val="FFFF00"/>
-                </a:highlight>
-                <a:latin typeface="Carlito"/>
-                <a:cs typeface="Carlito"/>
-              </a:rPr>
-              <a:t>proceso </a:t>
-            </a:r>
-            <a:r>
-              <a:rPr lang="es-ES" sz="1800" spc="15" dirty="0">
-                <a:solidFill>
-                  <a:srgbClr val="404040"/>
-                </a:solidFill>
-                <a:highlight>
-                  <a:srgbClr val="FFFF00"/>
-                </a:highlight>
-                <a:latin typeface="Carlito"/>
-                <a:cs typeface="Carlito"/>
-              </a:rPr>
-              <a:t>y </a:t>
-            </a:r>
-            <a:r>
-              <a:rPr lang="es-ES" sz="1800" spc="10" dirty="0">
-                <a:solidFill>
-                  <a:srgbClr val="404040"/>
-                </a:solidFill>
-                <a:highlight>
-                  <a:srgbClr val="FFFF00"/>
-                </a:highlight>
-                <a:latin typeface="Carlito"/>
-                <a:cs typeface="Carlito"/>
-              </a:rPr>
-              <a:t>necesidades </a:t>
-            </a:r>
-            <a:r>
-              <a:rPr lang="es-ES" sz="1800" spc="5" dirty="0">
-                <a:solidFill>
-                  <a:srgbClr val="404040"/>
-                </a:solidFill>
-                <a:highlight>
-                  <a:srgbClr val="FFFF00"/>
-                </a:highlight>
-                <a:latin typeface="Carlito"/>
-                <a:cs typeface="Carlito"/>
-              </a:rPr>
-              <a:t>encontradas). Proceso2  </a:t>
-            </a:r>
-            <a:r>
-              <a:rPr lang="es-ES" sz="1800" spc="10" dirty="0">
-                <a:solidFill>
-                  <a:srgbClr val="404040"/>
-                </a:solidFill>
-                <a:highlight>
-                  <a:srgbClr val="FFFF00"/>
-                </a:highlight>
-                <a:latin typeface="Carlito"/>
-                <a:cs typeface="Carlito"/>
-              </a:rPr>
-              <a:t>(Descripción</a:t>
-            </a:r>
-            <a:r>
-              <a:rPr lang="es-ES" sz="1800" spc="114" dirty="0">
-                <a:solidFill>
-                  <a:srgbClr val="404040"/>
-                </a:solidFill>
-                <a:highlight>
-                  <a:srgbClr val="FFFF00"/>
-                </a:highlight>
-                <a:latin typeface="Carlito"/>
-                <a:cs typeface="Carlito"/>
-              </a:rPr>
-              <a:t> </a:t>
-            </a:r>
-            <a:r>
-              <a:rPr lang="es-ES" sz="1800" spc="10" dirty="0">
-                <a:solidFill>
-                  <a:srgbClr val="404040"/>
-                </a:solidFill>
-                <a:highlight>
-                  <a:srgbClr val="FFFF00"/>
-                </a:highlight>
-                <a:latin typeface="Carlito"/>
-                <a:cs typeface="Carlito"/>
-              </a:rPr>
-              <a:t>del</a:t>
-            </a:r>
-            <a:r>
-              <a:rPr lang="es-ES" sz="1800" spc="45" dirty="0">
-                <a:solidFill>
-                  <a:srgbClr val="404040"/>
-                </a:solidFill>
-                <a:highlight>
-                  <a:srgbClr val="FFFF00"/>
-                </a:highlight>
-                <a:latin typeface="Carlito"/>
-                <a:cs typeface="Carlito"/>
-              </a:rPr>
-              <a:t> </a:t>
-            </a:r>
-            <a:r>
-              <a:rPr lang="es-ES" sz="1800" spc="5" dirty="0">
-                <a:solidFill>
-                  <a:srgbClr val="404040"/>
-                </a:solidFill>
-                <a:highlight>
-                  <a:srgbClr val="FFFF00"/>
-                </a:highlight>
-                <a:latin typeface="Carlito"/>
-                <a:cs typeface="Carlito"/>
-              </a:rPr>
-              <a:t>proceso</a:t>
-            </a:r>
-            <a:r>
-              <a:rPr lang="es-ES" sz="1800" spc="80" dirty="0">
-                <a:solidFill>
-                  <a:srgbClr val="404040"/>
-                </a:solidFill>
-                <a:highlight>
-                  <a:srgbClr val="FFFF00"/>
-                </a:highlight>
-                <a:latin typeface="Carlito"/>
-                <a:cs typeface="Carlito"/>
-              </a:rPr>
-              <a:t> </a:t>
-            </a:r>
-            <a:r>
-              <a:rPr lang="es-ES" sz="1800" spc="15" dirty="0">
-                <a:solidFill>
-                  <a:srgbClr val="404040"/>
-                </a:solidFill>
-                <a:highlight>
-                  <a:srgbClr val="FFFF00"/>
-                </a:highlight>
-                <a:latin typeface="Carlito"/>
-                <a:cs typeface="Carlito"/>
-              </a:rPr>
-              <a:t>y</a:t>
-            </a:r>
-            <a:r>
-              <a:rPr lang="es-ES" sz="1800" spc="50" dirty="0">
-                <a:solidFill>
-                  <a:srgbClr val="404040"/>
-                </a:solidFill>
-                <a:highlight>
-                  <a:srgbClr val="FFFF00"/>
-                </a:highlight>
-                <a:latin typeface="Carlito"/>
-                <a:cs typeface="Carlito"/>
-              </a:rPr>
-              <a:t> </a:t>
-            </a:r>
-            <a:r>
-              <a:rPr lang="es-ES" sz="1800" spc="10" dirty="0">
-                <a:solidFill>
-                  <a:srgbClr val="404040"/>
-                </a:solidFill>
-                <a:highlight>
-                  <a:srgbClr val="FFFF00"/>
-                </a:highlight>
-                <a:latin typeface="Carlito"/>
-                <a:cs typeface="Carlito"/>
-              </a:rPr>
-              <a:t>necesidades</a:t>
-            </a:r>
-            <a:r>
-              <a:rPr lang="es-ES" sz="1800" spc="80" dirty="0">
-                <a:solidFill>
-                  <a:srgbClr val="404040"/>
-                </a:solidFill>
-                <a:highlight>
-                  <a:srgbClr val="FFFF00"/>
-                </a:highlight>
-                <a:latin typeface="Carlito"/>
-                <a:cs typeface="Carlito"/>
-              </a:rPr>
-              <a:t> </a:t>
-            </a:r>
-            <a:r>
-              <a:rPr lang="es-ES" sz="1800" spc="5" dirty="0">
-                <a:solidFill>
-                  <a:srgbClr val="404040"/>
-                </a:solidFill>
-                <a:highlight>
-                  <a:srgbClr val="FFFF00"/>
-                </a:highlight>
-                <a:latin typeface="Carlito"/>
-                <a:cs typeface="Carlito"/>
-              </a:rPr>
-              <a:t>encontradas).</a:t>
-            </a:r>
-            <a:r>
-              <a:rPr lang="es-ES" sz="1800" spc="120" dirty="0">
-                <a:solidFill>
-                  <a:srgbClr val="404040"/>
-                </a:solidFill>
-                <a:highlight>
-                  <a:srgbClr val="FFFF00"/>
-                </a:highlight>
-                <a:latin typeface="Carlito"/>
-                <a:cs typeface="Carlito"/>
-              </a:rPr>
-              <a:t> </a:t>
-            </a:r>
-            <a:r>
-              <a:rPr lang="es-ES" sz="1800" spc="10" dirty="0">
-                <a:solidFill>
-                  <a:srgbClr val="404040"/>
-                </a:solidFill>
-                <a:highlight>
-                  <a:srgbClr val="FFFF00"/>
-                </a:highlight>
-                <a:latin typeface="Carlito"/>
-                <a:cs typeface="Carlito"/>
-              </a:rPr>
-              <a:t>Proceso3</a:t>
-            </a:r>
-            <a:r>
-              <a:rPr lang="es-ES" sz="1800" spc="105" dirty="0">
-                <a:solidFill>
-                  <a:srgbClr val="404040"/>
-                </a:solidFill>
-                <a:highlight>
-                  <a:srgbClr val="FFFF00"/>
-                </a:highlight>
-                <a:latin typeface="Carlito"/>
-                <a:cs typeface="Carlito"/>
-              </a:rPr>
-              <a:t> </a:t>
-            </a:r>
-            <a:r>
-              <a:rPr lang="es-ES" sz="1800" spc="10" dirty="0">
-                <a:solidFill>
-                  <a:srgbClr val="404040"/>
-                </a:solidFill>
-                <a:highlight>
-                  <a:srgbClr val="FFFF00"/>
-                </a:highlight>
-                <a:latin typeface="Carlito"/>
-                <a:cs typeface="Carlito"/>
-              </a:rPr>
-              <a:t>(Descripción</a:t>
-            </a:r>
-            <a:r>
-              <a:rPr lang="es-ES" sz="1800" spc="120" dirty="0">
-                <a:solidFill>
-                  <a:srgbClr val="404040"/>
-                </a:solidFill>
-                <a:highlight>
-                  <a:srgbClr val="FFFF00"/>
-                </a:highlight>
-                <a:latin typeface="Carlito"/>
-                <a:cs typeface="Carlito"/>
-              </a:rPr>
-              <a:t> </a:t>
-            </a:r>
-            <a:r>
-              <a:rPr lang="es-ES" sz="1800" spc="10" dirty="0">
-                <a:solidFill>
-                  <a:srgbClr val="404040"/>
-                </a:solidFill>
-                <a:highlight>
-                  <a:srgbClr val="FFFF00"/>
-                </a:highlight>
-                <a:latin typeface="Carlito"/>
-                <a:cs typeface="Carlito"/>
-              </a:rPr>
-              <a:t>del </a:t>
-            </a:r>
-            <a:r>
-              <a:rPr lang="es-ES" sz="1800" spc="5" dirty="0">
-                <a:solidFill>
-                  <a:srgbClr val="404040"/>
-                </a:solidFill>
-                <a:highlight>
-                  <a:srgbClr val="FFFF00"/>
-                </a:highlight>
-                <a:latin typeface="Carlito"/>
-                <a:cs typeface="Carlito"/>
-              </a:rPr>
-              <a:t>proceso</a:t>
-            </a:r>
-            <a:r>
-              <a:rPr lang="es-ES" sz="1800" spc="114" dirty="0">
-                <a:solidFill>
-                  <a:srgbClr val="404040"/>
-                </a:solidFill>
-                <a:highlight>
-                  <a:srgbClr val="FFFF00"/>
-                </a:highlight>
-                <a:latin typeface="Carlito"/>
-                <a:cs typeface="Carlito"/>
-              </a:rPr>
-              <a:t> </a:t>
-            </a:r>
-            <a:r>
-              <a:rPr lang="es-ES" sz="1800" spc="15" dirty="0">
-                <a:solidFill>
-                  <a:srgbClr val="404040"/>
-                </a:solidFill>
-                <a:highlight>
-                  <a:srgbClr val="FFFF00"/>
-                </a:highlight>
-                <a:latin typeface="Carlito"/>
-                <a:cs typeface="Carlito"/>
-              </a:rPr>
-              <a:t>y</a:t>
-            </a:r>
-            <a:endParaRPr lang="es-ES" sz="1800" dirty="0">
-              <a:highlight>
-                <a:srgbClr val="FFFF00"/>
-              </a:highlight>
-              <a:latin typeface="Carlito"/>
-              <a:cs typeface="Carlito"/>
-            </a:endParaRPr>
-          </a:p>
-          <a:p>
-            <a:pPr marL="300355">
-              <a:lnSpc>
-                <a:spcPts val="1835"/>
-              </a:lnSpc>
-            </a:pPr>
-            <a:r>
-              <a:rPr lang="es-ES" sz="1800" spc="10" dirty="0">
-                <a:solidFill>
-                  <a:srgbClr val="404040"/>
-                </a:solidFill>
-                <a:highlight>
-                  <a:srgbClr val="FFFF00"/>
-                </a:highlight>
-                <a:latin typeface="Carlito"/>
-                <a:cs typeface="Carlito"/>
-              </a:rPr>
-              <a:t>necesidades</a:t>
-            </a:r>
-            <a:r>
-              <a:rPr lang="es-ES" sz="1800" spc="70" dirty="0">
-                <a:solidFill>
-                  <a:srgbClr val="404040"/>
-                </a:solidFill>
-                <a:highlight>
-                  <a:srgbClr val="FFFF00"/>
-                </a:highlight>
-                <a:latin typeface="Carlito"/>
-                <a:cs typeface="Carlito"/>
-              </a:rPr>
-              <a:t> </a:t>
-            </a:r>
-            <a:r>
-              <a:rPr lang="es-ES" sz="1800" spc="5" dirty="0">
-                <a:solidFill>
-                  <a:srgbClr val="404040"/>
-                </a:solidFill>
-                <a:highlight>
-                  <a:srgbClr val="FFFF00"/>
-                </a:highlight>
-                <a:latin typeface="Carlito"/>
-                <a:cs typeface="Carlito"/>
-              </a:rPr>
-              <a:t>encontradas).</a:t>
-            </a:r>
-            <a:endParaRPr lang="es-ES" sz="1800" dirty="0">
-              <a:highlight>
-                <a:srgbClr val="FFFF00"/>
-              </a:highlight>
-              <a:latin typeface="Carlito"/>
-              <a:cs typeface="Carlito"/>
-            </a:endParaRPr>
-          </a:p>
-          <a:p>
-            <a:pPr>
-              <a:lnSpc>
-                <a:spcPct val="100000"/>
-              </a:lnSpc>
-              <a:spcBef>
-                <a:spcPts val="45"/>
-              </a:spcBef>
-            </a:pPr>
-            <a:endParaRPr lang="es-ES" sz="1800" dirty="0">
-              <a:latin typeface="Carlito"/>
-              <a:cs typeface="Carlito"/>
-            </a:endParaRPr>
+            <a:pPr algn="ctr"/>
+            <a:endParaRPr lang="es-CO"/>
           </a:p>
         </p:txBody>
       </p:sp>
+      <p:pic>
+        <p:nvPicPr>
+          <p:cNvPr id="6" name="Imagen 5" descr="Un letrero de color blanco&#10;&#10;Descripción generada automáticamente con confianza media">
+            <a:extLst>
+              <a:ext uri="{FF2B5EF4-FFF2-40B4-BE49-F238E27FC236}">
+                <a16:creationId xmlns:a16="http://schemas.microsoft.com/office/drawing/2014/main" id="{F5D0295D-D7E4-4F44-8708-C226E041AAF0}"/>
+              </a:ext>
+            </a:extLst>
+          </p:cNvPr>
+          <p:cNvPicPr>
+            <a:picLocks noChangeAspect="1"/>
+          </p:cNvPicPr>
+          <p:nvPr/>
+        </p:nvPicPr>
+        <p:blipFill>
+          <a:blip r:embed="rId3">
+            <a:extLst>
+              <a:ext uri="{28A0092B-C50C-407E-A947-70E740481C1C}">
+                <a14:useLocalDpi xmlns:a14="http://schemas.microsoft.com/office/drawing/2010/main" val="0"/>
+              </a:ext>
+            </a:extLst>
+          </a:blip>
+          <a:stretch>
+            <a:fillRect/>
+          </a:stretch>
+        </p:blipFill>
+        <p:spPr>
+          <a:xfrm>
+            <a:off x="7620000" y="4514450"/>
+            <a:ext cx="1408669" cy="567055"/>
+          </a:xfrm>
+          <a:prstGeom prst="rect">
+            <a:avLst/>
+          </a:prstGeom>
+        </p:spPr>
+      </p:pic>
     </p:spTree>
     <p:extLst>
       <p:ext uri="{BB962C8B-B14F-4D97-AF65-F5344CB8AC3E}">
-        <p14:creationId xmlns:p14="http://schemas.microsoft.com/office/powerpoint/2010/main" val="3843881969"/>
+        <p14:creationId xmlns:p14="http://schemas.microsoft.com/office/powerpoint/2010/main" val="2272692951"/>
       </p:ext>
     </p:extLst>
   </p:cSld>
@@ -15748,211 +15864,144 @@
       </p:grpSpPr>
       <p:sp>
         <p:nvSpPr>
-          <p:cNvPr id="3" name="Marcador de texto 2">
+          <p:cNvPr id="4" name="object 2">
             <a:extLst>
               <a:ext uri="{FF2B5EF4-FFF2-40B4-BE49-F238E27FC236}">
-                <a16:creationId xmlns:a16="http://schemas.microsoft.com/office/drawing/2014/main" id="{B8C4A39E-8D6B-48AE-92E0-69CD85FD0CFA}"/>
+                <a16:creationId xmlns:a16="http://schemas.microsoft.com/office/drawing/2014/main" id="{771BBB1C-FD1A-43B6-A0DC-088067081BFF}"/>
               </a:ext>
             </a:extLst>
           </p:cNvPr>
-          <p:cNvSpPr>
+          <p:cNvSpPr/>
+          <p:nvPr/>
+        </p:nvSpPr>
+        <p:spPr>
+          <a:xfrm>
+            <a:off x="0" y="-63062"/>
+            <a:ext cx="9144000" cy="1066800"/>
+          </a:xfrm>
+          <a:prstGeom prst="rect">
+            <a:avLst/>
+          </a:prstGeom>
+          <a:blipFill>
+            <a:blip r:embed="rId2" cstate="print"/>
+            <a:stretch>
+              <a:fillRect/>
+            </a:stretch>
+          </a:blipFill>
+        </p:spPr>
+        <p:txBody>
+          <a:bodyPr wrap="square" lIns="0" tIns="0" rIns="0" bIns="0" rtlCol="0"/>
+          <a:lstStyle/>
+          <a:p>
+            <a:endParaRPr/>
+          </a:p>
+        </p:txBody>
+      </p:sp>
+      <p:sp>
+        <p:nvSpPr>
+          <p:cNvPr id="5" name="object 3">
+            <a:extLst>
+              <a:ext uri="{FF2B5EF4-FFF2-40B4-BE49-F238E27FC236}">
+                <a16:creationId xmlns:a16="http://schemas.microsoft.com/office/drawing/2014/main" id="{FC27406E-6CBF-4C2C-91C3-E40BB5E724AF}"/>
+              </a:ext>
+            </a:extLst>
+          </p:cNvPr>
+          <p:cNvSpPr txBox="1">
             <a:spLocks noGrp="1"/>
           </p:cNvSpPr>
           <p:nvPr>
-            <p:ph type="body" idx="1"/>
+            <p:ph type="title"/>
           </p:nvPr>
         </p:nvSpPr>
         <p:spPr>
           <a:xfrm>
-            <a:off x="304800" y="666750"/>
-            <a:ext cx="8154670" cy="1192634"/>
+            <a:off x="461873" y="255473"/>
+            <a:ext cx="1859914" cy="574675"/>
           </a:xfrm>
+          <a:prstGeom prst="rect">
+            <a:avLst/>
+          </a:prstGeom>
         </p:spPr>
         <p:txBody>
-          <a:bodyPr/>
+          <a:bodyPr vert="horz" wrap="square" lIns="0" tIns="12700" rIns="0" bIns="0" rtlCol="0">
+            <a:spAutoFit/>
+          </a:bodyPr>
           <a:lstStyle/>
           <a:p>
-            <a:r>
-              <a:rPr lang="es-ES" sz="1550" b="1" spc="20" dirty="0">
-                <a:solidFill>
-                  <a:srgbClr val="404040"/>
-                </a:solidFill>
-                <a:latin typeface="Carlito"/>
-                <a:cs typeface="Carlito"/>
-              </a:rPr>
-              <a:t>Análisis de </a:t>
-            </a:r>
-            <a:r>
-              <a:rPr lang="es-ES" sz="1550" b="1" spc="15" dirty="0">
-                <a:solidFill>
-                  <a:srgbClr val="404040"/>
-                </a:solidFill>
-                <a:latin typeface="Carlito"/>
-                <a:cs typeface="Carlito"/>
-              </a:rPr>
-              <a:t>Información: </a:t>
-            </a:r>
-            <a:r>
-              <a:rPr lang="es-ES" sz="1550" spc="10" dirty="0">
-                <a:solidFill>
-                  <a:srgbClr val="404040"/>
-                </a:solidFill>
-                <a:latin typeface="Carlito"/>
-                <a:cs typeface="Carlito"/>
-              </a:rPr>
-              <a:t>Revisión </a:t>
-            </a:r>
-            <a:r>
-              <a:rPr lang="es-ES" sz="1550" spc="15" dirty="0">
-                <a:solidFill>
-                  <a:srgbClr val="404040"/>
-                </a:solidFill>
-                <a:latin typeface="Carlito"/>
-                <a:cs typeface="Carlito"/>
-              </a:rPr>
-              <a:t>Documental </a:t>
-            </a:r>
-            <a:r>
-              <a:rPr lang="es-ES" sz="1550" spc="10" dirty="0">
-                <a:solidFill>
-                  <a:srgbClr val="404040"/>
-                </a:solidFill>
-                <a:latin typeface="Carlito"/>
-                <a:cs typeface="Carlito"/>
-              </a:rPr>
-              <a:t>(Análisis de </a:t>
-            </a:r>
-            <a:r>
-              <a:rPr lang="es-ES" sz="1550" spc="5" dirty="0">
-                <a:solidFill>
-                  <a:srgbClr val="404040"/>
-                </a:solidFill>
-                <a:latin typeface="Carlito"/>
-                <a:cs typeface="Carlito"/>
-              </a:rPr>
-              <a:t>datos).  Entrevista </a:t>
-            </a:r>
-            <a:r>
-              <a:rPr lang="es-ES" sz="1550" spc="10" dirty="0">
-                <a:solidFill>
-                  <a:srgbClr val="404040"/>
-                </a:solidFill>
-                <a:latin typeface="Carlito"/>
-                <a:cs typeface="Carlito"/>
-              </a:rPr>
-              <a:t>(Entrevista).  </a:t>
-            </a:r>
-            <a:r>
-              <a:rPr lang="es-ES" sz="1550" spc="5" dirty="0">
-                <a:solidFill>
-                  <a:srgbClr val="404040"/>
-                </a:solidFill>
-                <a:latin typeface="Carlito"/>
-                <a:cs typeface="Carlito"/>
-              </a:rPr>
-              <a:t>Encuesta (Cuestionario). Observación </a:t>
-            </a:r>
-            <a:r>
-              <a:rPr lang="es-ES" sz="1550" dirty="0">
-                <a:solidFill>
-                  <a:srgbClr val="404040"/>
-                </a:solidFill>
-                <a:latin typeface="Carlito"/>
-                <a:cs typeface="Carlito"/>
-              </a:rPr>
-              <a:t>Directa </a:t>
-            </a:r>
-            <a:r>
-              <a:rPr lang="es-ES" sz="1550" spc="5" dirty="0">
-                <a:solidFill>
-                  <a:srgbClr val="404040"/>
-                </a:solidFill>
-                <a:latin typeface="Carlito"/>
-                <a:cs typeface="Carlito"/>
-              </a:rPr>
-              <a:t>(Diario </a:t>
-            </a:r>
-            <a:r>
-              <a:rPr lang="es-ES" sz="1550" spc="10" dirty="0">
-                <a:solidFill>
-                  <a:srgbClr val="404040"/>
-                </a:solidFill>
-                <a:latin typeface="Carlito"/>
-                <a:cs typeface="Carlito"/>
-              </a:rPr>
-              <a:t>de </a:t>
-            </a:r>
-            <a:r>
-              <a:rPr lang="es-ES" sz="1550" spc="5" dirty="0">
-                <a:solidFill>
-                  <a:srgbClr val="404040"/>
-                </a:solidFill>
-                <a:latin typeface="Carlito"/>
-                <a:cs typeface="Carlito"/>
-              </a:rPr>
-              <a:t>Campo). </a:t>
-            </a:r>
-            <a:r>
-              <a:rPr lang="es-ES" sz="1550" spc="20" dirty="0">
-                <a:solidFill>
-                  <a:srgbClr val="404040"/>
-                </a:solidFill>
-                <a:latin typeface="Carlito"/>
-                <a:cs typeface="Carlito"/>
-              </a:rPr>
-              <a:t>A </a:t>
-            </a:r>
-            <a:r>
-              <a:rPr lang="es-ES" sz="1550" spc="10" dirty="0">
-                <a:solidFill>
-                  <a:srgbClr val="404040"/>
-                </a:solidFill>
-                <a:latin typeface="Carlito"/>
-                <a:cs typeface="Carlito"/>
-              </a:rPr>
-              <a:t>quiénes:</a:t>
-            </a:r>
-            <a:r>
-              <a:rPr lang="es-ES" sz="1550" spc="45" dirty="0">
-                <a:solidFill>
-                  <a:srgbClr val="404040"/>
-                </a:solidFill>
-                <a:latin typeface="Carlito"/>
-                <a:cs typeface="Carlito"/>
-              </a:rPr>
-              <a:t> </a:t>
-            </a:r>
-            <a:r>
-              <a:rPr lang="es-ES" sz="1550" spc="5" dirty="0">
-                <a:solidFill>
-                  <a:srgbClr val="404040"/>
-                </a:solidFill>
-                <a:latin typeface="Carlito"/>
-                <a:cs typeface="Carlito"/>
-              </a:rPr>
-              <a:t>Cargo-Funciones.</a:t>
-            </a:r>
-          </a:p>
-          <a:p>
-            <a:endParaRPr lang="es-ES" spc="5" dirty="0"/>
-          </a:p>
-          <a:p>
-            <a:endParaRPr lang="es-ES" sz="1550" dirty="0">
-              <a:latin typeface="Carlito"/>
-              <a:cs typeface="Carlito"/>
-            </a:endParaRPr>
-          </a:p>
-          <a:p>
-            <a:endParaRPr lang="es-CO" dirty="0"/>
+            <a:pPr marL="12700">
+              <a:lnSpc>
+                <a:spcPct val="100000"/>
+              </a:lnSpc>
+              <a:spcBef>
+                <a:spcPts val="100"/>
+              </a:spcBef>
+            </a:pPr>
+            <a:r>
+              <a:rPr sz="3600" spc="-5" dirty="0">
+                <a:solidFill>
+                  <a:srgbClr val="FFFFFF"/>
+                </a:solidFill>
+              </a:rPr>
+              <a:t>P</a:t>
+            </a:r>
+            <a:r>
+              <a:rPr sz="3600" spc="-30" dirty="0">
+                <a:solidFill>
+                  <a:srgbClr val="FFFFFF"/>
+                </a:solidFill>
+              </a:rPr>
+              <a:t>r</a:t>
+            </a:r>
+            <a:r>
+              <a:rPr sz="3600" dirty="0">
+                <a:solidFill>
+                  <a:srgbClr val="FFFFFF"/>
+                </a:solidFill>
+              </a:rPr>
+              <a:t>o</a:t>
+            </a:r>
+            <a:r>
+              <a:rPr sz="3600" spc="10" dirty="0">
+                <a:solidFill>
+                  <a:srgbClr val="FFFFFF"/>
+                </a:solidFill>
+              </a:rPr>
+              <a:t>bl</a:t>
+            </a:r>
+            <a:r>
+              <a:rPr sz="3600" spc="-15" dirty="0">
+                <a:solidFill>
+                  <a:srgbClr val="FFFFFF"/>
+                </a:solidFill>
+              </a:rPr>
+              <a:t>e</a:t>
+            </a:r>
+            <a:r>
+              <a:rPr sz="3600" spc="-20" dirty="0">
+                <a:solidFill>
+                  <a:srgbClr val="FFFFFF"/>
+                </a:solidFill>
+              </a:rPr>
+              <a:t>m</a:t>
+            </a:r>
+            <a:r>
+              <a:rPr sz="3600" dirty="0">
+                <a:solidFill>
+                  <a:srgbClr val="FFFFFF"/>
+                </a:solidFill>
+              </a:rPr>
+              <a:t>a</a:t>
+            </a:r>
+            <a:endParaRPr sz="3600" dirty="0"/>
           </a:p>
         </p:txBody>
       </p:sp>
       <p:pic>
         <p:nvPicPr>
-          <p:cNvPr id="5" name="Imagen 4" descr="Calendario&#10;&#10;Descripción generada automáticamente">
+          <p:cNvPr id="6" name="Imagen 5" descr="Un letrero de color blanco&#10;&#10;Descripción generada automáticamente con confianza media">
             <a:extLst>
               <a:ext uri="{FF2B5EF4-FFF2-40B4-BE49-F238E27FC236}">
-                <a16:creationId xmlns:a16="http://schemas.microsoft.com/office/drawing/2014/main" id="{E8BFC7D7-815C-4E45-B6B9-424F2E99CDDF}"/>
+                <a16:creationId xmlns:a16="http://schemas.microsoft.com/office/drawing/2014/main" id="{3FB4F5FD-74B5-43E2-958C-80F0840FF538}"/>
               </a:ext>
             </a:extLst>
           </p:cNvPr>
@@ -15962,7 +16011,7 @@
           <p:nvPr/>
         </p:nvPicPr>
         <p:blipFill>
-          <a:blip r:embed="rId2">
+          <a:blip r:embed="rId3">
             <a:extLst>
               <a:ext uri="{28A0092B-C50C-407E-A947-70E740481C1C}">
                 <a14:useLocalDpi xmlns:a14="http://schemas.microsoft.com/office/drawing/2010/main" val="0"/>
@@ -15975,18 +16024,794 @@
         </p:blipFill>
         <p:spPr>
           <a:xfrm>
-            <a:off x="762000" y="1428750"/>
-            <a:ext cx="8001000" cy="3863648"/>
+            <a:off x="7630510" y="4400550"/>
+            <a:ext cx="1408669" cy="567055"/>
           </a:xfrm>
           <a:prstGeom prst="rect">
             <a:avLst/>
           </a:prstGeom>
         </p:spPr>
       </p:pic>
+      <p:sp>
+        <p:nvSpPr>
+          <p:cNvPr id="7" name="Rectángulo 6">
+            <a:extLst>
+              <a:ext uri="{FF2B5EF4-FFF2-40B4-BE49-F238E27FC236}">
+                <a16:creationId xmlns:a16="http://schemas.microsoft.com/office/drawing/2014/main" id="{E5C8247D-C4CC-4C77-91AE-32FFA13A612A}"/>
+              </a:ext>
+            </a:extLst>
+          </p:cNvPr>
+          <p:cNvSpPr/>
+          <p:nvPr/>
+        </p:nvSpPr>
+        <p:spPr>
+          <a:xfrm>
+            <a:off x="1368971" y="1438171"/>
+            <a:ext cx="1882353" cy="3187803"/>
+          </a:xfrm>
+          <a:prstGeom prst="rect">
+            <a:avLst/>
+          </a:prstGeom>
+        </p:spPr>
+        <p:style>
+          <a:lnRef idx="0">
+            <a:schemeClr val="accent2"/>
+          </a:lnRef>
+          <a:fillRef idx="3">
+            <a:schemeClr val="accent2"/>
+          </a:fillRef>
+          <a:effectRef idx="3">
+            <a:schemeClr val="accent2"/>
+          </a:effectRef>
+          <a:fontRef idx="minor">
+            <a:schemeClr val="lt1"/>
+          </a:fontRef>
+        </p:style>
+        <p:txBody>
+          <a:bodyPr rtlCol="0" anchor="ctr"/>
+          <a:lstStyle/>
+          <a:p>
+            <a:pPr algn="ctr"/>
+            <a:endParaRPr lang="es-CO" dirty="0"/>
+          </a:p>
+        </p:txBody>
+      </p:sp>
+      <p:sp>
+        <p:nvSpPr>
+          <p:cNvPr id="8" name="Rectángulo 7">
+            <a:extLst>
+              <a:ext uri="{FF2B5EF4-FFF2-40B4-BE49-F238E27FC236}">
+                <a16:creationId xmlns:a16="http://schemas.microsoft.com/office/drawing/2014/main" id="{D3E3AD30-2FFF-46AD-AB9A-1A48E8B19394}"/>
+              </a:ext>
+            </a:extLst>
+          </p:cNvPr>
+          <p:cNvSpPr/>
+          <p:nvPr/>
+        </p:nvSpPr>
+        <p:spPr>
+          <a:xfrm>
+            <a:off x="3247875" y="1449838"/>
+            <a:ext cx="1882352" cy="3187803"/>
+          </a:xfrm>
+          <a:prstGeom prst="rect">
+            <a:avLst/>
+          </a:prstGeom>
+        </p:spPr>
+        <p:style>
+          <a:lnRef idx="0">
+            <a:schemeClr val="accent1"/>
+          </a:lnRef>
+          <a:fillRef idx="3">
+            <a:schemeClr val="accent1"/>
+          </a:fillRef>
+          <a:effectRef idx="3">
+            <a:schemeClr val="accent1"/>
+          </a:effectRef>
+          <a:fontRef idx="minor">
+            <a:schemeClr val="lt1"/>
+          </a:fontRef>
+        </p:style>
+        <p:txBody>
+          <a:bodyPr rtlCol="0" anchor="ctr"/>
+          <a:lstStyle/>
+          <a:p>
+            <a:pPr algn="ctr"/>
+            <a:endParaRPr lang="es-CO"/>
+          </a:p>
+        </p:txBody>
+      </p:sp>
+      <p:sp>
+        <p:nvSpPr>
+          <p:cNvPr id="9" name="Rectángulo 8">
+            <a:extLst>
+              <a:ext uri="{FF2B5EF4-FFF2-40B4-BE49-F238E27FC236}">
+                <a16:creationId xmlns:a16="http://schemas.microsoft.com/office/drawing/2014/main" id="{2ABF74D9-DA17-43AA-B879-C43BC74DB35B}"/>
+              </a:ext>
+            </a:extLst>
+          </p:cNvPr>
+          <p:cNvSpPr/>
+          <p:nvPr/>
+        </p:nvSpPr>
+        <p:spPr>
+          <a:xfrm>
+            <a:off x="5126193" y="1438172"/>
+            <a:ext cx="2057398" cy="3187802"/>
+          </a:xfrm>
+          <a:prstGeom prst="rect">
+            <a:avLst/>
+          </a:prstGeom>
+        </p:spPr>
+        <p:style>
+          <a:lnRef idx="0">
+            <a:schemeClr val="accent3"/>
+          </a:lnRef>
+          <a:fillRef idx="3">
+            <a:schemeClr val="accent3"/>
+          </a:fillRef>
+          <a:effectRef idx="3">
+            <a:schemeClr val="accent3"/>
+          </a:effectRef>
+          <a:fontRef idx="minor">
+            <a:schemeClr val="lt1"/>
+          </a:fontRef>
+        </p:style>
+        <p:txBody>
+          <a:bodyPr rtlCol="0" anchor="ctr"/>
+          <a:lstStyle/>
+          <a:p>
+            <a:pPr algn="ctr"/>
+            <a:endParaRPr lang="es-CO"/>
+          </a:p>
+        </p:txBody>
+      </p:sp>
+      <p:sp>
+        <p:nvSpPr>
+          <p:cNvPr id="10" name="CuadroTexto 9">
+            <a:extLst>
+              <a:ext uri="{FF2B5EF4-FFF2-40B4-BE49-F238E27FC236}">
+                <a16:creationId xmlns:a16="http://schemas.microsoft.com/office/drawing/2014/main" id="{5D321334-A098-4BAE-AB2F-38B93A87B06A}"/>
+              </a:ext>
+            </a:extLst>
+          </p:cNvPr>
+          <p:cNvSpPr txBox="1"/>
+          <p:nvPr/>
+        </p:nvSpPr>
+        <p:spPr>
+          <a:xfrm>
+            <a:off x="105081" y="1934710"/>
+            <a:ext cx="1025895" cy="379029"/>
+          </a:xfrm>
+          <a:prstGeom prst="rect">
+            <a:avLst/>
+          </a:prstGeom>
+          <a:noFill/>
+          <a:ln>
+            <a:solidFill>
+              <a:srgbClr val="FFFF00"/>
+            </a:solidFill>
+          </a:ln>
+        </p:spPr>
+        <p:txBody>
+          <a:bodyPr wrap="square" rtlCol="0">
+            <a:spAutoFit/>
+          </a:bodyPr>
+          <a:lstStyle/>
+          <a:p>
+            <a:r>
+              <a:rPr lang="es-CO" b="1" dirty="0"/>
+              <a:t>Procesos </a:t>
+            </a:r>
+          </a:p>
+        </p:txBody>
+      </p:sp>
+      <p:sp>
+        <p:nvSpPr>
+          <p:cNvPr id="11" name="CuadroTexto 10">
+            <a:extLst>
+              <a:ext uri="{FF2B5EF4-FFF2-40B4-BE49-F238E27FC236}">
+                <a16:creationId xmlns:a16="http://schemas.microsoft.com/office/drawing/2014/main" id="{63F3C0CB-9C26-43E4-878F-E8FAA4581D0C}"/>
+              </a:ext>
+            </a:extLst>
+          </p:cNvPr>
+          <p:cNvSpPr txBox="1"/>
+          <p:nvPr/>
+        </p:nvSpPr>
+        <p:spPr>
+          <a:xfrm>
+            <a:off x="0" y="3465686"/>
+            <a:ext cx="1368971" cy="369332"/>
+          </a:xfrm>
+          <a:prstGeom prst="rect">
+            <a:avLst/>
+          </a:prstGeom>
+          <a:noFill/>
+          <a:ln>
+            <a:solidFill>
+              <a:srgbClr val="0070C0"/>
+            </a:solidFill>
+          </a:ln>
+        </p:spPr>
+        <p:txBody>
+          <a:bodyPr wrap="square" rtlCol="0">
+            <a:spAutoFit/>
+          </a:bodyPr>
+          <a:lstStyle/>
+          <a:p>
+            <a:r>
+              <a:rPr lang="es-CO" b="1" dirty="0"/>
+              <a:t>Necesidades </a:t>
+            </a:r>
+          </a:p>
+        </p:txBody>
+      </p:sp>
+      <p:sp>
+        <p:nvSpPr>
+          <p:cNvPr id="12" name="Rectángulo 11">
+            <a:extLst>
+              <a:ext uri="{FF2B5EF4-FFF2-40B4-BE49-F238E27FC236}">
+                <a16:creationId xmlns:a16="http://schemas.microsoft.com/office/drawing/2014/main" id="{533C0D7D-A999-4E7C-A0B5-0FD892EE70C9}"/>
+              </a:ext>
+            </a:extLst>
+          </p:cNvPr>
+          <p:cNvSpPr/>
+          <p:nvPr/>
+        </p:nvSpPr>
+        <p:spPr>
+          <a:xfrm>
+            <a:off x="1271752" y="2832745"/>
+            <a:ext cx="6099631" cy="171991"/>
+          </a:xfrm>
+          <a:prstGeom prst="rect">
+            <a:avLst/>
+          </a:prstGeom>
+          <a:solidFill>
+            <a:schemeClr val="bg1"/>
+          </a:solidFill>
+          <a:ln>
+            <a:solidFill>
+              <a:schemeClr val="bg1"/>
+            </a:solidFill>
+          </a:ln>
+        </p:spPr>
+        <p:style>
+          <a:lnRef idx="2">
+            <a:schemeClr val="accent1">
+              <a:shade val="50000"/>
+            </a:schemeClr>
+          </a:lnRef>
+          <a:fillRef idx="1">
+            <a:schemeClr val="accent1"/>
+          </a:fillRef>
+          <a:effectRef idx="0">
+            <a:schemeClr val="accent1"/>
+          </a:effectRef>
+          <a:fontRef idx="minor">
+            <a:schemeClr val="lt1"/>
+          </a:fontRef>
+        </p:style>
+        <p:txBody>
+          <a:bodyPr rtlCol="0" anchor="ctr"/>
+          <a:lstStyle/>
+          <a:p>
+            <a:pPr algn="ctr"/>
+            <a:endParaRPr lang="es-CO"/>
+          </a:p>
+        </p:txBody>
+      </p:sp>
+      <p:sp>
+        <p:nvSpPr>
+          <p:cNvPr id="13" name="Elipse 12">
+            <a:extLst>
+              <a:ext uri="{FF2B5EF4-FFF2-40B4-BE49-F238E27FC236}">
+                <a16:creationId xmlns:a16="http://schemas.microsoft.com/office/drawing/2014/main" id="{20929F21-80E9-4B55-BD06-43509EE6FD2D}"/>
+              </a:ext>
+            </a:extLst>
+          </p:cNvPr>
+          <p:cNvSpPr/>
+          <p:nvPr/>
+        </p:nvSpPr>
+        <p:spPr>
+          <a:xfrm>
+            <a:off x="1242846" y="1319204"/>
+            <a:ext cx="304800" cy="284598"/>
+          </a:xfrm>
+          <a:prstGeom prst="ellipse">
+            <a:avLst/>
+          </a:prstGeom>
+        </p:spPr>
+        <p:style>
+          <a:lnRef idx="2">
+            <a:schemeClr val="accent6"/>
+          </a:lnRef>
+          <a:fillRef idx="1">
+            <a:schemeClr val="lt1"/>
+          </a:fillRef>
+          <a:effectRef idx="0">
+            <a:schemeClr val="accent6"/>
+          </a:effectRef>
+          <a:fontRef idx="minor">
+            <a:schemeClr val="dk1"/>
+          </a:fontRef>
+        </p:style>
+        <p:txBody>
+          <a:bodyPr rtlCol="0" anchor="ctr"/>
+          <a:lstStyle/>
+          <a:p>
+            <a:pPr algn="ctr"/>
+            <a:r>
+              <a:rPr lang="es-CO" dirty="0"/>
+              <a:t>1</a:t>
+            </a:r>
+          </a:p>
+        </p:txBody>
+      </p:sp>
+      <p:sp>
+        <p:nvSpPr>
+          <p:cNvPr id="14" name="Elipse 13">
+            <a:extLst>
+              <a:ext uri="{FF2B5EF4-FFF2-40B4-BE49-F238E27FC236}">
+                <a16:creationId xmlns:a16="http://schemas.microsoft.com/office/drawing/2014/main" id="{18134EFA-0F34-4A07-BF83-3DDD50816336}"/>
+              </a:ext>
+            </a:extLst>
+          </p:cNvPr>
+          <p:cNvSpPr/>
+          <p:nvPr/>
+        </p:nvSpPr>
+        <p:spPr>
+          <a:xfrm>
+            <a:off x="3184519" y="1308902"/>
+            <a:ext cx="304800" cy="284598"/>
+          </a:xfrm>
+          <a:prstGeom prst="ellipse">
+            <a:avLst/>
+          </a:prstGeom>
+        </p:spPr>
+        <p:style>
+          <a:lnRef idx="2">
+            <a:schemeClr val="accent6"/>
+          </a:lnRef>
+          <a:fillRef idx="1">
+            <a:schemeClr val="lt1"/>
+          </a:fillRef>
+          <a:effectRef idx="0">
+            <a:schemeClr val="accent6"/>
+          </a:effectRef>
+          <a:fontRef idx="minor">
+            <a:schemeClr val="dk1"/>
+          </a:fontRef>
+        </p:style>
+        <p:txBody>
+          <a:bodyPr rtlCol="0" anchor="ctr"/>
+          <a:lstStyle/>
+          <a:p>
+            <a:pPr algn="ctr"/>
+            <a:r>
+              <a:rPr lang="es-CO" dirty="0"/>
+              <a:t>2</a:t>
+            </a:r>
+          </a:p>
+        </p:txBody>
+      </p:sp>
+      <p:sp>
+        <p:nvSpPr>
+          <p:cNvPr id="16" name="Elipse 15">
+            <a:extLst>
+              <a:ext uri="{FF2B5EF4-FFF2-40B4-BE49-F238E27FC236}">
+                <a16:creationId xmlns:a16="http://schemas.microsoft.com/office/drawing/2014/main" id="{340C786A-728B-4F60-8E41-50EDCD386923}"/>
+              </a:ext>
+            </a:extLst>
+          </p:cNvPr>
+          <p:cNvSpPr/>
+          <p:nvPr/>
+        </p:nvSpPr>
+        <p:spPr>
+          <a:xfrm>
+            <a:off x="5104777" y="1307539"/>
+            <a:ext cx="304800" cy="284598"/>
+          </a:xfrm>
+          <a:prstGeom prst="ellipse">
+            <a:avLst/>
+          </a:prstGeom>
+        </p:spPr>
+        <p:style>
+          <a:lnRef idx="2">
+            <a:schemeClr val="accent6"/>
+          </a:lnRef>
+          <a:fillRef idx="1">
+            <a:schemeClr val="lt1"/>
+          </a:fillRef>
+          <a:effectRef idx="0">
+            <a:schemeClr val="accent6"/>
+          </a:effectRef>
+          <a:fontRef idx="minor">
+            <a:schemeClr val="dk1"/>
+          </a:fontRef>
+        </p:style>
+        <p:txBody>
+          <a:bodyPr rtlCol="0" anchor="ctr"/>
+          <a:lstStyle/>
+          <a:p>
+            <a:pPr algn="ctr"/>
+            <a:r>
+              <a:rPr lang="es-CO" dirty="0"/>
+              <a:t>3</a:t>
+            </a:r>
+          </a:p>
+        </p:txBody>
+      </p:sp>
+      <p:sp>
+        <p:nvSpPr>
+          <p:cNvPr id="17" name="CuadroTexto 16">
+            <a:extLst>
+              <a:ext uri="{FF2B5EF4-FFF2-40B4-BE49-F238E27FC236}">
+                <a16:creationId xmlns:a16="http://schemas.microsoft.com/office/drawing/2014/main" id="{C669F51E-6B42-4FAB-85B2-705024DE2233}"/>
+              </a:ext>
+            </a:extLst>
+          </p:cNvPr>
+          <p:cNvSpPr txBox="1"/>
+          <p:nvPr/>
+        </p:nvSpPr>
+        <p:spPr>
+          <a:xfrm>
+            <a:off x="1876501" y="1517735"/>
+            <a:ext cx="1528444" cy="276999"/>
+          </a:xfrm>
+          <a:prstGeom prst="rect">
+            <a:avLst/>
+          </a:prstGeom>
+          <a:noFill/>
+        </p:spPr>
+        <p:txBody>
+          <a:bodyPr wrap="square" rtlCol="0">
+            <a:spAutoFit/>
+          </a:bodyPr>
+          <a:lstStyle/>
+          <a:p>
+            <a:r>
+              <a:rPr lang="es-CO" sz="1200" dirty="0"/>
+              <a:t>Facturación</a:t>
+            </a:r>
+          </a:p>
+        </p:txBody>
+      </p:sp>
+      <p:sp>
+        <p:nvSpPr>
+          <p:cNvPr id="18" name="CuadroTexto 17">
+            <a:extLst>
+              <a:ext uri="{FF2B5EF4-FFF2-40B4-BE49-F238E27FC236}">
+                <a16:creationId xmlns:a16="http://schemas.microsoft.com/office/drawing/2014/main" id="{D73A95EF-C7BA-469E-9E94-C05F8A9E6AE3}"/>
+              </a:ext>
+            </a:extLst>
+          </p:cNvPr>
+          <p:cNvSpPr txBox="1"/>
+          <p:nvPr/>
+        </p:nvSpPr>
+        <p:spPr>
+          <a:xfrm>
+            <a:off x="3770173" y="1461503"/>
+            <a:ext cx="1528444" cy="276999"/>
+          </a:xfrm>
+          <a:prstGeom prst="rect">
+            <a:avLst/>
+          </a:prstGeom>
+          <a:noFill/>
+        </p:spPr>
+        <p:txBody>
+          <a:bodyPr wrap="square" rtlCol="0">
+            <a:spAutoFit/>
+          </a:bodyPr>
+          <a:lstStyle/>
+          <a:p>
+            <a:r>
+              <a:rPr lang="es-CO" sz="1200" dirty="0"/>
+              <a:t>Inventario</a:t>
+            </a:r>
+          </a:p>
+        </p:txBody>
+      </p:sp>
+      <p:sp>
+        <p:nvSpPr>
+          <p:cNvPr id="19" name="CuadroTexto 18">
+            <a:extLst>
+              <a:ext uri="{FF2B5EF4-FFF2-40B4-BE49-F238E27FC236}">
+                <a16:creationId xmlns:a16="http://schemas.microsoft.com/office/drawing/2014/main" id="{33510F71-B828-4CBC-A983-C4C52C42B058}"/>
+              </a:ext>
+            </a:extLst>
+          </p:cNvPr>
+          <p:cNvSpPr txBox="1"/>
+          <p:nvPr/>
+        </p:nvSpPr>
+        <p:spPr>
+          <a:xfrm>
+            <a:off x="5644845" y="1484219"/>
+            <a:ext cx="1528444" cy="276999"/>
+          </a:xfrm>
+          <a:prstGeom prst="rect">
+            <a:avLst/>
+          </a:prstGeom>
+          <a:noFill/>
+        </p:spPr>
+        <p:txBody>
+          <a:bodyPr wrap="square" rtlCol="0">
+            <a:spAutoFit/>
+          </a:bodyPr>
+          <a:lstStyle/>
+          <a:p>
+            <a:r>
+              <a:rPr lang="es-CO" sz="1200" dirty="0"/>
+              <a:t>Marketing</a:t>
+            </a:r>
+          </a:p>
+        </p:txBody>
+      </p:sp>
+      <p:pic>
+        <p:nvPicPr>
+          <p:cNvPr id="21" name="Imagen 20" descr="Imagen que contiene tabla, interior, escritorio, hecho de madera&#10;&#10;Descripción generada automáticamente">
+            <a:extLst>
+              <a:ext uri="{FF2B5EF4-FFF2-40B4-BE49-F238E27FC236}">
+                <a16:creationId xmlns:a16="http://schemas.microsoft.com/office/drawing/2014/main" id="{5F3FCA63-9721-46F7-84F0-D1BD8EBB66DB}"/>
+              </a:ext>
+            </a:extLst>
+          </p:cNvPr>
+          <p:cNvPicPr>
+            <a:picLocks noChangeAspect="1"/>
+          </p:cNvPicPr>
+          <p:nvPr/>
+        </p:nvPicPr>
+        <p:blipFill>
+          <a:blip r:embed="rId4" cstate="print">
+            <a:extLst>
+              <a:ext uri="{28A0092B-C50C-407E-A947-70E740481C1C}">
+                <a14:useLocalDpi xmlns:a14="http://schemas.microsoft.com/office/drawing/2010/main" val="0"/>
+              </a:ext>
+            </a:extLst>
+          </a:blip>
+          <a:stretch>
+            <a:fillRect/>
+          </a:stretch>
+        </p:blipFill>
+        <p:spPr>
+          <a:xfrm>
+            <a:off x="1684894" y="1831357"/>
+            <a:ext cx="1250505" cy="833670"/>
+          </a:xfrm>
+          <a:prstGeom prst="rect">
+            <a:avLst/>
+          </a:prstGeom>
+        </p:spPr>
+      </p:pic>
+      <p:pic>
+        <p:nvPicPr>
+          <p:cNvPr id="23" name="Imagen 22" descr="Interfaz de usuario gráfica, Texto&#10;&#10;Descripción generada automáticamente con confianza media">
+            <a:extLst>
+              <a:ext uri="{FF2B5EF4-FFF2-40B4-BE49-F238E27FC236}">
+                <a16:creationId xmlns:a16="http://schemas.microsoft.com/office/drawing/2014/main" id="{CD338209-46F3-4627-8383-A938933FA2AE}"/>
+              </a:ext>
+            </a:extLst>
+          </p:cNvPr>
+          <p:cNvPicPr>
+            <a:picLocks noChangeAspect="1"/>
+          </p:cNvPicPr>
+          <p:nvPr/>
+        </p:nvPicPr>
+        <p:blipFill rotWithShape="1">
+          <a:blip r:embed="rId5" cstate="print">
+            <a:extLst>
+              <a:ext uri="{28A0092B-C50C-407E-A947-70E740481C1C}">
+                <a14:useLocalDpi xmlns:a14="http://schemas.microsoft.com/office/drawing/2010/main" val="0"/>
+              </a:ext>
+            </a:extLst>
+          </a:blip>
+          <a:srcRect l="2500" t="11484" r="50000" b="4967"/>
+          <a:stretch/>
+        </p:blipFill>
+        <p:spPr>
+          <a:xfrm>
+            <a:off x="1709901" y="3176056"/>
+            <a:ext cx="1200490" cy="1187765"/>
+          </a:xfrm>
+          <a:prstGeom prst="rect">
+            <a:avLst/>
+          </a:prstGeom>
+        </p:spPr>
+      </p:pic>
+      <p:pic>
+        <p:nvPicPr>
+          <p:cNvPr id="25" name="Imagen 24" descr="Imagen que contiene Gráfico&#10;&#10;Descripción generada automáticamente">
+            <a:extLst>
+              <a:ext uri="{FF2B5EF4-FFF2-40B4-BE49-F238E27FC236}">
+                <a16:creationId xmlns:a16="http://schemas.microsoft.com/office/drawing/2014/main" id="{8C280A7A-BE01-4E22-91DA-8A16EE3A0CD2}"/>
+              </a:ext>
+            </a:extLst>
+          </p:cNvPr>
+          <p:cNvPicPr>
+            <a:picLocks noChangeAspect="1"/>
+          </p:cNvPicPr>
+          <p:nvPr/>
+        </p:nvPicPr>
+        <p:blipFill>
+          <a:blip r:embed="rId6" cstate="print">
+            <a:extLst>
+              <a:ext uri="{28A0092B-C50C-407E-A947-70E740481C1C}">
+                <a14:useLocalDpi xmlns:a14="http://schemas.microsoft.com/office/drawing/2010/main" val="0"/>
+              </a:ext>
+            </a:extLst>
+          </a:blip>
+          <a:stretch>
+            <a:fillRect/>
+          </a:stretch>
+        </p:blipFill>
+        <p:spPr>
+          <a:xfrm>
+            <a:off x="3430797" y="1794734"/>
+            <a:ext cx="1578946" cy="888157"/>
+          </a:xfrm>
+          <a:prstGeom prst="rect">
+            <a:avLst/>
+          </a:prstGeom>
+        </p:spPr>
+      </p:pic>
+      <p:pic>
+        <p:nvPicPr>
+          <p:cNvPr id="27" name="Imagen 26" descr="Imagen que contiene computadora&#10;&#10;Descripción generada automáticamente">
+            <a:extLst>
+              <a:ext uri="{FF2B5EF4-FFF2-40B4-BE49-F238E27FC236}">
+                <a16:creationId xmlns:a16="http://schemas.microsoft.com/office/drawing/2014/main" id="{5B6F4B4D-6915-406B-A254-53324AF08FE1}"/>
+              </a:ext>
+            </a:extLst>
+          </p:cNvPr>
+          <p:cNvPicPr>
+            <a:picLocks noChangeAspect="1"/>
+          </p:cNvPicPr>
+          <p:nvPr/>
+        </p:nvPicPr>
+        <p:blipFill>
+          <a:blip r:embed="rId7" cstate="print">
+            <a:extLst>
+              <a:ext uri="{28A0092B-C50C-407E-A947-70E740481C1C}">
+                <a14:useLocalDpi xmlns:a14="http://schemas.microsoft.com/office/drawing/2010/main" val="0"/>
+              </a:ext>
+            </a:extLst>
+          </a:blip>
+          <a:stretch>
+            <a:fillRect/>
+          </a:stretch>
+        </p:blipFill>
+        <p:spPr>
+          <a:xfrm>
+            <a:off x="3274582" y="3311465"/>
+            <a:ext cx="1797279" cy="952558"/>
+          </a:xfrm>
+          <a:prstGeom prst="rect">
+            <a:avLst/>
+          </a:prstGeom>
+        </p:spPr>
+      </p:pic>
+      <p:pic>
+        <p:nvPicPr>
+          <p:cNvPr id="29" name="Imagen 28" descr="Un dibujo de una persona&#10;&#10;Descripción generada automáticamente con confianza baja">
+            <a:extLst>
+              <a:ext uri="{FF2B5EF4-FFF2-40B4-BE49-F238E27FC236}">
+                <a16:creationId xmlns:a16="http://schemas.microsoft.com/office/drawing/2014/main" id="{94D62716-86F9-4FCB-9D3D-814D51096BF0}"/>
+              </a:ext>
+            </a:extLst>
+          </p:cNvPr>
+          <p:cNvPicPr>
+            <a:picLocks noChangeAspect="1"/>
+          </p:cNvPicPr>
+          <p:nvPr/>
+        </p:nvPicPr>
+        <p:blipFill>
+          <a:blip r:embed="rId8" cstate="print">
+            <a:extLst>
+              <a:ext uri="{28A0092B-C50C-407E-A947-70E740481C1C}">
+                <a14:useLocalDpi xmlns:a14="http://schemas.microsoft.com/office/drawing/2010/main" val="0"/>
+              </a:ext>
+            </a:extLst>
+          </a:blip>
+          <a:stretch>
+            <a:fillRect/>
+          </a:stretch>
+        </p:blipFill>
+        <p:spPr>
+          <a:xfrm>
+            <a:off x="5613314" y="1773699"/>
+            <a:ext cx="995585" cy="995585"/>
+          </a:xfrm>
+          <a:prstGeom prst="rect">
+            <a:avLst/>
+          </a:prstGeom>
+        </p:spPr>
+      </p:pic>
+      <p:pic>
+        <p:nvPicPr>
+          <p:cNvPr id="31" name="Imagen 30" descr="Interfaz de usuario gráfica, Sitio web&#10;&#10;Descripción generada automáticamente">
+            <a:extLst>
+              <a:ext uri="{FF2B5EF4-FFF2-40B4-BE49-F238E27FC236}">
+                <a16:creationId xmlns:a16="http://schemas.microsoft.com/office/drawing/2014/main" id="{E68625C5-BB95-4B42-8CBB-79921A90B0BA}"/>
+              </a:ext>
+            </a:extLst>
+          </p:cNvPr>
+          <p:cNvPicPr>
+            <a:picLocks noChangeAspect="1"/>
+          </p:cNvPicPr>
+          <p:nvPr/>
+        </p:nvPicPr>
+        <p:blipFill>
+          <a:blip r:embed="rId9">
+            <a:extLst>
+              <a:ext uri="{28A0092B-C50C-407E-A947-70E740481C1C}">
+                <a14:useLocalDpi xmlns:a14="http://schemas.microsoft.com/office/drawing/2010/main" val="0"/>
+              </a:ext>
+            </a:extLst>
+          </a:blip>
+          <a:stretch>
+            <a:fillRect/>
+          </a:stretch>
+        </p:blipFill>
+        <p:spPr>
+          <a:xfrm>
+            <a:off x="5186018" y="3172454"/>
+            <a:ext cx="1931271" cy="1285173"/>
+          </a:xfrm>
+          <a:prstGeom prst="rect">
+            <a:avLst/>
+          </a:prstGeom>
+        </p:spPr>
+      </p:pic>
+      <p:sp>
+        <p:nvSpPr>
+          <p:cNvPr id="33" name="CuadroTexto 32">
+            <a:extLst>
+              <a:ext uri="{FF2B5EF4-FFF2-40B4-BE49-F238E27FC236}">
+                <a16:creationId xmlns:a16="http://schemas.microsoft.com/office/drawing/2014/main" id="{ADE8C6C8-B669-4830-91E6-4995780BCB51}"/>
+              </a:ext>
+            </a:extLst>
+          </p:cNvPr>
+          <p:cNvSpPr txBox="1"/>
+          <p:nvPr/>
+        </p:nvSpPr>
+        <p:spPr>
+          <a:xfrm>
+            <a:off x="7155437" y="1438171"/>
+            <a:ext cx="2057398" cy="2462213"/>
+          </a:xfrm>
+          <a:prstGeom prst="rect">
+            <a:avLst/>
+          </a:prstGeom>
+          <a:noFill/>
+        </p:spPr>
+        <p:txBody>
+          <a:bodyPr wrap="square">
+            <a:spAutoFit/>
+          </a:bodyPr>
+          <a:lstStyle/>
+          <a:p>
+            <a:pPr marL="12700" algn="ctr">
+              <a:lnSpc>
+                <a:spcPct val="100000"/>
+              </a:lnSpc>
+              <a:spcBef>
+                <a:spcPts val="130"/>
+              </a:spcBef>
+            </a:pPr>
+            <a:r>
+              <a:rPr lang="es-ES" sz="1400" b="1" spc="10" dirty="0">
+                <a:solidFill>
+                  <a:srgbClr val="404040"/>
+                </a:solidFill>
+                <a:latin typeface="Carlito"/>
+                <a:cs typeface="Carlito"/>
+              </a:rPr>
+              <a:t>A raíz de este tipo de actividades se presenta perdidas de documentos  y acciones contables importantes, teniendo en cuenta también que el sistema de publicidad no es el mejor, Generando así una problemática de calidad de servicios.</a:t>
+            </a:r>
+          </a:p>
+        </p:txBody>
+      </p:sp>
     </p:spTree>
     <p:extLst>
       <p:ext uri="{BB962C8B-B14F-4D97-AF65-F5344CB8AC3E}">
-        <p14:creationId xmlns:p14="http://schemas.microsoft.com/office/powerpoint/2010/main" val="2272692951"/>
+        <p14:creationId xmlns:p14="http://schemas.microsoft.com/office/powerpoint/2010/main" val="3296828831"/>
       </p:ext>
     </p:extLst>
   </p:cSld>
@@ -16061,12 +16886,22 @@
         </p:nvSpPr>
         <p:spPr>
           <a:xfrm>
-            <a:off x="3573271" y="2713685"/>
-            <a:ext cx="2133600" cy="575310"/>
+            <a:off x="3573270" y="2713685"/>
+            <a:ext cx="4808730" cy="1397819"/>
           </a:xfrm>
           <a:prstGeom prst="rect">
             <a:avLst/>
           </a:prstGeom>
+          <a:solidFill>
+            <a:schemeClr val="bg2">
+              <a:lumMod val="75000"/>
+            </a:schemeClr>
+          </a:solidFill>
+          <a:ln>
+            <a:solidFill>
+              <a:srgbClr val="FFFF00"/>
+            </a:solidFill>
+          </a:ln>
         </p:spPr>
         <p:txBody>
           <a:bodyPr vert="horz" wrap="square" lIns="0" tIns="12700" rIns="0" bIns="0" rtlCol="0">
@@ -16074,89 +16909,122 @@
           </a:bodyPr>
           <a:lstStyle/>
           <a:p>
-            <a:pPr marL="12700">
+            <a:pPr marL="469900">
               <a:lnSpc>
                 <a:spcPct val="100000"/>
               </a:lnSpc>
-              <a:spcBef>
-                <a:spcPts val="100"/>
-              </a:spcBef>
             </a:pPr>
             <a:r>
-              <a:rPr sz="1800" spc="-40" dirty="0">
-                <a:solidFill>
-                  <a:srgbClr val="404040"/>
-                </a:solidFill>
-                <a:latin typeface="Carlito"/>
-                <a:cs typeface="Carlito"/>
-              </a:rPr>
-              <a:t>Texto </a:t>
-            </a:r>
-            <a:r>
-              <a:rPr sz="1800" spc="-10" dirty="0">
-                <a:solidFill>
-                  <a:srgbClr val="404040"/>
-                </a:solidFill>
-                <a:latin typeface="Carlito"/>
-                <a:cs typeface="Carlito"/>
-              </a:rPr>
-              <a:t>corto</a:t>
-            </a:r>
-            <a:r>
-              <a:rPr sz="1800" spc="-35" dirty="0">
-                <a:solidFill>
-                  <a:srgbClr val="404040"/>
-                </a:solidFill>
-                <a:latin typeface="Carlito"/>
-                <a:cs typeface="Carlito"/>
-              </a:rPr>
-              <a:t> </a:t>
-            </a:r>
-            <a:r>
-              <a:rPr sz="1800" spc="-10" dirty="0">
-                <a:solidFill>
-                  <a:srgbClr val="404040"/>
-                </a:solidFill>
-                <a:latin typeface="Carlito"/>
-                <a:cs typeface="Carlito"/>
-              </a:rPr>
-              <a:t>descriptivo</a:t>
-            </a:r>
-            <a:endParaRPr sz="1800" dirty="0">
-              <a:latin typeface="Carlito"/>
-              <a:cs typeface="Carlito"/>
-            </a:endParaRPr>
-          </a:p>
-          <a:p>
-            <a:pPr marL="12700">
-              <a:lnSpc>
-                <a:spcPct val="100000"/>
-              </a:lnSpc>
-              <a:spcBef>
-                <a:spcPts val="5"/>
-              </a:spcBef>
-            </a:pPr>
-            <a:r>
-              <a:rPr sz="1800" dirty="0">
-                <a:solidFill>
-                  <a:srgbClr val="404040"/>
-                </a:solidFill>
-                <a:latin typeface="Carlito"/>
-                <a:cs typeface="Carlito"/>
-              </a:rPr>
-              <a:t>a 2 o 3 </a:t>
-            </a:r>
-            <a:r>
-              <a:rPr sz="1800" spc="-10" dirty="0">
-                <a:solidFill>
-                  <a:srgbClr val="404040"/>
-                </a:solidFill>
-                <a:latin typeface="Carlito"/>
-                <a:cs typeface="Carlito"/>
-              </a:rPr>
-              <a:t>líneas</a:t>
-            </a:r>
-            <a:endParaRPr sz="1800" dirty="0">
+              <a:rPr lang="es-ES" sz="1800" b="1" spc="10" dirty="0">
+                <a:solidFill>
+                  <a:srgbClr val="404040"/>
+                </a:solidFill>
+                <a:latin typeface="Carlito"/>
+                <a:cs typeface="Carlito"/>
+              </a:rPr>
+              <a:t>Desarrollar un Sistema de </a:t>
+            </a:r>
+            <a:r>
+              <a:rPr lang="es-ES" sz="1800" b="1" spc="15" dirty="0">
+                <a:solidFill>
+                  <a:srgbClr val="404040"/>
+                </a:solidFill>
+                <a:latin typeface="Carlito"/>
+                <a:cs typeface="Carlito"/>
+              </a:rPr>
+              <a:t>Información </a:t>
+            </a:r>
+            <a:r>
+              <a:rPr lang="es-ES" sz="1800" b="1" spc="-5" dirty="0">
+                <a:solidFill>
+                  <a:srgbClr val="404040"/>
+                </a:solidFill>
+                <a:latin typeface="Carlito"/>
+                <a:cs typeface="Carlito"/>
+              </a:rPr>
+              <a:t>Web:  </a:t>
+            </a:r>
+            <a:r>
+              <a:rPr lang="es-ES" sz="1800" b="1" spc="20" dirty="0">
+                <a:solidFill>
+                  <a:srgbClr val="404040"/>
+                </a:solidFill>
+                <a:latin typeface="Carlito"/>
+                <a:cs typeface="Carlito"/>
+              </a:rPr>
+              <a:t>Sistematic cutex , el cual </a:t>
+            </a:r>
+            <a:r>
+              <a:rPr lang="es-ES" b="1" spc="20" dirty="0">
+                <a:solidFill>
+                  <a:srgbClr val="404040"/>
+                </a:solidFill>
+                <a:latin typeface="Carlito"/>
+                <a:cs typeface="Carlito"/>
+              </a:rPr>
+              <a:t>funcionaria como </a:t>
+            </a:r>
+            <a:r>
+              <a:rPr lang="es-ES" sz="1800" b="1" spc="225" dirty="0">
+                <a:solidFill>
+                  <a:srgbClr val="404040"/>
+                </a:solidFill>
+                <a:latin typeface="Carlito"/>
+                <a:cs typeface="Carlito"/>
+              </a:rPr>
+              <a:t>apoyo </a:t>
+            </a:r>
+            <a:r>
+              <a:rPr lang="es-ES" sz="1800" b="1" spc="15" dirty="0">
+                <a:solidFill>
+                  <a:srgbClr val="404040"/>
+                </a:solidFill>
+                <a:latin typeface="Carlito"/>
+                <a:cs typeface="Carlito"/>
+              </a:rPr>
+              <a:t>a los procesos de inventario, facturación y marketing </a:t>
+            </a:r>
+            <a:r>
+              <a:rPr lang="es-ES" sz="1800" b="1" spc="10" dirty="0">
+                <a:solidFill>
+                  <a:srgbClr val="404040"/>
+                </a:solidFill>
+                <a:latin typeface="Carlito"/>
+                <a:cs typeface="Carlito"/>
+              </a:rPr>
+              <a:t>de </a:t>
+            </a:r>
+            <a:r>
+              <a:rPr lang="es-ES" sz="1800" b="1" spc="5" dirty="0">
+                <a:solidFill>
+                  <a:srgbClr val="404040"/>
+                </a:solidFill>
+                <a:latin typeface="Carlito"/>
+                <a:cs typeface="Carlito"/>
+              </a:rPr>
+              <a:t>la </a:t>
+            </a:r>
+            <a:r>
+              <a:rPr lang="es-ES" sz="1800" b="1" dirty="0">
+                <a:solidFill>
+                  <a:srgbClr val="404040"/>
+                </a:solidFill>
+                <a:latin typeface="Carlito"/>
+                <a:cs typeface="Carlito"/>
+              </a:rPr>
+              <a:t>Empresa Peleteria cueros y color</a:t>
+            </a:r>
+            <a:r>
+              <a:rPr lang="es-ES" sz="1800" b="1" spc="5" dirty="0">
+                <a:solidFill>
+                  <a:srgbClr val="404040"/>
+                </a:solidFill>
+                <a:latin typeface="Carlito"/>
+                <a:cs typeface="Carlito"/>
+              </a:rPr>
+              <a:t>.</a:t>
+            </a:r>
+            <a:endParaRPr lang="es-ES" sz="1800" b="1" dirty="0">
               <a:latin typeface="Carlito"/>
               <a:cs typeface="Carlito"/>
             </a:endParaRPr>
@@ -16247,7 +17115,7 @@
                 <a:spcPts val="5"/>
               </a:spcBef>
             </a:pPr>
-            <a:endParaRPr sz="1250">
+            <a:endParaRPr sz="1250" dirty="0">
               <a:latin typeface="Times New Roman"/>
               <a:cs typeface="Times New Roman"/>
             </a:endParaRPr>
@@ -16278,13 +17146,96 @@
               </a:rPr>
               <a:t> Sistema</a:t>
             </a:r>
-            <a:endParaRPr sz="1150">
+            <a:endParaRPr sz="1150" dirty="0">
               <a:latin typeface="Carlito"/>
               <a:cs typeface="Carlito"/>
             </a:endParaRPr>
           </a:p>
         </p:txBody>
       </p:sp>
+      <p:pic>
+        <p:nvPicPr>
+          <p:cNvPr id="6" name="Imagen 5" descr="Un letrero de color blanco&#10;&#10;Descripción generada automáticamente con confianza media">
+            <a:extLst>
+              <a:ext uri="{FF2B5EF4-FFF2-40B4-BE49-F238E27FC236}">
+                <a16:creationId xmlns:a16="http://schemas.microsoft.com/office/drawing/2014/main" id="{CC13EBED-82D4-4543-850D-0F78A25207C5}"/>
+              </a:ext>
+            </a:extLst>
+          </p:cNvPr>
+          <p:cNvPicPr>
+            <a:picLocks noChangeAspect="1"/>
+          </p:cNvPicPr>
+          <p:nvPr/>
+        </p:nvPicPr>
+        <p:blipFill>
+          <a:blip r:embed="rId2">
+            <a:extLst>
+              <a:ext uri="{28A0092B-C50C-407E-A947-70E740481C1C}">
+                <a14:useLocalDpi xmlns:a14="http://schemas.microsoft.com/office/drawing/2010/main" val="0"/>
+              </a:ext>
+            </a:extLst>
+          </a:blip>
+          <a:stretch>
+            <a:fillRect/>
+          </a:stretch>
+        </p:blipFill>
+        <p:spPr>
+          <a:xfrm>
+            <a:off x="7516248" y="4302251"/>
+            <a:ext cx="1408669" cy="567055"/>
+          </a:xfrm>
+          <a:prstGeom prst="rect">
+            <a:avLst/>
+          </a:prstGeom>
+        </p:spPr>
+      </p:pic>
+      <p:pic>
+        <p:nvPicPr>
+          <p:cNvPr id="1026" name="Picture 2" descr="Justo A Tiempo - Evaluacion Del Desempeño Png PNG Image | Transparent PNG  Free Download on SeekPNG">
+            <a:extLst>
+              <a:ext uri="{FF2B5EF4-FFF2-40B4-BE49-F238E27FC236}">
+                <a16:creationId xmlns:a16="http://schemas.microsoft.com/office/drawing/2014/main" id="{834CB07C-5D02-4B9B-9296-7A8F8FFC0C80}"/>
+              </a:ext>
+            </a:extLst>
+          </p:cNvPr>
+          <p:cNvPicPr>
+            <a:picLocks noChangeAspect="1" noChangeArrowheads="1"/>
+          </p:cNvPicPr>
+          <p:nvPr/>
+        </p:nvPicPr>
+        <p:blipFill>
+          <a:blip r:embed="rId3">
+            <a:extLst>
+              <a:ext uri="{28A0092B-C50C-407E-A947-70E740481C1C}">
+                <a14:useLocalDpi xmlns:a14="http://schemas.microsoft.com/office/drawing/2010/main" val="0"/>
+              </a:ext>
+            </a:extLst>
+          </a:blip>
+          <a:srcRect/>
+          <a:stretch>
+            <a:fillRect/>
+          </a:stretch>
+        </p:blipFill>
+        <p:spPr bwMode="auto">
+          <a:xfrm>
+            <a:off x="533400" y="416052"/>
+            <a:ext cx="2857500" cy="4343400"/>
+          </a:xfrm>
+          <a:prstGeom prst="rect">
+            <a:avLst/>
+          </a:prstGeom>
+          <a:noFill/>
+          <a:extLst>
+            <a:ext uri="{909E8E84-426E-40DD-AFC4-6F175D3DCCD1}">
+              <a14:hiddenFill xmlns:a14="http://schemas.microsoft.com/office/drawing/2010/main">
+                <a:solidFill>
+                  <a:srgbClr val="FFFFFF"/>
+                </a:solidFill>
+              </a14:hiddenFill>
+            </a:ext>
+          </a:extLst>
+        </p:spPr>
+      </p:pic>
     </p:spTree>
   </p:cSld>
   <p:clrMapOvr>

--- a/App/app_documentacion/1er_trimestre/1_proyecto/1_1_1_presentacion_proyecto.pptx
+++ b/App/app_documentacion/1er_trimestre/1_proyecto/1_1_1_presentacion_proyecto.pptx
@@ -19,9 +19,10 @@
     <p:sldId id="264" r:id="rId13"/>
     <p:sldId id="274" r:id="rId14"/>
     <p:sldId id="265" r:id="rId15"/>
-    <p:sldId id="266" r:id="rId16"/>
-    <p:sldId id="267" r:id="rId17"/>
-    <p:sldId id="268" r:id="rId18"/>
+    <p:sldId id="275" r:id="rId16"/>
+    <p:sldId id="266" r:id="rId17"/>
+    <p:sldId id="267" r:id="rId18"/>
+    <p:sldId id="268" r:id="rId19"/>
   </p:sldIdLst>
   <p:sldSz cx="9144000" cy="5143500" type="screen16x9"/>
   <p:notesSz cx="9144000" cy="5143500"/>
@@ -278,7 +279,7 @@
           <a:p>
             <a:fld id="{1D8BD707-D9CF-40AE-B4C6-C98DA3205C09}" type="datetimeFigureOut">
               <a:rPr lang="en-US"/>
-              <a:t>11/30/2021</a:t>
+              <a:t>12/2/2021</a:t>
             </a:fld>
             <a:endParaRPr lang="en-US"/>
           </a:p>
@@ -492,7 +493,7 @@
           <a:p>
             <a:fld id="{1D8BD707-D9CF-40AE-B4C6-C98DA3205C09}" type="datetimeFigureOut">
               <a:rPr lang="en-US"/>
-              <a:t>11/30/2021</a:t>
+              <a:t>12/2/2021</a:t>
             </a:fld>
             <a:endParaRPr lang="en-US"/>
           </a:p>
@@ -795,7 +796,7 @@
           <a:p>
             <a:fld id="{1D8BD707-D9CF-40AE-B4C6-C98DA3205C09}" type="datetimeFigureOut">
               <a:rPr lang="en-US"/>
-              <a:t>11/30/2021</a:t>
+              <a:t>12/2/2021</a:t>
             </a:fld>
             <a:endParaRPr lang="en-US"/>
           </a:p>
@@ -943,7 +944,7 @@
           <a:p>
             <a:fld id="{1D8BD707-D9CF-40AE-B4C6-C98DA3205C09}" type="datetimeFigureOut">
               <a:rPr lang="en-US"/>
-              <a:t>11/30/2021</a:t>
+              <a:t>12/2/2021</a:t>
             </a:fld>
             <a:endParaRPr lang="en-US"/>
           </a:p>
@@ -1062,7 +1063,7 @@
           <a:p>
             <a:fld id="{1D8BD707-D9CF-40AE-B4C6-C98DA3205C09}" type="datetimeFigureOut">
               <a:rPr lang="en-US"/>
-              <a:t>11/30/2021</a:t>
+              <a:t>12/2/2021</a:t>
             </a:fld>
             <a:endParaRPr lang="en-US"/>
           </a:p>
@@ -1287,7 +1288,7 @@
           <a:p>
             <a:fld id="{1D8BD707-D9CF-40AE-B4C6-C98DA3205C09}" type="datetimeFigureOut">
               <a:rPr lang="en-US"/>
-              <a:t>11/30/2021</a:t>
+              <a:t>12/2/2021</a:t>
             </a:fld>
             <a:endParaRPr lang="en-US"/>
           </a:p>
@@ -4310,7 +4311,7 @@
             <a:pPr algn="ctr"/>
             <a:r>
               <a:rPr lang="es-CO" sz="1200" b="1" dirty="0"/>
-              <a:t>Finalmente el sistema de información Sistematic Cutex optimizará los procesos presentes dentro de la empresa Paletería Cueros y Color siendo un aporte al sector Marroquinero y textil </a:t>
+              <a:t>Finalmente el sistema de información Sistematic Cutex optimizará los procesos presentes dentro de la empresa Paletería Cueros y Color siendo un aporte al sector Marroquinero  </a:t>
             </a:r>
             <a:r>
               <a:rPr lang="es-CO" b="1" dirty="0"/>
@@ -4349,6 +4350,36 @@
           <a:chExt cx="0" cy="0"/>
         </a:xfrm>
       </p:grpSpPr>
+      <p:pic>
+        <p:nvPicPr>
+          <p:cNvPr id="7" name="Imagen 6">
+            <a:extLst>
+              <a:ext uri="{FF2B5EF4-FFF2-40B4-BE49-F238E27FC236}">
+                <a16:creationId xmlns:a16="http://schemas.microsoft.com/office/drawing/2014/main" id="{51632C93-F022-4890-A941-90741FC7F945}"/>
+              </a:ext>
+            </a:extLst>
+          </p:cNvPr>
+          <p:cNvPicPr>
+            <a:picLocks noChangeAspect="1"/>
+          </p:cNvPicPr>
+          <p:nvPr/>
+        </p:nvPicPr>
+        <p:blipFill>
+          <a:blip r:embed="rId2"/>
+          <a:stretch>
+            <a:fillRect/>
+          </a:stretch>
+        </p:blipFill>
+        <p:spPr>
+          <a:xfrm>
+            <a:off x="846266" y="977277"/>
+            <a:ext cx="8096250" cy="4048125"/>
+          </a:xfrm>
+          <a:prstGeom prst="rect">
+            <a:avLst/>
+          </a:prstGeom>
+        </p:spPr>
+      </p:pic>
       <p:sp>
         <p:nvSpPr>
           <p:cNvPr id="2" name="object 2"/>
@@ -4360,6 +4391,10 @@
           </p:nvPr>
         </p:nvSpPr>
         <p:spPr>
+          <a:xfrm>
+            <a:off x="1265516" y="1337978"/>
+            <a:ext cx="2409698" cy="849630"/>
+          </a:xfrm>
           <a:prstGeom prst="rect">
             <a:avLst/>
           </a:prstGeom>
@@ -4398,116 +4433,6 @@
               <a:rPr dirty="0"/>
               <a:t>e</a:t>
             </a:r>
-          </a:p>
-        </p:txBody>
-      </p:sp>
-      <p:sp>
-        <p:nvSpPr>
-          <p:cNvPr id="3" name="object 3"/>
-          <p:cNvSpPr txBox="1"/>
-          <p:nvPr/>
-        </p:nvSpPr>
-        <p:spPr>
-          <a:xfrm>
-            <a:off x="3573271" y="2713685"/>
-            <a:ext cx="2133600" cy="575310"/>
-          </a:xfrm>
-          <a:prstGeom prst="rect">
-            <a:avLst/>
-          </a:prstGeom>
-        </p:spPr>
-        <p:txBody>
-          <a:bodyPr vert="horz" wrap="square" lIns="0" tIns="12700" rIns="0" bIns="0" rtlCol="0">
-            <a:spAutoFit/>
-          </a:bodyPr>
-          <a:lstStyle/>
-          <a:p>
-            <a:pPr marL="12700">
-              <a:lnSpc>
-                <a:spcPct val="100000"/>
-              </a:lnSpc>
-              <a:spcBef>
-                <a:spcPts val="100"/>
-              </a:spcBef>
-            </a:pPr>
-            <a:r>
-              <a:rPr sz="1800" spc="-40" dirty="0">
-                <a:solidFill>
-                  <a:srgbClr val="404040"/>
-                </a:solidFill>
-                <a:latin typeface="Carlito"/>
-                <a:cs typeface="Carlito"/>
-              </a:rPr>
-              <a:t>Texto </a:t>
-            </a:r>
-            <a:r>
-              <a:rPr sz="1800" spc="-10" dirty="0">
-                <a:solidFill>
-                  <a:srgbClr val="404040"/>
-                </a:solidFill>
-                <a:latin typeface="Carlito"/>
-                <a:cs typeface="Carlito"/>
-              </a:rPr>
-              <a:t>corto</a:t>
-            </a:r>
-            <a:r>
-              <a:rPr sz="1800" spc="-35" dirty="0">
-                <a:solidFill>
-                  <a:srgbClr val="404040"/>
-                </a:solidFill>
-                <a:latin typeface="Carlito"/>
-                <a:cs typeface="Carlito"/>
-              </a:rPr>
-              <a:t> </a:t>
-            </a:r>
-            <a:r>
-              <a:rPr sz="1800" spc="-10" dirty="0">
-                <a:solidFill>
-                  <a:srgbClr val="404040"/>
-                </a:solidFill>
-                <a:latin typeface="Carlito"/>
-                <a:cs typeface="Carlito"/>
-              </a:rPr>
-              <a:t>descriptivo</a:t>
-            </a:r>
-            <a:endParaRPr sz="1800">
-              <a:latin typeface="Carlito"/>
-              <a:cs typeface="Carlito"/>
-            </a:endParaRPr>
-          </a:p>
-          <a:p>
-            <a:pPr marL="12700">
-              <a:lnSpc>
-                <a:spcPct val="100000"/>
-              </a:lnSpc>
-              <a:spcBef>
-                <a:spcPts val="5"/>
-              </a:spcBef>
-            </a:pPr>
-            <a:r>
-              <a:rPr sz="1800" dirty="0">
-                <a:solidFill>
-                  <a:srgbClr val="404040"/>
-                </a:solidFill>
-                <a:latin typeface="Carlito"/>
-                <a:cs typeface="Carlito"/>
-              </a:rPr>
-              <a:t>a 2 o 3 </a:t>
-            </a:r>
-            <a:r>
-              <a:rPr sz="1800" spc="-10" dirty="0">
-                <a:solidFill>
-                  <a:srgbClr val="404040"/>
-                </a:solidFill>
-                <a:latin typeface="Carlito"/>
-                <a:cs typeface="Carlito"/>
-              </a:rPr>
-              <a:t>líneas</a:t>
-            </a:r>
-            <a:endParaRPr sz="1800">
-              <a:latin typeface="Carlito"/>
-              <a:cs typeface="Carlito"/>
-            </a:endParaRPr>
           </a:p>
         </p:txBody>
       </p:sp>
@@ -4519,7 +4444,7 @@
         </p:nvSpPr>
         <p:spPr>
           <a:xfrm>
-            <a:off x="3579876" y="2542032"/>
+            <a:off x="1265516" y="2141888"/>
             <a:ext cx="718185" cy="45720"/>
           </a:xfrm>
           <a:custGeom>
@@ -4648,7 +4573,7 @@
           <p:nvPr/>
         </p:nvPicPr>
         <p:blipFill>
-          <a:blip r:embed="rId2">
+          <a:blip r:embed="rId3">
             <a:extLst>
               <a:ext uri="{28A0092B-C50C-407E-A947-70E740481C1C}">
                 <a14:useLocalDpi xmlns:a14="http://schemas.microsoft.com/office/drawing/2010/main" val="0"/>
@@ -4678,6 +4603,72 @@
 </file>
 
 <file path=ppt/slides/slide15.xml><?xml version="1.0" encoding="utf-8"?>
+<p:sld xmlns:a="http://schemas.openxmlformats.org/drawingml/2006/main" xmlns:r="http://schemas.openxmlformats.org/officeDocument/2006/relationships" xmlns:p="http://schemas.openxmlformats.org/presentationml/2006/main">
+  <p:cSld>
+    <p:spTree>
+      <p:nvGrpSpPr>
+        <p:cNvPr id="1" name=""/>
+        <p:cNvGrpSpPr/>
+        <p:nvPr/>
+      </p:nvGrpSpPr>
+      <p:grpSpPr>
+        <a:xfrm>
+          <a:off x="0" y="0"/>
+          <a:ext cx="0" cy="0"/>
+          <a:chOff x="0" y="0"/>
+          <a:chExt cx="0" cy="0"/>
+        </a:xfrm>
+      </p:grpSpPr>
+      <p:pic>
+        <p:nvPicPr>
+          <p:cNvPr id="4" name="Imagen 3" descr="Un letrero de color blanco&#10;&#10;Descripción generada automáticamente con confianza media">
+            <a:extLst>
+              <a:ext uri="{FF2B5EF4-FFF2-40B4-BE49-F238E27FC236}">
+                <a16:creationId xmlns:a16="http://schemas.microsoft.com/office/drawing/2014/main" id="{89062B54-6AA2-4575-881B-85DD62776C34}"/>
+              </a:ext>
+            </a:extLst>
+          </p:cNvPr>
+          <p:cNvPicPr>
+            <a:picLocks noChangeAspect="1"/>
+          </p:cNvPicPr>
+          <p:nvPr/>
+        </p:nvPicPr>
+        <p:blipFill>
+          <a:blip r:embed="rId2">
+            <a:extLst>
+              <a:ext uri="{28A0092B-C50C-407E-A947-70E740481C1C}">
+                <a14:useLocalDpi xmlns:a14="http://schemas.microsoft.com/office/drawing/2010/main" val="0"/>
+              </a:ext>
+            </a:extLst>
+          </a:blip>
+          <a:stretch>
+            <a:fillRect/>
+          </a:stretch>
+        </p:blipFill>
+        <p:spPr>
+          <a:xfrm>
+            <a:off x="7562088" y="4302251"/>
+            <a:ext cx="1362829" cy="567055"/>
+          </a:xfrm>
+          <a:prstGeom prst="rect">
+            <a:avLst/>
+          </a:prstGeom>
+        </p:spPr>
+      </p:pic>
+    </p:spTree>
+    <p:extLst>
+      <p:ext uri="{BB962C8B-B14F-4D97-AF65-F5344CB8AC3E}">
+        <p14:creationId xmlns:p14="http://schemas.microsoft.com/office/powerpoint/2010/main" val="1045583521"/>
+      </p:ext>
+    </p:extLst>
+  </p:cSld>
+  <p:clrMapOvr>
+    <a:masterClrMapping/>
+  </p:clrMapOvr>
+</p:sld>
+</file>
+
+<file path=ppt/slides/slide16.xml><?xml version="1.0" encoding="utf-8"?>
 <p:sld xmlns:a="http://schemas.openxmlformats.org/drawingml/2006/main" xmlns:r="http://schemas.openxmlformats.org/officeDocument/2006/relationships" xmlns:p="http://schemas.openxmlformats.org/presentationml/2006/main" showMasterSp="0">
   <p:cSld>
     <p:spTree>
@@ -5590,7 +5581,7 @@
 </p:sld>
 </file>
 
-<file path=ppt/slides/slide16.xml><?xml version="1.0" encoding="utf-8"?>
+<file path=ppt/slides/slide17.xml><?xml version="1.0" encoding="utf-8"?>
 <p:sld xmlns:a="http://schemas.openxmlformats.org/drawingml/2006/main" xmlns:r="http://schemas.openxmlformats.org/officeDocument/2006/relationships" xmlns:p="http://schemas.openxmlformats.org/presentationml/2006/main" showMasterSp="0">
   <p:cSld>
     <p:spTree>
@@ -9459,7 +9450,7 @@
 </p:sld>
 </file>
 
-<file path=ppt/slides/slide17.xml><?xml version="1.0" encoding="utf-8"?>
+<file path=ppt/slides/slide18.xml><?xml version="1.0" encoding="utf-8"?>
 <p:sld xmlns:a="http://schemas.openxmlformats.org/drawingml/2006/main" xmlns:r="http://schemas.openxmlformats.org/officeDocument/2006/relationships" xmlns:p="http://schemas.openxmlformats.org/presentationml/2006/main" showMasterSp="0">
   <p:cSld>
     <p:spTree>
@@ -13228,7 +13219,7 @@
         <p:spPr>
           <a:xfrm>
             <a:off x="820869" y="2351983"/>
-            <a:ext cx="3224708" cy="1200329"/>
+            <a:ext cx="3224708" cy="1477328"/>
           </a:xfrm>
           <a:prstGeom prst="rect">
             <a:avLst/>
@@ -13248,7 +13239,7 @@
           <a:p>
             <a:r>
               <a:rPr lang="es-CO" dirty="0"/>
-              <a:t>Sistema de información que ayuda a la optimización de los procesos comerciales dentro de la industria del Cuero textil.</a:t>
+              <a:t>Sistema de información que ayuda a la optimización de los procesos comerciales dentro de la industria marroquinera del Cuero textil.</a:t>
             </a:r>
           </a:p>
         </p:txBody>

--- a/App/app_documentacion/1er_trimestre/1_proyecto/1_1_1_presentacion_proyecto.pptx
+++ b/App/app_documentacion/1er_trimestre/1_proyecto/1_1_1_presentacion_proyecto.pptx
@@ -5,7 +5,7 @@
     <p:sldMasterId id="2147483648" r:id="rId1"/>
   </p:sldMasterIdLst>
   <p:notesMasterIdLst>
-    <p:notesMasterId r:id="rId18"/>
+    <p:notesMasterId r:id="rId19"/>
   </p:notesMasterIdLst>
   <p:sldIdLst>
     <p:sldId id="257" r:id="rId2"/>
@@ -24,6 +24,7 @@
     <p:sldId id="278" r:id="rId15"/>
     <p:sldId id="267" r:id="rId16"/>
     <p:sldId id="262" r:id="rId17"/>
+    <p:sldId id="280" r:id="rId18"/>
   </p:sldIdLst>
   <p:sldSz cx="9144000" cy="5143500" type="screen16x9"/>
   <p:notesSz cx="6858000" cy="9144000"/>
@@ -2860,8 +2861,8 @@
         </p:nvSpPr>
         <p:spPr>
           <a:xfrm>
-            <a:off x="5463843" y="901908"/>
-            <a:ext cx="2756985" cy="954107"/>
+            <a:off x="4572001" y="901908"/>
+            <a:ext cx="3648828" cy="523220"/>
           </a:xfrm>
           <a:prstGeom prst="rect">
             <a:avLst/>
@@ -2935,7 +2936,7 @@
                   </a:schemeClr>
                 </a:solidFill>
               </a:rPr>
-              <a:t>Análisis y Desarrollo de Sistemas de Información, Cuarto Trimestre</a:t>
+              <a:t>Análisis y Desarrollo de Sistemas de Información, Primer Trimestre</a:t>
             </a:r>
           </a:p>
           <a:p>
@@ -2949,7 +2950,7 @@
                   </a:schemeClr>
                 </a:solidFill>
               </a:rPr>
-              <a:t>Instructor Albeiro Ramos </a:t>
+              <a:t>Instructor Albeiro Ramos , Daniel Mora</a:t>
             </a:r>
           </a:p>
           <a:p>
@@ -2963,7 +2964,7 @@
                   </a:schemeClr>
                 </a:solidFill>
               </a:rPr>
-              <a:t>Bogotá, 18 de marzo de 2021</a:t>
+              <a:t>Bogotá, 15 de diciembre de 2021</a:t>
             </a:r>
           </a:p>
         </p:txBody>
@@ -3318,7 +3319,7 @@
                   </a:schemeClr>
                 </a:solidFill>
               </a:rPr>
-              <a:t>   Se propone el desarrollo de un Sistema de Información Web denominado SISTEMATIC CUTEX, que sirva como herramienta software de apoyo al seguimiento de los procesos de la Empresa Peletería Cuero y Color. </a:t>
+              <a:t>   Se propone el desarrollo de un Sistema de Información Web denominado SISTEMATIC CUTEX, que sirva como herramienta software de apoyo al seguimiento de los procesos de la empresa Peletería Cuero y Color. </a:t>
             </a:r>
           </a:p>
           <a:p>
@@ -3470,7 +3471,7 @@
         </p:blipFill>
         <p:spPr>
           <a:xfrm>
-            <a:off x="7497281" y="4296323"/>
+            <a:off x="7482680" y="4391370"/>
             <a:ext cx="1460284" cy="570702"/>
           </a:xfrm>
           <a:prstGeom prst="rect">
@@ -4761,7 +4762,7 @@
                   </a:schemeClr>
                 </a:solidFill>
               </a:rPr>
-              <a:t>  El tiempo estipulado para la entrega del sistema de información es un periodo de 2 años, teniendo en cuenta 8 semestres que comprende el tecnólogo Análisis y Desarrollo de Sistemas de Información, donde se desarrollará la especificación, análisis , diseño, construcción e implementación del sistema, de acuerdo a los objetivos de cada trimestre.</a:t>
+              <a:t>  El tiempo estipulado para la entrega del sistema de información es un periodo de 2 años, teniendo en cuenta 8 trimestres que comprende el tecnólogo Análisis y Desarrollo de Sistemas de Información, donde se desarrollará la especificación, análisis , diseño, construcción e implementación del sistema, de acuerdo a los objetivos de cada trimestre.</a:t>
             </a:r>
           </a:p>
           <a:p>
@@ -6458,6 +6459,235 @@
     <p:extLst>
       <p:ext uri="{BB962C8B-B14F-4D97-AF65-F5344CB8AC3E}">
         <p14:creationId xmlns:p14="http://schemas.microsoft.com/office/powerpoint/2010/main" val="3181596749"/>
+      </p:ext>
+    </p:extLst>
+  </p:cSld>
+  <p:clrMapOvr>
+    <a:masterClrMapping/>
+  </p:clrMapOvr>
+</p:sld>
+</file>
+
+<file path=ppt/slides/slide17.xml><?xml version="1.0" encoding="utf-8"?>
+<p:sld xmlns:a="http://schemas.openxmlformats.org/drawingml/2006/main" xmlns:r="http://schemas.openxmlformats.org/officeDocument/2006/relationships" xmlns:p="http://schemas.openxmlformats.org/presentationml/2006/main">
+  <p:cSld>
+    <p:spTree>
+      <p:nvGrpSpPr>
+        <p:cNvPr id="1" name=""/>
+        <p:cNvGrpSpPr/>
+        <p:nvPr/>
+      </p:nvGrpSpPr>
+      <p:grpSpPr>
+        <a:xfrm>
+          <a:off x="0" y="0"/>
+          <a:ext cx="0" cy="0"/>
+          <a:chOff x="0" y="0"/>
+          <a:chExt cx="0" cy="0"/>
+        </a:xfrm>
+      </p:grpSpPr>
+      <p:sp>
+        <p:nvSpPr>
+          <p:cNvPr id="3" name="CuadroTexto 2">
+            <a:extLst>
+              <a:ext uri="{FF2B5EF4-FFF2-40B4-BE49-F238E27FC236}">
+                <a16:creationId xmlns:a16="http://schemas.microsoft.com/office/drawing/2014/main" id="{3A016DCF-A8A3-40D7-99F3-DFF3A4566A9F}"/>
+              </a:ext>
+            </a:extLst>
+          </p:cNvPr>
+          <p:cNvSpPr txBox="1"/>
+          <p:nvPr/>
+        </p:nvSpPr>
+        <p:spPr>
+          <a:xfrm>
+            <a:off x="1024758" y="1467085"/>
+            <a:ext cx="4572000" cy="2917722"/>
+          </a:xfrm>
+          <a:prstGeom prst="rect">
+            <a:avLst/>
+          </a:prstGeom>
+          <a:noFill/>
+        </p:spPr>
+        <p:txBody>
+          <a:bodyPr wrap="square">
+            <a:spAutoFit/>
+          </a:bodyPr>
+          <a:lstStyle/>
+          <a:p>
+            <a:pPr>
+              <a:lnSpc>
+                <a:spcPct val="120000"/>
+              </a:lnSpc>
+            </a:pPr>
+            <a:r>
+              <a:rPr lang="es-ES_tradnl" sz="1800" b="1" dirty="0">
+                <a:solidFill>
+                  <a:schemeClr val="tx1">
+                    <a:lumMod val="75000"/>
+                    <a:lumOff val="25000"/>
+                  </a:schemeClr>
+                </a:solidFill>
+              </a:rPr>
+              <a:t>Primer Trimestre</a:t>
+            </a:r>
+          </a:p>
+          <a:p>
+            <a:pPr marL="444500" indent="-285750">
+              <a:buFont typeface="Arial" panose="020B0604020202020204" pitchFamily="34" charset="0"/>
+              <a:buChar char="•"/>
+            </a:pPr>
+            <a:r>
+              <a:rPr lang="es-ES" sz="1800" dirty="0">
+                <a:solidFill>
+                  <a:schemeClr val="tx1">
+                    <a:lumMod val="75000"/>
+                    <a:lumOff val="25000"/>
+                  </a:schemeClr>
+                </a:solidFill>
+                <a:highlight>
+                  <a:srgbClr val="FFFF00"/>
+                </a:highlight>
+              </a:rPr>
+              <a:t>Presentación Proyecto</a:t>
+            </a:r>
+          </a:p>
+          <a:p>
+            <a:pPr marL="444500" indent="-285750">
+              <a:buFont typeface="Arial" panose="020B0604020202020204" pitchFamily="34" charset="0"/>
+              <a:buChar char="•"/>
+            </a:pPr>
+            <a:r>
+              <a:rPr lang="es-ES" sz="1800" dirty="0">
+                <a:solidFill>
+                  <a:schemeClr val="tx1">
+                    <a:lumMod val="75000"/>
+                    <a:lumOff val="25000"/>
+                  </a:schemeClr>
+                </a:solidFill>
+                <a:highlight>
+                  <a:srgbClr val="FFFF00"/>
+                </a:highlight>
+              </a:rPr>
+              <a:t>Levantamiento de Información</a:t>
+            </a:r>
+          </a:p>
+          <a:p>
+            <a:pPr marL="444500" indent="-285750">
+              <a:buFont typeface="Arial" panose="020B0604020202020204" pitchFamily="34" charset="0"/>
+              <a:buChar char="•"/>
+            </a:pPr>
+            <a:r>
+              <a:rPr lang="es-ES" sz="1800" dirty="0">
+                <a:solidFill>
+                  <a:schemeClr val="tx1">
+                    <a:lumMod val="75000"/>
+                    <a:lumOff val="25000"/>
+                  </a:schemeClr>
+                </a:solidFill>
+              </a:rPr>
+              <a:t>Diagrama de Procesos </a:t>
+            </a:r>
+            <a:r>
+              <a:rPr lang="es-ES" sz="1800" dirty="0">
+                <a:solidFill>
+                  <a:schemeClr val="tx1">
+                    <a:lumMod val="75000"/>
+                    <a:lumOff val="25000"/>
+                  </a:schemeClr>
+                </a:solidFill>
+                <a:hlinkClick r:id="rId2" action="ppaction://hlinkfile"/>
+              </a:rPr>
+              <a:t>..\4_diagrama de </a:t>
+            </a:r>
+            <a:r>
+              <a:rPr lang="es-ES" sz="1800" dirty="0" err="1">
+                <a:solidFill>
+                  <a:schemeClr val="tx1">
+                    <a:lumMod val="75000"/>
+                    <a:lumOff val="25000"/>
+                  </a:schemeClr>
+                </a:solidFill>
+                <a:hlinkClick r:id="rId2" action="ppaction://hlinkfile"/>
+              </a:rPr>
+              <a:t>prosesos</a:t>
+            </a:r>
+            <a:r>
+              <a:rPr lang="es-ES" sz="1800" dirty="0">
+                <a:solidFill>
+                  <a:schemeClr val="tx1">
+                    <a:lumMod val="75000"/>
+                    <a:lumOff val="25000"/>
+                  </a:schemeClr>
+                </a:solidFill>
+                <a:hlinkClick r:id="rId2" action="ppaction://hlinkfile"/>
+              </a:rPr>
+              <a:t>\1_4_1_diagrama_procesos (1).pdf</a:t>
+            </a:r>
+            <a:endParaRPr lang="es-ES" sz="1800" dirty="0">
+              <a:solidFill>
+                <a:schemeClr val="tx1">
+                  <a:lumMod val="75000"/>
+                  <a:lumOff val="25000"/>
+                </a:schemeClr>
+              </a:solidFill>
+            </a:endParaRPr>
+          </a:p>
+          <a:p>
+            <a:pPr marL="444500" indent="-285750">
+              <a:buFont typeface="Arial" panose="020B0604020202020204" pitchFamily="34" charset="0"/>
+              <a:buChar char="•"/>
+            </a:pPr>
+            <a:endParaRPr lang="es-ES" sz="1800" dirty="0">
+              <a:solidFill>
+                <a:schemeClr val="tx1">
+                  <a:lumMod val="75000"/>
+                  <a:lumOff val="25000"/>
+                </a:schemeClr>
+              </a:solidFill>
+            </a:endParaRPr>
+          </a:p>
+          <a:p>
+            <a:pPr marL="444500" indent="-285750">
+              <a:buFont typeface="Arial" panose="020B0604020202020204" pitchFamily="34" charset="0"/>
+              <a:buChar char="•"/>
+            </a:pPr>
+            <a:r>
+              <a:rPr lang="es-ES" sz="1800" dirty="0">
+                <a:solidFill>
+                  <a:schemeClr val="tx1">
+                    <a:lumMod val="75000"/>
+                    <a:lumOff val="25000"/>
+                  </a:schemeClr>
+                </a:solidFill>
+              </a:rPr>
+              <a:t>Preliminar inventario</a:t>
+            </a:r>
+            <a:r>
+              <a:rPr lang="es-ES" sz="1800" dirty="0">
+                <a:solidFill>
+                  <a:schemeClr val="tx1">
+                    <a:lumMod val="75000"/>
+                    <a:lumOff val="25000"/>
+                  </a:schemeClr>
+                </a:solidFill>
+                <a:hlinkClick r:id="rId3" action="ppaction://hlinkfile"/>
+              </a:rPr>
+              <a:t>..\2_actividades\1_2_2_inventario_v1.pdf</a:t>
+            </a:r>
+            <a:endParaRPr lang="es-ES" sz="1800" dirty="0">
+              <a:solidFill>
+                <a:schemeClr val="tx1">
+                  <a:lumMod val="75000"/>
+                  <a:lumOff val="25000"/>
+                </a:schemeClr>
+              </a:solidFill>
+            </a:endParaRPr>
+          </a:p>
+        </p:txBody>
+      </p:sp>
+    </p:spTree>
+    <p:extLst>
+      <p:ext uri="{BB962C8B-B14F-4D97-AF65-F5344CB8AC3E}">
+        <p14:creationId xmlns:p14="http://schemas.microsoft.com/office/powerpoint/2010/main" val="3708630260"/>
       </p:ext>
     </p:extLst>
   </p:cSld>
@@ -6660,7 +6890,7 @@
                 <a:cs typeface="Calibir"/>
                 <a:sym typeface="Helvetica Neue"/>
               </a:rPr>
-              <a:t>  Los objetivos donde se describe que se quiere alcanzar con este proyecto , la justificación donde se describe la solución al problema , la importancia del sistema de información y su aporte al sector comercial y el alcance donde se describe que va hacer el sistema y su el tiempo que se requiere para desarrollarlo.</a:t>
+              <a:t>  Los objetivos donde se describe que se quiere alcanzar con este proyecto , la justificación donde se describe la solución al problema , la importancia del sistema de información y su aporte al sector comercial y el alcance donde se describe que va hacer el sistema y el tiempo que se requiere para desarrollarlo.</a:t>
             </a:r>
           </a:p>
           <a:p>
@@ -7809,7 +8039,7 @@
         <p:spPr>
           <a:xfrm>
             <a:off x="186435" y="1075298"/>
-            <a:ext cx="8647035" cy="3970318"/>
+            <a:ext cx="8647035" cy="4801314"/>
           </a:xfrm>
           <a:prstGeom prst="rect">
             <a:avLst/>
@@ -7833,10 +8063,28 @@
             <a:endParaRPr lang="es-CO" dirty="0"/>
           </a:p>
           <a:p>
+            <a:r>
+              <a:rPr lang="es-CO" dirty="0"/>
+              <a:t>  Para determinar que sucede al interior de cada proceso se seleccionó como técnicas de recolección, la entrevista y lista de chequeo.  aplicados a la dueña de la empresa la señora Yaneth Ortiz; </a:t>
+            </a:r>
+          </a:p>
+          <a:p>
+            <a:r>
+              <a:rPr lang="es-ES" dirty="0">
+                <a:hlinkClick r:id="rId5" action="ppaction://hlinkfile"/>
+              </a:rPr>
+              <a:t>..\3_recoleccion\1_3_1_recoleccion_informacion (1).pdf</a:t>
+            </a:r>
+            <a:endParaRPr lang="es-ES" dirty="0"/>
+          </a:p>
+          <a:p>
+            <a:endParaRPr lang="es-CO" dirty="0"/>
+          </a:p>
+          <a:p>
             <a:pPr algn="just"/>
             <a:r>
               <a:rPr lang="es-CO" dirty="0"/>
-              <a:t>  Para determinar que sucede al interior de cada proceso se seleccionó como técnica de recolección, la entrevista,  aplicada a la dueña de la empresa la señora Yaneth Ortiz; A través del análisis que se hizo, el proceso de venta funciona como un registro diario en cuadernos, el proceso de facturación se realiza con factura física y el proceso de inventario se realiza mediante anotaciones en cuadernos cada mes.</a:t>
+              <a:t>A través del análisis que se hizo, el proceso de venta funciona como un registro diario en cuadernos, el proceso de facturación se realiza con factura física y el proceso de inventario se realiza mediante anotaciones en cuadernos cada mes.</a:t>
             </a:r>
           </a:p>
           <a:p>
@@ -7907,8 +8155,8 @@
         </p:nvSpPr>
         <p:spPr>
           <a:xfrm>
-            <a:off x="609599" y="1678375"/>
-            <a:ext cx="8261132" cy="2446824"/>
+            <a:off x="609599" y="1678374"/>
+            <a:ext cx="7693573" cy="1338828"/>
           </a:xfrm>
           <a:prstGeom prst="rect">
             <a:avLst/>
@@ -7920,114 +8168,6 @@
             <a:spAutoFit/>
           </a:bodyPr>
           <a:lstStyle/>
-          <a:p>
-            <a:pPr algn="just"/>
-            <a:r>
-              <a:rPr lang="es-ES" dirty="0">
-                <a:hlinkClick r:id="rId2" action="ppaction://hlinkfile"/>
-              </a:rPr>
-              <a:t>..\..\..\</a:t>
-            </a:r>
-            <a:r>
-              <a:rPr lang="es-ES" dirty="0" err="1">
-                <a:hlinkClick r:id="rId2" action="ppaction://hlinkfile"/>
-              </a:rPr>
-              <a:t>xampp</a:t>
-            </a:r>
-            <a:r>
-              <a:rPr lang="es-ES" dirty="0">
-                <a:hlinkClick r:id="rId2" action="ppaction://hlinkfile"/>
-              </a:rPr>
-              <a:t>\</a:t>
-            </a:r>
-            <a:r>
-              <a:rPr lang="es-ES" dirty="0" err="1">
-                <a:hlinkClick r:id="rId2" action="ppaction://hlinkfile"/>
-              </a:rPr>
-              <a:t>htdocs</a:t>
-            </a:r>
-            <a:r>
-              <a:rPr lang="es-ES" dirty="0">
-                <a:hlinkClick r:id="rId2" action="ppaction://hlinkfile"/>
-              </a:rPr>
-              <a:t>\Documentos\</a:t>
-            </a:r>
-            <a:r>
-              <a:rPr lang="es-ES" dirty="0" err="1">
-                <a:hlinkClick r:id="rId2" action="ppaction://hlinkfile"/>
-              </a:rPr>
-              <a:t>Proyectos_ADSI</a:t>
-            </a:r>
-            <a:r>
-              <a:rPr lang="es-ES" dirty="0">
-                <a:hlinkClick r:id="rId2" action="ppaction://hlinkfile"/>
-              </a:rPr>
-              <a:t>\App\</a:t>
-            </a:r>
-            <a:r>
-              <a:rPr lang="es-ES" dirty="0" err="1">
-                <a:hlinkClick r:id="rId2" action="ppaction://hlinkfile"/>
-              </a:rPr>
-              <a:t>app_documentacion</a:t>
-            </a:r>
-            <a:r>
-              <a:rPr lang="es-ES" dirty="0">
-                <a:hlinkClick r:id="rId2" action="ppaction://hlinkfile"/>
-              </a:rPr>
-              <a:t>\1er_trimestre\3_recoleccion\1_3_1_recoleccion_informacion (1).pdf</a:t>
-            </a:r>
-            <a:endParaRPr lang="es-ES" dirty="0"/>
-          </a:p>
-          <a:p>
-            <a:pPr algn="just"/>
-            <a:endParaRPr lang="es-ES" dirty="0"/>
-          </a:p>
-          <a:p>
-            <a:pPr algn="just"/>
-            <a:r>
-              <a:rPr lang="es-ES" dirty="0">
-                <a:hlinkClick r:id="rId3" action="ppaction://hlinkfile"/>
-              </a:rPr>
-              <a:t>..\</a:t>
-            </a:r>
-            <a:r>
-              <a:rPr lang="es-ES" dirty="0" err="1">
-                <a:hlinkClick r:id="rId3" action="ppaction://hlinkfile"/>
-              </a:rPr>
-              <a:t>Documents</a:t>
-            </a:r>
-            <a:r>
-              <a:rPr lang="es-ES" dirty="0">
-                <a:hlinkClick r:id="rId3" action="ppaction://hlinkfile"/>
-              </a:rPr>
-              <a:t>\</a:t>
-            </a:r>
-            <a:r>
-              <a:rPr lang="es-ES" dirty="0" err="1">
-                <a:hlinkClick r:id="rId3" action="ppaction://hlinkfile"/>
-              </a:rPr>
-              <a:t>kathe</a:t>
-            </a:r>
-            <a:r>
-              <a:rPr lang="es-ES" dirty="0">
-                <a:hlinkClick r:id="rId3" action="ppaction://hlinkfile"/>
-              </a:rPr>
-              <a:t>\SENA\1 trimestre\Proyecto ADSI\</a:t>
-            </a:r>
-            <a:r>
-              <a:rPr lang="es-ES" dirty="0" err="1">
-                <a:hlinkClick r:id="rId3" action="ppaction://hlinkfile"/>
-              </a:rPr>
-              <a:t>Analisis</a:t>
-            </a:r>
-            <a:r>
-              <a:rPr lang="es-ES" dirty="0">
-                <a:hlinkClick r:id="rId3" action="ppaction://hlinkfile"/>
-              </a:rPr>
-              <a:t> Entrevista png.png</a:t>
-            </a:r>
-            <a:endParaRPr lang="es-ES" dirty="0"/>
-          </a:p>
           <a:p>
             <a:pPr algn="just"/>
             <a:endParaRPr lang="es-CO" sz="900" dirty="0"/>
